--- a/Team 4/PM_Abschlusspräsentation_Team4.pptx
+++ b/Team 4/PM_Abschlusspräsentation_Team4.pptx
@@ -6,9 +6,9 @@
   </p:sldMasterIdLst>
   <p:sldIdLst>
     <p:sldId id="256" r:id="rId2"/>
-    <p:sldId id="260" r:id="rId3"/>
-    <p:sldId id="258" r:id="rId4"/>
-    <p:sldId id="261" r:id="rId5"/>
+    <p:sldId id="263" r:id="rId3"/>
+    <p:sldId id="261" r:id="rId4"/>
+    <p:sldId id="258" r:id="rId5"/>
     <p:sldId id="259" r:id="rId6"/>
     <p:sldId id="262" r:id="rId7"/>
   </p:sldIdLst>
@@ -109,6 +109,11 @@
       </a:defRPr>
     </a:lvl9pPr>
   </p:defaultTextStyle>
+  <p:extLst>
+    <p:ext uri="{EFAFB233-063F-42B5-8137-9DF3F51BA10A}">
+      <p15:sldGuideLst xmlns:p15="http://schemas.microsoft.com/office/powerpoint/2012/main"/>
+    </p:ext>
+  </p:extLst>
 </p:presentation>
 </file>
 
@@ -125,38 +130,6 @@
 </file>
 
 <file path=ppt/comments/comment1.xml><?xml version="1.0" encoding="utf-8"?>
-<p:cmLst xmlns:a="http://schemas.openxmlformats.org/drawingml/2006/main" xmlns:r="http://schemas.openxmlformats.org/officeDocument/2006/relationships" xmlns:p="http://schemas.openxmlformats.org/presentationml/2006/main">
-  <p:cm authorId="1" dt="2019-06-17T16:27:05.174" idx="6">
-    <p:pos x="7375" y="297"/>
-    <p:text>Durch schlechte Abschätzung des Arbeitsaufwands und Schwierigkeiten mit Kommunikation, etc.</p:text>
-    <p:extLst>
-      <p:ext uri="{C676402C-5697-4E1C-873F-D02D1690AC5C}">
-        <p15:threadingInfo xmlns:p15="http://schemas.microsoft.com/office/powerpoint/2012/main" timeZoneBias="-120"/>
-      </p:ext>
-    </p:extLst>
-  </p:cm>
-  <p:cm authorId="1" dt="2019-06-17T16:27:28.709" idx="7">
-    <p:pos x="7383" y="1828"/>
-    <p:text>Vorallem Kommunikation außerhalb der Vorlesungen</p:text>
-    <p:extLst>
-      <p:ext uri="{C676402C-5697-4E1C-873F-D02D1690AC5C}">
-        <p15:threadingInfo xmlns:p15="http://schemas.microsoft.com/office/powerpoint/2012/main" timeZoneBias="-120"/>
-      </p:ext>
-    </p:extLst>
-  </p:cm>
-  <p:cm authorId="1" dt="2019-06-17T16:27:46.581" idx="8">
-    <p:pos x="7396" y="2967"/>
-    <p:text>Viele davon in Reflexion später, Projekt soll hiermit ein positiveres Thema anstimmen</p:text>
-    <p:extLst>
-      <p:ext uri="{C676402C-5697-4E1C-873F-D02D1690AC5C}">
-        <p15:threadingInfo xmlns:p15="http://schemas.microsoft.com/office/powerpoint/2012/main" timeZoneBias="-120"/>
-      </p:ext>
-    </p:extLst>
-  </p:cm>
-</p:cmLst>
-</file>
-
-<file path=ppt/comments/comment2.xml><?xml version="1.0" encoding="utf-8"?>
 <p:cmLst xmlns:a="http://schemas.openxmlformats.org/drawingml/2006/main" xmlns:r="http://schemas.openxmlformats.org/officeDocument/2006/relationships" xmlns:p="http://schemas.openxmlformats.org/presentationml/2006/main">
   <p:cm authorId="1" dt="2019-06-17T16:29:16.565" idx="9">
     <p:pos x="6832" y="1508"/>
@@ -188,7 +161,7 @@
 </p:cmLst>
 </file>
 
-<file path=ppt/comments/comment3.xml><?xml version="1.0" encoding="utf-8"?>
+<file path=ppt/comments/comment2.xml><?xml version="1.0" encoding="utf-8"?>
 <p:cmLst xmlns:a="http://schemas.openxmlformats.org/drawingml/2006/main" xmlns:r="http://schemas.openxmlformats.org/officeDocument/2006/relationships" xmlns:p="http://schemas.openxmlformats.org/presentationml/2006/main">
   <p:cm authorId="1" dt="2019-06-17T16:17:44.014" idx="5">
     <p:pos x="6956" y="3457"/>
@@ -203,6 +176,788 @@
 </file>
 
 <file path=ppt/diagrams/colors1.xml><?xml version="1.0" encoding="utf-8"?>
+<dgm:colorsDef xmlns:dgm="http://schemas.openxmlformats.org/drawingml/2006/diagram" xmlns:a="http://schemas.openxmlformats.org/drawingml/2006/main" uniqueId="urn:microsoft.com/office/officeart/2005/8/colors/colorful5">
+  <dgm:title val=""/>
+  <dgm:desc val=""/>
+  <dgm:catLst>
+    <dgm:cat type="colorful" pri="10500"/>
+  </dgm:catLst>
+  <dgm:styleLbl name="node0">
+    <dgm:fillClrLst meth="repeat">
+      <a:schemeClr val="accent4"/>
+    </dgm:fillClrLst>
+    <dgm:linClrLst meth="repeat">
+      <a:schemeClr val="lt1"/>
+    </dgm:linClrLst>
+    <dgm:effectClrLst/>
+    <dgm:txLinClrLst/>
+    <dgm:txFillClrLst/>
+    <dgm:txEffectClrLst/>
+  </dgm:styleLbl>
+  <dgm:styleLbl name="node1">
+    <dgm:fillClrLst>
+      <a:schemeClr val="accent5"/>
+      <a:schemeClr val="accent6"/>
+    </dgm:fillClrLst>
+    <dgm:linClrLst meth="repeat">
+      <a:schemeClr val="lt1"/>
+    </dgm:linClrLst>
+    <dgm:effectClrLst/>
+    <dgm:txLinClrLst/>
+    <dgm:txFillClrLst/>
+    <dgm:txEffectClrLst/>
+  </dgm:styleLbl>
+  <dgm:styleLbl name="alignNode1">
+    <dgm:fillClrLst>
+      <a:schemeClr val="accent5"/>
+      <a:schemeClr val="accent6"/>
+    </dgm:fillClrLst>
+    <dgm:linClrLst>
+      <a:schemeClr val="accent5"/>
+      <a:schemeClr val="accent6"/>
+    </dgm:linClrLst>
+    <dgm:effectClrLst/>
+    <dgm:txLinClrLst/>
+    <dgm:txFillClrLst/>
+    <dgm:txEffectClrLst/>
+  </dgm:styleLbl>
+  <dgm:styleLbl name="lnNode1">
+    <dgm:fillClrLst>
+      <a:schemeClr val="accent5"/>
+      <a:schemeClr val="accent6"/>
+    </dgm:fillClrLst>
+    <dgm:linClrLst meth="repeat">
+      <a:schemeClr val="lt1"/>
+    </dgm:linClrLst>
+    <dgm:effectClrLst/>
+    <dgm:txLinClrLst/>
+    <dgm:txFillClrLst/>
+    <dgm:txEffectClrLst/>
+  </dgm:styleLbl>
+  <dgm:styleLbl name="vennNode1">
+    <dgm:fillClrLst>
+      <a:schemeClr val="accent5">
+        <a:alpha val="50000"/>
+      </a:schemeClr>
+      <a:schemeClr val="accent6">
+        <a:alpha val="50000"/>
+      </a:schemeClr>
+    </dgm:fillClrLst>
+    <dgm:linClrLst meth="repeat">
+      <a:schemeClr val="lt1"/>
+    </dgm:linClrLst>
+    <dgm:effectClrLst/>
+    <dgm:txLinClrLst/>
+    <dgm:txFillClrLst/>
+    <dgm:txEffectClrLst/>
+  </dgm:styleLbl>
+  <dgm:styleLbl name="node2">
+    <dgm:fillClrLst>
+      <a:schemeClr val="accent6"/>
+    </dgm:fillClrLst>
+    <dgm:linClrLst meth="repeat">
+      <a:schemeClr val="lt1"/>
+    </dgm:linClrLst>
+    <dgm:effectClrLst/>
+    <dgm:txLinClrLst/>
+    <dgm:txFillClrLst/>
+    <dgm:txEffectClrLst/>
+  </dgm:styleLbl>
+  <dgm:styleLbl name="node3">
+    <dgm:fillClrLst>
+      <a:schemeClr val="accent1"/>
+    </dgm:fillClrLst>
+    <dgm:linClrLst meth="repeat">
+      <a:schemeClr val="lt1"/>
+    </dgm:linClrLst>
+    <dgm:effectClrLst/>
+    <dgm:txLinClrLst/>
+    <dgm:txFillClrLst/>
+    <dgm:txEffectClrLst/>
+  </dgm:styleLbl>
+  <dgm:styleLbl name="node4">
+    <dgm:fillClrLst>
+      <a:schemeClr val="accent2"/>
+    </dgm:fillClrLst>
+    <dgm:linClrLst meth="repeat">
+      <a:schemeClr val="lt1"/>
+    </dgm:linClrLst>
+    <dgm:effectClrLst/>
+    <dgm:txLinClrLst/>
+    <dgm:txFillClrLst/>
+    <dgm:txEffectClrLst/>
+  </dgm:styleLbl>
+  <dgm:styleLbl name="fgImgPlace1">
+    <dgm:fillClrLst>
+      <a:schemeClr val="accent5">
+        <a:tint val="50000"/>
+      </a:schemeClr>
+      <a:schemeClr val="accent6">
+        <a:tint val="50000"/>
+      </a:schemeClr>
+    </dgm:fillClrLst>
+    <dgm:linClrLst meth="repeat">
+      <a:schemeClr val="lt1"/>
+    </dgm:linClrLst>
+    <dgm:effectClrLst/>
+    <dgm:txLinClrLst/>
+    <dgm:txFillClrLst meth="repeat">
+      <a:schemeClr val="lt1"/>
+    </dgm:txFillClrLst>
+    <dgm:txEffectClrLst/>
+  </dgm:styleLbl>
+  <dgm:styleLbl name="alignImgPlace1">
+    <dgm:fillClrLst>
+      <a:schemeClr val="accent5">
+        <a:tint val="50000"/>
+      </a:schemeClr>
+      <a:schemeClr val="accent6">
+        <a:tint val="20000"/>
+      </a:schemeClr>
+    </dgm:fillClrLst>
+    <dgm:linClrLst meth="repeat">
+      <a:schemeClr val="lt1"/>
+    </dgm:linClrLst>
+    <dgm:effectClrLst/>
+    <dgm:txLinClrLst/>
+    <dgm:txFillClrLst meth="repeat">
+      <a:schemeClr val="lt1"/>
+    </dgm:txFillClrLst>
+    <dgm:txEffectClrLst/>
+  </dgm:styleLbl>
+  <dgm:styleLbl name="bgImgPlace1">
+    <dgm:fillClrLst>
+      <a:schemeClr val="accent5">
+        <a:tint val="50000"/>
+      </a:schemeClr>
+      <a:schemeClr val="accent6">
+        <a:tint val="20000"/>
+      </a:schemeClr>
+    </dgm:fillClrLst>
+    <dgm:linClrLst meth="repeat">
+      <a:schemeClr val="lt1"/>
+    </dgm:linClrLst>
+    <dgm:effectClrLst/>
+    <dgm:txLinClrLst/>
+    <dgm:txFillClrLst meth="repeat">
+      <a:schemeClr val="lt1"/>
+    </dgm:txFillClrLst>
+    <dgm:txEffectClrLst/>
+  </dgm:styleLbl>
+  <dgm:styleLbl name="sibTrans2D1">
+    <dgm:fillClrLst>
+      <a:schemeClr val="accent5"/>
+      <a:schemeClr val="accent6"/>
+    </dgm:fillClrLst>
+    <dgm:linClrLst meth="repeat">
+      <a:schemeClr val="lt1"/>
+    </dgm:linClrLst>
+    <dgm:effectClrLst/>
+    <dgm:txLinClrLst/>
+    <dgm:txFillClrLst/>
+    <dgm:txEffectClrLst/>
+  </dgm:styleLbl>
+  <dgm:styleLbl name="fgSibTrans2D1">
+    <dgm:fillClrLst>
+      <a:schemeClr val="accent5"/>
+      <a:schemeClr val="accent6"/>
+    </dgm:fillClrLst>
+    <dgm:linClrLst meth="repeat">
+      <a:schemeClr val="lt1"/>
+    </dgm:linClrLst>
+    <dgm:effectClrLst/>
+    <dgm:txLinClrLst/>
+    <dgm:txFillClrLst meth="repeat">
+      <a:schemeClr val="lt1"/>
+    </dgm:txFillClrLst>
+    <dgm:txEffectClrLst/>
+  </dgm:styleLbl>
+  <dgm:styleLbl name="bgSibTrans2D1">
+    <dgm:fillClrLst>
+      <a:schemeClr val="accent5"/>
+      <a:schemeClr val="accent6"/>
+    </dgm:fillClrLst>
+    <dgm:linClrLst meth="repeat">
+      <a:schemeClr val="lt1"/>
+    </dgm:linClrLst>
+    <dgm:effectClrLst/>
+    <dgm:txLinClrLst/>
+    <dgm:txFillClrLst meth="repeat">
+      <a:schemeClr val="lt1"/>
+    </dgm:txFillClrLst>
+    <dgm:txEffectClrLst/>
+  </dgm:styleLbl>
+  <dgm:styleLbl name="sibTrans1D1">
+    <dgm:fillClrLst/>
+    <dgm:linClrLst>
+      <a:schemeClr val="accent5"/>
+      <a:schemeClr val="accent6"/>
+    </dgm:linClrLst>
+    <dgm:effectClrLst/>
+    <dgm:txLinClrLst/>
+    <dgm:txFillClrLst meth="repeat">
+      <a:schemeClr val="tx1"/>
+    </dgm:txFillClrLst>
+    <dgm:txEffectClrLst/>
+  </dgm:styleLbl>
+  <dgm:styleLbl name="callout">
+    <dgm:fillClrLst meth="repeat">
+      <a:schemeClr val="accent5"/>
+    </dgm:fillClrLst>
+    <dgm:linClrLst meth="repeat">
+      <a:schemeClr val="accent5">
+        <a:tint val="50000"/>
+      </a:schemeClr>
+    </dgm:linClrLst>
+    <dgm:effectClrLst/>
+    <dgm:txLinClrLst/>
+    <dgm:txFillClrLst meth="repeat">
+      <a:schemeClr val="tx1"/>
+    </dgm:txFillClrLst>
+    <dgm:txEffectClrLst/>
+  </dgm:styleLbl>
+  <dgm:styleLbl name="asst0">
+    <dgm:fillClrLst meth="repeat">
+      <a:schemeClr val="accent5"/>
+    </dgm:fillClrLst>
+    <dgm:linClrLst meth="repeat">
+      <a:schemeClr val="lt1">
+        <a:shade val="80000"/>
+      </a:schemeClr>
+    </dgm:linClrLst>
+    <dgm:effectClrLst/>
+    <dgm:txLinClrLst/>
+    <dgm:txFillClrLst/>
+    <dgm:txEffectClrLst/>
+  </dgm:styleLbl>
+  <dgm:styleLbl name="asst1">
+    <dgm:fillClrLst meth="repeat">
+      <a:schemeClr val="accent6"/>
+    </dgm:fillClrLst>
+    <dgm:linClrLst meth="repeat">
+      <a:schemeClr val="lt1">
+        <a:shade val="80000"/>
+      </a:schemeClr>
+    </dgm:linClrLst>
+    <dgm:effectClrLst/>
+    <dgm:txLinClrLst/>
+    <dgm:txFillClrLst/>
+    <dgm:txEffectClrLst/>
+  </dgm:styleLbl>
+  <dgm:styleLbl name="asst2">
+    <dgm:fillClrLst>
+      <a:schemeClr val="accent1"/>
+    </dgm:fillClrLst>
+    <dgm:linClrLst meth="repeat">
+      <a:schemeClr val="lt1"/>
+    </dgm:linClrLst>
+    <dgm:effectClrLst/>
+    <dgm:txLinClrLst/>
+    <dgm:txFillClrLst/>
+    <dgm:txEffectClrLst/>
+  </dgm:styleLbl>
+  <dgm:styleLbl name="asst3">
+    <dgm:fillClrLst>
+      <a:schemeClr val="accent2"/>
+    </dgm:fillClrLst>
+    <dgm:linClrLst meth="repeat">
+      <a:schemeClr val="lt1"/>
+    </dgm:linClrLst>
+    <dgm:effectClrLst/>
+    <dgm:txLinClrLst/>
+    <dgm:txFillClrLst/>
+    <dgm:txEffectClrLst/>
+  </dgm:styleLbl>
+  <dgm:styleLbl name="asst4">
+    <dgm:fillClrLst>
+      <a:schemeClr val="accent3"/>
+    </dgm:fillClrLst>
+    <dgm:linClrLst meth="repeat">
+      <a:schemeClr val="lt1"/>
+    </dgm:linClrLst>
+    <dgm:effectClrLst/>
+    <dgm:txLinClrLst/>
+    <dgm:txFillClrLst/>
+    <dgm:txEffectClrLst/>
+  </dgm:styleLbl>
+  <dgm:styleLbl name="parChTrans2D1">
+    <dgm:fillClrLst meth="repeat">
+      <a:schemeClr val="accent5"/>
+    </dgm:fillClrLst>
+    <dgm:linClrLst meth="repeat">
+      <a:schemeClr val="lt1"/>
+    </dgm:linClrLst>
+    <dgm:effectClrLst/>
+    <dgm:txLinClrLst/>
+    <dgm:txFillClrLst meth="repeat">
+      <a:schemeClr val="lt1"/>
+    </dgm:txFillClrLst>
+    <dgm:txEffectClrLst/>
+  </dgm:styleLbl>
+  <dgm:styleLbl name="parChTrans2D2">
+    <dgm:fillClrLst meth="repeat">
+      <a:schemeClr val="accent6"/>
+    </dgm:fillClrLst>
+    <dgm:linClrLst meth="repeat">
+      <a:schemeClr val="lt1"/>
+    </dgm:linClrLst>
+    <dgm:effectClrLst/>
+    <dgm:txLinClrLst/>
+    <dgm:txFillClrLst/>
+    <dgm:txEffectClrLst/>
+  </dgm:styleLbl>
+  <dgm:styleLbl name="parChTrans2D3">
+    <dgm:fillClrLst meth="repeat">
+      <a:schemeClr val="accent6"/>
+    </dgm:fillClrLst>
+    <dgm:linClrLst meth="repeat">
+      <a:schemeClr val="lt1"/>
+    </dgm:linClrLst>
+    <dgm:effectClrLst/>
+    <dgm:txLinClrLst/>
+    <dgm:txFillClrLst/>
+    <dgm:txEffectClrLst/>
+  </dgm:styleLbl>
+  <dgm:styleLbl name="parChTrans2D4">
+    <dgm:fillClrLst meth="repeat">
+      <a:schemeClr val="accent1"/>
+    </dgm:fillClrLst>
+    <dgm:linClrLst meth="repeat">
+      <a:schemeClr val="lt1"/>
+    </dgm:linClrLst>
+    <dgm:effectClrLst/>
+    <dgm:txLinClrLst/>
+    <dgm:txFillClrLst meth="repeat">
+      <a:schemeClr val="lt1"/>
+    </dgm:txFillClrLst>
+    <dgm:txEffectClrLst/>
+  </dgm:styleLbl>
+  <dgm:styleLbl name="parChTrans1D1">
+    <dgm:fillClrLst meth="repeat">
+      <a:schemeClr val="accent5"/>
+    </dgm:fillClrLst>
+    <dgm:linClrLst meth="repeat">
+      <a:schemeClr val="accent5"/>
+    </dgm:linClrLst>
+    <dgm:effectClrLst/>
+    <dgm:txLinClrLst/>
+    <dgm:txFillClrLst meth="repeat">
+      <a:schemeClr val="tx1"/>
+    </dgm:txFillClrLst>
+    <dgm:txEffectClrLst/>
+  </dgm:styleLbl>
+  <dgm:styleLbl name="parChTrans1D2">
+    <dgm:fillClrLst meth="repeat">
+      <a:schemeClr val="accent6">
+        <a:tint val="90000"/>
+      </a:schemeClr>
+    </dgm:fillClrLst>
+    <dgm:linClrLst meth="repeat">
+      <a:schemeClr val="accent6"/>
+    </dgm:linClrLst>
+    <dgm:effectClrLst/>
+    <dgm:txLinClrLst/>
+    <dgm:txFillClrLst meth="repeat">
+      <a:schemeClr val="tx1"/>
+    </dgm:txFillClrLst>
+    <dgm:txEffectClrLst/>
+  </dgm:styleLbl>
+  <dgm:styleLbl name="parChTrans1D3">
+    <dgm:fillClrLst meth="repeat">
+      <a:schemeClr val="accent6">
+        <a:tint val="70000"/>
+      </a:schemeClr>
+    </dgm:fillClrLst>
+    <dgm:linClrLst meth="repeat">
+      <a:schemeClr val="accent1"/>
+    </dgm:linClrLst>
+    <dgm:effectClrLst/>
+    <dgm:txLinClrLst/>
+    <dgm:txFillClrLst meth="repeat">
+      <a:schemeClr val="tx1"/>
+    </dgm:txFillClrLst>
+    <dgm:txEffectClrLst/>
+  </dgm:styleLbl>
+  <dgm:styleLbl name="parChTrans1D4">
+    <dgm:fillClrLst meth="repeat">
+      <a:schemeClr val="accent6">
+        <a:tint val="50000"/>
+      </a:schemeClr>
+    </dgm:fillClrLst>
+    <dgm:linClrLst meth="repeat">
+      <a:schemeClr val="accent2"/>
+    </dgm:linClrLst>
+    <dgm:effectClrLst/>
+    <dgm:txLinClrLst/>
+    <dgm:txFillClrLst meth="repeat">
+      <a:schemeClr val="tx1"/>
+    </dgm:txFillClrLst>
+    <dgm:txEffectClrLst/>
+  </dgm:styleLbl>
+  <dgm:styleLbl name="fgAcc1">
+    <dgm:fillClrLst meth="repeat">
+      <a:schemeClr val="lt1">
+        <a:alpha val="90000"/>
+      </a:schemeClr>
+    </dgm:fillClrLst>
+    <dgm:linClrLst>
+      <a:schemeClr val="accent5"/>
+      <a:schemeClr val="accent6"/>
+    </dgm:linClrLst>
+    <dgm:effectClrLst/>
+    <dgm:txLinClrLst/>
+    <dgm:txFillClrLst meth="repeat">
+      <a:schemeClr val="dk1"/>
+    </dgm:txFillClrLst>
+    <dgm:txEffectClrLst/>
+  </dgm:styleLbl>
+  <dgm:styleLbl name="conFgAcc1">
+    <dgm:fillClrLst meth="repeat">
+      <a:schemeClr val="lt1">
+        <a:alpha val="90000"/>
+      </a:schemeClr>
+    </dgm:fillClrLst>
+    <dgm:linClrLst>
+      <a:schemeClr val="accent5"/>
+      <a:schemeClr val="accent6"/>
+    </dgm:linClrLst>
+    <dgm:effectClrLst/>
+    <dgm:txLinClrLst/>
+    <dgm:txFillClrLst meth="repeat">
+      <a:schemeClr val="dk1"/>
+    </dgm:txFillClrLst>
+    <dgm:txEffectClrLst/>
+  </dgm:styleLbl>
+  <dgm:styleLbl name="alignAcc1">
+    <dgm:fillClrLst meth="repeat">
+      <a:schemeClr val="lt1">
+        <a:alpha val="90000"/>
+      </a:schemeClr>
+    </dgm:fillClrLst>
+    <dgm:linClrLst>
+      <a:schemeClr val="accent5"/>
+      <a:schemeClr val="accent6"/>
+    </dgm:linClrLst>
+    <dgm:effectClrLst/>
+    <dgm:txLinClrLst/>
+    <dgm:txFillClrLst meth="repeat">
+      <a:schemeClr val="dk1"/>
+    </dgm:txFillClrLst>
+    <dgm:txEffectClrLst/>
+  </dgm:styleLbl>
+  <dgm:styleLbl name="trAlignAcc1">
+    <dgm:fillClrLst meth="repeat">
+      <a:schemeClr val="lt1">
+        <a:alpha val="40000"/>
+      </a:schemeClr>
+    </dgm:fillClrLst>
+    <dgm:linClrLst meth="repeat">
+      <a:schemeClr val="accent5"/>
+    </dgm:linClrLst>
+    <dgm:effectClrLst/>
+    <dgm:txLinClrLst/>
+    <dgm:txFillClrLst meth="repeat">
+      <a:schemeClr val="dk1"/>
+    </dgm:txFillClrLst>
+    <dgm:txEffectClrLst/>
+  </dgm:styleLbl>
+  <dgm:styleLbl name="bgAcc1">
+    <dgm:fillClrLst meth="repeat">
+      <a:schemeClr val="lt1">
+        <a:alpha val="90000"/>
+      </a:schemeClr>
+    </dgm:fillClrLst>
+    <dgm:linClrLst>
+      <a:schemeClr val="accent5"/>
+      <a:schemeClr val="accent6"/>
+    </dgm:linClrLst>
+    <dgm:effectClrLst/>
+    <dgm:txLinClrLst/>
+    <dgm:txFillClrLst meth="repeat">
+      <a:schemeClr val="dk1"/>
+    </dgm:txFillClrLst>
+    <dgm:txEffectClrLst/>
+  </dgm:styleLbl>
+  <dgm:styleLbl name="solidFgAcc1">
+    <dgm:fillClrLst meth="repeat">
+      <a:schemeClr val="lt1"/>
+    </dgm:fillClrLst>
+    <dgm:linClrLst>
+      <a:schemeClr val="accent5"/>
+      <a:schemeClr val="accent6"/>
+    </dgm:linClrLst>
+    <dgm:effectClrLst/>
+    <dgm:txLinClrLst/>
+    <dgm:txFillClrLst meth="repeat">
+      <a:schemeClr val="dk1"/>
+    </dgm:txFillClrLst>
+    <dgm:txEffectClrLst/>
+  </dgm:styleLbl>
+  <dgm:styleLbl name="solidAlignAcc1">
+    <dgm:fillClrLst meth="repeat">
+      <a:schemeClr val="lt1"/>
+    </dgm:fillClrLst>
+    <dgm:linClrLst>
+      <a:schemeClr val="accent5"/>
+      <a:schemeClr val="accent6"/>
+    </dgm:linClrLst>
+    <dgm:effectClrLst/>
+    <dgm:txLinClrLst/>
+    <dgm:txFillClrLst meth="repeat">
+      <a:schemeClr val="dk1"/>
+    </dgm:txFillClrLst>
+    <dgm:txEffectClrLst/>
+  </dgm:styleLbl>
+  <dgm:styleLbl name="solidBgAcc1">
+    <dgm:fillClrLst meth="repeat">
+      <a:schemeClr val="lt1"/>
+    </dgm:fillClrLst>
+    <dgm:linClrLst>
+      <a:schemeClr val="accent5"/>
+      <a:schemeClr val="accent6"/>
+    </dgm:linClrLst>
+    <dgm:effectClrLst/>
+    <dgm:txLinClrLst/>
+    <dgm:txFillClrLst meth="repeat">
+      <a:schemeClr val="dk1"/>
+    </dgm:txFillClrLst>
+    <dgm:txEffectClrLst/>
+  </dgm:styleLbl>
+  <dgm:styleLbl name="fgAccFollowNode1">
+    <dgm:fillClrLst>
+      <a:schemeClr val="accent5">
+        <a:tint val="40000"/>
+        <a:alpha val="90000"/>
+      </a:schemeClr>
+      <a:schemeClr val="accent6">
+        <a:tint val="40000"/>
+        <a:alpha val="90000"/>
+      </a:schemeClr>
+    </dgm:fillClrLst>
+    <dgm:linClrLst>
+      <a:schemeClr val="accent5">
+        <a:tint val="40000"/>
+        <a:alpha val="90000"/>
+      </a:schemeClr>
+      <a:schemeClr val="accent5">
+        <a:tint val="40000"/>
+        <a:alpha val="90000"/>
+      </a:schemeClr>
+    </dgm:linClrLst>
+    <dgm:effectClrLst/>
+    <dgm:txLinClrLst/>
+    <dgm:txFillClrLst meth="repeat">
+      <a:schemeClr val="dk1"/>
+    </dgm:txFillClrLst>
+    <dgm:txEffectClrLst/>
+  </dgm:styleLbl>
+  <dgm:styleLbl name="alignAccFollowNode1">
+    <dgm:fillClrLst>
+      <a:schemeClr val="accent5">
+        <a:tint val="40000"/>
+        <a:alpha val="90000"/>
+      </a:schemeClr>
+      <a:schemeClr val="accent6">
+        <a:tint val="40000"/>
+        <a:alpha val="90000"/>
+      </a:schemeClr>
+    </dgm:fillClrLst>
+    <dgm:linClrLst>
+      <a:schemeClr val="accent5">
+        <a:tint val="40000"/>
+        <a:alpha val="90000"/>
+      </a:schemeClr>
+      <a:schemeClr val="accent6">
+        <a:tint val="40000"/>
+        <a:alpha val="90000"/>
+      </a:schemeClr>
+    </dgm:linClrLst>
+    <dgm:effectClrLst/>
+    <dgm:txLinClrLst/>
+    <dgm:txFillClrLst meth="repeat">
+      <a:schemeClr val="dk1"/>
+    </dgm:txFillClrLst>
+    <dgm:txEffectClrLst/>
+  </dgm:styleLbl>
+  <dgm:styleLbl name="bgAccFollowNode1">
+    <dgm:fillClrLst>
+      <a:schemeClr val="accent5">
+        <a:tint val="40000"/>
+        <a:alpha val="90000"/>
+      </a:schemeClr>
+      <a:schemeClr val="accent6">
+        <a:tint val="40000"/>
+        <a:alpha val="90000"/>
+      </a:schemeClr>
+    </dgm:fillClrLst>
+    <dgm:linClrLst>
+      <a:schemeClr val="accent5">
+        <a:tint val="40000"/>
+        <a:alpha val="90000"/>
+      </a:schemeClr>
+      <a:schemeClr val="accent6">
+        <a:tint val="40000"/>
+        <a:alpha val="90000"/>
+      </a:schemeClr>
+    </dgm:linClrLst>
+    <dgm:effectClrLst/>
+    <dgm:txLinClrLst/>
+    <dgm:txFillClrLst meth="repeat">
+      <a:schemeClr val="dk1"/>
+    </dgm:txFillClrLst>
+    <dgm:txEffectClrLst/>
+  </dgm:styleLbl>
+  <dgm:styleLbl name="fgAcc0">
+    <dgm:fillClrLst meth="repeat">
+      <a:schemeClr val="lt1">
+        <a:alpha val="90000"/>
+      </a:schemeClr>
+    </dgm:fillClrLst>
+    <dgm:linClrLst>
+      <a:schemeClr val="accent4"/>
+    </dgm:linClrLst>
+    <dgm:effectClrLst/>
+    <dgm:txLinClrLst/>
+    <dgm:txFillClrLst meth="repeat">
+      <a:schemeClr val="dk1"/>
+    </dgm:txFillClrLst>
+    <dgm:txEffectClrLst/>
+  </dgm:styleLbl>
+  <dgm:styleLbl name="fgAcc2">
+    <dgm:fillClrLst meth="repeat">
+      <a:schemeClr val="lt1">
+        <a:alpha val="90000"/>
+      </a:schemeClr>
+    </dgm:fillClrLst>
+    <dgm:linClrLst>
+      <a:schemeClr val="accent6"/>
+    </dgm:linClrLst>
+    <dgm:effectClrLst/>
+    <dgm:txLinClrLst/>
+    <dgm:txFillClrLst meth="repeat">
+      <a:schemeClr val="dk1"/>
+    </dgm:txFillClrLst>
+    <dgm:txEffectClrLst/>
+  </dgm:styleLbl>
+  <dgm:styleLbl name="fgAcc3">
+    <dgm:fillClrLst meth="repeat">
+      <a:schemeClr val="lt1">
+        <a:alpha val="90000"/>
+      </a:schemeClr>
+    </dgm:fillClrLst>
+    <dgm:linClrLst>
+      <a:schemeClr val="accent1"/>
+    </dgm:linClrLst>
+    <dgm:effectClrLst/>
+    <dgm:txLinClrLst/>
+    <dgm:txFillClrLst meth="repeat">
+      <a:schemeClr val="dk1"/>
+    </dgm:txFillClrLst>
+    <dgm:txEffectClrLst/>
+  </dgm:styleLbl>
+  <dgm:styleLbl name="fgAcc4">
+    <dgm:fillClrLst meth="repeat">
+      <a:schemeClr val="lt1">
+        <a:alpha val="90000"/>
+      </a:schemeClr>
+    </dgm:fillClrLst>
+    <dgm:linClrLst>
+      <a:schemeClr val="accent2"/>
+    </dgm:linClrLst>
+    <dgm:effectClrLst/>
+    <dgm:txLinClrLst/>
+    <dgm:txFillClrLst meth="repeat">
+      <a:schemeClr val="dk1"/>
+    </dgm:txFillClrLst>
+    <dgm:txEffectClrLst/>
+  </dgm:styleLbl>
+  <dgm:styleLbl name="bgShp">
+    <dgm:fillClrLst meth="repeat">
+      <a:schemeClr val="accent5">
+        <a:tint val="40000"/>
+      </a:schemeClr>
+    </dgm:fillClrLst>
+    <dgm:linClrLst meth="repeat">
+      <a:schemeClr val="dk1"/>
+    </dgm:linClrLst>
+    <dgm:effectClrLst/>
+    <dgm:txLinClrLst/>
+    <dgm:txFillClrLst meth="repeat">
+      <a:schemeClr val="dk1"/>
+    </dgm:txFillClrLst>
+    <dgm:txEffectClrLst/>
+  </dgm:styleLbl>
+  <dgm:styleLbl name="dkBgShp">
+    <dgm:fillClrLst meth="repeat">
+      <a:schemeClr val="accent5">
+        <a:shade val="90000"/>
+      </a:schemeClr>
+    </dgm:fillClrLst>
+    <dgm:linClrLst meth="repeat">
+      <a:schemeClr val="dk1"/>
+    </dgm:linClrLst>
+    <dgm:effectClrLst/>
+    <dgm:txLinClrLst/>
+    <dgm:txFillClrLst meth="repeat">
+      <a:schemeClr val="lt1"/>
+    </dgm:txFillClrLst>
+    <dgm:txEffectClrLst/>
+  </dgm:styleLbl>
+  <dgm:styleLbl name="trBgShp">
+    <dgm:fillClrLst meth="repeat">
+      <a:schemeClr val="accent5">
+        <a:tint val="50000"/>
+        <a:alpha val="40000"/>
+      </a:schemeClr>
+    </dgm:fillClrLst>
+    <dgm:linClrLst meth="repeat">
+      <a:schemeClr val="accent5"/>
+    </dgm:linClrLst>
+    <dgm:effectClrLst/>
+    <dgm:txLinClrLst/>
+    <dgm:txFillClrLst meth="repeat">
+      <a:schemeClr val="lt1"/>
+    </dgm:txFillClrLst>
+    <dgm:txEffectClrLst/>
+  </dgm:styleLbl>
+  <dgm:styleLbl name="fgShp">
+    <dgm:fillClrLst meth="repeat">
+      <a:schemeClr val="accent5">
+        <a:tint val="40000"/>
+      </a:schemeClr>
+    </dgm:fillClrLst>
+    <dgm:linClrLst meth="repeat">
+      <a:schemeClr val="lt1"/>
+    </dgm:linClrLst>
+    <dgm:effectClrLst/>
+    <dgm:txLinClrLst/>
+    <dgm:txFillClrLst meth="repeat">
+      <a:schemeClr val="dk1"/>
+    </dgm:txFillClrLst>
+    <dgm:txEffectClrLst/>
+  </dgm:styleLbl>
+  <dgm:styleLbl name="revTx">
+    <dgm:fillClrLst meth="repeat">
+      <a:schemeClr val="lt1">
+        <a:alpha val="0"/>
+      </a:schemeClr>
+    </dgm:fillClrLst>
+    <dgm:linClrLst meth="repeat">
+      <a:schemeClr val="dk1">
+        <a:alpha val="0"/>
+      </a:schemeClr>
+    </dgm:linClrLst>
+    <dgm:effectClrLst/>
+    <dgm:txLinClrLst/>
+    <dgm:txFillClrLst meth="repeat">
+      <a:schemeClr val="tx1"/>
+    </dgm:txFillClrLst>
+    <dgm:txEffectClrLst/>
+  </dgm:styleLbl>
+</dgm:colorsDef>
+</file>
+
+<file path=ppt/diagrams/colors2.xml><?xml version="1.0" encoding="utf-8"?>
 <dgm:colorsDef xmlns:dgm="http://schemas.openxmlformats.org/drawingml/2006/diagram" xmlns:a="http://schemas.openxmlformats.org/drawingml/2006/main" uniqueId="urn:microsoft.com/office/officeart/2005/8/colors/colorful2">
   <dgm:title val=""/>
   <dgm:desc val=""/>
@@ -984,788 +1739,6 @@
 </dgm:colorsDef>
 </file>
 
-<file path=ppt/diagrams/colors2.xml><?xml version="1.0" encoding="utf-8"?>
-<dgm:colorsDef xmlns:dgm="http://schemas.openxmlformats.org/drawingml/2006/diagram" xmlns:a="http://schemas.openxmlformats.org/drawingml/2006/main" uniqueId="urn:microsoft.com/office/officeart/2005/8/colors/colorful2">
-  <dgm:title val=""/>
-  <dgm:desc val=""/>
-  <dgm:catLst>
-    <dgm:cat type="colorful" pri="10200"/>
-  </dgm:catLst>
-  <dgm:styleLbl name="node0">
-    <dgm:fillClrLst meth="repeat">
-      <a:schemeClr val="accent1"/>
-    </dgm:fillClrLst>
-    <dgm:linClrLst meth="repeat">
-      <a:schemeClr val="lt1"/>
-    </dgm:linClrLst>
-    <dgm:effectClrLst/>
-    <dgm:txLinClrLst/>
-    <dgm:txFillClrLst/>
-    <dgm:txEffectClrLst/>
-  </dgm:styleLbl>
-  <dgm:styleLbl name="node1">
-    <dgm:fillClrLst>
-      <a:schemeClr val="accent2"/>
-      <a:schemeClr val="accent3"/>
-    </dgm:fillClrLst>
-    <dgm:linClrLst meth="repeat">
-      <a:schemeClr val="lt1"/>
-    </dgm:linClrLst>
-    <dgm:effectClrLst/>
-    <dgm:txLinClrLst/>
-    <dgm:txFillClrLst/>
-    <dgm:txEffectClrLst/>
-  </dgm:styleLbl>
-  <dgm:styleLbl name="alignNode1">
-    <dgm:fillClrLst>
-      <a:schemeClr val="accent2"/>
-      <a:schemeClr val="accent3"/>
-    </dgm:fillClrLst>
-    <dgm:linClrLst>
-      <a:schemeClr val="accent2"/>
-      <a:schemeClr val="accent3"/>
-    </dgm:linClrLst>
-    <dgm:effectClrLst/>
-    <dgm:txLinClrLst/>
-    <dgm:txFillClrLst/>
-    <dgm:txEffectClrLst/>
-  </dgm:styleLbl>
-  <dgm:styleLbl name="lnNode1">
-    <dgm:fillClrLst>
-      <a:schemeClr val="accent2"/>
-      <a:schemeClr val="accent3"/>
-    </dgm:fillClrLst>
-    <dgm:linClrLst meth="repeat">
-      <a:schemeClr val="lt1"/>
-    </dgm:linClrLst>
-    <dgm:effectClrLst/>
-    <dgm:txLinClrLst/>
-    <dgm:txFillClrLst/>
-    <dgm:txEffectClrLst/>
-  </dgm:styleLbl>
-  <dgm:styleLbl name="vennNode1">
-    <dgm:fillClrLst>
-      <a:schemeClr val="accent2">
-        <a:alpha val="50000"/>
-      </a:schemeClr>
-      <a:schemeClr val="accent3">
-        <a:alpha val="50000"/>
-      </a:schemeClr>
-    </dgm:fillClrLst>
-    <dgm:linClrLst meth="repeat">
-      <a:schemeClr val="lt1"/>
-    </dgm:linClrLst>
-    <dgm:effectClrLst/>
-    <dgm:txLinClrLst/>
-    <dgm:txFillClrLst/>
-    <dgm:txEffectClrLst/>
-  </dgm:styleLbl>
-  <dgm:styleLbl name="node2">
-    <dgm:fillClrLst>
-      <a:schemeClr val="accent3"/>
-    </dgm:fillClrLst>
-    <dgm:linClrLst meth="repeat">
-      <a:schemeClr val="lt1"/>
-    </dgm:linClrLst>
-    <dgm:effectClrLst/>
-    <dgm:txLinClrLst/>
-    <dgm:txFillClrLst/>
-    <dgm:txEffectClrLst/>
-  </dgm:styleLbl>
-  <dgm:styleLbl name="node3">
-    <dgm:fillClrLst>
-      <a:schemeClr val="accent4"/>
-    </dgm:fillClrLst>
-    <dgm:linClrLst meth="repeat">
-      <a:schemeClr val="lt1"/>
-    </dgm:linClrLst>
-    <dgm:effectClrLst/>
-    <dgm:txLinClrLst/>
-    <dgm:txFillClrLst/>
-    <dgm:txEffectClrLst/>
-  </dgm:styleLbl>
-  <dgm:styleLbl name="node4">
-    <dgm:fillClrLst>
-      <a:schemeClr val="accent5"/>
-    </dgm:fillClrLst>
-    <dgm:linClrLst meth="repeat">
-      <a:schemeClr val="lt1"/>
-    </dgm:linClrLst>
-    <dgm:effectClrLst/>
-    <dgm:txLinClrLst/>
-    <dgm:txFillClrLst/>
-    <dgm:txEffectClrLst/>
-  </dgm:styleLbl>
-  <dgm:styleLbl name="fgImgPlace1">
-    <dgm:fillClrLst>
-      <a:schemeClr val="accent2">
-        <a:tint val="50000"/>
-      </a:schemeClr>
-      <a:schemeClr val="accent3">
-        <a:tint val="50000"/>
-      </a:schemeClr>
-    </dgm:fillClrLst>
-    <dgm:linClrLst meth="repeat">
-      <a:schemeClr val="lt1"/>
-    </dgm:linClrLst>
-    <dgm:effectClrLst/>
-    <dgm:txLinClrLst/>
-    <dgm:txFillClrLst meth="repeat">
-      <a:schemeClr val="lt1"/>
-    </dgm:txFillClrLst>
-    <dgm:txEffectClrLst/>
-  </dgm:styleLbl>
-  <dgm:styleLbl name="alignImgPlace1">
-    <dgm:fillClrLst>
-      <a:schemeClr val="accent2">
-        <a:tint val="50000"/>
-      </a:schemeClr>
-      <a:schemeClr val="accent3">
-        <a:tint val="20000"/>
-      </a:schemeClr>
-    </dgm:fillClrLst>
-    <dgm:linClrLst meth="repeat">
-      <a:schemeClr val="lt1"/>
-    </dgm:linClrLst>
-    <dgm:effectClrLst/>
-    <dgm:txLinClrLst/>
-    <dgm:txFillClrLst meth="repeat">
-      <a:schemeClr val="lt1"/>
-    </dgm:txFillClrLst>
-    <dgm:txEffectClrLst/>
-  </dgm:styleLbl>
-  <dgm:styleLbl name="bgImgPlace1">
-    <dgm:fillClrLst>
-      <a:schemeClr val="accent2">
-        <a:tint val="50000"/>
-      </a:schemeClr>
-      <a:schemeClr val="accent3">
-        <a:tint val="20000"/>
-      </a:schemeClr>
-    </dgm:fillClrLst>
-    <dgm:linClrLst meth="repeat">
-      <a:schemeClr val="lt1"/>
-    </dgm:linClrLst>
-    <dgm:effectClrLst/>
-    <dgm:txLinClrLst/>
-    <dgm:txFillClrLst meth="repeat">
-      <a:schemeClr val="lt1"/>
-    </dgm:txFillClrLst>
-    <dgm:txEffectClrLst/>
-  </dgm:styleLbl>
-  <dgm:styleLbl name="sibTrans2D1">
-    <dgm:fillClrLst>
-      <a:schemeClr val="accent2"/>
-      <a:schemeClr val="accent3"/>
-    </dgm:fillClrLst>
-    <dgm:linClrLst meth="repeat">
-      <a:schemeClr val="lt1"/>
-    </dgm:linClrLst>
-    <dgm:effectClrLst/>
-    <dgm:txLinClrLst/>
-    <dgm:txFillClrLst/>
-    <dgm:txEffectClrLst/>
-  </dgm:styleLbl>
-  <dgm:styleLbl name="fgSibTrans2D1">
-    <dgm:fillClrLst>
-      <a:schemeClr val="accent2"/>
-      <a:schemeClr val="accent3"/>
-    </dgm:fillClrLst>
-    <dgm:linClrLst meth="repeat">
-      <a:schemeClr val="lt1"/>
-    </dgm:linClrLst>
-    <dgm:effectClrLst/>
-    <dgm:txLinClrLst/>
-    <dgm:txFillClrLst meth="repeat">
-      <a:schemeClr val="lt1"/>
-    </dgm:txFillClrLst>
-    <dgm:txEffectClrLst/>
-  </dgm:styleLbl>
-  <dgm:styleLbl name="bgSibTrans2D1">
-    <dgm:fillClrLst>
-      <a:schemeClr val="accent2"/>
-      <a:schemeClr val="accent3"/>
-    </dgm:fillClrLst>
-    <dgm:linClrLst meth="repeat">
-      <a:schemeClr val="lt1"/>
-    </dgm:linClrLst>
-    <dgm:effectClrLst/>
-    <dgm:txLinClrLst/>
-    <dgm:txFillClrLst meth="repeat">
-      <a:schemeClr val="lt1"/>
-    </dgm:txFillClrLst>
-    <dgm:txEffectClrLst/>
-  </dgm:styleLbl>
-  <dgm:styleLbl name="sibTrans1D1">
-    <dgm:fillClrLst/>
-    <dgm:linClrLst>
-      <a:schemeClr val="accent2"/>
-      <a:schemeClr val="accent3"/>
-    </dgm:linClrLst>
-    <dgm:effectClrLst/>
-    <dgm:txLinClrLst/>
-    <dgm:txFillClrLst meth="repeat">
-      <a:schemeClr val="tx1"/>
-    </dgm:txFillClrLst>
-    <dgm:txEffectClrLst/>
-  </dgm:styleLbl>
-  <dgm:styleLbl name="callout">
-    <dgm:fillClrLst meth="repeat">
-      <a:schemeClr val="accent2"/>
-    </dgm:fillClrLst>
-    <dgm:linClrLst meth="repeat">
-      <a:schemeClr val="accent2">
-        <a:tint val="50000"/>
-      </a:schemeClr>
-    </dgm:linClrLst>
-    <dgm:effectClrLst/>
-    <dgm:txLinClrLst/>
-    <dgm:txFillClrLst meth="repeat">
-      <a:schemeClr val="tx1"/>
-    </dgm:txFillClrLst>
-    <dgm:txEffectClrLst/>
-  </dgm:styleLbl>
-  <dgm:styleLbl name="asst0">
-    <dgm:fillClrLst meth="repeat">
-      <a:schemeClr val="accent2"/>
-    </dgm:fillClrLst>
-    <dgm:linClrLst meth="repeat">
-      <a:schemeClr val="lt1">
-        <a:shade val="80000"/>
-      </a:schemeClr>
-    </dgm:linClrLst>
-    <dgm:effectClrLst/>
-    <dgm:txLinClrLst/>
-    <dgm:txFillClrLst/>
-    <dgm:txEffectClrLst/>
-  </dgm:styleLbl>
-  <dgm:styleLbl name="asst1">
-    <dgm:fillClrLst meth="repeat">
-      <a:schemeClr val="accent3"/>
-    </dgm:fillClrLst>
-    <dgm:linClrLst meth="repeat">
-      <a:schemeClr val="lt1">
-        <a:shade val="80000"/>
-      </a:schemeClr>
-    </dgm:linClrLst>
-    <dgm:effectClrLst/>
-    <dgm:txLinClrLst/>
-    <dgm:txFillClrLst/>
-    <dgm:txEffectClrLst/>
-  </dgm:styleLbl>
-  <dgm:styleLbl name="asst2">
-    <dgm:fillClrLst>
-      <a:schemeClr val="accent4"/>
-    </dgm:fillClrLst>
-    <dgm:linClrLst meth="repeat">
-      <a:schemeClr val="lt1"/>
-    </dgm:linClrLst>
-    <dgm:effectClrLst/>
-    <dgm:txLinClrLst/>
-    <dgm:txFillClrLst/>
-    <dgm:txEffectClrLst/>
-  </dgm:styleLbl>
-  <dgm:styleLbl name="asst3">
-    <dgm:fillClrLst>
-      <a:schemeClr val="accent5"/>
-    </dgm:fillClrLst>
-    <dgm:linClrLst meth="repeat">
-      <a:schemeClr val="lt1"/>
-    </dgm:linClrLst>
-    <dgm:effectClrLst/>
-    <dgm:txLinClrLst/>
-    <dgm:txFillClrLst/>
-    <dgm:txEffectClrLst/>
-  </dgm:styleLbl>
-  <dgm:styleLbl name="asst4">
-    <dgm:fillClrLst>
-      <a:schemeClr val="accent6"/>
-    </dgm:fillClrLst>
-    <dgm:linClrLst meth="repeat">
-      <a:schemeClr val="lt1"/>
-    </dgm:linClrLst>
-    <dgm:effectClrLst/>
-    <dgm:txLinClrLst/>
-    <dgm:txFillClrLst/>
-    <dgm:txEffectClrLst/>
-  </dgm:styleLbl>
-  <dgm:styleLbl name="parChTrans2D1">
-    <dgm:fillClrLst meth="repeat">
-      <a:schemeClr val="accent2"/>
-    </dgm:fillClrLst>
-    <dgm:linClrLst meth="repeat">
-      <a:schemeClr val="lt1"/>
-    </dgm:linClrLst>
-    <dgm:effectClrLst/>
-    <dgm:txLinClrLst/>
-    <dgm:txFillClrLst meth="repeat">
-      <a:schemeClr val="lt1"/>
-    </dgm:txFillClrLst>
-    <dgm:txEffectClrLst/>
-  </dgm:styleLbl>
-  <dgm:styleLbl name="parChTrans2D2">
-    <dgm:fillClrLst meth="repeat">
-      <a:schemeClr val="accent3"/>
-    </dgm:fillClrLst>
-    <dgm:linClrLst meth="repeat">
-      <a:schemeClr val="lt1"/>
-    </dgm:linClrLst>
-    <dgm:effectClrLst/>
-    <dgm:txLinClrLst/>
-    <dgm:txFillClrLst/>
-    <dgm:txEffectClrLst/>
-  </dgm:styleLbl>
-  <dgm:styleLbl name="parChTrans2D3">
-    <dgm:fillClrLst meth="repeat">
-      <a:schemeClr val="accent4"/>
-    </dgm:fillClrLst>
-    <dgm:linClrLst meth="repeat">
-      <a:schemeClr val="lt1"/>
-    </dgm:linClrLst>
-    <dgm:effectClrLst/>
-    <dgm:txLinClrLst/>
-    <dgm:txFillClrLst/>
-    <dgm:txEffectClrLst/>
-  </dgm:styleLbl>
-  <dgm:styleLbl name="parChTrans2D4">
-    <dgm:fillClrLst meth="repeat">
-      <a:schemeClr val="accent5"/>
-    </dgm:fillClrLst>
-    <dgm:linClrLst meth="repeat">
-      <a:schemeClr val="lt1"/>
-    </dgm:linClrLst>
-    <dgm:effectClrLst/>
-    <dgm:txLinClrLst/>
-    <dgm:txFillClrLst meth="repeat">
-      <a:schemeClr val="lt1"/>
-    </dgm:txFillClrLst>
-    <dgm:txEffectClrLst/>
-  </dgm:styleLbl>
-  <dgm:styleLbl name="parChTrans1D1">
-    <dgm:fillClrLst meth="repeat">
-      <a:schemeClr val="accent2"/>
-    </dgm:fillClrLst>
-    <dgm:linClrLst meth="repeat">
-      <a:schemeClr val="accent2"/>
-    </dgm:linClrLst>
-    <dgm:effectClrLst/>
-    <dgm:txLinClrLst/>
-    <dgm:txFillClrLst meth="repeat">
-      <a:schemeClr val="tx1"/>
-    </dgm:txFillClrLst>
-    <dgm:txEffectClrLst/>
-  </dgm:styleLbl>
-  <dgm:styleLbl name="parChTrans1D2">
-    <dgm:fillClrLst meth="repeat">
-      <a:schemeClr val="accent2">
-        <a:tint val="90000"/>
-      </a:schemeClr>
-    </dgm:fillClrLst>
-    <dgm:linClrLst meth="repeat">
-      <a:schemeClr val="accent3"/>
-    </dgm:linClrLst>
-    <dgm:effectClrLst/>
-    <dgm:txLinClrLst/>
-    <dgm:txFillClrLst meth="repeat">
-      <a:schemeClr val="tx1"/>
-    </dgm:txFillClrLst>
-    <dgm:txEffectClrLst/>
-  </dgm:styleLbl>
-  <dgm:styleLbl name="parChTrans1D3">
-    <dgm:fillClrLst meth="repeat">
-      <a:schemeClr val="accent2">
-        <a:tint val="70000"/>
-      </a:schemeClr>
-    </dgm:fillClrLst>
-    <dgm:linClrLst meth="repeat">
-      <a:schemeClr val="accent4"/>
-    </dgm:linClrLst>
-    <dgm:effectClrLst/>
-    <dgm:txLinClrLst/>
-    <dgm:txFillClrLst meth="repeat">
-      <a:schemeClr val="tx1"/>
-    </dgm:txFillClrLst>
-    <dgm:txEffectClrLst/>
-  </dgm:styleLbl>
-  <dgm:styleLbl name="parChTrans1D4">
-    <dgm:fillClrLst meth="repeat">
-      <a:schemeClr val="accent2">
-        <a:tint val="50000"/>
-      </a:schemeClr>
-    </dgm:fillClrLst>
-    <dgm:linClrLst meth="repeat">
-      <a:schemeClr val="accent5"/>
-    </dgm:linClrLst>
-    <dgm:effectClrLst/>
-    <dgm:txLinClrLst/>
-    <dgm:txFillClrLst meth="repeat">
-      <a:schemeClr val="tx1"/>
-    </dgm:txFillClrLst>
-    <dgm:txEffectClrLst/>
-  </dgm:styleLbl>
-  <dgm:styleLbl name="fgAcc1">
-    <dgm:fillClrLst meth="repeat">
-      <a:schemeClr val="lt1">
-        <a:alpha val="90000"/>
-      </a:schemeClr>
-    </dgm:fillClrLst>
-    <dgm:linClrLst>
-      <a:schemeClr val="accent2"/>
-      <a:schemeClr val="accent3"/>
-    </dgm:linClrLst>
-    <dgm:effectClrLst/>
-    <dgm:txLinClrLst/>
-    <dgm:txFillClrLst meth="repeat">
-      <a:schemeClr val="dk1"/>
-    </dgm:txFillClrLst>
-    <dgm:txEffectClrLst/>
-  </dgm:styleLbl>
-  <dgm:styleLbl name="conFgAcc1">
-    <dgm:fillClrLst meth="repeat">
-      <a:schemeClr val="lt1">
-        <a:alpha val="90000"/>
-      </a:schemeClr>
-    </dgm:fillClrLst>
-    <dgm:linClrLst>
-      <a:schemeClr val="accent2"/>
-      <a:schemeClr val="accent3"/>
-    </dgm:linClrLst>
-    <dgm:effectClrLst/>
-    <dgm:txLinClrLst/>
-    <dgm:txFillClrLst meth="repeat">
-      <a:schemeClr val="dk1"/>
-    </dgm:txFillClrLst>
-    <dgm:txEffectClrLst/>
-  </dgm:styleLbl>
-  <dgm:styleLbl name="alignAcc1">
-    <dgm:fillClrLst meth="repeat">
-      <a:schemeClr val="lt1">
-        <a:alpha val="90000"/>
-      </a:schemeClr>
-    </dgm:fillClrLst>
-    <dgm:linClrLst>
-      <a:schemeClr val="accent2"/>
-      <a:schemeClr val="accent3"/>
-    </dgm:linClrLst>
-    <dgm:effectClrLst/>
-    <dgm:txLinClrLst/>
-    <dgm:txFillClrLst meth="repeat">
-      <a:schemeClr val="dk1"/>
-    </dgm:txFillClrLst>
-    <dgm:txEffectClrLst/>
-  </dgm:styleLbl>
-  <dgm:styleLbl name="trAlignAcc1">
-    <dgm:fillClrLst meth="repeat">
-      <a:schemeClr val="lt1">
-        <a:alpha val="40000"/>
-      </a:schemeClr>
-    </dgm:fillClrLst>
-    <dgm:linClrLst meth="repeat">
-      <a:schemeClr val="accent2"/>
-    </dgm:linClrLst>
-    <dgm:effectClrLst/>
-    <dgm:txLinClrLst/>
-    <dgm:txFillClrLst meth="repeat">
-      <a:schemeClr val="dk1"/>
-    </dgm:txFillClrLst>
-    <dgm:txEffectClrLst/>
-  </dgm:styleLbl>
-  <dgm:styleLbl name="bgAcc1">
-    <dgm:fillClrLst meth="repeat">
-      <a:schemeClr val="lt1">
-        <a:alpha val="90000"/>
-      </a:schemeClr>
-    </dgm:fillClrLst>
-    <dgm:linClrLst>
-      <a:schemeClr val="accent2"/>
-      <a:schemeClr val="accent3"/>
-    </dgm:linClrLst>
-    <dgm:effectClrLst/>
-    <dgm:txLinClrLst/>
-    <dgm:txFillClrLst meth="repeat">
-      <a:schemeClr val="dk1"/>
-    </dgm:txFillClrLst>
-    <dgm:txEffectClrLst/>
-  </dgm:styleLbl>
-  <dgm:styleLbl name="solidFgAcc1">
-    <dgm:fillClrLst meth="repeat">
-      <a:schemeClr val="lt1"/>
-    </dgm:fillClrLst>
-    <dgm:linClrLst>
-      <a:schemeClr val="accent2"/>
-      <a:schemeClr val="accent3"/>
-    </dgm:linClrLst>
-    <dgm:effectClrLst/>
-    <dgm:txLinClrLst/>
-    <dgm:txFillClrLst meth="repeat">
-      <a:schemeClr val="dk1"/>
-    </dgm:txFillClrLst>
-    <dgm:txEffectClrLst/>
-  </dgm:styleLbl>
-  <dgm:styleLbl name="solidAlignAcc1">
-    <dgm:fillClrLst meth="repeat">
-      <a:schemeClr val="lt1"/>
-    </dgm:fillClrLst>
-    <dgm:linClrLst>
-      <a:schemeClr val="accent2"/>
-      <a:schemeClr val="accent3"/>
-    </dgm:linClrLst>
-    <dgm:effectClrLst/>
-    <dgm:txLinClrLst/>
-    <dgm:txFillClrLst meth="repeat">
-      <a:schemeClr val="dk1"/>
-    </dgm:txFillClrLst>
-    <dgm:txEffectClrLst/>
-  </dgm:styleLbl>
-  <dgm:styleLbl name="solidBgAcc1">
-    <dgm:fillClrLst meth="repeat">
-      <a:schemeClr val="lt1"/>
-    </dgm:fillClrLst>
-    <dgm:linClrLst>
-      <a:schemeClr val="accent2"/>
-      <a:schemeClr val="accent3"/>
-    </dgm:linClrLst>
-    <dgm:effectClrLst/>
-    <dgm:txLinClrLst/>
-    <dgm:txFillClrLst meth="repeat">
-      <a:schemeClr val="dk1"/>
-    </dgm:txFillClrLst>
-    <dgm:txEffectClrLst/>
-  </dgm:styleLbl>
-  <dgm:styleLbl name="fgAccFollowNode1">
-    <dgm:fillClrLst>
-      <a:schemeClr val="accent2">
-        <a:tint val="40000"/>
-        <a:alpha val="90000"/>
-      </a:schemeClr>
-      <a:schemeClr val="accent3">
-        <a:tint val="40000"/>
-        <a:alpha val="90000"/>
-      </a:schemeClr>
-    </dgm:fillClrLst>
-    <dgm:linClrLst>
-      <a:schemeClr val="accent2">
-        <a:tint val="40000"/>
-        <a:alpha val="90000"/>
-      </a:schemeClr>
-      <a:schemeClr val="accent3">
-        <a:tint val="40000"/>
-        <a:alpha val="90000"/>
-      </a:schemeClr>
-    </dgm:linClrLst>
-    <dgm:effectClrLst/>
-    <dgm:txLinClrLst/>
-    <dgm:txFillClrLst meth="repeat">
-      <a:schemeClr val="dk1"/>
-    </dgm:txFillClrLst>
-    <dgm:txEffectClrLst/>
-  </dgm:styleLbl>
-  <dgm:styleLbl name="alignAccFollowNode1">
-    <dgm:fillClrLst>
-      <a:schemeClr val="accent2">
-        <a:tint val="40000"/>
-        <a:alpha val="90000"/>
-      </a:schemeClr>
-      <a:schemeClr val="accent3">
-        <a:tint val="40000"/>
-        <a:alpha val="90000"/>
-      </a:schemeClr>
-    </dgm:fillClrLst>
-    <dgm:linClrLst>
-      <a:schemeClr val="accent2">
-        <a:tint val="40000"/>
-        <a:alpha val="90000"/>
-      </a:schemeClr>
-      <a:schemeClr val="accent3">
-        <a:tint val="40000"/>
-        <a:alpha val="90000"/>
-      </a:schemeClr>
-    </dgm:linClrLst>
-    <dgm:effectClrLst/>
-    <dgm:txLinClrLst/>
-    <dgm:txFillClrLst meth="repeat">
-      <a:schemeClr val="dk1"/>
-    </dgm:txFillClrLst>
-    <dgm:txEffectClrLst/>
-  </dgm:styleLbl>
-  <dgm:styleLbl name="bgAccFollowNode1">
-    <dgm:fillClrLst>
-      <a:schemeClr val="accent2">
-        <a:tint val="40000"/>
-        <a:alpha val="90000"/>
-      </a:schemeClr>
-      <a:schemeClr val="accent3">
-        <a:tint val="40000"/>
-        <a:alpha val="90000"/>
-      </a:schemeClr>
-    </dgm:fillClrLst>
-    <dgm:linClrLst>
-      <a:schemeClr val="accent2">
-        <a:tint val="40000"/>
-        <a:alpha val="90000"/>
-      </a:schemeClr>
-      <a:schemeClr val="accent3">
-        <a:tint val="40000"/>
-        <a:alpha val="90000"/>
-      </a:schemeClr>
-    </dgm:linClrLst>
-    <dgm:effectClrLst/>
-    <dgm:txLinClrLst/>
-    <dgm:txFillClrLst meth="repeat">
-      <a:schemeClr val="dk1"/>
-    </dgm:txFillClrLst>
-    <dgm:txEffectClrLst/>
-  </dgm:styleLbl>
-  <dgm:styleLbl name="fgAcc0">
-    <dgm:fillClrLst meth="repeat">
-      <a:schemeClr val="lt1">
-        <a:alpha val="90000"/>
-      </a:schemeClr>
-    </dgm:fillClrLst>
-    <dgm:linClrLst>
-      <a:schemeClr val="accent1"/>
-    </dgm:linClrLst>
-    <dgm:effectClrLst/>
-    <dgm:txLinClrLst/>
-    <dgm:txFillClrLst meth="repeat">
-      <a:schemeClr val="dk1"/>
-    </dgm:txFillClrLst>
-    <dgm:txEffectClrLst/>
-  </dgm:styleLbl>
-  <dgm:styleLbl name="fgAcc2">
-    <dgm:fillClrLst meth="repeat">
-      <a:schemeClr val="lt1">
-        <a:alpha val="90000"/>
-      </a:schemeClr>
-    </dgm:fillClrLst>
-    <dgm:linClrLst>
-      <a:schemeClr val="accent3"/>
-    </dgm:linClrLst>
-    <dgm:effectClrLst/>
-    <dgm:txLinClrLst/>
-    <dgm:txFillClrLst meth="repeat">
-      <a:schemeClr val="dk1"/>
-    </dgm:txFillClrLst>
-    <dgm:txEffectClrLst/>
-  </dgm:styleLbl>
-  <dgm:styleLbl name="fgAcc3">
-    <dgm:fillClrLst meth="repeat">
-      <a:schemeClr val="lt1">
-        <a:alpha val="90000"/>
-      </a:schemeClr>
-    </dgm:fillClrLst>
-    <dgm:linClrLst>
-      <a:schemeClr val="accent4"/>
-    </dgm:linClrLst>
-    <dgm:effectClrLst/>
-    <dgm:txLinClrLst/>
-    <dgm:txFillClrLst meth="repeat">
-      <a:schemeClr val="dk1"/>
-    </dgm:txFillClrLst>
-    <dgm:txEffectClrLst/>
-  </dgm:styleLbl>
-  <dgm:styleLbl name="fgAcc4">
-    <dgm:fillClrLst meth="repeat">
-      <a:schemeClr val="lt1">
-        <a:alpha val="90000"/>
-      </a:schemeClr>
-    </dgm:fillClrLst>
-    <dgm:linClrLst>
-      <a:schemeClr val="accent5"/>
-    </dgm:linClrLst>
-    <dgm:effectClrLst/>
-    <dgm:txLinClrLst/>
-    <dgm:txFillClrLst meth="repeat">
-      <a:schemeClr val="dk1"/>
-    </dgm:txFillClrLst>
-    <dgm:txEffectClrLst/>
-  </dgm:styleLbl>
-  <dgm:styleLbl name="bgShp">
-    <dgm:fillClrLst meth="repeat">
-      <a:schemeClr val="accent2">
-        <a:tint val="40000"/>
-      </a:schemeClr>
-    </dgm:fillClrLst>
-    <dgm:linClrLst meth="repeat">
-      <a:schemeClr val="dk1"/>
-    </dgm:linClrLst>
-    <dgm:effectClrLst/>
-    <dgm:txLinClrLst/>
-    <dgm:txFillClrLst meth="repeat">
-      <a:schemeClr val="dk1"/>
-    </dgm:txFillClrLst>
-    <dgm:txEffectClrLst/>
-  </dgm:styleLbl>
-  <dgm:styleLbl name="dkBgShp">
-    <dgm:fillClrLst meth="repeat">
-      <a:schemeClr val="accent2">
-        <a:shade val="90000"/>
-      </a:schemeClr>
-    </dgm:fillClrLst>
-    <dgm:linClrLst meth="repeat">
-      <a:schemeClr val="dk1"/>
-    </dgm:linClrLst>
-    <dgm:effectClrLst/>
-    <dgm:txLinClrLst/>
-    <dgm:txFillClrLst meth="repeat">
-      <a:schemeClr val="lt1"/>
-    </dgm:txFillClrLst>
-    <dgm:txEffectClrLst/>
-  </dgm:styleLbl>
-  <dgm:styleLbl name="trBgShp">
-    <dgm:fillClrLst meth="repeat">
-      <a:schemeClr val="accent2">
-        <a:tint val="50000"/>
-        <a:alpha val="40000"/>
-      </a:schemeClr>
-    </dgm:fillClrLst>
-    <dgm:linClrLst meth="repeat">
-      <a:schemeClr val="accent2"/>
-    </dgm:linClrLst>
-    <dgm:effectClrLst/>
-    <dgm:txLinClrLst/>
-    <dgm:txFillClrLst meth="repeat">
-      <a:schemeClr val="lt1"/>
-    </dgm:txFillClrLst>
-    <dgm:txEffectClrLst/>
-  </dgm:styleLbl>
-  <dgm:styleLbl name="fgShp">
-    <dgm:fillClrLst meth="repeat">
-      <a:schemeClr val="accent2">
-        <a:tint val="40000"/>
-      </a:schemeClr>
-    </dgm:fillClrLst>
-    <dgm:linClrLst meth="repeat">
-      <a:schemeClr val="lt1"/>
-    </dgm:linClrLst>
-    <dgm:effectClrLst/>
-    <dgm:txLinClrLst/>
-    <dgm:txFillClrLst meth="repeat">
-      <a:schemeClr val="dk1"/>
-    </dgm:txFillClrLst>
-    <dgm:txEffectClrLst/>
-  </dgm:styleLbl>
-  <dgm:styleLbl name="revTx">
-    <dgm:fillClrLst meth="repeat">
-      <a:schemeClr val="lt1">
-        <a:alpha val="0"/>
-      </a:schemeClr>
-    </dgm:fillClrLst>
-    <dgm:linClrLst meth="repeat">
-      <a:schemeClr val="dk1">
-        <a:alpha val="0"/>
-      </a:schemeClr>
-    </dgm:linClrLst>
-    <dgm:effectClrLst/>
-    <dgm:txLinClrLst/>
-    <dgm:txFillClrLst meth="repeat">
-      <a:schemeClr val="tx1"/>
-    </dgm:txFillClrLst>
-    <dgm:txEffectClrLst/>
-  </dgm:styleLbl>
-</dgm:colorsDef>
-</file>
-
 <file path=ppt/diagrams/colors3.xml><?xml version="1.0" encoding="utf-8"?>
 <dgm:colorsDef xmlns:dgm="http://schemas.openxmlformats.org/drawingml/2006/diagram" xmlns:a="http://schemas.openxmlformats.org/drawingml/2006/main" uniqueId="urn:microsoft.com/office/officeart/2005/8/colors/colorful5">
   <dgm:title val=""/>
@@ -2551,8 +2524,8 @@
 <file path=ppt/diagrams/data1.xml><?xml version="1.0" encoding="utf-8"?>
 <dgm:dataModel xmlns:dgm="http://schemas.openxmlformats.org/drawingml/2006/diagram" xmlns:a="http://schemas.openxmlformats.org/drawingml/2006/main">
   <dgm:ptLst>
-    <dgm:pt modelId="{EB84403D-0A49-4E0F-8F8A-D0C35F4BE25A}" type="doc">
-      <dgm:prSet loTypeId="urn:microsoft.com/office/officeart/2005/8/layout/vList2" loCatId="list" qsTypeId="urn:microsoft.com/office/officeart/2005/8/quickstyle/simple1" qsCatId="simple" csTypeId="urn:microsoft.com/office/officeart/2005/8/colors/colorful2" csCatId="colorful" phldr="1"/>
+    <dgm:pt modelId="{C97BF41F-B190-4CF1-A63F-9F78525F463F}" type="doc">
+      <dgm:prSet loTypeId="urn:microsoft.com/office/officeart/2005/8/layout/vList2" loCatId="list" qsTypeId="urn:microsoft.com/office/officeart/2005/8/quickstyle/simple1" qsCatId="simple" csTypeId="urn:microsoft.com/office/officeart/2005/8/colors/colorful5" csCatId="colorful"/>
       <dgm:spPr/>
       <dgm:t>
         <a:bodyPr/>
@@ -2562,7 +2535,7 @@
         </a:p>
       </dgm:t>
     </dgm:pt>
-    <dgm:pt modelId="{EC619C8A-E294-485E-A53D-69533340D7EC}">
+    <dgm:pt modelId="{26CD038E-FA35-43C6-AD93-D8675FF70438}">
       <dgm:prSet/>
       <dgm:spPr/>
       <dgm:t>
@@ -2571,13 +2544,13 @@
         <a:p>
           <a:r>
             <a:rPr lang="de-DE"/>
-            <a:t>Terminziele nicht erreicht</a:t>
+            <a:t>Ermittlung des Kenntnisstands</a:t>
           </a:r>
           <a:endParaRPr lang="en-US"/>
         </a:p>
       </dgm:t>
     </dgm:pt>
-    <dgm:pt modelId="{9243D332-E869-4A2F-8F52-EB43D9620999}" type="parTrans" cxnId="{EC7529F5-61E9-4CEF-8522-340C956696E3}">
+    <dgm:pt modelId="{754BD091-5385-4E1B-A33A-F702B06D2666}" type="parTrans" cxnId="{45A7AE9B-198F-4C33-9DA7-5D4EA5CAE494}">
       <dgm:prSet/>
       <dgm:spPr/>
       <dgm:t>
@@ -2588,7 +2561,7 @@
         </a:p>
       </dgm:t>
     </dgm:pt>
-    <dgm:pt modelId="{3FCAC3E7-AAF0-4AF8-9F99-CD7052BD1D52}" type="sibTrans" cxnId="{EC7529F5-61E9-4CEF-8522-340C956696E3}">
+    <dgm:pt modelId="{99365BE3-89CB-4D8C-80DC-0E7A0A1E8FFB}" type="sibTrans" cxnId="{45A7AE9B-198F-4C33-9DA7-5D4EA5CAE494}">
       <dgm:prSet/>
       <dgm:spPr/>
       <dgm:t>
@@ -2599,7 +2572,7 @@
         </a:p>
       </dgm:t>
     </dgm:pt>
-    <dgm:pt modelId="{D30BB35F-7418-4E56-B826-F06AEC52E856}">
+    <dgm:pt modelId="{42672B5D-6238-4839-B94A-8901DDF814CB}">
       <dgm:prSet/>
       <dgm:spPr/>
       <dgm:t>
@@ -2608,13 +2581,13 @@
         <a:p>
           <a:r>
             <a:rPr lang="de-DE"/>
-            <a:t>Kommunikation ausbaufähig</a:t>
+            <a:t>Einteilung in kleinere Gruppen</a:t>
           </a:r>
           <a:endParaRPr lang="en-US"/>
         </a:p>
       </dgm:t>
     </dgm:pt>
-    <dgm:pt modelId="{F74EB4DD-3C4D-47DA-B5B6-D74DDBC51845}" type="parTrans" cxnId="{98BD3E9D-D0CA-415B-A66A-973BFCCC8F11}">
+    <dgm:pt modelId="{220BFC57-B963-4C04-AFE7-D21B57BE10E3}" type="parTrans" cxnId="{E4AF6603-9EC3-451A-A98C-76241AF02CCD}">
       <dgm:prSet/>
       <dgm:spPr/>
       <dgm:t>
@@ -2625,7 +2598,7 @@
         </a:p>
       </dgm:t>
     </dgm:pt>
-    <dgm:pt modelId="{3BA9A7E9-BA75-4A28-8138-1343BFCB7A18}" type="sibTrans" cxnId="{98BD3E9D-D0CA-415B-A66A-973BFCCC8F11}">
+    <dgm:pt modelId="{2DF45356-C3C6-4ADF-A8BF-820DC881A7E1}" type="sibTrans" cxnId="{E4AF6603-9EC3-451A-A98C-76241AF02CCD}">
       <dgm:prSet/>
       <dgm:spPr/>
       <dgm:t>
@@ -2636,7 +2609,7 @@
         </a:p>
       </dgm:t>
     </dgm:pt>
-    <dgm:pt modelId="{F67888ED-C9FD-4FDB-9084-9EA2796F8B4D}">
+    <dgm:pt modelId="{A98014FE-496E-406C-BDCA-169D5E8A0DD2}">
       <dgm:prSet/>
       <dgm:spPr/>
       <dgm:t>
@@ -2644,14 +2617,14 @@
         <a:lstStyle/>
         <a:p>
           <a:r>
-            <a:rPr lang="de-DE" dirty="0"/>
-            <a:t>Trotz Schwierigkeiten einige gute Lernerfahrungen</a:t>
+            <a:rPr lang="de-DE"/>
+            <a:t>Entwurf von Spiel und Datenbankstruktur</a:t>
           </a:r>
-          <a:endParaRPr lang="en-US" dirty="0"/>
+          <a:endParaRPr lang="en-US"/>
         </a:p>
       </dgm:t>
     </dgm:pt>
-    <dgm:pt modelId="{AB8F4216-F37E-4E3F-A53C-26B0F7CBF314}" type="parTrans" cxnId="{236D3B3D-5EFB-4B31-AF25-1D169C2CEF6B}">
+    <dgm:pt modelId="{ED7AA72E-5450-4A10-9D2F-E799E5FE5AA4}" type="parTrans" cxnId="{6FF3E975-01A9-4628-ADF6-EAC94BEA141D}">
       <dgm:prSet/>
       <dgm:spPr/>
       <dgm:t>
@@ -2662,7 +2635,7 @@
         </a:p>
       </dgm:t>
     </dgm:pt>
-    <dgm:pt modelId="{61E518CD-008C-4687-9D92-8D833472D67A}" type="sibTrans" cxnId="{236D3B3D-5EFB-4B31-AF25-1D169C2CEF6B}">
+    <dgm:pt modelId="{EEF21336-35DD-4AEA-AAA3-3CF425D20B6D}" type="sibTrans" cxnId="{6FF3E975-01A9-4628-ADF6-EAC94BEA141D}">
       <dgm:prSet/>
       <dgm:spPr/>
       <dgm:t>
@@ -2673,8 +2646,156 @@
         </a:p>
       </dgm:t>
     </dgm:pt>
-    <dgm:pt modelId="{342A0DB0-C5AA-4B20-9999-F4A698716C1F}" type="pres">
-      <dgm:prSet presAssocID="{EB84403D-0A49-4E0F-8F8A-D0C35F4BE25A}" presName="linear" presStyleCnt="0">
+    <dgm:pt modelId="{37CE4B5B-A23F-41BB-A8E1-5BA5655A2748}">
+      <dgm:prSet/>
+      <dgm:spPr/>
+      <dgm:t>
+        <a:bodyPr/>
+        <a:lstStyle/>
+        <a:p>
+          <a:r>
+            <a:rPr lang="de-DE"/>
+            <a:t>Setup einer Grundstruktur</a:t>
+          </a:r>
+          <a:endParaRPr lang="en-US"/>
+        </a:p>
+      </dgm:t>
+    </dgm:pt>
+    <dgm:pt modelId="{EB68021E-279E-471E-8653-AEA40A846748}" type="parTrans" cxnId="{812D04A5-AEF4-4799-B2A2-AF53753A951C}">
+      <dgm:prSet/>
+      <dgm:spPr/>
+      <dgm:t>
+        <a:bodyPr/>
+        <a:lstStyle/>
+        <a:p>
+          <a:endParaRPr lang="en-US"/>
+        </a:p>
+      </dgm:t>
+    </dgm:pt>
+    <dgm:pt modelId="{861BDE3B-097C-447C-8C9F-9ECFB82D7D3A}" type="sibTrans" cxnId="{812D04A5-AEF4-4799-B2A2-AF53753A951C}">
+      <dgm:prSet/>
+      <dgm:spPr/>
+      <dgm:t>
+        <a:bodyPr/>
+        <a:lstStyle/>
+        <a:p>
+          <a:endParaRPr lang="en-US"/>
+        </a:p>
+      </dgm:t>
+    </dgm:pt>
+    <dgm:pt modelId="{DD358000-655C-4438-921F-611D19890118}">
+      <dgm:prSet/>
+      <dgm:spPr/>
+      <dgm:t>
+        <a:bodyPr/>
+        <a:lstStyle/>
+        <a:p>
+          <a:r>
+            <a:rPr lang="de-DE"/>
+            <a:t>Implementierung von Frontend/Backend</a:t>
+          </a:r>
+          <a:endParaRPr lang="en-US"/>
+        </a:p>
+      </dgm:t>
+    </dgm:pt>
+    <dgm:pt modelId="{E331AB72-70D2-4D2E-8FEA-9171C26DA956}" type="parTrans" cxnId="{493800ED-283A-4D5A-A46D-66542DB8EF04}">
+      <dgm:prSet/>
+      <dgm:spPr/>
+      <dgm:t>
+        <a:bodyPr/>
+        <a:lstStyle/>
+        <a:p>
+          <a:endParaRPr lang="en-US"/>
+        </a:p>
+      </dgm:t>
+    </dgm:pt>
+    <dgm:pt modelId="{16DE2936-6A16-448E-A84F-31841BD4D819}" type="sibTrans" cxnId="{493800ED-283A-4D5A-A46D-66542DB8EF04}">
+      <dgm:prSet/>
+      <dgm:spPr/>
+      <dgm:t>
+        <a:bodyPr/>
+        <a:lstStyle/>
+        <a:p>
+          <a:endParaRPr lang="en-US"/>
+        </a:p>
+      </dgm:t>
+    </dgm:pt>
+    <dgm:pt modelId="{304BBE4C-84F9-4F03-B833-F688C5C700AB}">
+      <dgm:prSet/>
+      <dgm:spPr/>
+      <dgm:t>
+        <a:bodyPr/>
+        <a:lstStyle/>
+        <a:p>
+          <a:r>
+            <a:rPr lang="de-DE"/>
+            <a:t>Testing &amp; Anpassungen</a:t>
+          </a:r>
+          <a:endParaRPr lang="en-US"/>
+        </a:p>
+      </dgm:t>
+    </dgm:pt>
+    <dgm:pt modelId="{9F284AC5-B04B-42F5-ACAB-99D0E7FD899F}" type="parTrans" cxnId="{C8B1300B-202A-47DF-BDAA-AFE46F889147}">
+      <dgm:prSet/>
+      <dgm:spPr/>
+      <dgm:t>
+        <a:bodyPr/>
+        <a:lstStyle/>
+        <a:p>
+          <a:endParaRPr lang="en-US"/>
+        </a:p>
+      </dgm:t>
+    </dgm:pt>
+    <dgm:pt modelId="{DEC95055-E089-431E-8AE5-CAEF10211B53}" type="sibTrans" cxnId="{C8B1300B-202A-47DF-BDAA-AFE46F889147}">
+      <dgm:prSet/>
+      <dgm:spPr/>
+      <dgm:t>
+        <a:bodyPr/>
+        <a:lstStyle/>
+        <a:p>
+          <a:endParaRPr lang="en-US"/>
+        </a:p>
+      </dgm:t>
+    </dgm:pt>
+    <dgm:pt modelId="{23CCC949-C3B3-4712-963F-3CBBCF12DE6D}">
+      <dgm:prSet/>
+      <dgm:spPr/>
+      <dgm:t>
+        <a:bodyPr/>
+        <a:lstStyle/>
+        <a:p>
+          <a:r>
+            <a:rPr lang="de-DE"/>
+            <a:t>Präsentation</a:t>
+          </a:r>
+          <a:endParaRPr lang="en-US"/>
+        </a:p>
+      </dgm:t>
+    </dgm:pt>
+    <dgm:pt modelId="{AC353A4B-9D52-423D-8FF0-0788EEBD6607}" type="parTrans" cxnId="{F56892F8-7B77-4514-BB55-B07FB97027BB}">
+      <dgm:prSet/>
+      <dgm:spPr/>
+      <dgm:t>
+        <a:bodyPr/>
+        <a:lstStyle/>
+        <a:p>
+          <a:endParaRPr lang="en-US"/>
+        </a:p>
+      </dgm:t>
+    </dgm:pt>
+    <dgm:pt modelId="{0945DD31-578F-4D76-9292-16992055634B}" type="sibTrans" cxnId="{F56892F8-7B77-4514-BB55-B07FB97027BB}">
+      <dgm:prSet/>
+      <dgm:spPr/>
+      <dgm:t>
+        <a:bodyPr/>
+        <a:lstStyle/>
+        <a:p>
+          <a:endParaRPr lang="en-US"/>
+        </a:p>
+      </dgm:t>
+    </dgm:pt>
+    <dgm:pt modelId="{EAC899CE-E3D5-413B-A1A4-56514AC49FC1}" type="pres">
+      <dgm:prSet presAssocID="{C97BF41F-B190-4CF1-A63F-9F78525F463F}" presName="linear" presStyleCnt="0">
         <dgm:presLayoutVars>
           <dgm:animLvl val="lvl"/>
           <dgm:resizeHandles val="exact"/>
@@ -2682,8 +2803,8 @@
       </dgm:prSet>
       <dgm:spPr/>
     </dgm:pt>
-    <dgm:pt modelId="{F840451E-AA6D-4B75-BC1C-ECFD6FB81881}" type="pres">
-      <dgm:prSet presAssocID="{EC619C8A-E294-485E-A53D-69533340D7EC}" presName="parentText" presStyleLbl="node1" presStyleIdx="0" presStyleCnt="3">
+    <dgm:pt modelId="{3CE970DA-12DB-427A-A711-4572F6E85E45}" type="pres">
+      <dgm:prSet presAssocID="{26CD038E-FA35-43C6-AD93-D8675FF70438}" presName="parentText" presStyleLbl="node1" presStyleIdx="0" presStyleCnt="7">
         <dgm:presLayoutVars>
           <dgm:chMax val="0"/>
           <dgm:bulletEnabled val="1"/>
@@ -2691,12 +2812,12 @@
       </dgm:prSet>
       <dgm:spPr/>
     </dgm:pt>
-    <dgm:pt modelId="{6CA6EC96-782C-4806-AB49-0A05C6173B66}" type="pres">
-      <dgm:prSet presAssocID="{3FCAC3E7-AAF0-4AF8-9F99-CD7052BD1D52}" presName="spacer" presStyleCnt="0"/>
+    <dgm:pt modelId="{C6C2F142-9908-4AFF-86A8-6C990900A5C2}" type="pres">
+      <dgm:prSet presAssocID="{99365BE3-89CB-4D8C-80DC-0E7A0A1E8FFB}" presName="spacer" presStyleCnt="0"/>
       <dgm:spPr/>
     </dgm:pt>
-    <dgm:pt modelId="{9C7E7F12-6E85-4267-A123-05A5DA85E66F}" type="pres">
-      <dgm:prSet presAssocID="{D30BB35F-7418-4E56-B826-F06AEC52E856}" presName="parentText" presStyleLbl="node1" presStyleIdx="1" presStyleCnt="3">
+    <dgm:pt modelId="{3E3F6AB9-851C-4C1D-8F6D-BFA4CEEF45B7}" type="pres">
+      <dgm:prSet presAssocID="{42672B5D-6238-4839-B94A-8901DDF814CB}" presName="parentText" presStyleLbl="node1" presStyleIdx="1" presStyleCnt="7">
         <dgm:presLayoutVars>
           <dgm:chMax val="0"/>
           <dgm:bulletEnabled val="1"/>
@@ -2704,12 +2825,64 @@
       </dgm:prSet>
       <dgm:spPr/>
     </dgm:pt>
-    <dgm:pt modelId="{993A7462-727E-4042-B14C-AEE6D859BC5F}" type="pres">
-      <dgm:prSet presAssocID="{3BA9A7E9-BA75-4A28-8138-1343BFCB7A18}" presName="spacer" presStyleCnt="0"/>
+    <dgm:pt modelId="{483E0BAB-5E36-4608-8D23-9B6E6487882D}" type="pres">
+      <dgm:prSet presAssocID="{2DF45356-C3C6-4ADF-A8BF-820DC881A7E1}" presName="spacer" presStyleCnt="0"/>
       <dgm:spPr/>
     </dgm:pt>
-    <dgm:pt modelId="{443863C9-A091-47B7-8AAE-AD477D4A5FB0}" type="pres">
-      <dgm:prSet presAssocID="{F67888ED-C9FD-4FDB-9084-9EA2796F8B4D}" presName="parentText" presStyleLbl="node1" presStyleIdx="2" presStyleCnt="3">
+    <dgm:pt modelId="{8578B7E5-7948-4501-8CE4-46E9A0FFDFCB}" type="pres">
+      <dgm:prSet presAssocID="{A98014FE-496E-406C-BDCA-169D5E8A0DD2}" presName="parentText" presStyleLbl="node1" presStyleIdx="2" presStyleCnt="7">
+        <dgm:presLayoutVars>
+          <dgm:chMax val="0"/>
+          <dgm:bulletEnabled val="1"/>
+        </dgm:presLayoutVars>
+      </dgm:prSet>
+      <dgm:spPr/>
+    </dgm:pt>
+    <dgm:pt modelId="{3A05C6B2-951C-4F8D-B1E9-7AAF730C0534}" type="pres">
+      <dgm:prSet presAssocID="{EEF21336-35DD-4AEA-AAA3-3CF425D20B6D}" presName="spacer" presStyleCnt="0"/>
+      <dgm:spPr/>
+    </dgm:pt>
+    <dgm:pt modelId="{776EC064-F1D7-420D-A90D-8006C79992A5}" type="pres">
+      <dgm:prSet presAssocID="{37CE4B5B-A23F-41BB-A8E1-5BA5655A2748}" presName="parentText" presStyleLbl="node1" presStyleIdx="3" presStyleCnt="7">
+        <dgm:presLayoutVars>
+          <dgm:chMax val="0"/>
+          <dgm:bulletEnabled val="1"/>
+        </dgm:presLayoutVars>
+      </dgm:prSet>
+      <dgm:spPr/>
+    </dgm:pt>
+    <dgm:pt modelId="{CF86780D-EA69-4EA9-A165-2FD1D298A791}" type="pres">
+      <dgm:prSet presAssocID="{861BDE3B-097C-447C-8C9F-9ECFB82D7D3A}" presName="spacer" presStyleCnt="0"/>
+      <dgm:spPr/>
+    </dgm:pt>
+    <dgm:pt modelId="{F1697F26-4D5C-4211-ADF6-9FB24294547D}" type="pres">
+      <dgm:prSet presAssocID="{DD358000-655C-4438-921F-611D19890118}" presName="parentText" presStyleLbl="node1" presStyleIdx="4" presStyleCnt="7">
+        <dgm:presLayoutVars>
+          <dgm:chMax val="0"/>
+          <dgm:bulletEnabled val="1"/>
+        </dgm:presLayoutVars>
+      </dgm:prSet>
+      <dgm:spPr/>
+    </dgm:pt>
+    <dgm:pt modelId="{0ADD61F7-E5DB-46CE-8B3B-9AB88CCD87F9}" type="pres">
+      <dgm:prSet presAssocID="{16DE2936-6A16-448E-A84F-31841BD4D819}" presName="spacer" presStyleCnt="0"/>
+      <dgm:spPr/>
+    </dgm:pt>
+    <dgm:pt modelId="{3D5943A4-3FAE-4105-AEE3-80E5CDE2A66D}" type="pres">
+      <dgm:prSet presAssocID="{304BBE4C-84F9-4F03-B833-F688C5C700AB}" presName="parentText" presStyleLbl="node1" presStyleIdx="5" presStyleCnt="7">
+        <dgm:presLayoutVars>
+          <dgm:chMax val="0"/>
+          <dgm:bulletEnabled val="1"/>
+        </dgm:presLayoutVars>
+      </dgm:prSet>
+      <dgm:spPr/>
+    </dgm:pt>
+    <dgm:pt modelId="{78C57F12-F1CA-403E-8A06-4E983306169A}" type="pres">
+      <dgm:prSet presAssocID="{DEC95055-E089-431E-8AE5-CAEF10211B53}" presName="spacer" presStyleCnt="0"/>
+      <dgm:spPr/>
+    </dgm:pt>
+    <dgm:pt modelId="{B7D9CCE9-115C-44F2-B5EC-633A37E63E1C}" type="pres">
+      <dgm:prSet presAssocID="{23CCC949-C3B3-4712-963F-3CBBCF12DE6D}" presName="parentText" presStyleLbl="node1" presStyleIdx="6" presStyleCnt="7">
         <dgm:presLayoutVars>
           <dgm:chMax val="0"/>
           <dgm:bulletEnabled val="1"/>
@@ -2719,18 +2892,34 @@
     </dgm:pt>
   </dgm:ptLst>
   <dgm:cxnLst>
-    <dgm:cxn modelId="{189E093A-87C8-4CC7-AA6B-8686F169D10A}" type="presOf" srcId="{EB84403D-0A49-4E0F-8F8A-D0C35F4BE25A}" destId="{342A0DB0-C5AA-4B20-9999-F4A698716C1F}" srcOrd="0" destOrd="0" presId="urn:microsoft.com/office/officeart/2005/8/layout/vList2"/>
-    <dgm:cxn modelId="{66584F3B-022D-4D1B-8102-78C561755355}" type="presOf" srcId="{F67888ED-C9FD-4FDB-9084-9EA2796F8B4D}" destId="{443863C9-A091-47B7-8AAE-AD477D4A5FB0}" srcOrd="0" destOrd="0" presId="urn:microsoft.com/office/officeart/2005/8/layout/vList2"/>
-    <dgm:cxn modelId="{236D3B3D-5EFB-4B31-AF25-1D169C2CEF6B}" srcId="{EB84403D-0A49-4E0F-8F8A-D0C35F4BE25A}" destId="{F67888ED-C9FD-4FDB-9084-9EA2796F8B4D}" srcOrd="2" destOrd="0" parTransId="{AB8F4216-F37E-4E3F-A53C-26B0F7CBF314}" sibTransId="{61E518CD-008C-4687-9D92-8D833472D67A}"/>
-    <dgm:cxn modelId="{1E919B61-035A-4261-BA4E-1664783CA3D9}" type="presOf" srcId="{EC619C8A-E294-485E-A53D-69533340D7EC}" destId="{F840451E-AA6D-4B75-BC1C-ECFD6FB81881}" srcOrd="0" destOrd="0" presId="urn:microsoft.com/office/officeart/2005/8/layout/vList2"/>
-    <dgm:cxn modelId="{CF16F344-B2AD-492B-8F37-19C7543691C1}" type="presOf" srcId="{D30BB35F-7418-4E56-B826-F06AEC52E856}" destId="{9C7E7F12-6E85-4267-A123-05A5DA85E66F}" srcOrd="0" destOrd="0" presId="urn:microsoft.com/office/officeart/2005/8/layout/vList2"/>
-    <dgm:cxn modelId="{98BD3E9D-D0CA-415B-A66A-973BFCCC8F11}" srcId="{EB84403D-0A49-4E0F-8F8A-D0C35F4BE25A}" destId="{D30BB35F-7418-4E56-B826-F06AEC52E856}" srcOrd="1" destOrd="0" parTransId="{F74EB4DD-3C4D-47DA-B5B6-D74DDBC51845}" sibTransId="{3BA9A7E9-BA75-4A28-8138-1343BFCB7A18}"/>
-    <dgm:cxn modelId="{EC7529F5-61E9-4CEF-8522-340C956696E3}" srcId="{EB84403D-0A49-4E0F-8F8A-D0C35F4BE25A}" destId="{EC619C8A-E294-485E-A53D-69533340D7EC}" srcOrd="0" destOrd="0" parTransId="{9243D332-E869-4A2F-8F52-EB43D9620999}" sibTransId="{3FCAC3E7-AAF0-4AF8-9F99-CD7052BD1D52}"/>
-    <dgm:cxn modelId="{2E3D56BF-A971-43CC-8077-66D01415140C}" type="presParOf" srcId="{342A0DB0-C5AA-4B20-9999-F4A698716C1F}" destId="{F840451E-AA6D-4B75-BC1C-ECFD6FB81881}" srcOrd="0" destOrd="0" presId="urn:microsoft.com/office/officeart/2005/8/layout/vList2"/>
-    <dgm:cxn modelId="{DC864A12-923B-481B-813A-4F59483DD2D1}" type="presParOf" srcId="{342A0DB0-C5AA-4B20-9999-F4A698716C1F}" destId="{6CA6EC96-782C-4806-AB49-0A05C6173B66}" srcOrd="1" destOrd="0" presId="urn:microsoft.com/office/officeart/2005/8/layout/vList2"/>
-    <dgm:cxn modelId="{258B9C7F-BB5C-4E96-AA6E-11690E74EA90}" type="presParOf" srcId="{342A0DB0-C5AA-4B20-9999-F4A698716C1F}" destId="{9C7E7F12-6E85-4267-A123-05A5DA85E66F}" srcOrd="2" destOrd="0" presId="urn:microsoft.com/office/officeart/2005/8/layout/vList2"/>
-    <dgm:cxn modelId="{0D01B6BE-BEC2-4CF1-B906-92CC4DBE2A19}" type="presParOf" srcId="{342A0DB0-C5AA-4B20-9999-F4A698716C1F}" destId="{993A7462-727E-4042-B14C-AEE6D859BC5F}" srcOrd="3" destOrd="0" presId="urn:microsoft.com/office/officeart/2005/8/layout/vList2"/>
-    <dgm:cxn modelId="{E1315FC1-BA82-4D33-9FE5-A94FCEB72397}" type="presParOf" srcId="{342A0DB0-C5AA-4B20-9999-F4A698716C1F}" destId="{443863C9-A091-47B7-8AAE-AD477D4A5FB0}" srcOrd="4" destOrd="0" presId="urn:microsoft.com/office/officeart/2005/8/layout/vList2"/>
+    <dgm:cxn modelId="{E4AF6603-9EC3-451A-A98C-76241AF02CCD}" srcId="{C97BF41F-B190-4CF1-A63F-9F78525F463F}" destId="{42672B5D-6238-4839-B94A-8901DDF814CB}" srcOrd="1" destOrd="0" parTransId="{220BFC57-B963-4C04-AFE7-D21B57BE10E3}" sibTransId="{2DF45356-C3C6-4ADF-A8BF-820DC881A7E1}"/>
+    <dgm:cxn modelId="{C8B1300B-202A-47DF-BDAA-AFE46F889147}" srcId="{C97BF41F-B190-4CF1-A63F-9F78525F463F}" destId="{304BBE4C-84F9-4F03-B833-F688C5C700AB}" srcOrd="5" destOrd="0" parTransId="{9F284AC5-B04B-42F5-ACAB-99D0E7FD899F}" sibTransId="{DEC95055-E089-431E-8AE5-CAEF10211B53}"/>
+    <dgm:cxn modelId="{F2C7D51A-D3B3-45D6-9F34-A8D766B534BF}" type="presOf" srcId="{23CCC949-C3B3-4712-963F-3CBBCF12DE6D}" destId="{B7D9CCE9-115C-44F2-B5EC-633A37E63E1C}" srcOrd="0" destOrd="0" presId="urn:microsoft.com/office/officeart/2005/8/layout/vList2"/>
+    <dgm:cxn modelId="{03A1911D-B565-4FE7-9167-C8C285C45F30}" type="presOf" srcId="{C97BF41F-B190-4CF1-A63F-9F78525F463F}" destId="{EAC899CE-E3D5-413B-A1A4-56514AC49FC1}" srcOrd="0" destOrd="0" presId="urn:microsoft.com/office/officeart/2005/8/layout/vList2"/>
+    <dgm:cxn modelId="{6FF3E975-01A9-4628-ADF6-EAC94BEA141D}" srcId="{C97BF41F-B190-4CF1-A63F-9F78525F463F}" destId="{A98014FE-496E-406C-BDCA-169D5E8A0DD2}" srcOrd="2" destOrd="0" parTransId="{ED7AA72E-5450-4A10-9D2F-E799E5FE5AA4}" sibTransId="{EEF21336-35DD-4AEA-AAA3-3CF425D20B6D}"/>
+    <dgm:cxn modelId="{E1DE2B7C-4498-4EAB-BD71-29AC3F73A10C}" type="presOf" srcId="{26CD038E-FA35-43C6-AD93-D8675FF70438}" destId="{3CE970DA-12DB-427A-A711-4572F6E85E45}" srcOrd="0" destOrd="0" presId="urn:microsoft.com/office/officeart/2005/8/layout/vList2"/>
+    <dgm:cxn modelId="{2C119D8D-350A-4B4F-8DF2-06735E077717}" type="presOf" srcId="{304BBE4C-84F9-4F03-B833-F688C5C700AB}" destId="{3D5943A4-3FAE-4105-AEE3-80E5CDE2A66D}" srcOrd="0" destOrd="0" presId="urn:microsoft.com/office/officeart/2005/8/layout/vList2"/>
+    <dgm:cxn modelId="{45A7AE9B-198F-4C33-9DA7-5D4EA5CAE494}" srcId="{C97BF41F-B190-4CF1-A63F-9F78525F463F}" destId="{26CD038E-FA35-43C6-AD93-D8675FF70438}" srcOrd="0" destOrd="0" parTransId="{754BD091-5385-4E1B-A33A-F702B06D2666}" sibTransId="{99365BE3-89CB-4D8C-80DC-0E7A0A1E8FFB}"/>
+    <dgm:cxn modelId="{63E9F2A2-0B89-45CF-83D2-3E153F541111}" type="presOf" srcId="{42672B5D-6238-4839-B94A-8901DDF814CB}" destId="{3E3F6AB9-851C-4C1D-8F6D-BFA4CEEF45B7}" srcOrd="0" destOrd="0" presId="urn:microsoft.com/office/officeart/2005/8/layout/vList2"/>
+    <dgm:cxn modelId="{812D04A5-AEF4-4799-B2A2-AF53753A951C}" srcId="{C97BF41F-B190-4CF1-A63F-9F78525F463F}" destId="{37CE4B5B-A23F-41BB-A8E1-5BA5655A2748}" srcOrd="3" destOrd="0" parTransId="{EB68021E-279E-471E-8653-AEA40A846748}" sibTransId="{861BDE3B-097C-447C-8C9F-9ECFB82D7D3A}"/>
+    <dgm:cxn modelId="{BE64E3A8-1E46-441F-8B32-AA5E113BF2A3}" type="presOf" srcId="{DD358000-655C-4438-921F-611D19890118}" destId="{F1697F26-4D5C-4211-ADF6-9FB24294547D}" srcOrd="0" destOrd="0" presId="urn:microsoft.com/office/officeart/2005/8/layout/vList2"/>
+    <dgm:cxn modelId="{992C26C5-89B7-4159-B158-221696EC8223}" type="presOf" srcId="{A98014FE-496E-406C-BDCA-169D5E8A0DD2}" destId="{8578B7E5-7948-4501-8CE4-46E9A0FFDFCB}" srcOrd="0" destOrd="0" presId="urn:microsoft.com/office/officeart/2005/8/layout/vList2"/>
+    <dgm:cxn modelId="{F08283CB-C427-4851-98BB-69471D7DE50F}" type="presOf" srcId="{37CE4B5B-A23F-41BB-A8E1-5BA5655A2748}" destId="{776EC064-F1D7-420D-A90D-8006C79992A5}" srcOrd="0" destOrd="0" presId="urn:microsoft.com/office/officeart/2005/8/layout/vList2"/>
+    <dgm:cxn modelId="{493800ED-283A-4D5A-A46D-66542DB8EF04}" srcId="{C97BF41F-B190-4CF1-A63F-9F78525F463F}" destId="{DD358000-655C-4438-921F-611D19890118}" srcOrd="4" destOrd="0" parTransId="{E331AB72-70D2-4D2E-8FEA-9171C26DA956}" sibTransId="{16DE2936-6A16-448E-A84F-31841BD4D819}"/>
+    <dgm:cxn modelId="{F56892F8-7B77-4514-BB55-B07FB97027BB}" srcId="{C97BF41F-B190-4CF1-A63F-9F78525F463F}" destId="{23CCC949-C3B3-4712-963F-3CBBCF12DE6D}" srcOrd="6" destOrd="0" parTransId="{AC353A4B-9D52-423D-8FF0-0788EEBD6607}" sibTransId="{0945DD31-578F-4D76-9292-16992055634B}"/>
+    <dgm:cxn modelId="{456E647C-95D6-44CE-B95E-19590FCBC9BF}" type="presParOf" srcId="{EAC899CE-E3D5-413B-A1A4-56514AC49FC1}" destId="{3CE970DA-12DB-427A-A711-4572F6E85E45}" srcOrd="0" destOrd="0" presId="urn:microsoft.com/office/officeart/2005/8/layout/vList2"/>
+    <dgm:cxn modelId="{1CD0EEE2-58C0-47FD-BF83-59F3BD9D3C64}" type="presParOf" srcId="{EAC899CE-E3D5-413B-A1A4-56514AC49FC1}" destId="{C6C2F142-9908-4AFF-86A8-6C990900A5C2}" srcOrd="1" destOrd="0" presId="urn:microsoft.com/office/officeart/2005/8/layout/vList2"/>
+    <dgm:cxn modelId="{B8CE0021-E198-4440-9C7B-406B5C126AA0}" type="presParOf" srcId="{EAC899CE-E3D5-413B-A1A4-56514AC49FC1}" destId="{3E3F6AB9-851C-4C1D-8F6D-BFA4CEEF45B7}" srcOrd="2" destOrd="0" presId="urn:microsoft.com/office/officeart/2005/8/layout/vList2"/>
+    <dgm:cxn modelId="{4510A158-C1EC-4349-B8F1-C07867B9159C}" type="presParOf" srcId="{EAC899CE-E3D5-413B-A1A4-56514AC49FC1}" destId="{483E0BAB-5E36-4608-8D23-9B6E6487882D}" srcOrd="3" destOrd="0" presId="urn:microsoft.com/office/officeart/2005/8/layout/vList2"/>
+    <dgm:cxn modelId="{DB8D8C75-DAB9-4D3B-8C5A-45B740809433}" type="presParOf" srcId="{EAC899CE-E3D5-413B-A1A4-56514AC49FC1}" destId="{8578B7E5-7948-4501-8CE4-46E9A0FFDFCB}" srcOrd="4" destOrd="0" presId="urn:microsoft.com/office/officeart/2005/8/layout/vList2"/>
+    <dgm:cxn modelId="{5BC2CF80-F0FE-437C-A1F0-A9014002849D}" type="presParOf" srcId="{EAC899CE-E3D5-413B-A1A4-56514AC49FC1}" destId="{3A05C6B2-951C-4F8D-B1E9-7AAF730C0534}" srcOrd="5" destOrd="0" presId="urn:microsoft.com/office/officeart/2005/8/layout/vList2"/>
+    <dgm:cxn modelId="{3C41C995-9C12-44E5-A3E7-9492AE5E60F2}" type="presParOf" srcId="{EAC899CE-E3D5-413B-A1A4-56514AC49FC1}" destId="{776EC064-F1D7-420D-A90D-8006C79992A5}" srcOrd="6" destOrd="0" presId="urn:microsoft.com/office/officeart/2005/8/layout/vList2"/>
+    <dgm:cxn modelId="{88B03ABF-5D1E-4F5D-8415-A31E161C66BF}" type="presParOf" srcId="{EAC899CE-E3D5-413B-A1A4-56514AC49FC1}" destId="{CF86780D-EA69-4EA9-A165-2FD1D298A791}" srcOrd="7" destOrd="0" presId="urn:microsoft.com/office/officeart/2005/8/layout/vList2"/>
+    <dgm:cxn modelId="{36FBC167-CAC0-488F-8C50-994F85EF2802}" type="presParOf" srcId="{EAC899CE-E3D5-413B-A1A4-56514AC49FC1}" destId="{F1697F26-4D5C-4211-ADF6-9FB24294547D}" srcOrd="8" destOrd="0" presId="urn:microsoft.com/office/officeart/2005/8/layout/vList2"/>
+    <dgm:cxn modelId="{2EE05B83-37B7-49EE-9C78-F7C43B63FED4}" type="presParOf" srcId="{EAC899CE-E3D5-413B-A1A4-56514AC49FC1}" destId="{0ADD61F7-E5DB-46CE-8B3B-9AB88CCD87F9}" srcOrd="9" destOrd="0" presId="urn:microsoft.com/office/officeart/2005/8/layout/vList2"/>
+    <dgm:cxn modelId="{AB587B41-5F5C-4B39-84F3-DDB76BE06545}" type="presParOf" srcId="{EAC899CE-E3D5-413B-A1A4-56514AC49FC1}" destId="{3D5943A4-3FAE-4105-AEE3-80E5CDE2A66D}" srcOrd="10" destOrd="0" presId="urn:microsoft.com/office/officeart/2005/8/layout/vList2"/>
+    <dgm:cxn modelId="{FE577F20-CC76-4A34-980F-9B072CB35B52}" type="presParOf" srcId="{EAC899CE-E3D5-413B-A1A4-56514AC49FC1}" destId="{78C57F12-F1CA-403E-8A06-4E983306169A}" srcOrd="11" destOrd="0" presId="urn:microsoft.com/office/officeart/2005/8/layout/vList2"/>
+    <dgm:cxn modelId="{281C2557-60FF-45C7-96CA-75B07AE11EB6}" type="presParOf" srcId="{EAC899CE-E3D5-413B-A1A4-56514AC49FC1}" destId="{B7D9CCE9-115C-44F2-B5EC-633A37E63E1C}" srcOrd="12" destOrd="0" presId="urn:microsoft.com/office/officeart/2005/8/layout/vList2"/>
   </dgm:cxnLst>
   <dgm:bg/>
   <dgm:whole/>
@@ -3306,21 +3495,21 @@
       <dsp:cNvGrpSpPr/>
     </dsp:nvGrpSpPr>
     <dsp:grpSpPr/>
-    <dsp:sp modelId="{F840451E-AA6D-4B75-BC1C-ECFD6FB81881}">
+    <dsp:sp modelId="{3CE970DA-12DB-427A-A711-4572F6E85E45}">
       <dsp:nvSpPr>
         <dsp:cNvPr id="0" name=""/>
         <dsp:cNvSpPr/>
       </dsp:nvSpPr>
       <dsp:spPr>
         <a:xfrm>
-          <a:off x="0" y="319068"/>
-          <a:ext cx="6513603" cy="1668456"/>
+          <a:off x="0" y="257675"/>
+          <a:ext cx="6513603" cy="695565"/>
         </a:xfrm>
         <a:prstGeom prst="roundRect">
           <a:avLst/>
         </a:prstGeom>
         <a:solidFill>
-          <a:schemeClr val="accent2">
+          <a:schemeClr val="accent5">
             <a:hueOff val="0"/>
             <a:satOff val="0"/>
             <a:lumOff val="0"/>
@@ -3356,12 +3545,12 @@
         </a:fontRef>
       </dsp:style>
       <dsp:txBody>
-        <a:bodyPr spcFirstLastPara="0" vert="horz" wrap="square" lIns="160020" tIns="160020" rIns="160020" bIns="160020" numCol="1" spcCol="1270" anchor="ctr" anchorCtr="0">
+        <a:bodyPr spcFirstLastPara="0" vert="horz" wrap="square" lIns="110490" tIns="110490" rIns="110490" bIns="110490" numCol="1" spcCol="1270" anchor="ctr" anchorCtr="0">
           <a:noAutofit/>
         </a:bodyPr>
         <a:lstStyle/>
         <a:p>
-          <a:pPr marL="0" lvl="0" indent="0" algn="l" defTabSz="1866900">
+          <a:pPr marL="0" lvl="0" indent="0" algn="l" defTabSz="1289050">
             <a:lnSpc>
               <a:spcPct val="90000"/>
             </a:lnSpc>
@@ -3374,35 +3563,35 @@
             <a:buNone/>
           </a:pPr>
           <a:r>
-            <a:rPr lang="de-DE" sz="4200" kern="1200"/>
-            <a:t>Terminziele nicht erreicht</a:t>
+            <a:rPr lang="de-DE" sz="2900" kern="1200"/>
+            <a:t>Ermittlung des Kenntnisstands</a:t>
           </a:r>
-          <a:endParaRPr lang="en-US" sz="4200" kern="1200"/>
+          <a:endParaRPr lang="en-US" sz="2900" kern="1200"/>
         </a:p>
       </dsp:txBody>
       <dsp:txXfrm>
-        <a:off x="81447" y="400515"/>
-        <a:ext cx="6350709" cy="1505562"/>
+        <a:off x="33955" y="291630"/>
+        <a:ext cx="6445693" cy="627655"/>
       </dsp:txXfrm>
     </dsp:sp>
-    <dsp:sp modelId="{9C7E7F12-6E85-4267-A123-05A5DA85E66F}">
+    <dsp:sp modelId="{3E3F6AB9-851C-4C1D-8F6D-BFA4CEEF45B7}">
       <dsp:nvSpPr>
         <dsp:cNvPr id="0" name=""/>
         <dsp:cNvSpPr/>
       </dsp:nvSpPr>
       <dsp:spPr>
         <a:xfrm>
-          <a:off x="0" y="2108484"/>
-          <a:ext cx="6513603" cy="1668456"/>
+          <a:off x="0" y="1036760"/>
+          <a:ext cx="6513603" cy="695565"/>
         </a:xfrm>
         <a:prstGeom prst="roundRect">
           <a:avLst/>
         </a:prstGeom>
         <a:solidFill>
-          <a:schemeClr val="accent2">
-            <a:hueOff val="-727682"/>
-            <a:satOff val="-41964"/>
-            <a:lumOff val="4314"/>
+          <a:schemeClr val="accent5">
+            <a:hueOff val="-1126424"/>
+            <a:satOff val="-2903"/>
+            <a:lumOff val="-1961"/>
             <a:alphaOff val="0"/>
           </a:schemeClr>
         </a:solidFill>
@@ -3435,12 +3624,12 @@
         </a:fontRef>
       </dsp:style>
       <dsp:txBody>
-        <a:bodyPr spcFirstLastPara="0" vert="horz" wrap="square" lIns="160020" tIns="160020" rIns="160020" bIns="160020" numCol="1" spcCol="1270" anchor="ctr" anchorCtr="0">
+        <a:bodyPr spcFirstLastPara="0" vert="horz" wrap="square" lIns="110490" tIns="110490" rIns="110490" bIns="110490" numCol="1" spcCol="1270" anchor="ctr" anchorCtr="0">
           <a:noAutofit/>
         </a:bodyPr>
         <a:lstStyle/>
         <a:p>
-          <a:pPr marL="0" lvl="0" indent="0" algn="l" defTabSz="1866900">
+          <a:pPr marL="0" lvl="0" indent="0" algn="l" defTabSz="1289050">
             <a:lnSpc>
               <a:spcPct val="90000"/>
             </a:lnSpc>
@@ -3453,35 +3642,35 @@
             <a:buNone/>
           </a:pPr>
           <a:r>
-            <a:rPr lang="de-DE" sz="4200" kern="1200"/>
-            <a:t>Kommunikation ausbaufähig</a:t>
+            <a:rPr lang="de-DE" sz="2900" kern="1200"/>
+            <a:t>Einteilung in kleinere Gruppen</a:t>
           </a:r>
-          <a:endParaRPr lang="en-US" sz="4200" kern="1200"/>
+          <a:endParaRPr lang="en-US" sz="2900" kern="1200"/>
         </a:p>
       </dsp:txBody>
       <dsp:txXfrm>
-        <a:off x="81447" y="2189931"/>
-        <a:ext cx="6350709" cy="1505562"/>
+        <a:off x="33955" y="1070715"/>
+        <a:ext cx="6445693" cy="627655"/>
       </dsp:txXfrm>
     </dsp:sp>
-    <dsp:sp modelId="{443863C9-A091-47B7-8AAE-AD477D4A5FB0}">
+    <dsp:sp modelId="{8578B7E5-7948-4501-8CE4-46E9A0FFDFCB}">
       <dsp:nvSpPr>
         <dsp:cNvPr id="0" name=""/>
         <dsp:cNvSpPr/>
       </dsp:nvSpPr>
       <dsp:spPr>
         <a:xfrm>
-          <a:off x="0" y="3897901"/>
-          <a:ext cx="6513603" cy="1668456"/>
+          <a:off x="0" y="1815845"/>
+          <a:ext cx="6513603" cy="695565"/>
         </a:xfrm>
         <a:prstGeom prst="roundRect">
           <a:avLst/>
         </a:prstGeom>
         <a:solidFill>
-          <a:schemeClr val="accent2">
-            <a:hueOff val="-1455363"/>
-            <a:satOff val="-83928"/>
-            <a:lumOff val="8628"/>
+          <a:schemeClr val="accent5">
+            <a:hueOff val="-2252848"/>
+            <a:satOff val="-5806"/>
+            <a:lumOff val="-3922"/>
             <a:alphaOff val="0"/>
           </a:schemeClr>
         </a:solidFill>
@@ -3514,12 +3703,12 @@
         </a:fontRef>
       </dsp:style>
       <dsp:txBody>
-        <a:bodyPr spcFirstLastPara="0" vert="horz" wrap="square" lIns="160020" tIns="160020" rIns="160020" bIns="160020" numCol="1" spcCol="1270" anchor="ctr" anchorCtr="0">
+        <a:bodyPr spcFirstLastPara="0" vert="horz" wrap="square" lIns="110490" tIns="110490" rIns="110490" bIns="110490" numCol="1" spcCol="1270" anchor="ctr" anchorCtr="0">
           <a:noAutofit/>
         </a:bodyPr>
         <a:lstStyle/>
         <a:p>
-          <a:pPr marL="0" lvl="0" indent="0" algn="l" defTabSz="1866900">
+          <a:pPr marL="0" lvl="0" indent="0" algn="l" defTabSz="1289050">
             <a:lnSpc>
               <a:spcPct val="90000"/>
             </a:lnSpc>
@@ -3532,15 +3721,331 @@
             <a:buNone/>
           </a:pPr>
           <a:r>
-            <a:rPr lang="de-DE" sz="4200" kern="1200" dirty="0"/>
-            <a:t>Trotz Schwierigkeiten einige gute Lernerfahrungen</a:t>
+            <a:rPr lang="de-DE" sz="2900" kern="1200"/>
+            <a:t>Entwurf von Spiel und Datenbankstruktur</a:t>
           </a:r>
-          <a:endParaRPr lang="en-US" sz="4200" kern="1200" dirty="0"/>
+          <a:endParaRPr lang="en-US" sz="2900" kern="1200"/>
         </a:p>
       </dsp:txBody>
       <dsp:txXfrm>
-        <a:off x="81447" y="3979348"/>
-        <a:ext cx="6350709" cy="1505562"/>
+        <a:off x="33955" y="1849800"/>
+        <a:ext cx="6445693" cy="627655"/>
+      </dsp:txXfrm>
+    </dsp:sp>
+    <dsp:sp modelId="{776EC064-F1D7-420D-A90D-8006C79992A5}">
+      <dsp:nvSpPr>
+        <dsp:cNvPr id="0" name=""/>
+        <dsp:cNvSpPr/>
+      </dsp:nvSpPr>
+      <dsp:spPr>
+        <a:xfrm>
+          <a:off x="0" y="2594930"/>
+          <a:ext cx="6513603" cy="695565"/>
+        </a:xfrm>
+        <a:prstGeom prst="roundRect">
+          <a:avLst/>
+        </a:prstGeom>
+        <a:solidFill>
+          <a:schemeClr val="accent5">
+            <a:hueOff val="-3379271"/>
+            <a:satOff val="-8710"/>
+            <a:lumOff val="-5883"/>
+            <a:alphaOff val="0"/>
+          </a:schemeClr>
+        </a:solidFill>
+        <a:ln w="12700" cap="flat" cmpd="sng" algn="ctr">
+          <a:solidFill>
+            <a:schemeClr val="lt1">
+              <a:hueOff val="0"/>
+              <a:satOff val="0"/>
+              <a:lumOff val="0"/>
+              <a:alphaOff val="0"/>
+            </a:schemeClr>
+          </a:solidFill>
+          <a:prstDash val="solid"/>
+          <a:miter lim="800000"/>
+        </a:ln>
+        <a:effectLst/>
+      </dsp:spPr>
+      <dsp:style>
+        <a:lnRef idx="2">
+          <a:scrgbClr r="0" g="0" b="0"/>
+        </a:lnRef>
+        <a:fillRef idx="1">
+          <a:scrgbClr r="0" g="0" b="0"/>
+        </a:fillRef>
+        <a:effectRef idx="0">
+          <a:scrgbClr r="0" g="0" b="0"/>
+        </a:effectRef>
+        <a:fontRef idx="minor">
+          <a:schemeClr val="lt1"/>
+        </a:fontRef>
+      </dsp:style>
+      <dsp:txBody>
+        <a:bodyPr spcFirstLastPara="0" vert="horz" wrap="square" lIns="110490" tIns="110490" rIns="110490" bIns="110490" numCol="1" spcCol="1270" anchor="ctr" anchorCtr="0">
+          <a:noAutofit/>
+        </a:bodyPr>
+        <a:lstStyle/>
+        <a:p>
+          <a:pPr marL="0" lvl="0" indent="0" algn="l" defTabSz="1289050">
+            <a:lnSpc>
+              <a:spcPct val="90000"/>
+            </a:lnSpc>
+            <a:spcBef>
+              <a:spcPct val="0"/>
+            </a:spcBef>
+            <a:spcAft>
+              <a:spcPct val="35000"/>
+            </a:spcAft>
+            <a:buNone/>
+          </a:pPr>
+          <a:r>
+            <a:rPr lang="de-DE" sz="2900" kern="1200"/>
+            <a:t>Setup einer Grundstruktur</a:t>
+          </a:r>
+          <a:endParaRPr lang="en-US" sz="2900" kern="1200"/>
+        </a:p>
+      </dsp:txBody>
+      <dsp:txXfrm>
+        <a:off x="33955" y="2628885"/>
+        <a:ext cx="6445693" cy="627655"/>
+      </dsp:txXfrm>
+    </dsp:sp>
+    <dsp:sp modelId="{F1697F26-4D5C-4211-ADF6-9FB24294547D}">
+      <dsp:nvSpPr>
+        <dsp:cNvPr id="0" name=""/>
+        <dsp:cNvSpPr/>
+      </dsp:nvSpPr>
+      <dsp:spPr>
+        <a:xfrm>
+          <a:off x="0" y="3374015"/>
+          <a:ext cx="6513603" cy="695565"/>
+        </a:xfrm>
+        <a:prstGeom prst="roundRect">
+          <a:avLst/>
+        </a:prstGeom>
+        <a:solidFill>
+          <a:schemeClr val="accent5">
+            <a:hueOff val="-4505695"/>
+            <a:satOff val="-11613"/>
+            <a:lumOff val="-7843"/>
+            <a:alphaOff val="0"/>
+          </a:schemeClr>
+        </a:solidFill>
+        <a:ln w="12700" cap="flat" cmpd="sng" algn="ctr">
+          <a:solidFill>
+            <a:schemeClr val="lt1">
+              <a:hueOff val="0"/>
+              <a:satOff val="0"/>
+              <a:lumOff val="0"/>
+              <a:alphaOff val="0"/>
+            </a:schemeClr>
+          </a:solidFill>
+          <a:prstDash val="solid"/>
+          <a:miter lim="800000"/>
+        </a:ln>
+        <a:effectLst/>
+      </dsp:spPr>
+      <dsp:style>
+        <a:lnRef idx="2">
+          <a:scrgbClr r="0" g="0" b="0"/>
+        </a:lnRef>
+        <a:fillRef idx="1">
+          <a:scrgbClr r="0" g="0" b="0"/>
+        </a:fillRef>
+        <a:effectRef idx="0">
+          <a:scrgbClr r="0" g="0" b="0"/>
+        </a:effectRef>
+        <a:fontRef idx="minor">
+          <a:schemeClr val="lt1"/>
+        </a:fontRef>
+      </dsp:style>
+      <dsp:txBody>
+        <a:bodyPr spcFirstLastPara="0" vert="horz" wrap="square" lIns="110490" tIns="110490" rIns="110490" bIns="110490" numCol="1" spcCol="1270" anchor="ctr" anchorCtr="0">
+          <a:noAutofit/>
+        </a:bodyPr>
+        <a:lstStyle/>
+        <a:p>
+          <a:pPr marL="0" lvl="0" indent="0" algn="l" defTabSz="1289050">
+            <a:lnSpc>
+              <a:spcPct val="90000"/>
+            </a:lnSpc>
+            <a:spcBef>
+              <a:spcPct val="0"/>
+            </a:spcBef>
+            <a:spcAft>
+              <a:spcPct val="35000"/>
+            </a:spcAft>
+            <a:buNone/>
+          </a:pPr>
+          <a:r>
+            <a:rPr lang="de-DE" sz="2900" kern="1200"/>
+            <a:t>Implementierung von Frontend/Backend</a:t>
+          </a:r>
+          <a:endParaRPr lang="en-US" sz="2900" kern="1200"/>
+        </a:p>
+      </dsp:txBody>
+      <dsp:txXfrm>
+        <a:off x="33955" y="3407970"/>
+        <a:ext cx="6445693" cy="627655"/>
+      </dsp:txXfrm>
+    </dsp:sp>
+    <dsp:sp modelId="{3D5943A4-3FAE-4105-AEE3-80E5CDE2A66D}">
+      <dsp:nvSpPr>
+        <dsp:cNvPr id="0" name=""/>
+        <dsp:cNvSpPr/>
+      </dsp:nvSpPr>
+      <dsp:spPr>
+        <a:xfrm>
+          <a:off x="0" y="4153100"/>
+          <a:ext cx="6513603" cy="695565"/>
+        </a:xfrm>
+        <a:prstGeom prst="roundRect">
+          <a:avLst/>
+        </a:prstGeom>
+        <a:solidFill>
+          <a:schemeClr val="accent5">
+            <a:hueOff val="-5632119"/>
+            <a:satOff val="-14516"/>
+            <a:lumOff val="-9804"/>
+            <a:alphaOff val="0"/>
+          </a:schemeClr>
+        </a:solidFill>
+        <a:ln w="12700" cap="flat" cmpd="sng" algn="ctr">
+          <a:solidFill>
+            <a:schemeClr val="lt1">
+              <a:hueOff val="0"/>
+              <a:satOff val="0"/>
+              <a:lumOff val="0"/>
+              <a:alphaOff val="0"/>
+            </a:schemeClr>
+          </a:solidFill>
+          <a:prstDash val="solid"/>
+          <a:miter lim="800000"/>
+        </a:ln>
+        <a:effectLst/>
+      </dsp:spPr>
+      <dsp:style>
+        <a:lnRef idx="2">
+          <a:scrgbClr r="0" g="0" b="0"/>
+        </a:lnRef>
+        <a:fillRef idx="1">
+          <a:scrgbClr r="0" g="0" b="0"/>
+        </a:fillRef>
+        <a:effectRef idx="0">
+          <a:scrgbClr r="0" g="0" b="0"/>
+        </a:effectRef>
+        <a:fontRef idx="minor">
+          <a:schemeClr val="lt1"/>
+        </a:fontRef>
+      </dsp:style>
+      <dsp:txBody>
+        <a:bodyPr spcFirstLastPara="0" vert="horz" wrap="square" lIns="110490" tIns="110490" rIns="110490" bIns="110490" numCol="1" spcCol="1270" anchor="ctr" anchorCtr="0">
+          <a:noAutofit/>
+        </a:bodyPr>
+        <a:lstStyle/>
+        <a:p>
+          <a:pPr marL="0" lvl="0" indent="0" algn="l" defTabSz="1289050">
+            <a:lnSpc>
+              <a:spcPct val="90000"/>
+            </a:lnSpc>
+            <a:spcBef>
+              <a:spcPct val="0"/>
+            </a:spcBef>
+            <a:spcAft>
+              <a:spcPct val="35000"/>
+            </a:spcAft>
+            <a:buNone/>
+          </a:pPr>
+          <a:r>
+            <a:rPr lang="de-DE" sz="2900" kern="1200"/>
+            <a:t>Testing &amp; Anpassungen</a:t>
+          </a:r>
+          <a:endParaRPr lang="en-US" sz="2900" kern="1200"/>
+        </a:p>
+      </dsp:txBody>
+      <dsp:txXfrm>
+        <a:off x="33955" y="4187055"/>
+        <a:ext cx="6445693" cy="627655"/>
+      </dsp:txXfrm>
+    </dsp:sp>
+    <dsp:sp modelId="{B7D9CCE9-115C-44F2-B5EC-633A37E63E1C}">
+      <dsp:nvSpPr>
+        <dsp:cNvPr id="0" name=""/>
+        <dsp:cNvSpPr/>
+      </dsp:nvSpPr>
+      <dsp:spPr>
+        <a:xfrm>
+          <a:off x="0" y="4932185"/>
+          <a:ext cx="6513603" cy="695565"/>
+        </a:xfrm>
+        <a:prstGeom prst="roundRect">
+          <a:avLst/>
+        </a:prstGeom>
+        <a:solidFill>
+          <a:schemeClr val="accent5">
+            <a:hueOff val="-6758543"/>
+            <a:satOff val="-17419"/>
+            <a:lumOff val="-11765"/>
+            <a:alphaOff val="0"/>
+          </a:schemeClr>
+        </a:solidFill>
+        <a:ln w="12700" cap="flat" cmpd="sng" algn="ctr">
+          <a:solidFill>
+            <a:schemeClr val="lt1">
+              <a:hueOff val="0"/>
+              <a:satOff val="0"/>
+              <a:lumOff val="0"/>
+              <a:alphaOff val="0"/>
+            </a:schemeClr>
+          </a:solidFill>
+          <a:prstDash val="solid"/>
+          <a:miter lim="800000"/>
+        </a:ln>
+        <a:effectLst/>
+      </dsp:spPr>
+      <dsp:style>
+        <a:lnRef idx="2">
+          <a:scrgbClr r="0" g="0" b="0"/>
+        </a:lnRef>
+        <a:fillRef idx="1">
+          <a:scrgbClr r="0" g="0" b="0"/>
+        </a:fillRef>
+        <a:effectRef idx="0">
+          <a:scrgbClr r="0" g="0" b="0"/>
+        </a:effectRef>
+        <a:fontRef idx="minor">
+          <a:schemeClr val="lt1"/>
+        </a:fontRef>
+      </dsp:style>
+      <dsp:txBody>
+        <a:bodyPr spcFirstLastPara="0" vert="horz" wrap="square" lIns="110490" tIns="110490" rIns="110490" bIns="110490" numCol="1" spcCol="1270" anchor="ctr" anchorCtr="0">
+          <a:noAutofit/>
+        </a:bodyPr>
+        <a:lstStyle/>
+        <a:p>
+          <a:pPr marL="0" lvl="0" indent="0" algn="l" defTabSz="1289050">
+            <a:lnSpc>
+              <a:spcPct val="90000"/>
+            </a:lnSpc>
+            <a:spcBef>
+              <a:spcPct val="0"/>
+            </a:spcBef>
+            <a:spcAft>
+              <a:spcPct val="35000"/>
+            </a:spcAft>
+            <a:buNone/>
+          </a:pPr>
+          <a:r>
+            <a:rPr lang="de-DE" sz="2900" kern="1200"/>
+            <a:t>Präsentation</a:t>
+          </a:r>
+          <a:endParaRPr lang="en-US" sz="2900" kern="1200"/>
+        </a:p>
+      </dsp:txBody>
+      <dsp:txXfrm>
+        <a:off x="33955" y="4966140"/>
+        <a:ext cx="6445693" cy="627655"/>
       </dsp:txXfrm>
     </dsp:sp>
   </dsp:spTree>
@@ -8050,7 +8555,7 @@
           <a:p>
             <a:fld id="{441AC3A6-CF96-4138-AAB1-E992060A5D27}" type="datetimeFigureOut">
               <a:rPr lang="de-DE" smtClean="0"/>
-              <a:t>17.06.2019</a:t>
+              <a:t>18.06.2019</a:t>
             </a:fld>
             <a:endParaRPr lang="de-DE"/>
           </a:p>
@@ -8248,7 +8753,7 @@
           <a:p>
             <a:fld id="{441AC3A6-CF96-4138-AAB1-E992060A5D27}" type="datetimeFigureOut">
               <a:rPr lang="de-DE" smtClean="0"/>
-              <a:t>17.06.2019</a:t>
+              <a:t>18.06.2019</a:t>
             </a:fld>
             <a:endParaRPr lang="de-DE"/>
           </a:p>
@@ -8456,7 +8961,7 @@
           <a:p>
             <a:fld id="{441AC3A6-CF96-4138-AAB1-E992060A5D27}" type="datetimeFigureOut">
               <a:rPr lang="de-DE" smtClean="0"/>
-              <a:t>17.06.2019</a:t>
+              <a:t>18.06.2019</a:t>
             </a:fld>
             <a:endParaRPr lang="de-DE"/>
           </a:p>
@@ -8654,7 +9159,7 @@
           <a:p>
             <a:fld id="{441AC3A6-CF96-4138-AAB1-E992060A5D27}" type="datetimeFigureOut">
               <a:rPr lang="de-DE" smtClean="0"/>
-              <a:t>17.06.2019</a:t>
+              <a:t>18.06.2019</a:t>
             </a:fld>
             <a:endParaRPr lang="de-DE"/>
           </a:p>
@@ -8929,7 +9434,7 @@
           <a:p>
             <a:fld id="{441AC3A6-CF96-4138-AAB1-E992060A5D27}" type="datetimeFigureOut">
               <a:rPr lang="de-DE" smtClean="0"/>
-              <a:t>17.06.2019</a:t>
+              <a:t>18.06.2019</a:t>
             </a:fld>
             <a:endParaRPr lang="de-DE"/>
           </a:p>
@@ -9194,7 +9699,7 @@
           <a:p>
             <a:fld id="{441AC3A6-CF96-4138-AAB1-E992060A5D27}" type="datetimeFigureOut">
               <a:rPr lang="de-DE" smtClean="0"/>
-              <a:t>17.06.2019</a:t>
+              <a:t>18.06.2019</a:t>
             </a:fld>
             <a:endParaRPr lang="de-DE"/>
           </a:p>
@@ -9606,7 +10111,7 @@
           <a:p>
             <a:fld id="{441AC3A6-CF96-4138-AAB1-E992060A5D27}" type="datetimeFigureOut">
               <a:rPr lang="de-DE" smtClean="0"/>
-              <a:t>17.06.2019</a:t>
+              <a:t>18.06.2019</a:t>
             </a:fld>
             <a:endParaRPr lang="de-DE"/>
           </a:p>
@@ -9747,7 +10252,7 @@
           <a:p>
             <a:fld id="{441AC3A6-CF96-4138-AAB1-E992060A5D27}" type="datetimeFigureOut">
               <a:rPr lang="de-DE" smtClean="0"/>
-              <a:t>17.06.2019</a:t>
+              <a:t>18.06.2019</a:t>
             </a:fld>
             <a:endParaRPr lang="de-DE"/>
           </a:p>
@@ -9860,7 +10365,7 @@
           <a:p>
             <a:fld id="{441AC3A6-CF96-4138-AAB1-E992060A5D27}" type="datetimeFigureOut">
               <a:rPr lang="de-DE" smtClean="0"/>
-              <a:t>17.06.2019</a:t>
+              <a:t>18.06.2019</a:t>
             </a:fld>
             <a:endParaRPr lang="de-DE"/>
           </a:p>
@@ -10171,7 +10676,7 @@
           <a:p>
             <a:fld id="{441AC3A6-CF96-4138-AAB1-E992060A5D27}" type="datetimeFigureOut">
               <a:rPr lang="de-DE" smtClean="0"/>
-              <a:t>17.06.2019</a:t>
+              <a:t>18.06.2019</a:t>
             </a:fld>
             <a:endParaRPr lang="de-DE"/>
           </a:p>
@@ -10459,7 +10964,7 @@
           <a:p>
             <a:fld id="{441AC3A6-CF96-4138-AAB1-E992060A5D27}" type="datetimeFigureOut">
               <a:rPr lang="de-DE" smtClean="0"/>
-              <a:t>17.06.2019</a:t>
+              <a:t>18.06.2019</a:t>
             </a:fld>
             <a:endParaRPr lang="de-DE"/>
           </a:p>
@@ -10700,7 +11205,7 @@
           <a:p>
             <a:fld id="{441AC3A6-CF96-4138-AAB1-E992060A5D27}" type="datetimeFigureOut">
               <a:rPr lang="de-DE" smtClean="0"/>
-              <a:t>17.06.2019</a:t>
+              <a:t>18.06.2019</a:t>
             </a:fld>
             <a:endParaRPr lang="de-DE"/>
           </a:p>
@@ -12293,7 +12798,7 @@
           <p:cNvPr id="2" name="Titel 1">
             <a:extLst>
               <a:ext uri="{FF2B5EF4-FFF2-40B4-BE49-F238E27FC236}">
-                <a16:creationId xmlns:a16="http://schemas.microsoft.com/office/drawing/2014/main" id="{968B3045-3925-4EF2-84E7-754B42A4F76B}"/>
+                <a16:creationId xmlns:a16="http://schemas.microsoft.com/office/drawing/2014/main" id="{621F1022-EC9C-427D-B1FE-61B60D622935}"/>
               </a:ext>
             </a:extLst>
           </p:cNvPr>
@@ -12322,7 +12827,7 @@
                   <a:srgbClr val="FFFFFF"/>
                 </a:solidFill>
               </a:rPr>
-              <a:t>Allgemeiner Ablauf des Projekts</a:t>
+              <a:t>Ablauf des Projekts</a:t>
             </a:r>
           </a:p>
         </p:txBody>
@@ -12332,7 +12837,7 @@
           <p:cNvPr id="5" name="Inhaltsplatzhalter 2">
             <a:extLst>
               <a:ext uri="{FF2B5EF4-FFF2-40B4-BE49-F238E27FC236}">
-                <a16:creationId xmlns:a16="http://schemas.microsoft.com/office/drawing/2014/main" id="{BA89258A-347A-40F4-81F1-8FC3159453EB}"/>
+                <a16:creationId xmlns:a16="http://schemas.microsoft.com/office/drawing/2014/main" id="{216D0A53-6164-4A9A-950C-8D9B81AECEAE}"/>
               </a:ext>
             </a:extLst>
           </p:cNvPr>
@@ -12343,7 +12848,7 @@
             <p:ph idx="1"/>
             <p:extLst>
               <p:ext uri="{D42A27DB-BD31-4B8C-83A1-F6EECF244321}">
-                <p14:modId xmlns:p14="http://schemas.microsoft.com/office/powerpoint/2010/main" val="1392676849"/>
+                <p14:modId xmlns:p14="http://schemas.microsoft.com/office/powerpoint/2010/main" val="2933756560"/>
               </p:ext>
             </p:extLst>
           </p:nvPr>
@@ -12361,7 +12866,7 @@
     </p:spTree>
     <p:extLst>
       <p:ext uri="{BB962C8B-B14F-4D97-AF65-F5344CB8AC3E}">
-        <p14:creationId xmlns:p14="http://schemas.microsoft.com/office/powerpoint/2010/main" val="1191295285"/>
+        <p14:creationId xmlns:p14="http://schemas.microsoft.com/office/powerpoint/2010/main" val="1187345201"/>
       </p:ext>
     </p:extLst>
   </p:cSld>
@@ -12372,265 +12877,6 @@
 </file>
 
 <file path=ppt/slides/slide3.xml><?xml version="1.0" encoding="utf-8"?>
-<p:sld xmlns:a="http://schemas.openxmlformats.org/drawingml/2006/main" xmlns:r="http://schemas.openxmlformats.org/officeDocument/2006/relationships" xmlns:p="http://schemas.openxmlformats.org/presentationml/2006/main">
-  <p:cSld>
-    <p:bg>
-      <p:bgPr>
-        <a:solidFill>
-          <a:schemeClr val="bg1"/>
-        </a:solidFill>
-        <a:effectLst/>
-      </p:bgPr>
-    </p:bg>
-    <p:spTree>
-      <p:nvGrpSpPr>
-        <p:cNvPr id="1" name=""/>
-        <p:cNvGrpSpPr/>
-        <p:nvPr/>
-      </p:nvGrpSpPr>
-      <p:grpSpPr>
-        <a:xfrm>
-          <a:off x="0" y="0"/>
-          <a:ext cx="0" cy="0"/>
-          <a:chOff x="0" y="0"/>
-          <a:chExt cx="0" cy="0"/>
-        </a:xfrm>
-      </p:grpSpPr>
-      <p:sp>
-        <p:nvSpPr>
-          <p:cNvPr id="16" name="Rectangle 15">
-            <a:extLst>
-              <a:ext uri="{FF2B5EF4-FFF2-40B4-BE49-F238E27FC236}">
-                <a16:creationId xmlns:a16="http://schemas.microsoft.com/office/drawing/2014/main" id="{823AC064-BC96-4F32-8AE1-B2FD38754823}"/>
-              </a:ext>
-              <a:ext uri="{C183D7F6-B498-43B3-948B-1728B52AA6E4}">
-                <adec:decorative xmlns:adec="http://schemas.microsoft.com/office/drawing/2017/decorative" val="1"/>
-              </a:ext>
-            </a:extLst>
-          </p:cNvPr>
-          <p:cNvSpPr>
-            <a:spLocks noGrp="1" noRot="1" noChangeAspect="1" noMove="1" noResize="1" noEditPoints="1" noAdjustHandles="1" noChangeArrowheads="1" noChangeShapeType="1" noTextEdit="1"/>
-          </p:cNvSpPr>
-          <p:nvPr>
-            <p:extLst>
-              <p:ext uri="{386F3935-93C4-4BCD-93E2-E3B085C9AB24}">
-                <p16:designElem xmlns:p16="http://schemas.microsoft.com/office/powerpoint/2015/main" val="1"/>
-              </p:ext>
-            </p:extLst>
-          </p:nvPr>
-        </p:nvSpPr>
-        <p:spPr bwMode="ltGray">
-          <a:xfrm>
-            <a:off x="378068" y="343486"/>
-            <a:ext cx="11438793" cy="1844256"/>
-          </a:xfrm>
-          <a:prstGeom prst="rect">
-            <a:avLst/>
-          </a:prstGeom>
-          <a:solidFill>
-            <a:srgbClr val="404040"/>
-          </a:solidFill>
-          <a:ln w="127000" cap="sq" cmpd="thinThick">
-            <a:solidFill>
-              <a:srgbClr val="404040"/>
-            </a:solidFill>
-          </a:ln>
-        </p:spPr>
-        <p:style>
-          <a:lnRef idx="2">
-            <a:schemeClr val="accent1">
-              <a:shade val="50000"/>
-            </a:schemeClr>
-          </a:lnRef>
-          <a:fillRef idx="1">
-            <a:schemeClr val="accent1"/>
-          </a:fillRef>
-          <a:effectRef idx="0">
-            <a:schemeClr val="accent1"/>
-          </a:effectRef>
-          <a:fontRef idx="minor">
-            <a:schemeClr val="lt1"/>
-          </a:fontRef>
-        </p:style>
-        <p:txBody>
-          <a:bodyPr rtlCol="0" anchor="ctr"/>
-          <a:lstStyle/>
-          <a:p>
-            <a:pPr marL="0" marR="0" lvl="0" indent="0" algn="ctr" defTabSz="914400" rtl="0" eaLnBrk="1" fontAlgn="auto" latinLnBrk="0" hangingPunct="1">
-              <a:lnSpc>
-                <a:spcPct val="100000"/>
-              </a:lnSpc>
-              <a:spcBef>
-                <a:spcPts val="0"/>
-              </a:spcBef>
-              <a:spcAft>
-                <a:spcPts val="0"/>
-              </a:spcAft>
-              <a:buClrTx/>
-              <a:buSzTx/>
-              <a:buFontTx/>
-              <a:buNone/>
-              <a:tabLst/>
-              <a:defRPr/>
-            </a:pPr>
-            <a:endParaRPr kumimoji="0" lang="en-US" sz="1800" b="0" i="0" u="none" strike="noStrike" kern="1200" cap="none" spc="0" normalizeH="0" baseline="0" noProof="0">
-              <a:ln>
-                <a:noFill/>
-              </a:ln>
-              <a:solidFill>
-                <a:prstClr val="white"/>
-              </a:solidFill>
-              <a:effectLst/>
-              <a:uLnTx/>
-              <a:uFillTx/>
-              <a:latin typeface="Calibri" panose="020F0502020204030204"/>
-              <a:ea typeface="+mn-ea"/>
-              <a:cs typeface="+mn-cs"/>
-            </a:endParaRPr>
-          </a:p>
-        </p:txBody>
-      </p:sp>
-      <p:sp>
-        <p:nvSpPr>
-          <p:cNvPr id="2" name="Titel 1">
-            <a:extLst>
-              <a:ext uri="{FF2B5EF4-FFF2-40B4-BE49-F238E27FC236}">
-                <a16:creationId xmlns:a16="http://schemas.microsoft.com/office/drawing/2014/main" id="{8E551215-AA55-4BB3-80FD-3E3685E744F1}"/>
-              </a:ext>
-            </a:extLst>
-          </p:cNvPr>
-          <p:cNvSpPr>
-            <a:spLocks noGrp="1"/>
-          </p:cNvSpPr>
-          <p:nvPr>
-            <p:ph type="title"/>
-          </p:nvPr>
-        </p:nvSpPr>
-        <p:spPr>
-          <a:xfrm>
-            <a:off x="526073" y="466578"/>
-            <a:ext cx="11139854" cy="930447"/>
-          </a:xfrm>
-        </p:spPr>
-        <p:txBody>
-          <a:bodyPr vert="horz" lIns="91440" tIns="45720" rIns="91440" bIns="45720" rtlCol="0" anchor="b">
-            <a:normAutofit/>
-          </a:bodyPr>
-          <a:lstStyle/>
-          <a:p>
-            <a:pPr algn="ctr"/>
-            <a:r>
-              <a:rPr lang="en-US" sz="5400" kern="1200">
-                <a:solidFill>
-                  <a:srgbClr val="FFFFFF"/>
-                </a:solidFill>
-                <a:latin typeface="+mj-lt"/>
-                <a:ea typeface="+mj-ea"/>
-                <a:cs typeface="+mj-cs"/>
-              </a:rPr>
-              <a:t>Terminziele-Auszug</a:t>
-            </a:r>
-          </a:p>
-        </p:txBody>
-      </p:sp>
-      <p:cxnSp>
-        <p:nvCxnSpPr>
-          <p:cNvPr id="18" name="Straight Connector 17">
-            <a:extLst>
-              <a:ext uri="{FF2B5EF4-FFF2-40B4-BE49-F238E27FC236}">
-                <a16:creationId xmlns:a16="http://schemas.microsoft.com/office/drawing/2014/main" id="{7E7C77BC-7138-40B1-A15B-20F57A494629}"/>
-              </a:ext>
-              <a:ext uri="{C183D7F6-B498-43B3-948B-1728B52AA6E4}">
-                <adec:decorative xmlns:adec="http://schemas.microsoft.com/office/drawing/2017/decorative" val="1"/>
-              </a:ext>
-            </a:extLst>
-          </p:cNvPr>
-          <p:cNvCxnSpPr>
-            <a:cxnSpLocks noGrp="1" noRot="1" noChangeAspect="1" noMove="1" noResize="1" noEditPoints="1" noAdjustHandles="1" noChangeArrowheads="1" noChangeShapeType="1"/>
-          </p:cNvCxnSpPr>
-          <p:nvPr>
-            <p:extLst>
-              <p:ext uri="{386F3935-93C4-4BCD-93E2-E3B085C9AB24}">
-                <p16:designElem xmlns:p16="http://schemas.microsoft.com/office/powerpoint/2015/main" val="1"/>
-              </p:ext>
-            </p:extLst>
-          </p:nvPr>
-        </p:nvCxnSpPr>
-        <p:spPr>
-          <a:xfrm>
-            <a:off x="2209800" y="1448631"/>
-            <a:ext cx="7772400" cy="0"/>
-          </a:xfrm>
-          <a:prstGeom prst="line">
-            <a:avLst/>
-          </a:prstGeom>
-          <a:ln w="22225">
-            <a:solidFill>
-              <a:srgbClr val="D9D9D9"/>
-            </a:solidFill>
-          </a:ln>
-        </p:spPr>
-        <p:style>
-          <a:lnRef idx="1">
-            <a:schemeClr val="accent1"/>
-          </a:lnRef>
-          <a:fillRef idx="0">
-            <a:schemeClr val="accent1"/>
-          </a:fillRef>
-          <a:effectRef idx="0">
-            <a:schemeClr val="accent1"/>
-          </a:effectRef>
-          <a:fontRef idx="minor">
-            <a:schemeClr val="tx1"/>
-          </a:fontRef>
-        </p:style>
-      </p:cxnSp>
-      <p:pic>
-        <p:nvPicPr>
-          <p:cNvPr id="13" name="Grafik 5">
-            <a:extLst>
-              <a:ext uri="{FF2B5EF4-FFF2-40B4-BE49-F238E27FC236}">
-                <a16:creationId xmlns:a16="http://schemas.microsoft.com/office/drawing/2014/main" id="{C99E0E13-A38F-4C44-BEB5-C9862934E19F}"/>
-              </a:ext>
-            </a:extLst>
-          </p:cNvPr>
-          <p:cNvPicPr>
-            <a:picLocks noGrp="1" noChangeAspect="1"/>
-          </p:cNvPicPr>
-          <p:nvPr>
-            <p:ph idx="1"/>
-          </p:nvPr>
-        </p:nvPicPr>
-        <p:blipFill>
-          <a:blip r:embed="rId2"/>
-          <a:stretch>
-            <a:fillRect/>
-          </a:stretch>
-        </p:blipFill>
-        <p:spPr>
-          <a:xfrm>
-            <a:off x="320040" y="2611755"/>
-            <a:ext cx="11496821" cy="3793949"/>
-          </a:xfrm>
-          <a:prstGeom prst="rect">
-            <a:avLst/>
-          </a:prstGeom>
-        </p:spPr>
-      </p:pic>
-    </p:spTree>
-    <p:extLst>
-      <p:ext uri="{BB962C8B-B14F-4D97-AF65-F5344CB8AC3E}">
-        <p14:creationId xmlns:p14="http://schemas.microsoft.com/office/powerpoint/2010/main" val="3756606963"/>
-      </p:ext>
-    </p:extLst>
-  </p:cSld>
-  <p:clrMapOvr>
-    <a:masterClrMapping/>
-  </p:clrMapOvr>
-</p:sld>
-</file>
-
-<file path=ppt/slides/slide4.xml><?xml version="1.0" encoding="utf-8"?>
 <p:sld xmlns:a="http://schemas.openxmlformats.org/drawingml/2006/main" xmlns:r="http://schemas.openxmlformats.org/officeDocument/2006/relationships" xmlns:p="http://schemas.openxmlformats.org/presentationml/2006/main">
   <p:cSld>
     <p:bg>
@@ -13210,6 +13456,265 @@
     <p:extLst>
       <p:ext uri="{BB962C8B-B14F-4D97-AF65-F5344CB8AC3E}">
         <p14:creationId xmlns:p14="http://schemas.microsoft.com/office/powerpoint/2010/main" val="1309439394"/>
+      </p:ext>
+    </p:extLst>
+  </p:cSld>
+  <p:clrMapOvr>
+    <a:masterClrMapping/>
+  </p:clrMapOvr>
+</p:sld>
+</file>
+
+<file path=ppt/slides/slide4.xml><?xml version="1.0" encoding="utf-8"?>
+<p:sld xmlns:a="http://schemas.openxmlformats.org/drawingml/2006/main" xmlns:r="http://schemas.openxmlformats.org/officeDocument/2006/relationships" xmlns:p="http://schemas.openxmlformats.org/presentationml/2006/main">
+  <p:cSld>
+    <p:bg>
+      <p:bgPr>
+        <a:solidFill>
+          <a:schemeClr val="bg1"/>
+        </a:solidFill>
+        <a:effectLst/>
+      </p:bgPr>
+    </p:bg>
+    <p:spTree>
+      <p:nvGrpSpPr>
+        <p:cNvPr id="1" name=""/>
+        <p:cNvGrpSpPr/>
+        <p:nvPr/>
+      </p:nvGrpSpPr>
+      <p:grpSpPr>
+        <a:xfrm>
+          <a:off x="0" y="0"/>
+          <a:ext cx="0" cy="0"/>
+          <a:chOff x="0" y="0"/>
+          <a:chExt cx="0" cy="0"/>
+        </a:xfrm>
+      </p:grpSpPr>
+      <p:sp>
+        <p:nvSpPr>
+          <p:cNvPr id="16" name="Rectangle 15">
+            <a:extLst>
+              <a:ext uri="{FF2B5EF4-FFF2-40B4-BE49-F238E27FC236}">
+                <a16:creationId xmlns:a16="http://schemas.microsoft.com/office/drawing/2014/main" id="{823AC064-BC96-4F32-8AE1-B2FD38754823}"/>
+              </a:ext>
+              <a:ext uri="{C183D7F6-B498-43B3-948B-1728B52AA6E4}">
+                <adec:decorative xmlns:adec="http://schemas.microsoft.com/office/drawing/2017/decorative" val="1"/>
+              </a:ext>
+            </a:extLst>
+          </p:cNvPr>
+          <p:cNvSpPr>
+            <a:spLocks noGrp="1" noRot="1" noChangeAspect="1" noMove="1" noResize="1" noEditPoints="1" noAdjustHandles="1" noChangeArrowheads="1" noChangeShapeType="1" noTextEdit="1"/>
+          </p:cNvSpPr>
+          <p:nvPr>
+            <p:extLst>
+              <p:ext uri="{386F3935-93C4-4BCD-93E2-E3B085C9AB24}">
+                <p16:designElem xmlns:p16="http://schemas.microsoft.com/office/powerpoint/2015/main" val="1"/>
+              </p:ext>
+            </p:extLst>
+          </p:nvPr>
+        </p:nvSpPr>
+        <p:spPr bwMode="ltGray">
+          <a:xfrm>
+            <a:off x="378068" y="343486"/>
+            <a:ext cx="11438793" cy="1844256"/>
+          </a:xfrm>
+          <a:prstGeom prst="rect">
+            <a:avLst/>
+          </a:prstGeom>
+          <a:solidFill>
+            <a:srgbClr val="404040"/>
+          </a:solidFill>
+          <a:ln w="127000" cap="sq" cmpd="thinThick">
+            <a:solidFill>
+              <a:srgbClr val="404040"/>
+            </a:solidFill>
+          </a:ln>
+        </p:spPr>
+        <p:style>
+          <a:lnRef idx="2">
+            <a:schemeClr val="accent1">
+              <a:shade val="50000"/>
+            </a:schemeClr>
+          </a:lnRef>
+          <a:fillRef idx="1">
+            <a:schemeClr val="accent1"/>
+          </a:fillRef>
+          <a:effectRef idx="0">
+            <a:schemeClr val="accent1"/>
+          </a:effectRef>
+          <a:fontRef idx="minor">
+            <a:schemeClr val="lt1"/>
+          </a:fontRef>
+        </p:style>
+        <p:txBody>
+          <a:bodyPr rtlCol="0" anchor="ctr"/>
+          <a:lstStyle/>
+          <a:p>
+            <a:pPr marL="0" marR="0" lvl="0" indent="0" algn="ctr" defTabSz="914400" rtl="0" eaLnBrk="1" fontAlgn="auto" latinLnBrk="0" hangingPunct="1">
+              <a:lnSpc>
+                <a:spcPct val="100000"/>
+              </a:lnSpc>
+              <a:spcBef>
+                <a:spcPts val="0"/>
+              </a:spcBef>
+              <a:spcAft>
+                <a:spcPts val="0"/>
+              </a:spcAft>
+              <a:buClrTx/>
+              <a:buSzTx/>
+              <a:buFontTx/>
+              <a:buNone/>
+              <a:tabLst/>
+              <a:defRPr/>
+            </a:pPr>
+            <a:endParaRPr kumimoji="0" lang="en-US" sz="1800" b="0" i="0" u="none" strike="noStrike" kern="1200" cap="none" spc="0" normalizeH="0" baseline="0" noProof="0">
+              <a:ln>
+                <a:noFill/>
+              </a:ln>
+              <a:solidFill>
+                <a:prstClr val="white"/>
+              </a:solidFill>
+              <a:effectLst/>
+              <a:uLnTx/>
+              <a:uFillTx/>
+              <a:latin typeface="Calibri" panose="020F0502020204030204"/>
+              <a:ea typeface="+mn-ea"/>
+              <a:cs typeface="+mn-cs"/>
+            </a:endParaRPr>
+          </a:p>
+        </p:txBody>
+      </p:sp>
+      <p:sp>
+        <p:nvSpPr>
+          <p:cNvPr id="2" name="Titel 1">
+            <a:extLst>
+              <a:ext uri="{FF2B5EF4-FFF2-40B4-BE49-F238E27FC236}">
+                <a16:creationId xmlns:a16="http://schemas.microsoft.com/office/drawing/2014/main" id="{8E551215-AA55-4BB3-80FD-3E3685E744F1}"/>
+              </a:ext>
+            </a:extLst>
+          </p:cNvPr>
+          <p:cNvSpPr>
+            <a:spLocks noGrp="1"/>
+          </p:cNvSpPr>
+          <p:nvPr>
+            <p:ph type="title"/>
+          </p:nvPr>
+        </p:nvSpPr>
+        <p:spPr>
+          <a:xfrm>
+            <a:off x="526073" y="466578"/>
+            <a:ext cx="11139854" cy="930447"/>
+          </a:xfrm>
+        </p:spPr>
+        <p:txBody>
+          <a:bodyPr vert="horz" lIns="91440" tIns="45720" rIns="91440" bIns="45720" rtlCol="0" anchor="b">
+            <a:normAutofit/>
+          </a:bodyPr>
+          <a:lstStyle/>
+          <a:p>
+            <a:pPr algn="ctr"/>
+            <a:r>
+              <a:rPr lang="en-US" sz="5400" kern="1200">
+                <a:solidFill>
+                  <a:srgbClr val="FFFFFF"/>
+                </a:solidFill>
+                <a:latin typeface="+mj-lt"/>
+                <a:ea typeface="+mj-ea"/>
+                <a:cs typeface="+mj-cs"/>
+              </a:rPr>
+              <a:t>Terminziele-Auszug</a:t>
+            </a:r>
+          </a:p>
+        </p:txBody>
+      </p:sp>
+      <p:cxnSp>
+        <p:nvCxnSpPr>
+          <p:cNvPr id="18" name="Straight Connector 17">
+            <a:extLst>
+              <a:ext uri="{FF2B5EF4-FFF2-40B4-BE49-F238E27FC236}">
+                <a16:creationId xmlns:a16="http://schemas.microsoft.com/office/drawing/2014/main" id="{7E7C77BC-7138-40B1-A15B-20F57A494629}"/>
+              </a:ext>
+              <a:ext uri="{C183D7F6-B498-43B3-948B-1728B52AA6E4}">
+                <adec:decorative xmlns:adec="http://schemas.microsoft.com/office/drawing/2017/decorative" val="1"/>
+              </a:ext>
+            </a:extLst>
+          </p:cNvPr>
+          <p:cNvCxnSpPr>
+            <a:cxnSpLocks noGrp="1" noRot="1" noChangeAspect="1" noMove="1" noResize="1" noEditPoints="1" noAdjustHandles="1" noChangeArrowheads="1" noChangeShapeType="1"/>
+          </p:cNvCxnSpPr>
+          <p:nvPr>
+            <p:extLst>
+              <p:ext uri="{386F3935-93C4-4BCD-93E2-E3B085C9AB24}">
+                <p16:designElem xmlns:p16="http://schemas.microsoft.com/office/powerpoint/2015/main" val="1"/>
+              </p:ext>
+            </p:extLst>
+          </p:nvPr>
+        </p:nvCxnSpPr>
+        <p:spPr>
+          <a:xfrm>
+            <a:off x="2209800" y="1448631"/>
+            <a:ext cx="7772400" cy="0"/>
+          </a:xfrm>
+          <a:prstGeom prst="line">
+            <a:avLst/>
+          </a:prstGeom>
+          <a:ln w="22225">
+            <a:solidFill>
+              <a:srgbClr val="D9D9D9"/>
+            </a:solidFill>
+          </a:ln>
+        </p:spPr>
+        <p:style>
+          <a:lnRef idx="1">
+            <a:schemeClr val="accent1"/>
+          </a:lnRef>
+          <a:fillRef idx="0">
+            <a:schemeClr val="accent1"/>
+          </a:fillRef>
+          <a:effectRef idx="0">
+            <a:schemeClr val="accent1"/>
+          </a:effectRef>
+          <a:fontRef idx="minor">
+            <a:schemeClr val="tx1"/>
+          </a:fontRef>
+        </p:style>
+      </p:cxnSp>
+      <p:pic>
+        <p:nvPicPr>
+          <p:cNvPr id="13" name="Grafik 5">
+            <a:extLst>
+              <a:ext uri="{FF2B5EF4-FFF2-40B4-BE49-F238E27FC236}">
+                <a16:creationId xmlns:a16="http://schemas.microsoft.com/office/drawing/2014/main" id="{C99E0E13-A38F-4C44-BEB5-C9862934E19F}"/>
+              </a:ext>
+            </a:extLst>
+          </p:cNvPr>
+          <p:cNvPicPr>
+            <a:picLocks noGrp="1" noChangeAspect="1"/>
+          </p:cNvPicPr>
+          <p:nvPr>
+            <p:ph idx="1"/>
+          </p:nvPr>
+        </p:nvPicPr>
+        <p:blipFill>
+          <a:blip r:embed="rId2"/>
+          <a:stretch>
+            <a:fillRect/>
+          </a:stretch>
+        </p:blipFill>
+        <p:spPr>
+          <a:xfrm>
+            <a:off x="320040" y="2611755"/>
+            <a:ext cx="11496821" cy="3793949"/>
+          </a:xfrm>
+          <a:prstGeom prst="rect">
+            <a:avLst/>
+          </a:prstGeom>
+        </p:spPr>
+      </p:pic>
+    </p:spTree>
+    <p:extLst>
+      <p:ext uri="{BB962C8B-B14F-4D97-AF65-F5344CB8AC3E}">
+        <p14:creationId xmlns:p14="http://schemas.microsoft.com/office/powerpoint/2010/main" val="3756606963"/>
       </p:ext>
     </p:extLst>
   </p:cSld>

--- a/Team 4/PM_Abschlusspräsentation_Team4.pptx
+++ b/Team 4/PM_Abschlusspräsentation_Team4.pptx
@@ -6,11 +6,12 @@
   </p:sldMasterIdLst>
   <p:sldIdLst>
     <p:sldId id="256" r:id="rId2"/>
-    <p:sldId id="263" r:id="rId3"/>
-    <p:sldId id="261" r:id="rId4"/>
-    <p:sldId id="258" r:id="rId5"/>
-    <p:sldId id="259" r:id="rId6"/>
-    <p:sldId id="262" r:id="rId7"/>
+    <p:sldId id="264" r:id="rId3"/>
+    <p:sldId id="263" r:id="rId4"/>
+    <p:sldId id="261" r:id="rId5"/>
+    <p:sldId id="258" r:id="rId6"/>
+    <p:sldId id="259" r:id="rId7"/>
+    <p:sldId id="262" r:id="rId8"/>
   </p:sldIdLst>
   <p:sldSz cx="12192000" cy="6858000"/>
   <p:notesSz cx="6858000" cy="9144000"/>
@@ -176,6 +177,753 @@
 </file>
 
 <file path=ppt/diagrams/colors1.xml><?xml version="1.0" encoding="utf-8"?>
+<dgm:colorsDef xmlns:dgm="http://schemas.openxmlformats.org/drawingml/2006/diagram" xmlns:a="http://schemas.openxmlformats.org/drawingml/2006/main" uniqueId="urn:microsoft.com/office/officeart/2005/8/colors/accent5_2">
+  <dgm:title val=""/>
+  <dgm:desc val=""/>
+  <dgm:catLst>
+    <dgm:cat type="accent5" pri="11200"/>
+  </dgm:catLst>
+  <dgm:styleLbl name="node0">
+    <dgm:fillClrLst meth="repeat">
+      <a:schemeClr val="accent5"/>
+    </dgm:fillClrLst>
+    <dgm:linClrLst meth="repeat">
+      <a:schemeClr val="lt1"/>
+    </dgm:linClrLst>
+    <dgm:effectClrLst/>
+    <dgm:txLinClrLst/>
+    <dgm:txFillClrLst/>
+    <dgm:txEffectClrLst/>
+  </dgm:styleLbl>
+  <dgm:styleLbl name="node1">
+    <dgm:fillClrLst meth="repeat">
+      <a:schemeClr val="accent5"/>
+    </dgm:fillClrLst>
+    <dgm:linClrLst meth="repeat">
+      <a:schemeClr val="lt1"/>
+    </dgm:linClrLst>
+    <dgm:effectClrLst/>
+    <dgm:txLinClrLst/>
+    <dgm:txFillClrLst/>
+    <dgm:txEffectClrLst/>
+  </dgm:styleLbl>
+  <dgm:styleLbl name="alignNode1">
+    <dgm:fillClrLst meth="repeat">
+      <a:schemeClr val="accent5"/>
+    </dgm:fillClrLst>
+    <dgm:linClrLst meth="repeat">
+      <a:schemeClr val="accent5"/>
+    </dgm:linClrLst>
+    <dgm:effectClrLst/>
+    <dgm:txLinClrLst/>
+    <dgm:txFillClrLst/>
+    <dgm:txEffectClrLst/>
+  </dgm:styleLbl>
+  <dgm:styleLbl name="lnNode1">
+    <dgm:fillClrLst meth="repeat">
+      <a:schemeClr val="accent5"/>
+    </dgm:fillClrLst>
+    <dgm:linClrLst meth="repeat">
+      <a:schemeClr val="lt1"/>
+    </dgm:linClrLst>
+    <dgm:effectClrLst/>
+    <dgm:txLinClrLst/>
+    <dgm:txFillClrLst/>
+    <dgm:txEffectClrLst/>
+  </dgm:styleLbl>
+  <dgm:styleLbl name="vennNode1">
+    <dgm:fillClrLst meth="repeat">
+      <a:schemeClr val="accent5">
+        <a:alpha val="50000"/>
+      </a:schemeClr>
+    </dgm:fillClrLst>
+    <dgm:linClrLst meth="repeat">
+      <a:schemeClr val="lt1"/>
+    </dgm:linClrLst>
+    <dgm:effectClrLst/>
+    <dgm:txLinClrLst/>
+    <dgm:txFillClrLst/>
+    <dgm:txEffectClrLst/>
+  </dgm:styleLbl>
+  <dgm:styleLbl name="node2">
+    <dgm:fillClrLst meth="repeat">
+      <a:schemeClr val="accent5"/>
+    </dgm:fillClrLst>
+    <dgm:linClrLst meth="repeat">
+      <a:schemeClr val="lt1"/>
+    </dgm:linClrLst>
+    <dgm:effectClrLst/>
+    <dgm:txLinClrLst/>
+    <dgm:txFillClrLst/>
+    <dgm:txEffectClrLst/>
+  </dgm:styleLbl>
+  <dgm:styleLbl name="node3">
+    <dgm:fillClrLst meth="repeat">
+      <a:schemeClr val="accent5"/>
+    </dgm:fillClrLst>
+    <dgm:linClrLst meth="repeat">
+      <a:schemeClr val="lt1"/>
+    </dgm:linClrLst>
+    <dgm:effectClrLst/>
+    <dgm:txLinClrLst/>
+    <dgm:txFillClrLst/>
+    <dgm:txEffectClrLst/>
+  </dgm:styleLbl>
+  <dgm:styleLbl name="node4">
+    <dgm:fillClrLst meth="repeat">
+      <a:schemeClr val="accent5"/>
+    </dgm:fillClrLst>
+    <dgm:linClrLst meth="repeat">
+      <a:schemeClr val="lt1"/>
+    </dgm:linClrLst>
+    <dgm:effectClrLst/>
+    <dgm:txLinClrLst/>
+    <dgm:txFillClrLst/>
+    <dgm:txEffectClrLst/>
+  </dgm:styleLbl>
+  <dgm:styleLbl name="fgImgPlace1">
+    <dgm:fillClrLst meth="repeat">
+      <a:schemeClr val="accent5">
+        <a:tint val="50000"/>
+      </a:schemeClr>
+    </dgm:fillClrLst>
+    <dgm:linClrLst meth="repeat">
+      <a:schemeClr val="lt1"/>
+    </dgm:linClrLst>
+    <dgm:effectClrLst/>
+    <dgm:txLinClrLst/>
+    <dgm:txFillClrLst meth="repeat">
+      <a:schemeClr val="lt1"/>
+    </dgm:txFillClrLst>
+    <dgm:txEffectClrLst/>
+  </dgm:styleLbl>
+  <dgm:styleLbl name="alignImgPlace1">
+    <dgm:fillClrLst meth="repeat">
+      <a:schemeClr val="accent5">
+        <a:tint val="50000"/>
+      </a:schemeClr>
+    </dgm:fillClrLst>
+    <dgm:linClrLst meth="repeat">
+      <a:schemeClr val="lt1"/>
+    </dgm:linClrLst>
+    <dgm:effectClrLst/>
+    <dgm:txLinClrLst/>
+    <dgm:txFillClrLst meth="repeat">
+      <a:schemeClr val="lt1"/>
+    </dgm:txFillClrLst>
+    <dgm:txEffectClrLst/>
+  </dgm:styleLbl>
+  <dgm:styleLbl name="bgImgPlace1">
+    <dgm:fillClrLst meth="repeat">
+      <a:schemeClr val="accent5">
+        <a:tint val="50000"/>
+      </a:schemeClr>
+    </dgm:fillClrLst>
+    <dgm:linClrLst meth="repeat">
+      <a:schemeClr val="lt1"/>
+    </dgm:linClrLst>
+    <dgm:effectClrLst/>
+    <dgm:txLinClrLst/>
+    <dgm:txFillClrLst meth="repeat">
+      <a:schemeClr val="lt1"/>
+    </dgm:txFillClrLst>
+    <dgm:txEffectClrLst/>
+  </dgm:styleLbl>
+  <dgm:styleLbl name="sibTrans2D1">
+    <dgm:fillClrLst meth="repeat">
+      <a:schemeClr val="accent5">
+        <a:tint val="60000"/>
+      </a:schemeClr>
+    </dgm:fillClrLst>
+    <dgm:linClrLst meth="repeat">
+      <a:schemeClr val="accent5">
+        <a:tint val="60000"/>
+      </a:schemeClr>
+    </dgm:linClrLst>
+    <dgm:effectClrLst/>
+    <dgm:txLinClrLst/>
+    <dgm:txFillClrLst/>
+    <dgm:txEffectClrLst/>
+  </dgm:styleLbl>
+  <dgm:styleLbl name="fgSibTrans2D1">
+    <dgm:fillClrLst meth="repeat">
+      <a:schemeClr val="accent5">
+        <a:tint val="60000"/>
+      </a:schemeClr>
+    </dgm:fillClrLst>
+    <dgm:linClrLst meth="repeat">
+      <a:schemeClr val="accent5">
+        <a:tint val="60000"/>
+      </a:schemeClr>
+    </dgm:linClrLst>
+    <dgm:effectClrLst/>
+    <dgm:txLinClrLst/>
+    <dgm:txFillClrLst/>
+    <dgm:txEffectClrLst/>
+  </dgm:styleLbl>
+  <dgm:styleLbl name="bgSibTrans2D1">
+    <dgm:fillClrLst meth="repeat">
+      <a:schemeClr val="accent5">
+        <a:tint val="60000"/>
+      </a:schemeClr>
+    </dgm:fillClrLst>
+    <dgm:linClrLst meth="repeat">
+      <a:schemeClr val="accent5">
+        <a:tint val="60000"/>
+      </a:schemeClr>
+    </dgm:linClrLst>
+    <dgm:effectClrLst/>
+    <dgm:txLinClrLst/>
+    <dgm:txFillClrLst/>
+    <dgm:txEffectClrLst/>
+  </dgm:styleLbl>
+  <dgm:styleLbl name="sibTrans1D1">
+    <dgm:fillClrLst meth="repeat">
+      <a:schemeClr val="accent5"/>
+    </dgm:fillClrLst>
+    <dgm:linClrLst meth="repeat">
+      <a:schemeClr val="accent5"/>
+    </dgm:linClrLst>
+    <dgm:effectClrLst/>
+    <dgm:txLinClrLst/>
+    <dgm:txFillClrLst meth="repeat">
+      <a:schemeClr val="tx1"/>
+    </dgm:txFillClrLst>
+    <dgm:txEffectClrLst/>
+  </dgm:styleLbl>
+  <dgm:styleLbl name="callout">
+    <dgm:fillClrLst meth="repeat">
+      <a:schemeClr val="accent5"/>
+    </dgm:fillClrLst>
+    <dgm:linClrLst meth="repeat">
+      <a:schemeClr val="accent5">
+        <a:tint val="50000"/>
+      </a:schemeClr>
+    </dgm:linClrLst>
+    <dgm:effectClrLst/>
+    <dgm:txLinClrLst/>
+    <dgm:txFillClrLst meth="repeat">
+      <a:schemeClr val="tx1"/>
+    </dgm:txFillClrLst>
+    <dgm:txEffectClrLst/>
+  </dgm:styleLbl>
+  <dgm:styleLbl name="asst0">
+    <dgm:fillClrLst meth="repeat">
+      <a:schemeClr val="accent5"/>
+    </dgm:fillClrLst>
+    <dgm:linClrLst meth="repeat">
+      <a:schemeClr val="lt1"/>
+    </dgm:linClrLst>
+    <dgm:effectClrLst/>
+    <dgm:txLinClrLst/>
+    <dgm:txFillClrLst/>
+    <dgm:txEffectClrLst/>
+  </dgm:styleLbl>
+  <dgm:styleLbl name="asst1">
+    <dgm:fillClrLst meth="repeat">
+      <a:schemeClr val="accent5"/>
+    </dgm:fillClrLst>
+    <dgm:linClrLst meth="repeat">
+      <a:schemeClr val="lt1"/>
+    </dgm:linClrLst>
+    <dgm:effectClrLst/>
+    <dgm:txLinClrLst/>
+    <dgm:txFillClrLst/>
+    <dgm:txEffectClrLst/>
+  </dgm:styleLbl>
+  <dgm:styleLbl name="asst2">
+    <dgm:fillClrLst meth="repeat">
+      <a:schemeClr val="accent5"/>
+    </dgm:fillClrLst>
+    <dgm:linClrLst meth="repeat">
+      <a:schemeClr val="lt1"/>
+    </dgm:linClrLst>
+    <dgm:effectClrLst/>
+    <dgm:txLinClrLst/>
+    <dgm:txFillClrLst/>
+    <dgm:txEffectClrLst/>
+  </dgm:styleLbl>
+  <dgm:styleLbl name="asst3">
+    <dgm:fillClrLst meth="repeat">
+      <a:schemeClr val="accent5"/>
+    </dgm:fillClrLst>
+    <dgm:linClrLst meth="repeat">
+      <a:schemeClr val="lt1"/>
+    </dgm:linClrLst>
+    <dgm:effectClrLst/>
+    <dgm:txLinClrLst/>
+    <dgm:txFillClrLst/>
+    <dgm:txEffectClrLst/>
+  </dgm:styleLbl>
+  <dgm:styleLbl name="asst4">
+    <dgm:fillClrLst meth="repeat">
+      <a:schemeClr val="accent5"/>
+    </dgm:fillClrLst>
+    <dgm:linClrLst meth="repeat">
+      <a:schemeClr val="lt1"/>
+    </dgm:linClrLst>
+    <dgm:effectClrLst/>
+    <dgm:txLinClrLst/>
+    <dgm:txFillClrLst/>
+    <dgm:txEffectClrLst/>
+  </dgm:styleLbl>
+  <dgm:styleLbl name="parChTrans2D1">
+    <dgm:fillClrLst meth="repeat">
+      <a:schemeClr val="accent5">
+        <a:tint val="60000"/>
+      </a:schemeClr>
+    </dgm:fillClrLst>
+    <dgm:linClrLst meth="repeat">
+      <a:schemeClr val="accent5">
+        <a:tint val="60000"/>
+      </a:schemeClr>
+    </dgm:linClrLst>
+    <dgm:effectClrLst/>
+    <dgm:txLinClrLst/>
+    <dgm:txFillClrLst meth="repeat">
+      <a:schemeClr val="lt1"/>
+    </dgm:txFillClrLst>
+    <dgm:txEffectClrLst/>
+  </dgm:styleLbl>
+  <dgm:styleLbl name="parChTrans2D2">
+    <dgm:fillClrLst meth="repeat">
+      <a:schemeClr val="accent5"/>
+    </dgm:fillClrLst>
+    <dgm:linClrLst meth="repeat">
+      <a:schemeClr val="accent5"/>
+    </dgm:linClrLst>
+    <dgm:effectClrLst/>
+    <dgm:txLinClrLst/>
+    <dgm:txFillClrLst meth="repeat">
+      <a:schemeClr val="lt1"/>
+    </dgm:txFillClrLst>
+    <dgm:txEffectClrLst/>
+  </dgm:styleLbl>
+  <dgm:styleLbl name="parChTrans2D3">
+    <dgm:fillClrLst meth="repeat">
+      <a:schemeClr val="accent5"/>
+    </dgm:fillClrLst>
+    <dgm:linClrLst meth="repeat">
+      <a:schemeClr val="accent5"/>
+    </dgm:linClrLst>
+    <dgm:effectClrLst/>
+    <dgm:txLinClrLst/>
+    <dgm:txFillClrLst meth="repeat">
+      <a:schemeClr val="lt1"/>
+    </dgm:txFillClrLst>
+    <dgm:txEffectClrLst/>
+  </dgm:styleLbl>
+  <dgm:styleLbl name="parChTrans2D4">
+    <dgm:fillClrLst meth="repeat">
+      <a:schemeClr val="accent5"/>
+    </dgm:fillClrLst>
+    <dgm:linClrLst meth="repeat">
+      <a:schemeClr val="accent5"/>
+    </dgm:linClrLst>
+    <dgm:effectClrLst/>
+    <dgm:txLinClrLst/>
+    <dgm:txFillClrLst meth="repeat">
+      <a:schemeClr val="lt1"/>
+    </dgm:txFillClrLst>
+    <dgm:txEffectClrLst/>
+  </dgm:styleLbl>
+  <dgm:styleLbl name="parChTrans1D1">
+    <dgm:fillClrLst meth="repeat">
+      <a:schemeClr val="accent5"/>
+    </dgm:fillClrLst>
+    <dgm:linClrLst meth="repeat">
+      <a:schemeClr val="accent5">
+        <a:shade val="60000"/>
+      </a:schemeClr>
+    </dgm:linClrLst>
+    <dgm:effectClrLst/>
+    <dgm:txLinClrLst/>
+    <dgm:txFillClrLst meth="repeat">
+      <a:schemeClr val="tx1"/>
+    </dgm:txFillClrLst>
+    <dgm:txEffectClrLst/>
+  </dgm:styleLbl>
+  <dgm:styleLbl name="parChTrans1D2">
+    <dgm:fillClrLst meth="repeat">
+      <a:schemeClr val="accent5"/>
+    </dgm:fillClrLst>
+    <dgm:linClrLst meth="repeat">
+      <a:schemeClr val="accent5">
+        <a:shade val="60000"/>
+      </a:schemeClr>
+    </dgm:linClrLst>
+    <dgm:effectClrLst/>
+    <dgm:txLinClrLst/>
+    <dgm:txFillClrLst meth="repeat">
+      <a:schemeClr val="tx1"/>
+    </dgm:txFillClrLst>
+    <dgm:txEffectClrLst/>
+  </dgm:styleLbl>
+  <dgm:styleLbl name="parChTrans1D3">
+    <dgm:fillClrLst meth="repeat">
+      <a:schemeClr val="accent5"/>
+    </dgm:fillClrLst>
+    <dgm:linClrLst meth="repeat">
+      <a:schemeClr val="accent5">
+        <a:shade val="80000"/>
+      </a:schemeClr>
+    </dgm:linClrLst>
+    <dgm:effectClrLst/>
+    <dgm:txLinClrLst/>
+    <dgm:txFillClrLst meth="repeat">
+      <a:schemeClr val="tx1"/>
+    </dgm:txFillClrLst>
+    <dgm:txEffectClrLst/>
+  </dgm:styleLbl>
+  <dgm:styleLbl name="parChTrans1D4">
+    <dgm:fillClrLst meth="repeat">
+      <a:schemeClr val="accent5"/>
+    </dgm:fillClrLst>
+    <dgm:linClrLst meth="repeat">
+      <a:schemeClr val="accent5">
+        <a:shade val="80000"/>
+      </a:schemeClr>
+    </dgm:linClrLst>
+    <dgm:effectClrLst/>
+    <dgm:txLinClrLst/>
+    <dgm:txFillClrLst meth="repeat">
+      <a:schemeClr val="tx1"/>
+    </dgm:txFillClrLst>
+    <dgm:txEffectClrLst/>
+  </dgm:styleLbl>
+  <dgm:styleLbl name="fgAcc1">
+    <dgm:fillClrLst meth="repeat">
+      <a:schemeClr val="lt1">
+        <a:alpha val="90000"/>
+      </a:schemeClr>
+    </dgm:fillClrLst>
+    <dgm:linClrLst meth="repeat">
+      <a:schemeClr val="accent5"/>
+    </dgm:linClrLst>
+    <dgm:effectClrLst/>
+    <dgm:txLinClrLst/>
+    <dgm:txFillClrLst meth="repeat">
+      <a:schemeClr val="dk1"/>
+    </dgm:txFillClrLst>
+    <dgm:txEffectClrLst/>
+  </dgm:styleLbl>
+  <dgm:styleLbl name="conFgAcc1">
+    <dgm:fillClrLst meth="repeat">
+      <a:schemeClr val="lt1">
+        <a:alpha val="90000"/>
+      </a:schemeClr>
+    </dgm:fillClrLst>
+    <dgm:linClrLst meth="repeat">
+      <a:schemeClr val="accent5"/>
+    </dgm:linClrLst>
+    <dgm:effectClrLst/>
+    <dgm:txLinClrLst/>
+    <dgm:txFillClrLst meth="repeat">
+      <a:schemeClr val="dk1"/>
+    </dgm:txFillClrLst>
+    <dgm:txEffectClrLst/>
+  </dgm:styleLbl>
+  <dgm:styleLbl name="alignAcc1">
+    <dgm:fillClrLst meth="repeat">
+      <a:schemeClr val="lt1">
+        <a:alpha val="90000"/>
+      </a:schemeClr>
+    </dgm:fillClrLst>
+    <dgm:linClrLst meth="repeat">
+      <a:schemeClr val="accent5"/>
+    </dgm:linClrLst>
+    <dgm:effectClrLst/>
+    <dgm:txLinClrLst/>
+    <dgm:txFillClrLst meth="repeat">
+      <a:schemeClr val="dk1"/>
+    </dgm:txFillClrLst>
+    <dgm:txEffectClrLst/>
+  </dgm:styleLbl>
+  <dgm:styleLbl name="trAlignAcc1">
+    <dgm:fillClrLst meth="repeat">
+      <a:schemeClr val="lt1">
+        <a:alpha val="40000"/>
+      </a:schemeClr>
+    </dgm:fillClrLst>
+    <dgm:linClrLst meth="repeat">
+      <a:schemeClr val="accent5"/>
+    </dgm:linClrLst>
+    <dgm:effectClrLst/>
+    <dgm:txLinClrLst/>
+    <dgm:txFillClrLst meth="repeat">
+      <a:schemeClr val="dk1"/>
+    </dgm:txFillClrLst>
+    <dgm:txEffectClrLst/>
+  </dgm:styleLbl>
+  <dgm:styleLbl name="bgAcc1">
+    <dgm:fillClrLst meth="repeat">
+      <a:schemeClr val="lt1">
+        <a:alpha val="90000"/>
+      </a:schemeClr>
+    </dgm:fillClrLst>
+    <dgm:linClrLst meth="repeat">
+      <a:schemeClr val="accent5"/>
+    </dgm:linClrLst>
+    <dgm:effectClrLst/>
+    <dgm:txLinClrLst/>
+    <dgm:txFillClrLst meth="repeat">
+      <a:schemeClr val="dk1"/>
+    </dgm:txFillClrLst>
+    <dgm:txEffectClrLst/>
+  </dgm:styleLbl>
+  <dgm:styleLbl name="solidFgAcc1">
+    <dgm:fillClrLst meth="repeat">
+      <a:schemeClr val="lt1"/>
+    </dgm:fillClrLst>
+    <dgm:linClrLst meth="repeat">
+      <a:schemeClr val="accent5"/>
+    </dgm:linClrLst>
+    <dgm:effectClrLst/>
+    <dgm:txLinClrLst/>
+    <dgm:txFillClrLst meth="repeat">
+      <a:schemeClr val="dk1"/>
+    </dgm:txFillClrLst>
+    <dgm:txEffectClrLst/>
+  </dgm:styleLbl>
+  <dgm:styleLbl name="solidAlignAcc1">
+    <dgm:fillClrLst meth="repeat">
+      <a:schemeClr val="lt1"/>
+    </dgm:fillClrLst>
+    <dgm:linClrLst meth="repeat">
+      <a:schemeClr val="accent5"/>
+    </dgm:linClrLst>
+    <dgm:effectClrLst/>
+    <dgm:txLinClrLst/>
+    <dgm:txFillClrLst meth="repeat">
+      <a:schemeClr val="dk1"/>
+    </dgm:txFillClrLst>
+    <dgm:txEffectClrLst/>
+  </dgm:styleLbl>
+  <dgm:styleLbl name="solidBgAcc1">
+    <dgm:fillClrLst meth="repeat">
+      <a:schemeClr val="lt1"/>
+    </dgm:fillClrLst>
+    <dgm:linClrLst meth="repeat">
+      <a:schemeClr val="accent5"/>
+    </dgm:linClrLst>
+    <dgm:effectClrLst/>
+    <dgm:txLinClrLst/>
+    <dgm:txFillClrLst meth="repeat">
+      <a:schemeClr val="dk1"/>
+    </dgm:txFillClrLst>
+    <dgm:txEffectClrLst/>
+  </dgm:styleLbl>
+  <dgm:styleLbl name="fgAccFollowNode1">
+    <dgm:fillClrLst meth="repeat">
+      <a:schemeClr val="accent5">
+        <a:alpha val="90000"/>
+        <a:tint val="40000"/>
+      </a:schemeClr>
+    </dgm:fillClrLst>
+    <dgm:linClrLst meth="repeat">
+      <a:schemeClr val="accent5">
+        <a:alpha val="90000"/>
+        <a:tint val="40000"/>
+      </a:schemeClr>
+    </dgm:linClrLst>
+    <dgm:effectClrLst/>
+    <dgm:txLinClrLst/>
+    <dgm:txFillClrLst meth="repeat">
+      <a:schemeClr val="dk1"/>
+    </dgm:txFillClrLst>
+    <dgm:txEffectClrLst/>
+  </dgm:styleLbl>
+  <dgm:styleLbl name="alignAccFollowNode1">
+    <dgm:fillClrLst meth="repeat">
+      <a:schemeClr val="accent5">
+        <a:alpha val="90000"/>
+        <a:tint val="40000"/>
+      </a:schemeClr>
+    </dgm:fillClrLst>
+    <dgm:linClrLst meth="repeat">
+      <a:schemeClr val="accent5">
+        <a:alpha val="90000"/>
+        <a:tint val="40000"/>
+      </a:schemeClr>
+    </dgm:linClrLst>
+    <dgm:effectClrLst/>
+    <dgm:txLinClrLst/>
+    <dgm:txFillClrLst meth="repeat">
+      <a:schemeClr val="dk1"/>
+    </dgm:txFillClrLst>
+    <dgm:txEffectClrLst/>
+  </dgm:styleLbl>
+  <dgm:styleLbl name="bgAccFollowNode1">
+    <dgm:fillClrLst meth="repeat">
+      <a:schemeClr val="accent5">
+        <a:alpha val="90000"/>
+        <a:tint val="40000"/>
+      </a:schemeClr>
+    </dgm:fillClrLst>
+    <dgm:linClrLst meth="repeat">
+      <a:schemeClr val="accent5">
+        <a:alpha val="90000"/>
+        <a:tint val="40000"/>
+      </a:schemeClr>
+    </dgm:linClrLst>
+    <dgm:effectClrLst/>
+    <dgm:txLinClrLst/>
+    <dgm:txFillClrLst meth="repeat">
+      <a:schemeClr val="dk1"/>
+    </dgm:txFillClrLst>
+    <dgm:txEffectClrLst/>
+  </dgm:styleLbl>
+  <dgm:styleLbl name="fgAcc0">
+    <dgm:fillClrLst meth="repeat">
+      <a:schemeClr val="lt1">
+        <a:alpha val="90000"/>
+      </a:schemeClr>
+    </dgm:fillClrLst>
+    <dgm:linClrLst meth="repeat">
+      <a:schemeClr val="accent5"/>
+    </dgm:linClrLst>
+    <dgm:effectClrLst/>
+    <dgm:txLinClrLst/>
+    <dgm:txFillClrLst meth="repeat">
+      <a:schemeClr val="dk1"/>
+    </dgm:txFillClrLst>
+    <dgm:txEffectClrLst/>
+  </dgm:styleLbl>
+  <dgm:styleLbl name="fgAcc2">
+    <dgm:fillClrLst meth="repeat">
+      <a:schemeClr val="lt1">
+        <a:alpha val="90000"/>
+      </a:schemeClr>
+    </dgm:fillClrLst>
+    <dgm:linClrLst meth="repeat">
+      <a:schemeClr val="accent5"/>
+    </dgm:linClrLst>
+    <dgm:effectClrLst/>
+    <dgm:txLinClrLst/>
+    <dgm:txFillClrLst meth="repeat">
+      <a:schemeClr val="dk1"/>
+    </dgm:txFillClrLst>
+    <dgm:txEffectClrLst/>
+  </dgm:styleLbl>
+  <dgm:styleLbl name="fgAcc3">
+    <dgm:fillClrLst meth="repeat">
+      <a:schemeClr val="lt1">
+        <a:alpha val="90000"/>
+      </a:schemeClr>
+    </dgm:fillClrLst>
+    <dgm:linClrLst meth="repeat">
+      <a:schemeClr val="accent5"/>
+    </dgm:linClrLst>
+    <dgm:effectClrLst/>
+    <dgm:txLinClrLst/>
+    <dgm:txFillClrLst meth="repeat">
+      <a:schemeClr val="dk1"/>
+    </dgm:txFillClrLst>
+    <dgm:txEffectClrLst/>
+  </dgm:styleLbl>
+  <dgm:styleLbl name="fgAcc4">
+    <dgm:fillClrLst meth="repeat">
+      <a:schemeClr val="lt1">
+        <a:alpha val="90000"/>
+      </a:schemeClr>
+    </dgm:fillClrLst>
+    <dgm:linClrLst meth="repeat">
+      <a:schemeClr val="accent5"/>
+    </dgm:linClrLst>
+    <dgm:effectClrLst/>
+    <dgm:txLinClrLst/>
+    <dgm:txFillClrLst meth="repeat">
+      <a:schemeClr val="dk1"/>
+    </dgm:txFillClrLst>
+    <dgm:txEffectClrLst/>
+  </dgm:styleLbl>
+  <dgm:styleLbl name="bgShp">
+    <dgm:fillClrLst meth="repeat">
+      <a:schemeClr val="accent5">
+        <a:tint val="40000"/>
+      </a:schemeClr>
+    </dgm:fillClrLst>
+    <dgm:linClrLst meth="repeat">
+      <a:schemeClr val="accent5"/>
+    </dgm:linClrLst>
+    <dgm:effectClrLst/>
+    <dgm:txLinClrLst/>
+    <dgm:txFillClrLst meth="repeat">
+      <a:schemeClr val="dk1"/>
+    </dgm:txFillClrLst>
+    <dgm:txEffectClrLst/>
+  </dgm:styleLbl>
+  <dgm:styleLbl name="dkBgShp">
+    <dgm:fillClrLst meth="repeat">
+      <a:schemeClr val="accent5">
+        <a:shade val="80000"/>
+      </a:schemeClr>
+    </dgm:fillClrLst>
+    <dgm:linClrLst meth="repeat">
+      <a:schemeClr val="accent5"/>
+    </dgm:linClrLst>
+    <dgm:effectClrLst/>
+    <dgm:txLinClrLst/>
+    <dgm:txFillClrLst meth="repeat">
+      <a:schemeClr val="lt1"/>
+    </dgm:txFillClrLst>
+    <dgm:txEffectClrLst/>
+  </dgm:styleLbl>
+  <dgm:styleLbl name="trBgShp">
+    <dgm:fillClrLst meth="repeat">
+      <a:schemeClr val="accent5">
+        <a:tint val="50000"/>
+        <a:alpha val="40000"/>
+      </a:schemeClr>
+    </dgm:fillClrLst>
+    <dgm:linClrLst meth="repeat">
+      <a:schemeClr val="accent5"/>
+    </dgm:linClrLst>
+    <dgm:effectClrLst/>
+    <dgm:txLinClrLst/>
+    <dgm:txFillClrLst meth="repeat">
+      <a:schemeClr val="lt1"/>
+    </dgm:txFillClrLst>
+    <dgm:txEffectClrLst/>
+  </dgm:styleLbl>
+  <dgm:styleLbl name="fgShp">
+    <dgm:fillClrLst meth="repeat">
+      <a:schemeClr val="accent5">
+        <a:tint val="60000"/>
+      </a:schemeClr>
+    </dgm:fillClrLst>
+    <dgm:linClrLst meth="repeat">
+      <a:schemeClr val="lt1"/>
+    </dgm:linClrLst>
+    <dgm:effectClrLst/>
+    <dgm:txLinClrLst/>
+    <dgm:txFillClrLst meth="repeat">
+      <a:schemeClr val="dk1"/>
+    </dgm:txFillClrLst>
+    <dgm:txEffectClrLst/>
+  </dgm:styleLbl>
+  <dgm:styleLbl name="revTx">
+    <dgm:fillClrLst meth="repeat">
+      <a:schemeClr val="lt1">
+        <a:alpha val="0"/>
+      </a:schemeClr>
+    </dgm:fillClrLst>
+    <dgm:linClrLst meth="repeat">
+      <a:schemeClr val="dk1">
+        <a:alpha val="0"/>
+      </a:schemeClr>
+    </dgm:linClrLst>
+    <dgm:effectClrLst/>
+    <dgm:txLinClrLst/>
+    <dgm:txFillClrLst meth="repeat">
+      <a:schemeClr val="tx1"/>
+    </dgm:txFillClrLst>
+    <dgm:txEffectClrLst/>
+  </dgm:styleLbl>
+</dgm:colorsDef>
+</file>
+
+<file path=ppt/diagrams/colors2.xml><?xml version="1.0" encoding="utf-8"?>
 <dgm:colorsDef xmlns:dgm="http://schemas.openxmlformats.org/drawingml/2006/diagram" xmlns:a="http://schemas.openxmlformats.org/drawingml/2006/main" uniqueId="urn:microsoft.com/office/officeart/2005/8/colors/colorful5">
   <dgm:title val=""/>
   <dgm:desc val=""/>
@@ -957,7 +1705,7 @@
 </dgm:colorsDef>
 </file>
 
-<file path=ppt/diagrams/colors2.xml><?xml version="1.0" encoding="utf-8"?>
+<file path=ppt/diagrams/colors3.xml><?xml version="1.0" encoding="utf-8"?>
 <dgm:colorsDef xmlns:dgm="http://schemas.openxmlformats.org/drawingml/2006/diagram" xmlns:a="http://schemas.openxmlformats.org/drawingml/2006/main" uniqueId="urn:microsoft.com/office/officeart/2005/8/colors/colorful2">
   <dgm:title val=""/>
   <dgm:desc val=""/>
@@ -1739,7 +2487,7 @@
 </dgm:colorsDef>
 </file>
 
-<file path=ppt/diagrams/colors3.xml><?xml version="1.0" encoding="utf-8"?>
+<file path=ppt/diagrams/colors4.xml><?xml version="1.0" encoding="utf-8"?>
 <dgm:colorsDef xmlns:dgm="http://schemas.openxmlformats.org/drawingml/2006/diagram" xmlns:a="http://schemas.openxmlformats.org/drawingml/2006/main" uniqueId="urn:microsoft.com/office/officeart/2005/8/colors/colorful5">
   <dgm:title val=""/>
   <dgm:desc val=""/>
@@ -2522,6 +3270,432 @@
 </file>
 
 <file path=ppt/diagrams/data1.xml><?xml version="1.0" encoding="utf-8"?>
+<dgm:dataModel xmlns:dgm="http://schemas.openxmlformats.org/drawingml/2006/diagram" xmlns:a="http://schemas.openxmlformats.org/drawingml/2006/main">
+  <dgm:ptLst>
+    <dgm:pt modelId="{7950545B-FFFB-4FE8-9744-AC61A6B4A2C8}" type="doc">
+      <dgm:prSet loTypeId="urn:microsoft.com/office/officeart/2005/8/layout/list1" loCatId="list" qsTypeId="urn:microsoft.com/office/officeart/2005/8/quickstyle/simple1" qsCatId="simple" csTypeId="urn:microsoft.com/office/officeart/2005/8/colors/accent5_2" csCatId="accent5" phldr="1"/>
+      <dgm:spPr/>
+      <dgm:t>
+        <a:bodyPr/>
+        <a:lstStyle/>
+        <a:p>
+          <a:endParaRPr lang="en-US"/>
+        </a:p>
+      </dgm:t>
+    </dgm:pt>
+    <dgm:pt modelId="{481C1B11-0949-459B-A70F-DBF2893AFD2C}">
+      <dgm:prSet/>
+      <dgm:spPr/>
+      <dgm:t>
+        <a:bodyPr/>
+        <a:lstStyle/>
+        <a:p>
+          <a:r>
+            <a:rPr lang="de-DE"/>
+            <a:t>Teamleiter</a:t>
+          </a:r>
+          <a:endParaRPr lang="en-US"/>
+        </a:p>
+      </dgm:t>
+    </dgm:pt>
+    <dgm:pt modelId="{C525A081-F424-4D8A-AC2A-8DE34A987191}" type="parTrans" cxnId="{167F9DB9-ABD9-471A-83E7-C203D7879194}">
+      <dgm:prSet/>
+      <dgm:spPr/>
+      <dgm:t>
+        <a:bodyPr/>
+        <a:lstStyle/>
+        <a:p>
+          <a:endParaRPr lang="en-US"/>
+        </a:p>
+      </dgm:t>
+    </dgm:pt>
+    <dgm:pt modelId="{068F2237-2323-4BF9-9C7D-D5EA2B32C2A8}" type="sibTrans" cxnId="{167F9DB9-ABD9-471A-83E7-C203D7879194}">
+      <dgm:prSet/>
+      <dgm:spPr/>
+      <dgm:t>
+        <a:bodyPr/>
+        <a:lstStyle/>
+        <a:p>
+          <a:endParaRPr lang="en-US"/>
+        </a:p>
+      </dgm:t>
+    </dgm:pt>
+    <dgm:pt modelId="{A2B47E9A-FED0-4DFC-AB79-8F0059A9A249}">
+      <dgm:prSet/>
+      <dgm:spPr/>
+      <dgm:t>
+        <a:bodyPr/>
+        <a:lstStyle/>
+        <a:p>
+          <a:r>
+            <a:rPr lang="de-DE"/>
+            <a:t>Kevin, Markus (stellv.)</a:t>
+          </a:r>
+          <a:endParaRPr lang="en-US"/>
+        </a:p>
+      </dgm:t>
+    </dgm:pt>
+    <dgm:pt modelId="{8A7E8113-3D7C-46FA-BFD2-1DA8F8B24A24}" type="parTrans" cxnId="{2B21CD6E-B8FE-4AB0-8FD5-A34195A75C3E}">
+      <dgm:prSet/>
+      <dgm:spPr/>
+      <dgm:t>
+        <a:bodyPr/>
+        <a:lstStyle/>
+        <a:p>
+          <a:endParaRPr lang="en-US"/>
+        </a:p>
+      </dgm:t>
+    </dgm:pt>
+    <dgm:pt modelId="{8314F415-94EE-465B-B14A-9D9A1AC6E287}" type="sibTrans" cxnId="{2B21CD6E-B8FE-4AB0-8FD5-A34195A75C3E}">
+      <dgm:prSet/>
+      <dgm:spPr/>
+      <dgm:t>
+        <a:bodyPr/>
+        <a:lstStyle/>
+        <a:p>
+          <a:endParaRPr lang="en-US"/>
+        </a:p>
+      </dgm:t>
+    </dgm:pt>
+    <dgm:pt modelId="{9863FF32-9596-4B72-A5F7-F77871C20329}">
+      <dgm:prSet/>
+      <dgm:spPr/>
+      <dgm:t>
+        <a:bodyPr/>
+        <a:lstStyle/>
+        <a:p>
+          <a:r>
+            <a:rPr lang="de-DE"/>
+            <a:t>Team Frontend</a:t>
+          </a:r>
+          <a:endParaRPr lang="en-US"/>
+        </a:p>
+      </dgm:t>
+    </dgm:pt>
+    <dgm:pt modelId="{F53FC6C9-3CB0-4FAD-BB7E-DC0557D83A12}" type="parTrans" cxnId="{12A277D9-00B3-4B3B-804C-AEEA840F4208}">
+      <dgm:prSet/>
+      <dgm:spPr/>
+      <dgm:t>
+        <a:bodyPr/>
+        <a:lstStyle/>
+        <a:p>
+          <a:endParaRPr lang="en-US"/>
+        </a:p>
+      </dgm:t>
+    </dgm:pt>
+    <dgm:pt modelId="{FA9E6416-3FFA-42D5-9ACE-4A8D9F291F65}" type="sibTrans" cxnId="{12A277D9-00B3-4B3B-804C-AEEA840F4208}">
+      <dgm:prSet/>
+      <dgm:spPr/>
+      <dgm:t>
+        <a:bodyPr/>
+        <a:lstStyle/>
+        <a:p>
+          <a:endParaRPr lang="en-US"/>
+        </a:p>
+      </dgm:t>
+    </dgm:pt>
+    <dgm:pt modelId="{8116CA5A-DB26-449E-B53D-A1DF8037A9C4}">
+      <dgm:prSet/>
+      <dgm:spPr/>
+      <dgm:t>
+        <a:bodyPr/>
+        <a:lstStyle/>
+        <a:p>
+          <a:r>
+            <a:rPr lang="de-DE"/>
+            <a:t>Robin, Marvin, Paul, (Kevin)</a:t>
+          </a:r>
+          <a:endParaRPr lang="en-US"/>
+        </a:p>
+      </dgm:t>
+    </dgm:pt>
+    <dgm:pt modelId="{2DD2D20D-FAE4-404C-A024-FE8163EAE393}" type="parTrans" cxnId="{A65F86CF-926A-4A80-87A7-EEBE6D608F90}">
+      <dgm:prSet/>
+      <dgm:spPr/>
+      <dgm:t>
+        <a:bodyPr/>
+        <a:lstStyle/>
+        <a:p>
+          <a:endParaRPr lang="en-US"/>
+        </a:p>
+      </dgm:t>
+    </dgm:pt>
+    <dgm:pt modelId="{79902D5E-B954-45AA-A246-80177A9FCEDD}" type="sibTrans" cxnId="{A65F86CF-926A-4A80-87A7-EEBE6D608F90}">
+      <dgm:prSet/>
+      <dgm:spPr/>
+      <dgm:t>
+        <a:bodyPr/>
+        <a:lstStyle/>
+        <a:p>
+          <a:endParaRPr lang="en-US"/>
+        </a:p>
+      </dgm:t>
+    </dgm:pt>
+    <dgm:pt modelId="{675EA867-D2B0-4BE6-8ED1-6E602586D874}">
+      <dgm:prSet/>
+      <dgm:spPr/>
+      <dgm:t>
+        <a:bodyPr/>
+        <a:lstStyle/>
+        <a:p>
+          <a:r>
+            <a:rPr lang="de-DE" dirty="0"/>
+            <a:t>Ehrenvolle Erwähnung: Max</a:t>
+          </a:r>
+          <a:endParaRPr lang="en-US" dirty="0"/>
+        </a:p>
+      </dgm:t>
+    </dgm:pt>
+    <dgm:pt modelId="{6C8341D2-4710-405D-A840-9CDFBA7DBAC7}" type="parTrans" cxnId="{0AD6C363-D590-40A3-BAF9-674212555C8A}">
+      <dgm:prSet/>
+      <dgm:spPr/>
+      <dgm:t>
+        <a:bodyPr/>
+        <a:lstStyle/>
+        <a:p>
+          <a:endParaRPr lang="en-US"/>
+        </a:p>
+      </dgm:t>
+    </dgm:pt>
+    <dgm:pt modelId="{F1E08C63-FD87-4C15-B39E-CB89E8439DA4}" type="sibTrans" cxnId="{0AD6C363-D590-40A3-BAF9-674212555C8A}">
+      <dgm:prSet/>
+      <dgm:spPr/>
+      <dgm:t>
+        <a:bodyPr/>
+        <a:lstStyle/>
+        <a:p>
+          <a:endParaRPr lang="en-US"/>
+        </a:p>
+      </dgm:t>
+    </dgm:pt>
+    <dgm:pt modelId="{1E2D95C3-F7CE-4AD1-AF4B-04F44AE48954}">
+      <dgm:prSet/>
+      <dgm:spPr/>
+      <dgm:t>
+        <a:bodyPr/>
+        <a:lstStyle/>
+        <a:p>
+          <a:r>
+            <a:rPr lang="de-DE"/>
+            <a:t>Team Backend</a:t>
+          </a:r>
+          <a:endParaRPr lang="en-US"/>
+        </a:p>
+      </dgm:t>
+    </dgm:pt>
+    <dgm:pt modelId="{7A504C67-6D7A-47B3-8828-F36AFC34C5E6}" type="parTrans" cxnId="{EF0C880D-4E53-4479-82CA-233311FFDF63}">
+      <dgm:prSet/>
+      <dgm:spPr/>
+      <dgm:t>
+        <a:bodyPr/>
+        <a:lstStyle/>
+        <a:p>
+          <a:endParaRPr lang="en-US"/>
+        </a:p>
+      </dgm:t>
+    </dgm:pt>
+    <dgm:pt modelId="{5F9487BF-52BB-45BF-8B00-DC423C8B89FB}" type="sibTrans" cxnId="{EF0C880D-4E53-4479-82CA-233311FFDF63}">
+      <dgm:prSet/>
+      <dgm:spPr/>
+      <dgm:t>
+        <a:bodyPr/>
+        <a:lstStyle/>
+        <a:p>
+          <a:endParaRPr lang="en-US"/>
+        </a:p>
+      </dgm:t>
+    </dgm:pt>
+    <dgm:pt modelId="{DBCD0C5D-713F-4478-9E32-CFED3EB7D963}">
+      <dgm:prSet/>
+      <dgm:spPr/>
+      <dgm:t>
+        <a:bodyPr/>
+        <a:lstStyle/>
+        <a:p>
+          <a:r>
+            <a:rPr lang="de-DE"/>
+            <a:t>Nicolas, Carl, Markus</a:t>
+          </a:r>
+          <a:endParaRPr lang="en-US"/>
+        </a:p>
+      </dgm:t>
+    </dgm:pt>
+    <dgm:pt modelId="{1B01BA80-4866-4ADE-87D1-0D34809E20B7}" type="parTrans" cxnId="{6E80E5D3-57F1-4D51-9289-B41001420AC1}">
+      <dgm:prSet/>
+      <dgm:spPr/>
+      <dgm:t>
+        <a:bodyPr/>
+        <a:lstStyle/>
+        <a:p>
+          <a:endParaRPr lang="en-US"/>
+        </a:p>
+      </dgm:t>
+    </dgm:pt>
+    <dgm:pt modelId="{7278AE7A-E059-4EB5-A04B-23F81A229C95}" type="sibTrans" cxnId="{6E80E5D3-57F1-4D51-9289-B41001420AC1}">
+      <dgm:prSet/>
+      <dgm:spPr/>
+      <dgm:t>
+        <a:bodyPr/>
+        <a:lstStyle/>
+        <a:p>
+          <a:endParaRPr lang="en-US"/>
+        </a:p>
+      </dgm:t>
+    </dgm:pt>
+    <dgm:pt modelId="{DD65CD86-CCDA-416C-985A-1348BA78405D}" type="pres">
+      <dgm:prSet presAssocID="{7950545B-FFFB-4FE8-9744-AC61A6B4A2C8}" presName="linear" presStyleCnt="0">
+        <dgm:presLayoutVars>
+          <dgm:dir/>
+          <dgm:animLvl val="lvl"/>
+          <dgm:resizeHandles val="exact"/>
+        </dgm:presLayoutVars>
+      </dgm:prSet>
+      <dgm:spPr/>
+    </dgm:pt>
+    <dgm:pt modelId="{23C3057A-7ECE-4068-88FC-56A17303982B}" type="pres">
+      <dgm:prSet presAssocID="{481C1B11-0949-459B-A70F-DBF2893AFD2C}" presName="parentLin" presStyleCnt="0"/>
+      <dgm:spPr/>
+    </dgm:pt>
+    <dgm:pt modelId="{83661123-DB0E-4EF8-9985-07BA38BCE901}" type="pres">
+      <dgm:prSet presAssocID="{481C1B11-0949-459B-A70F-DBF2893AFD2C}" presName="parentLeftMargin" presStyleLbl="node1" presStyleIdx="0" presStyleCnt="3"/>
+      <dgm:spPr/>
+    </dgm:pt>
+    <dgm:pt modelId="{4E22FA9E-F087-479E-9012-72A311A213B2}" type="pres">
+      <dgm:prSet presAssocID="{481C1B11-0949-459B-A70F-DBF2893AFD2C}" presName="parentText" presStyleLbl="node1" presStyleIdx="0" presStyleCnt="3">
+        <dgm:presLayoutVars>
+          <dgm:chMax val="0"/>
+          <dgm:bulletEnabled val="1"/>
+        </dgm:presLayoutVars>
+      </dgm:prSet>
+      <dgm:spPr/>
+    </dgm:pt>
+    <dgm:pt modelId="{CA52FDDA-9FBF-4ADE-A33B-9785FC9A3312}" type="pres">
+      <dgm:prSet presAssocID="{481C1B11-0949-459B-A70F-DBF2893AFD2C}" presName="negativeSpace" presStyleCnt="0"/>
+      <dgm:spPr/>
+    </dgm:pt>
+    <dgm:pt modelId="{5F86FBD1-B7E9-4108-8051-A32A0EA67C06}" type="pres">
+      <dgm:prSet presAssocID="{481C1B11-0949-459B-A70F-DBF2893AFD2C}" presName="childText" presStyleLbl="conFgAcc1" presStyleIdx="0" presStyleCnt="3">
+        <dgm:presLayoutVars>
+          <dgm:bulletEnabled val="1"/>
+        </dgm:presLayoutVars>
+      </dgm:prSet>
+      <dgm:spPr/>
+    </dgm:pt>
+    <dgm:pt modelId="{28A7DBC4-244F-4230-A620-727784412FF0}" type="pres">
+      <dgm:prSet presAssocID="{068F2237-2323-4BF9-9C7D-D5EA2B32C2A8}" presName="spaceBetweenRectangles" presStyleCnt="0"/>
+      <dgm:spPr/>
+    </dgm:pt>
+    <dgm:pt modelId="{15AE82B3-4ED0-42E5-9655-8802B3F8BA00}" type="pres">
+      <dgm:prSet presAssocID="{9863FF32-9596-4B72-A5F7-F77871C20329}" presName="parentLin" presStyleCnt="0"/>
+      <dgm:spPr/>
+    </dgm:pt>
+    <dgm:pt modelId="{030B6B9C-D547-42AE-AD73-3EB09CCC4EB4}" type="pres">
+      <dgm:prSet presAssocID="{9863FF32-9596-4B72-A5F7-F77871C20329}" presName="parentLeftMargin" presStyleLbl="node1" presStyleIdx="0" presStyleCnt="3"/>
+      <dgm:spPr/>
+    </dgm:pt>
+    <dgm:pt modelId="{A6BBA237-6664-4E3C-A05C-61077B3368FB}" type="pres">
+      <dgm:prSet presAssocID="{9863FF32-9596-4B72-A5F7-F77871C20329}" presName="parentText" presStyleLbl="node1" presStyleIdx="1" presStyleCnt="3">
+        <dgm:presLayoutVars>
+          <dgm:chMax val="0"/>
+          <dgm:bulletEnabled val="1"/>
+        </dgm:presLayoutVars>
+      </dgm:prSet>
+      <dgm:spPr/>
+    </dgm:pt>
+    <dgm:pt modelId="{44C8A01A-33A2-46AE-854E-D10AE24914DE}" type="pres">
+      <dgm:prSet presAssocID="{9863FF32-9596-4B72-A5F7-F77871C20329}" presName="negativeSpace" presStyleCnt="0"/>
+      <dgm:spPr/>
+    </dgm:pt>
+    <dgm:pt modelId="{AD0EE06A-43C0-45A6-9366-5D710A39EF78}" type="pres">
+      <dgm:prSet presAssocID="{9863FF32-9596-4B72-A5F7-F77871C20329}" presName="childText" presStyleLbl="conFgAcc1" presStyleIdx="1" presStyleCnt="3">
+        <dgm:presLayoutVars>
+          <dgm:bulletEnabled val="1"/>
+        </dgm:presLayoutVars>
+      </dgm:prSet>
+      <dgm:spPr/>
+    </dgm:pt>
+    <dgm:pt modelId="{9A119B7B-82F2-4B1C-8672-6CF75E586D50}" type="pres">
+      <dgm:prSet presAssocID="{FA9E6416-3FFA-42D5-9ACE-4A8D9F291F65}" presName="spaceBetweenRectangles" presStyleCnt="0"/>
+      <dgm:spPr/>
+    </dgm:pt>
+    <dgm:pt modelId="{7CC96364-F616-4C03-8C29-EF4BD1B7D2F8}" type="pres">
+      <dgm:prSet presAssocID="{1E2D95C3-F7CE-4AD1-AF4B-04F44AE48954}" presName="parentLin" presStyleCnt="0"/>
+      <dgm:spPr/>
+    </dgm:pt>
+    <dgm:pt modelId="{2162F568-C19C-4462-B239-F07374E8CE1C}" type="pres">
+      <dgm:prSet presAssocID="{1E2D95C3-F7CE-4AD1-AF4B-04F44AE48954}" presName="parentLeftMargin" presStyleLbl="node1" presStyleIdx="1" presStyleCnt="3"/>
+      <dgm:spPr/>
+    </dgm:pt>
+    <dgm:pt modelId="{7A80B8F4-384E-4D52-B4B4-3631656F50AE}" type="pres">
+      <dgm:prSet presAssocID="{1E2D95C3-F7CE-4AD1-AF4B-04F44AE48954}" presName="parentText" presStyleLbl="node1" presStyleIdx="2" presStyleCnt="3">
+        <dgm:presLayoutVars>
+          <dgm:chMax val="0"/>
+          <dgm:bulletEnabled val="1"/>
+        </dgm:presLayoutVars>
+      </dgm:prSet>
+      <dgm:spPr/>
+    </dgm:pt>
+    <dgm:pt modelId="{2D29720C-2BF0-41B4-9BC1-98C7DDFCD247}" type="pres">
+      <dgm:prSet presAssocID="{1E2D95C3-F7CE-4AD1-AF4B-04F44AE48954}" presName="negativeSpace" presStyleCnt="0"/>
+      <dgm:spPr/>
+    </dgm:pt>
+    <dgm:pt modelId="{82AF0A88-8891-4869-8C1D-AD11A0C9D37B}" type="pres">
+      <dgm:prSet presAssocID="{1E2D95C3-F7CE-4AD1-AF4B-04F44AE48954}" presName="childText" presStyleLbl="conFgAcc1" presStyleIdx="2" presStyleCnt="3">
+        <dgm:presLayoutVars>
+          <dgm:bulletEnabled val="1"/>
+        </dgm:presLayoutVars>
+      </dgm:prSet>
+      <dgm:spPr/>
+    </dgm:pt>
+  </dgm:ptLst>
+  <dgm:cxnLst>
+    <dgm:cxn modelId="{EF0C880D-4E53-4479-82CA-233311FFDF63}" srcId="{7950545B-FFFB-4FE8-9744-AC61A6B4A2C8}" destId="{1E2D95C3-F7CE-4AD1-AF4B-04F44AE48954}" srcOrd="2" destOrd="0" parTransId="{7A504C67-6D7A-47B3-8828-F36AFC34C5E6}" sibTransId="{5F9487BF-52BB-45BF-8B00-DC423C8B89FB}"/>
+    <dgm:cxn modelId="{A5B62B3F-C3F6-4F38-B0FF-EDFB00899201}" type="presOf" srcId="{9863FF32-9596-4B72-A5F7-F77871C20329}" destId="{A6BBA237-6664-4E3C-A05C-61077B3368FB}" srcOrd="1" destOrd="0" presId="urn:microsoft.com/office/officeart/2005/8/layout/list1"/>
+    <dgm:cxn modelId="{0AD6C363-D590-40A3-BAF9-674212555C8A}" srcId="{9863FF32-9596-4B72-A5F7-F77871C20329}" destId="{675EA867-D2B0-4BE6-8ED1-6E602586D874}" srcOrd="1" destOrd="0" parTransId="{6C8341D2-4710-405D-A840-9CDFBA7DBAC7}" sibTransId="{F1E08C63-FD87-4C15-B39E-CB89E8439DA4}"/>
+    <dgm:cxn modelId="{1315A66D-DBEE-44CE-A42B-39149CC4E565}" type="presOf" srcId="{481C1B11-0949-459B-A70F-DBF2893AFD2C}" destId="{83661123-DB0E-4EF8-9985-07BA38BCE901}" srcOrd="0" destOrd="0" presId="urn:microsoft.com/office/officeart/2005/8/layout/list1"/>
+    <dgm:cxn modelId="{2B21CD6E-B8FE-4AB0-8FD5-A34195A75C3E}" srcId="{481C1B11-0949-459B-A70F-DBF2893AFD2C}" destId="{A2B47E9A-FED0-4DFC-AB79-8F0059A9A249}" srcOrd="0" destOrd="0" parTransId="{8A7E8113-3D7C-46FA-BFD2-1DA8F8B24A24}" sibTransId="{8314F415-94EE-465B-B14A-9D9A1AC6E287}"/>
+    <dgm:cxn modelId="{36EECF70-6F10-45F3-99D1-54D8952D4200}" type="presOf" srcId="{1E2D95C3-F7CE-4AD1-AF4B-04F44AE48954}" destId="{7A80B8F4-384E-4D52-B4B4-3631656F50AE}" srcOrd="1" destOrd="0" presId="urn:microsoft.com/office/officeart/2005/8/layout/list1"/>
+    <dgm:cxn modelId="{1EE20E93-9BE6-46D3-9468-BE8C5939B889}" type="presOf" srcId="{9863FF32-9596-4B72-A5F7-F77871C20329}" destId="{030B6B9C-D547-42AE-AD73-3EB09CCC4EB4}" srcOrd="0" destOrd="0" presId="urn:microsoft.com/office/officeart/2005/8/layout/list1"/>
+    <dgm:cxn modelId="{D298129A-5688-46C6-BEF4-C026D3FE4F84}" type="presOf" srcId="{A2B47E9A-FED0-4DFC-AB79-8F0059A9A249}" destId="{5F86FBD1-B7E9-4108-8051-A32A0EA67C06}" srcOrd="0" destOrd="0" presId="urn:microsoft.com/office/officeart/2005/8/layout/list1"/>
+    <dgm:cxn modelId="{6011B1A2-9036-4984-8005-3236B3D2F0C4}" type="presOf" srcId="{675EA867-D2B0-4BE6-8ED1-6E602586D874}" destId="{AD0EE06A-43C0-45A6-9366-5D710A39EF78}" srcOrd="0" destOrd="1" presId="urn:microsoft.com/office/officeart/2005/8/layout/list1"/>
+    <dgm:cxn modelId="{F59C7FA4-84A8-439F-85BA-7D3FE9C1033C}" type="presOf" srcId="{DBCD0C5D-713F-4478-9E32-CFED3EB7D963}" destId="{82AF0A88-8891-4869-8C1D-AD11A0C9D37B}" srcOrd="0" destOrd="0" presId="urn:microsoft.com/office/officeart/2005/8/layout/list1"/>
+    <dgm:cxn modelId="{F54529B4-57AD-4F31-A719-7E131FFCA945}" type="presOf" srcId="{7950545B-FFFB-4FE8-9744-AC61A6B4A2C8}" destId="{DD65CD86-CCDA-416C-985A-1348BA78405D}" srcOrd="0" destOrd="0" presId="urn:microsoft.com/office/officeart/2005/8/layout/list1"/>
+    <dgm:cxn modelId="{D3F74FB9-BFF3-4E8B-AE10-C26EA4C6DB19}" type="presOf" srcId="{1E2D95C3-F7CE-4AD1-AF4B-04F44AE48954}" destId="{2162F568-C19C-4462-B239-F07374E8CE1C}" srcOrd="0" destOrd="0" presId="urn:microsoft.com/office/officeart/2005/8/layout/list1"/>
+    <dgm:cxn modelId="{167F9DB9-ABD9-471A-83E7-C203D7879194}" srcId="{7950545B-FFFB-4FE8-9744-AC61A6B4A2C8}" destId="{481C1B11-0949-459B-A70F-DBF2893AFD2C}" srcOrd="0" destOrd="0" parTransId="{C525A081-F424-4D8A-AC2A-8DE34A987191}" sibTransId="{068F2237-2323-4BF9-9C7D-D5EA2B32C2A8}"/>
+    <dgm:cxn modelId="{A65F86CF-926A-4A80-87A7-EEBE6D608F90}" srcId="{9863FF32-9596-4B72-A5F7-F77871C20329}" destId="{8116CA5A-DB26-449E-B53D-A1DF8037A9C4}" srcOrd="0" destOrd="0" parTransId="{2DD2D20D-FAE4-404C-A024-FE8163EAE393}" sibTransId="{79902D5E-B954-45AA-A246-80177A9FCEDD}"/>
+    <dgm:cxn modelId="{6E80E5D3-57F1-4D51-9289-B41001420AC1}" srcId="{1E2D95C3-F7CE-4AD1-AF4B-04F44AE48954}" destId="{DBCD0C5D-713F-4478-9E32-CFED3EB7D963}" srcOrd="0" destOrd="0" parTransId="{1B01BA80-4866-4ADE-87D1-0D34809E20B7}" sibTransId="{7278AE7A-E059-4EB5-A04B-23F81A229C95}"/>
+    <dgm:cxn modelId="{16C86CD9-B13A-494A-9CD9-98354076611C}" type="presOf" srcId="{8116CA5A-DB26-449E-B53D-A1DF8037A9C4}" destId="{AD0EE06A-43C0-45A6-9366-5D710A39EF78}" srcOrd="0" destOrd="0" presId="urn:microsoft.com/office/officeart/2005/8/layout/list1"/>
+    <dgm:cxn modelId="{12A277D9-00B3-4B3B-804C-AEEA840F4208}" srcId="{7950545B-FFFB-4FE8-9744-AC61A6B4A2C8}" destId="{9863FF32-9596-4B72-A5F7-F77871C20329}" srcOrd="1" destOrd="0" parTransId="{F53FC6C9-3CB0-4FAD-BB7E-DC0557D83A12}" sibTransId="{FA9E6416-3FFA-42D5-9ACE-4A8D9F291F65}"/>
+    <dgm:cxn modelId="{12636EDF-FF22-43E4-8276-628BA7E7E77F}" type="presOf" srcId="{481C1B11-0949-459B-A70F-DBF2893AFD2C}" destId="{4E22FA9E-F087-479E-9012-72A311A213B2}" srcOrd="1" destOrd="0" presId="urn:microsoft.com/office/officeart/2005/8/layout/list1"/>
+    <dgm:cxn modelId="{631A1A9D-1960-4A64-A5B5-2085FB25DDDF}" type="presParOf" srcId="{DD65CD86-CCDA-416C-985A-1348BA78405D}" destId="{23C3057A-7ECE-4068-88FC-56A17303982B}" srcOrd="0" destOrd="0" presId="urn:microsoft.com/office/officeart/2005/8/layout/list1"/>
+    <dgm:cxn modelId="{AA52DD79-DC45-43A8-B8AF-ACC916AF9B82}" type="presParOf" srcId="{23C3057A-7ECE-4068-88FC-56A17303982B}" destId="{83661123-DB0E-4EF8-9985-07BA38BCE901}" srcOrd="0" destOrd="0" presId="urn:microsoft.com/office/officeart/2005/8/layout/list1"/>
+    <dgm:cxn modelId="{95B78066-699F-46EC-A897-49AEBDD1F9ED}" type="presParOf" srcId="{23C3057A-7ECE-4068-88FC-56A17303982B}" destId="{4E22FA9E-F087-479E-9012-72A311A213B2}" srcOrd="1" destOrd="0" presId="urn:microsoft.com/office/officeart/2005/8/layout/list1"/>
+    <dgm:cxn modelId="{07ADBD30-6FFF-4961-A72F-9ABFAED6B905}" type="presParOf" srcId="{DD65CD86-CCDA-416C-985A-1348BA78405D}" destId="{CA52FDDA-9FBF-4ADE-A33B-9785FC9A3312}" srcOrd="1" destOrd="0" presId="urn:microsoft.com/office/officeart/2005/8/layout/list1"/>
+    <dgm:cxn modelId="{B0CC375B-3470-44FD-AFC3-7AAC9644D990}" type="presParOf" srcId="{DD65CD86-CCDA-416C-985A-1348BA78405D}" destId="{5F86FBD1-B7E9-4108-8051-A32A0EA67C06}" srcOrd="2" destOrd="0" presId="urn:microsoft.com/office/officeart/2005/8/layout/list1"/>
+    <dgm:cxn modelId="{2F627996-384F-4B67-BC10-3DC692509849}" type="presParOf" srcId="{DD65CD86-CCDA-416C-985A-1348BA78405D}" destId="{28A7DBC4-244F-4230-A620-727784412FF0}" srcOrd="3" destOrd="0" presId="urn:microsoft.com/office/officeart/2005/8/layout/list1"/>
+    <dgm:cxn modelId="{B71F718A-4C25-4513-9D81-48789F35E302}" type="presParOf" srcId="{DD65CD86-CCDA-416C-985A-1348BA78405D}" destId="{15AE82B3-4ED0-42E5-9655-8802B3F8BA00}" srcOrd="4" destOrd="0" presId="urn:microsoft.com/office/officeart/2005/8/layout/list1"/>
+    <dgm:cxn modelId="{1063398F-5336-4446-A344-98F76FB00BAC}" type="presParOf" srcId="{15AE82B3-4ED0-42E5-9655-8802B3F8BA00}" destId="{030B6B9C-D547-42AE-AD73-3EB09CCC4EB4}" srcOrd="0" destOrd="0" presId="urn:microsoft.com/office/officeart/2005/8/layout/list1"/>
+    <dgm:cxn modelId="{AB0941DE-3F9A-4EB2-B6DC-3D18F7D624A5}" type="presParOf" srcId="{15AE82B3-4ED0-42E5-9655-8802B3F8BA00}" destId="{A6BBA237-6664-4E3C-A05C-61077B3368FB}" srcOrd="1" destOrd="0" presId="urn:microsoft.com/office/officeart/2005/8/layout/list1"/>
+    <dgm:cxn modelId="{7D88DC78-E342-4A6E-8FF3-ED7D6AB684DE}" type="presParOf" srcId="{DD65CD86-CCDA-416C-985A-1348BA78405D}" destId="{44C8A01A-33A2-46AE-854E-D10AE24914DE}" srcOrd="5" destOrd="0" presId="urn:microsoft.com/office/officeart/2005/8/layout/list1"/>
+    <dgm:cxn modelId="{1B527BCC-1E82-43FD-8E02-222B10DB24AC}" type="presParOf" srcId="{DD65CD86-CCDA-416C-985A-1348BA78405D}" destId="{AD0EE06A-43C0-45A6-9366-5D710A39EF78}" srcOrd="6" destOrd="0" presId="urn:microsoft.com/office/officeart/2005/8/layout/list1"/>
+    <dgm:cxn modelId="{B7AC3B8F-87A2-4979-88BB-700C92109007}" type="presParOf" srcId="{DD65CD86-CCDA-416C-985A-1348BA78405D}" destId="{9A119B7B-82F2-4B1C-8672-6CF75E586D50}" srcOrd="7" destOrd="0" presId="urn:microsoft.com/office/officeart/2005/8/layout/list1"/>
+    <dgm:cxn modelId="{1E88BA82-B71A-4152-9D30-629938B65C07}" type="presParOf" srcId="{DD65CD86-CCDA-416C-985A-1348BA78405D}" destId="{7CC96364-F616-4C03-8C29-EF4BD1B7D2F8}" srcOrd="8" destOrd="0" presId="urn:microsoft.com/office/officeart/2005/8/layout/list1"/>
+    <dgm:cxn modelId="{E156A6A8-0D07-46A3-B66C-9A5256D11E42}" type="presParOf" srcId="{7CC96364-F616-4C03-8C29-EF4BD1B7D2F8}" destId="{2162F568-C19C-4462-B239-F07374E8CE1C}" srcOrd="0" destOrd="0" presId="urn:microsoft.com/office/officeart/2005/8/layout/list1"/>
+    <dgm:cxn modelId="{618C36D2-D431-4A67-B4C5-61216613F0DF}" type="presParOf" srcId="{7CC96364-F616-4C03-8C29-EF4BD1B7D2F8}" destId="{7A80B8F4-384E-4D52-B4B4-3631656F50AE}" srcOrd="1" destOrd="0" presId="urn:microsoft.com/office/officeart/2005/8/layout/list1"/>
+    <dgm:cxn modelId="{97508697-0855-4C39-B96F-06371AA8D7C8}" type="presParOf" srcId="{DD65CD86-CCDA-416C-985A-1348BA78405D}" destId="{2D29720C-2BF0-41B4-9BC1-98C7DDFCD247}" srcOrd="9" destOrd="0" presId="urn:microsoft.com/office/officeart/2005/8/layout/list1"/>
+    <dgm:cxn modelId="{1F808A5C-B97F-479E-8D5A-CE65EDE20E03}" type="presParOf" srcId="{DD65CD86-CCDA-416C-985A-1348BA78405D}" destId="{82AF0A88-8891-4869-8C1D-AD11A0C9D37B}" srcOrd="10" destOrd="0" presId="urn:microsoft.com/office/officeart/2005/8/layout/list1"/>
+  </dgm:cxnLst>
+  <dgm:bg/>
+  <dgm:whole/>
+  <dgm:extLst>
+    <a:ext uri="http://schemas.microsoft.com/office/drawing/2008/diagram">
+      <dsp:dataModelExt xmlns:dsp="http://schemas.microsoft.com/office/drawing/2008/diagram" relId="rId6" minVer="http://schemas.openxmlformats.org/drawingml/2006/diagram"/>
+    </a:ext>
+  </dgm:extLst>
+</dgm:dataModel>
+</file>
+
+<file path=ppt/diagrams/data2.xml><?xml version="1.0" encoding="utf-8"?>
 <dgm:dataModel xmlns:dgm="http://schemas.openxmlformats.org/drawingml/2006/diagram" xmlns:a="http://schemas.openxmlformats.org/drawingml/2006/main">
   <dgm:ptLst>
     <dgm:pt modelId="{C97BF41F-B190-4CF1-A63F-9F78525F463F}" type="doc">
@@ -2931,7 +4105,7 @@
 </dgm:dataModel>
 </file>
 
-<file path=ppt/diagrams/data2.xml><?xml version="1.0" encoding="utf-8"?>
+<file path=ppt/diagrams/data3.xml><?xml version="1.0" encoding="utf-8"?>
 <dgm:dataModel xmlns:dgm="http://schemas.openxmlformats.org/drawingml/2006/diagram" xmlns:a="http://schemas.openxmlformats.org/drawingml/2006/main">
   <dgm:ptLst>
     <dgm:pt modelId="{BE71FE43-9E95-485F-A008-77AD3C9E947D}" type="doc">
@@ -3185,7 +4359,7 @@
 </dgm:dataModel>
 </file>
 
-<file path=ppt/diagrams/data3.xml><?xml version="1.0" encoding="utf-8"?>
+<file path=ppt/diagrams/data4.xml><?xml version="1.0" encoding="utf-8"?>
 <dgm:dataModel xmlns:dgm="http://schemas.openxmlformats.org/drawingml/2006/diagram" xmlns:a="http://schemas.openxmlformats.org/drawingml/2006/main">
   <dgm:ptLst>
     <dgm:pt modelId="{372B5E54-C4A0-4CC9-9102-589211324429}" type="doc">
@@ -3488,6 +4662,508 @@
 </file>
 
 <file path=ppt/diagrams/drawing1.xml><?xml version="1.0" encoding="utf-8"?>
+<dsp:drawing xmlns:dgm="http://schemas.openxmlformats.org/drawingml/2006/diagram" xmlns:dsp="http://schemas.microsoft.com/office/drawing/2008/diagram" xmlns:a="http://schemas.openxmlformats.org/drawingml/2006/main">
+  <dsp:spTree>
+    <dsp:nvGrpSpPr>
+      <dsp:cNvPr id="0" name=""/>
+      <dsp:cNvGrpSpPr/>
+    </dsp:nvGrpSpPr>
+    <dsp:grpSpPr/>
+    <dsp:sp modelId="{5F86FBD1-B7E9-4108-8051-A32A0EA67C06}">
+      <dsp:nvSpPr>
+        <dsp:cNvPr id="0" name=""/>
+        <dsp:cNvSpPr/>
+      </dsp:nvSpPr>
+      <dsp:spPr>
+        <a:xfrm>
+          <a:off x="0" y="493880"/>
+          <a:ext cx="6513603" cy="1233225"/>
+        </a:xfrm>
+        <a:prstGeom prst="rect">
+          <a:avLst/>
+        </a:prstGeom>
+        <a:solidFill>
+          <a:schemeClr val="lt1">
+            <a:alpha val="90000"/>
+            <a:hueOff val="0"/>
+            <a:satOff val="0"/>
+            <a:lumOff val="0"/>
+            <a:alphaOff val="0"/>
+          </a:schemeClr>
+        </a:solidFill>
+        <a:ln w="12700" cap="flat" cmpd="sng" algn="ctr">
+          <a:solidFill>
+            <a:schemeClr val="accent5">
+              <a:hueOff val="0"/>
+              <a:satOff val="0"/>
+              <a:lumOff val="0"/>
+              <a:alphaOff val="0"/>
+            </a:schemeClr>
+          </a:solidFill>
+          <a:prstDash val="solid"/>
+          <a:miter lim="800000"/>
+        </a:ln>
+        <a:effectLst/>
+      </dsp:spPr>
+      <dsp:style>
+        <a:lnRef idx="2">
+          <a:scrgbClr r="0" g="0" b="0"/>
+        </a:lnRef>
+        <a:fillRef idx="1">
+          <a:scrgbClr r="0" g="0" b="0"/>
+        </a:fillRef>
+        <a:effectRef idx="0">
+          <a:scrgbClr r="0" g="0" b="0"/>
+        </a:effectRef>
+        <a:fontRef idx="minor"/>
+      </dsp:style>
+      <dsp:txBody>
+        <a:bodyPr spcFirstLastPara="0" vert="horz" wrap="square" lIns="505528" tIns="604012" rIns="505528" bIns="206248" numCol="1" spcCol="1270" anchor="t" anchorCtr="0">
+          <a:noAutofit/>
+        </a:bodyPr>
+        <a:lstStyle/>
+        <a:p>
+          <a:pPr marL="285750" lvl="1" indent="-285750" algn="l" defTabSz="1289050">
+            <a:lnSpc>
+              <a:spcPct val="90000"/>
+            </a:lnSpc>
+            <a:spcBef>
+              <a:spcPct val="0"/>
+            </a:spcBef>
+            <a:spcAft>
+              <a:spcPct val="15000"/>
+            </a:spcAft>
+            <a:buChar char="•"/>
+          </a:pPr>
+          <a:r>
+            <a:rPr lang="de-DE" sz="2900" kern="1200"/>
+            <a:t>Kevin, Markus (stellv.)</a:t>
+          </a:r>
+          <a:endParaRPr lang="en-US" sz="2900" kern="1200"/>
+        </a:p>
+      </dsp:txBody>
+      <dsp:txXfrm>
+        <a:off x="0" y="493880"/>
+        <a:ext cx="6513603" cy="1233225"/>
+      </dsp:txXfrm>
+    </dsp:sp>
+    <dsp:sp modelId="{4E22FA9E-F087-479E-9012-72A311A213B2}">
+      <dsp:nvSpPr>
+        <dsp:cNvPr id="0" name=""/>
+        <dsp:cNvSpPr/>
+      </dsp:nvSpPr>
+      <dsp:spPr>
+        <a:xfrm>
+          <a:off x="325680" y="65840"/>
+          <a:ext cx="4559522" cy="856080"/>
+        </a:xfrm>
+        <a:prstGeom prst="roundRect">
+          <a:avLst/>
+        </a:prstGeom>
+        <a:solidFill>
+          <a:schemeClr val="accent5">
+            <a:hueOff val="0"/>
+            <a:satOff val="0"/>
+            <a:lumOff val="0"/>
+            <a:alphaOff val="0"/>
+          </a:schemeClr>
+        </a:solidFill>
+        <a:ln w="12700" cap="flat" cmpd="sng" algn="ctr">
+          <a:solidFill>
+            <a:schemeClr val="lt1">
+              <a:hueOff val="0"/>
+              <a:satOff val="0"/>
+              <a:lumOff val="0"/>
+              <a:alphaOff val="0"/>
+            </a:schemeClr>
+          </a:solidFill>
+          <a:prstDash val="solid"/>
+          <a:miter lim="800000"/>
+        </a:ln>
+        <a:effectLst/>
+      </dsp:spPr>
+      <dsp:style>
+        <a:lnRef idx="2">
+          <a:scrgbClr r="0" g="0" b="0"/>
+        </a:lnRef>
+        <a:fillRef idx="1">
+          <a:scrgbClr r="0" g="0" b="0"/>
+        </a:fillRef>
+        <a:effectRef idx="0">
+          <a:scrgbClr r="0" g="0" b="0"/>
+        </a:effectRef>
+        <a:fontRef idx="minor">
+          <a:schemeClr val="lt1"/>
+        </a:fontRef>
+      </dsp:style>
+      <dsp:txBody>
+        <a:bodyPr spcFirstLastPara="0" vert="horz" wrap="square" lIns="172339" tIns="0" rIns="172339" bIns="0" numCol="1" spcCol="1270" anchor="ctr" anchorCtr="0">
+          <a:noAutofit/>
+        </a:bodyPr>
+        <a:lstStyle/>
+        <a:p>
+          <a:pPr marL="0" lvl="0" indent="0" algn="l" defTabSz="1289050">
+            <a:lnSpc>
+              <a:spcPct val="90000"/>
+            </a:lnSpc>
+            <a:spcBef>
+              <a:spcPct val="0"/>
+            </a:spcBef>
+            <a:spcAft>
+              <a:spcPct val="35000"/>
+            </a:spcAft>
+            <a:buNone/>
+          </a:pPr>
+          <a:r>
+            <a:rPr lang="de-DE" sz="2900" kern="1200"/>
+            <a:t>Teamleiter</a:t>
+          </a:r>
+          <a:endParaRPr lang="en-US" sz="2900" kern="1200"/>
+        </a:p>
+      </dsp:txBody>
+      <dsp:txXfrm>
+        <a:off x="367470" y="107630"/>
+        <a:ext cx="4475942" cy="772500"/>
+      </dsp:txXfrm>
+    </dsp:sp>
+    <dsp:sp modelId="{AD0EE06A-43C0-45A6-9366-5D710A39EF78}">
+      <dsp:nvSpPr>
+        <dsp:cNvPr id="0" name=""/>
+        <dsp:cNvSpPr/>
+      </dsp:nvSpPr>
+      <dsp:spPr>
+        <a:xfrm>
+          <a:off x="0" y="2311745"/>
+          <a:ext cx="6513603" cy="1689975"/>
+        </a:xfrm>
+        <a:prstGeom prst="rect">
+          <a:avLst/>
+        </a:prstGeom>
+        <a:solidFill>
+          <a:schemeClr val="lt1">
+            <a:alpha val="90000"/>
+            <a:hueOff val="0"/>
+            <a:satOff val="0"/>
+            <a:lumOff val="0"/>
+            <a:alphaOff val="0"/>
+          </a:schemeClr>
+        </a:solidFill>
+        <a:ln w="12700" cap="flat" cmpd="sng" algn="ctr">
+          <a:solidFill>
+            <a:schemeClr val="accent5">
+              <a:hueOff val="0"/>
+              <a:satOff val="0"/>
+              <a:lumOff val="0"/>
+              <a:alphaOff val="0"/>
+            </a:schemeClr>
+          </a:solidFill>
+          <a:prstDash val="solid"/>
+          <a:miter lim="800000"/>
+        </a:ln>
+        <a:effectLst/>
+      </dsp:spPr>
+      <dsp:style>
+        <a:lnRef idx="2">
+          <a:scrgbClr r="0" g="0" b="0"/>
+        </a:lnRef>
+        <a:fillRef idx="1">
+          <a:scrgbClr r="0" g="0" b="0"/>
+        </a:fillRef>
+        <a:effectRef idx="0">
+          <a:scrgbClr r="0" g="0" b="0"/>
+        </a:effectRef>
+        <a:fontRef idx="minor"/>
+      </dsp:style>
+      <dsp:txBody>
+        <a:bodyPr spcFirstLastPara="0" vert="horz" wrap="square" lIns="505528" tIns="604012" rIns="505528" bIns="206248" numCol="1" spcCol="1270" anchor="t" anchorCtr="0">
+          <a:noAutofit/>
+        </a:bodyPr>
+        <a:lstStyle/>
+        <a:p>
+          <a:pPr marL="285750" lvl="1" indent="-285750" algn="l" defTabSz="1289050">
+            <a:lnSpc>
+              <a:spcPct val="90000"/>
+            </a:lnSpc>
+            <a:spcBef>
+              <a:spcPct val="0"/>
+            </a:spcBef>
+            <a:spcAft>
+              <a:spcPct val="15000"/>
+            </a:spcAft>
+            <a:buChar char="•"/>
+          </a:pPr>
+          <a:r>
+            <a:rPr lang="de-DE" sz="2900" kern="1200"/>
+            <a:t>Robin, Marvin, Paul, (Kevin)</a:t>
+          </a:r>
+          <a:endParaRPr lang="en-US" sz="2900" kern="1200"/>
+        </a:p>
+        <a:p>
+          <a:pPr marL="285750" lvl="1" indent="-285750" algn="l" defTabSz="1289050">
+            <a:lnSpc>
+              <a:spcPct val="90000"/>
+            </a:lnSpc>
+            <a:spcBef>
+              <a:spcPct val="0"/>
+            </a:spcBef>
+            <a:spcAft>
+              <a:spcPct val="15000"/>
+            </a:spcAft>
+            <a:buChar char="•"/>
+          </a:pPr>
+          <a:r>
+            <a:rPr lang="de-DE" sz="2900" kern="1200" dirty="0"/>
+            <a:t>Ehrenvolle Erwähnung: Max</a:t>
+          </a:r>
+          <a:endParaRPr lang="en-US" sz="2900" kern="1200" dirty="0"/>
+        </a:p>
+      </dsp:txBody>
+      <dsp:txXfrm>
+        <a:off x="0" y="2311745"/>
+        <a:ext cx="6513603" cy="1689975"/>
+      </dsp:txXfrm>
+    </dsp:sp>
+    <dsp:sp modelId="{A6BBA237-6664-4E3C-A05C-61077B3368FB}">
+      <dsp:nvSpPr>
+        <dsp:cNvPr id="0" name=""/>
+        <dsp:cNvSpPr/>
+      </dsp:nvSpPr>
+      <dsp:spPr>
+        <a:xfrm>
+          <a:off x="325680" y="1883705"/>
+          <a:ext cx="4559522" cy="856080"/>
+        </a:xfrm>
+        <a:prstGeom prst="roundRect">
+          <a:avLst/>
+        </a:prstGeom>
+        <a:solidFill>
+          <a:schemeClr val="accent5">
+            <a:hueOff val="0"/>
+            <a:satOff val="0"/>
+            <a:lumOff val="0"/>
+            <a:alphaOff val="0"/>
+          </a:schemeClr>
+        </a:solidFill>
+        <a:ln w="12700" cap="flat" cmpd="sng" algn="ctr">
+          <a:solidFill>
+            <a:schemeClr val="lt1">
+              <a:hueOff val="0"/>
+              <a:satOff val="0"/>
+              <a:lumOff val="0"/>
+              <a:alphaOff val="0"/>
+            </a:schemeClr>
+          </a:solidFill>
+          <a:prstDash val="solid"/>
+          <a:miter lim="800000"/>
+        </a:ln>
+        <a:effectLst/>
+      </dsp:spPr>
+      <dsp:style>
+        <a:lnRef idx="2">
+          <a:scrgbClr r="0" g="0" b="0"/>
+        </a:lnRef>
+        <a:fillRef idx="1">
+          <a:scrgbClr r="0" g="0" b="0"/>
+        </a:fillRef>
+        <a:effectRef idx="0">
+          <a:scrgbClr r="0" g="0" b="0"/>
+        </a:effectRef>
+        <a:fontRef idx="minor">
+          <a:schemeClr val="lt1"/>
+        </a:fontRef>
+      </dsp:style>
+      <dsp:txBody>
+        <a:bodyPr spcFirstLastPara="0" vert="horz" wrap="square" lIns="172339" tIns="0" rIns="172339" bIns="0" numCol="1" spcCol="1270" anchor="ctr" anchorCtr="0">
+          <a:noAutofit/>
+        </a:bodyPr>
+        <a:lstStyle/>
+        <a:p>
+          <a:pPr marL="0" lvl="0" indent="0" algn="l" defTabSz="1289050">
+            <a:lnSpc>
+              <a:spcPct val="90000"/>
+            </a:lnSpc>
+            <a:spcBef>
+              <a:spcPct val="0"/>
+            </a:spcBef>
+            <a:spcAft>
+              <a:spcPct val="35000"/>
+            </a:spcAft>
+            <a:buNone/>
+          </a:pPr>
+          <a:r>
+            <a:rPr lang="de-DE" sz="2900" kern="1200"/>
+            <a:t>Team Frontend</a:t>
+          </a:r>
+          <a:endParaRPr lang="en-US" sz="2900" kern="1200"/>
+        </a:p>
+      </dsp:txBody>
+      <dsp:txXfrm>
+        <a:off x="367470" y="1925495"/>
+        <a:ext cx="4475942" cy="772500"/>
+      </dsp:txXfrm>
+    </dsp:sp>
+    <dsp:sp modelId="{82AF0A88-8891-4869-8C1D-AD11A0C9D37B}">
+      <dsp:nvSpPr>
+        <dsp:cNvPr id="0" name=""/>
+        <dsp:cNvSpPr/>
+      </dsp:nvSpPr>
+      <dsp:spPr>
+        <a:xfrm>
+          <a:off x="0" y="4586360"/>
+          <a:ext cx="6513603" cy="1233225"/>
+        </a:xfrm>
+        <a:prstGeom prst="rect">
+          <a:avLst/>
+        </a:prstGeom>
+        <a:solidFill>
+          <a:schemeClr val="lt1">
+            <a:alpha val="90000"/>
+            <a:hueOff val="0"/>
+            <a:satOff val="0"/>
+            <a:lumOff val="0"/>
+            <a:alphaOff val="0"/>
+          </a:schemeClr>
+        </a:solidFill>
+        <a:ln w="12700" cap="flat" cmpd="sng" algn="ctr">
+          <a:solidFill>
+            <a:schemeClr val="accent5">
+              <a:hueOff val="0"/>
+              <a:satOff val="0"/>
+              <a:lumOff val="0"/>
+              <a:alphaOff val="0"/>
+            </a:schemeClr>
+          </a:solidFill>
+          <a:prstDash val="solid"/>
+          <a:miter lim="800000"/>
+        </a:ln>
+        <a:effectLst/>
+      </dsp:spPr>
+      <dsp:style>
+        <a:lnRef idx="2">
+          <a:scrgbClr r="0" g="0" b="0"/>
+        </a:lnRef>
+        <a:fillRef idx="1">
+          <a:scrgbClr r="0" g="0" b="0"/>
+        </a:fillRef>
+        <a:effectRef idx="0">
+          <a:scrgbClr r="0" g="0" b="0"/>
+        </a:effectRef>
+        <a:fontRef idx="minor"/>
+      </dsp:style>
+      <dsp:txBody>
+        <a:bodyPr spcFirstLastPara="0" vert="horz" wrap="square" lIns="505528" tIns="604012" rIns="505528" bIns="206248" numCol="1" spcCol="1270" anchor="t" anchorCtr="0">
+          <a:noAutofit/>
+        </a:bodyPr>
+        <a:lstStyle/>
+        <a:p>
+          <a:pPr marL="285750" lvl="1" indent="-285750" algn="l" defTabSz="1289050">
+            <a:lnSpc>
+              <a:spcPct val="90000"/>
+            </a:lnSpc>
+            <a:spcBef>
+              <a:spcPct val="0"/>
+            </a:spcBef>
+            <a:spcAft>
+              <a:spcPct val="15000"/>
+            </a:spcAft>
+            <a:buChar char="•"/>
+          </a:pPr>
+          <a:r>
+            <a:rPr lang="de-DE" sz="2900" kern="1200"/>
+            <a:t>Nicolas, Carl, Markus</a:t>
+          </a:r>
+          <a:endParaRPr lang="en-US" sz="2900" kern="1200"/>
+        </a:p>
+      </dsp:txBody>
+      <dsp:txXfrm>
+        <a:off x="0" y="4586360"/>
+        <a:ext cx="6513603" cy="1233225"/>
+      </dsp:txXfrm>
+    </dsp:sp>
+    <dsp:sp modelId="{7A80B8F4-384E-4D52-B4B4-3631656F50AE}">
+      <dsp:nvSpPr>
+        <dsp:cNvPr id="0" name=""/>
+        <dsp:cNvSpPr/>
+      </dsp:nvSpPr>
+      <dsp:spPr>
+        <a:xfrm>
+          <a:off x="325680" y="4158320"/>
+          <a:ext cx="4559522" cy="856080"/>
+        </a:xfrm>
+        <a:prstGeom prst="roundRect">
+          <a:avLst/>
+        </a:prstGeom>
+        <a:solidFill>
+          <a:schemeClr val="accent5">
+            <a:hueOff val="0"/>
+            <a:satOff val="0"/>
+            <a:lumOff val="0"/>
+            <a:alphaOff val="0"/>
+          </a:schemeClr>
+        </a:solidFill>
+        <a:ln w="12700" cap="flat" cmpd="sng" algn="ctr">
+          <a:solidFill>
+            <a:schemeClr val="lt1">
+              <a:hueOff val="0"/>
+              <a:satOff val="0"/>
+              <a:lumOff val="0"/>
+              <a:alphaOff val="0"/>
+            </a:schemeClr>
+          </a:solidFill>
+          <a:prstDash val="solid"/>
+          <a:miter lim="800000"/>
+        </a:ln>
+        <a:effectLst/>
+      </dsp:spPr>
+      <dsp:style>
+        <a:lnRef idx="2">
+          <a:scrgbClr r="0" g="0" b="0"/>
+        </a:lnRef>
+        <a:fillRef idx="1">
+          <a:scrgbClr r="0" g="0" b="0"/>
+        </a:fillRef>
+        <a:effectRef idx="0">
+          <a:scrgbClr r="0" g="0" b="0"/>
+        </a:effectRef>
+        <a:fontRef idx="minor">
+          <a:schemeClr val="lt1"/>
+        </a:fontRef>
+      </dsp:style>
+      <dsp:txBody>
+        <a:bodyPr spcFirstLastPara="0" vert="horz" wrap="square" lIns="172339" tIns="0" rIns="172339" bIns="0" numCol="1" spcCol="1270" anchor="ctr" anchorCtr="0">
+          <a:noAutofit/>
+        </a:bodyPr>
+        <a:lstStyle/>
+        <a:p>
+          <a:pPr marL="0" lvl="0" indent="0" algn="l" defTabSz="1289050">
+            <a:lnSpc>
+              <a:spcPct val="90000"/>
+            </a:lnSpc>
+            <a:spcBef>
+              <a:spcPct val="0"/>
+            </a:spcBef>
+            <a:spcAft>
+              <a:spcPct val="35000"/>
+            </a:spcAft>
+            <a:buNone/>
+          </a:pPr>
+          <a:r>
+            <a:rPr lang="de-DE" sz="2900" kern="1200"/>
+            <a:t>Team Backend</a:t>
+          </a:r>
+          <a:endParaRPr lang="en-US" sz="2900" kern="1200"/>
+        </a:p>
+      </dsp:txBody>
+      <dsp:txXfrm>
+        <a:off x="367470" y="4200110"/>
+        <a:ext cx="4475942" cy="772500"/>
+      </dsp:txXfrm>
+    </dsp:sp>
+  </dsp:spTree>
+</dsp:drawing>
+</file>
+
+<file path=ppt/diagrams/drawing2.xml><?xml version="1.0" encoding="utf-8"?>
 <dsp:drawing xmlns:dgm="http://schemas.openxmlformats.org/drawingml/2006/diagram" xmlns:dsp="http://schemas.microsoft.com/office/drawing/2008/diagram" xmlns:a="http://schemas.openxmlformats.org/drawingml/2006/main">
   <dsp:spTree>
     <dsp:nvGrpSpPr>
@@ -4052,7 +5728,7 @@
 </dsp:drawing>
 </file>
 
-<file path=ppt/diagrams/drawing2.xml><?xml version="1.0" encoding="utf-8"?>
+<file path=ppt/diagrams/drawing3.xml><?xml version="1.0" encoding="utf-8"?>
 <dsp:drawing xmlns:dgm="http://schemas.openxmlformats.org/drawingml/2006/diagram" xmlns:dsp="http://schemas.microsoft.com/office/drawing/2008/diagram" xmlns:a="http://schemas.openxmlformats.org/drawingml/2006/main">
   <dsp:spTree>
     <dsp:nvGrpSpPr>
@@ -4398,7 +6074,7 @@
 </dsp:drawing>
 </file>
 
-<file path=ppt/diagrams/drawing3.xml><?xml version="1.0" encoding="utf-8"?>
+<file path=ppt/diagrams/drawing4.xml><?xml version="1.0" encoding="utf-8"?>
 <dsp:drawing xmlns:dgm="http://schemas.openxmlformats.org/drawingml/2006/diagram" xmlns:dsp="http://schemas.microsoft.com/office/drawing/2008/diagram" xmlns:a="http://schemas.openxmlformats.org/drawingml/2006/main">
   <dsp:spTree>
     <dsp:nvGrpSpPr>
@@ -4806,12 +6482,11 @@
 </file>
 
 <file path=ppt/diagrams/layout1.xml><?xml version="1.0" encoding="utf-8"?>
-<dgm:layoutDef xmlns:dgm="http://schemas.openxmlformats.org/drawingml/2006/diagram" xmlns:a="http://schemas.openxmlformats.org/drawingml/2006/main" uniqueId="urn:microsoft.com/office/officeart/2005/8/layout/vList2">
+<dgm:layoutDef xmlns:dgm="http://schemas.openxmlformats.org/drawingml/2006/diagram" xmlns:a="http://schemas.openxmlformats.org/drawingml/2006/main" uniqueId="urn:microsoft.com/office/officeart/2005/8/layout/list1">
   <dgm:title val=""/>
   <dgm:desc val=""/>
   <dgm:catLst>
-    <dgm:cat type="list" pri="3000"/>
-    <dgm:cat type="convert" pri="1000"/>
+    <dgm:cat type="list" pri="4000"/>
   </dgm:catLst>
   <dgm:sampData>
     <dgm:dataModel>
@@ -4820,21 +6495,17 @@
         <dgm:pt modelId="1">
           <dgm:prSet phldr="1"/>
         </dgm:pt>
-        <dgm:pt modelId="11">
-          <dgm:prSet phldr="1"/>
-        </dgm:pt>
         <dgm:pt modelId="2">
           <dgm:prSet phldr="1"/>
         </dgm:pt>
-        <dgm:pt modelId="21">
+        <dgm:pt modelId="3">
           <dgm:prSet phldr="1"/>
         </dgm:pt>
       </dgm:ptLst>
       <dgm:cxnLst>
         <dgm:cxn modelId="4" srcId="0" destId="1" srcOrd="0" destOrd="0"/>
         <dgm:cxn modelId="5" srcId="0" destId="2" srcOrd="1" destOrd="0"/>
-        <dgm:cxn modelId="12" srcId="1" destId="11" srcOrd="0" destOrd="0"/>
-        <dgm:cxn modelId="23" srcId="2" destId="21" srcOrd="0" destOrd="0"/>
+        <dgm:cxn modelId="6" srcId="0" destId="3" srcOrd="2" destOrd="0"/>
       </dgm:cxnLst>
       <dgm:bg/>
       <dgm:whole/>
@@ -4848,8 +6519,8 @@
         <dgm:pt modelId="2"/>
       </dgm:ptLst>
       <dgm:cxnLst>
-        <dgm:cxn modelId="3" srcId="0" destId="1" srcOrd="0" destOrd="0"/>
-        <dgm:cxn modelId="4" srcId="0" destId="2" srcOrd="1" destOrd="0"/>
+        <dgm:cxn modelId="4" srcId="0" destId="1" srcOrd="0" destOrd="0"/>
+        <dgm:cxn modelId="5" srcId="0" destId="2" srcOrd="1" destOrd="0"/>
       </dgm:cxnLst>
       <dgm:bg/>
       <dgm:whole/>
@@ -4876,97 +6547,160 @@
   </dgm:clrData>
   <dgm:layoutNode name="linear">
     <dgm:varLst>
+      <dgm:dir/>
       <dgm:animLvl val="lvl"/>
       <dgm:resizeHandles val="exact"/>
     </dgm:varLst>
-    <dgm:alg type="lin">
-      <dgm:param type="linDir" val="fromT"/>
-      <dgm:param type="vertAlign" val="mid"/>
-    </dgm:alg>
+    <dgm:choose name="Name0">
+      <dgm:if name="Name1" func="var" arg="dir" op="equ" val="norm">
+        <dgm:alg type="lin">
+          <dgm:param type="linDir" val="fromT"/>
+          <dgm:param type="vertAlign" val="mid"/>
+          <dgm:param type="horzAlign" val="l"/>
+          <dgm:param type="nodeHorzAlign" val="l"/>
+        </dgm:alg>
+      </dgm:if>
+      <dgm:else name="Name2">
+        <dgm:alg type="lin">
+          <dgm:param type="linDir" val="fromT"/>
+          <dgm:param type="vertAlign" val="mid"/>
+          <dgm:param type="horzAlign" val="r"/>
+          <dgm:param type="nodeHorzAlign" val="r"/>
+        </dgm:alg>
+      </dgm:else>
+    </dgm:choose>
     <dgm:shape xmlns:r="http://schemas.openxmlformats.org/officeDocument/2006/relationships" r:blip="">
       <dgm:adjLst/>
     </dgm:shape>
     <dgm:presOf/>
     <dgm:constrLst>
-      <dgm:constr type="w" for="ch" forName="parentText" refType="w"/>
-      <dgm:constr type="h" for="ch" forName="parentText" refType="primFontSz" refFor="ch" refForName="parentText" fact="0.52"/>
+      <dgm:constr type="w" for="ch" forName="parentLin" refType="w"/>
+      <dgm:constr type="h" for="ch" forName="parentLin" val="INF"/>
+      <dgm:constr type="w" for="des" forName="parentLeftMargin" refType="w" fact="0.05"/>
+      <dgm:constr type="w" for="des" forName="parentText" refType="w" fact="0.7"/>
+      <dgm:constr type="h" for="des" forName="parentText" refType="primFontSz" refFor="des" refForName="parentText" fact="0.82"/>
+      <dgm:constr type="h" for="ch" forName="negativeSpace" refType="primFontSz" refFor="des" refForName="parentText" fact="-0.41"/>
+      <dgm:constr type="h" for="ch" forName="negativeSpace" refType="h" refFor="des" refForName="parentText" op="lte" fact="-0.82"/>
+      <dgm:constr type="h" for="ch" forName="negativeSpace" refType="h" refFor="des" refForName="parentText" op="gte" fact="-0.82"/>
       <dgm:constr type="w" for="ch" forName="childText" refType="w"/>
-      <dgm:constr type="h" for="ch" forName="childText" refType="primFontSz" refFor="ch" refForName="parentText" fact="0.46"/>
-      <dgm:constr type="h" for="ch" forName="parentText" op="equ"/>
-      <dgm:constr type="primFontSz" for="ch" forName="parentText" op="equ" val="65"/>
-      <dgm:constr type="primFontSz" for="ch" forName="childText" refType="primFontSz" refFor="ch" refForName="parentText" op="equ"/>
-      <dgm:constr type="h" for="ch" forName="spacer" refType="primFontSz" refFor="ch" refForName="parentText" fact="0.08"/>
+      <dgm:constr type="h" for="ch" forName="childText" refType="primFontSz" refFor="des" refForName="parentText" fact="0.7"/>
+      <dgm:constr type="primFontSz" for="des" forName="parentText" val="65"/>
+      <dgm:constr type="primFontSz" for="ch" forName="childText" refType="primFontSz" refFor="des" refForName="parentText"/>
+      <dgm:constr type="tMarg" for="ch" forName="childText" refType="primFontSz" refFor="des" refForName="parentText" fact="1.64"/>
+      <dgm:constr type="tMarg" for="ch" forName="childText" refType="h" refFor="des" refForName="parentText" op="lte" fact="3.28"/>
+      <dgm:constr type="tMarg" for="ch" forName="childText" refType="h" refFor="des" refForName="parentText" op="gte" fact="3.28"/>
+      <dgm:constr type="lMarg" for="ch" forName="childText" refType="w" fact="0.22"/>
+      <dgm:constr type="rMarg" for="ch" forName="childText" refType="lMarg" refFor="ch" refForName="childText"/>
+      <dgm:constr type="lMarg" for="des" forName="parentText" refType="w" fact="0.075"/>
+      <dgm:constr type="rMarg" for="des" forName="parentText" refType="lMarg" refFor="des" refForName="parentText"/>
+      <dgm:constr type="h" for="ch" forName="spaceBetweenRectangles" refType="primFontSz" refFor="des" refForName="parentText" fact="0.15"/>
     </dgm:constrLst>
     <dgm:ruleLst>
-      <dgm:rule type="primFontSz" for="ch" forName="parentText" val="5" fact="NaN" max="NaN"/>
+      <dgm:rule type="primFontSz" for="des" forName="parentText" val="5" fact="NaN" max="NaN"/>
     </dgm:ruleLst>
-    <dgm:forEach name="Name0" axis="ch" ptType="node">
-      <dgm:layoutNode name="parentText" styleLbl="node1">
+    <dgm:forEach name="Name3" axis="ch" ptType="node">
+      <dgm:layoutNode name="parentLin">
+        <dgm:choose name="Name4">
+          <dgm:if name="Name5" func="var" arg="dir" op="equ" val="norm">
+            <dgm:alg type="lin">
+              <dgm:param type="linDir" val="fromL"/>
+              <dgm:param type="horzAlign" val="l"/>
+              <dgm:param type="nodeHorzAlign" val="l"/>
+            </dgm:alg>
+          </dgm:if>
+          <dgm:else name="Name6">
+            <dgm:alg type="lin">
+              <dgm:param type="linDir" val="fromR"/>
+              <dgm:param type="horzAlign" val="r"/>
+              <dgm:param type="nodeHorzAlign" val="r"/>
+            </dgm:alg>
+          </dgm:else>
+        </dgm:choose>
+        <dgm:shape xmlns:r="http://schemas.openxmlformats.org/officeDocument/2006/relationships" r:blip="">
+          <dgm:adjLst/>
+        </dgm:shape>
+        <dgm:presOf/>
+        <dgm:constrLst/>
+        <dgm:ruleLst/>
+        <dgm:layoutNode name="parentLeftMargin">
+          <dgm:alg type="sp"/>
+          <dgm:shape xmlns:r="http://schemas.openxmlformats.org/officeDocument/2006/relationships" type="rect" r:blip="" hideGeom="1">
+            <dgm:adjLst/>
+          </dgm:shape>
+          <dgm:presOf axis="self"/>
+          <dgm:constrLst>
+            <dgm:constr type="h"/>
+          </dgm:constrLst>
+          <dgm:ruleLst/>
+        </dgm:layoutNode>
+        <dgm:layoutNode name="parentText" styleLbl="node1">
+          <dgm:varLst>
+            <dgm:chMax val="0"/>
+            <dgm:bulletEnabled val="1"/>
+          </dgm:varLst>
+          <dgm:choose name="Name7">
+            <dgm:if name="Name8" func="var" arg="dir" op="equ" val="norm">
+              <dgm:alg type="tx">
+                <dgm:param type="parTxLTRAlign" val="l"/>
+                <dgm:param type="parTxRTLAlign" val="l"/>
+              </dgm:alg>
+            </dgm:if>
+            <dgm:else name="Name9">
+              <dgm:alg type="tx">
+                <dgm:param type="parTxLTRAlign" val="r"/>
+                <dgm:param type="parTxRTLAlign" val="r"/>
+              </dgm:alg>
+            </dgm:else>
+          </dgm:choose>
+          <dgm:shape xmlns:r="http://schemas.openxmlformats.org/officeDocument/2006/relationships" type="roundRect" r:blip="">
+            <dgm:adjLst/>
+          </dgm:shape>
+          <dgm:presOf axis="self" ptType="node"/>
+          <dgm:constrLst>
+            <dgm:constr type="tMarg"/>
+            <dgm:constr type="bMarg"/>
+          </dgm:constrLst>
+          <dgm:ruleLst/>
+        </dgm:layoutNode>
+      </dgm:layoutNode>
+      <dgm:layoutNode name="negativeSpace">
+        <dgm:alg type="sp"/>
+        <dgm:shape xmlns:r="http://schemas.openxmlformats.org/officeDocument/2006/relationships" r:blip="">
+          <dgm:adjLst/>
+        </dgm:shape>
+        <dgm:presOf/>
+        <dgm:constrLst/>
+        <dgm:ruleLst/>
+      </dgm:layoutNode>
+      <dgm:layoutNode name="childText" styleLbl="conFgAcc1">
         <dgm:varLst>
-          <dgm:chMax val="0"/>
           <dgm:bulletEnabled val="1"/>
         </dgm:varLst>
         <dgm:alg type="tx">
-          <dgm:param type="parTxLTRAlign" val="l"/>
-          <dgm:param type="parTxRTLAlign" val="r"/>
+          <dgm:param type="stBulletLvl" val="1"/>
         </dgm:alg>
-        <dgm:shape xmlns:r="http://schemas.openxmlformats.org/officeDocument/2006/relationships" type="roundRect" r:blip="">
+        <dgm:shape xmlns:r="http://schemas.openxmlformats.org/officeDocument/2006/relationships" type="rect" r:blip="" zOrderOff="-2">
           <dgm:adjLst/>
         </dgm:shape>
-        <dgm:presOf axis="self"/>
+        <dgm:presOf axis="des" ptType="node"/>
         <dgm:constrLst>
-          <dgm:constr type="tMarg" refType="primFontSz" fact="0.3"/>
-          <dgm:constr type="bMarg" refType="primFontSz" fact="0.3"/>
-          <dgm:constr type="lMarg" refType="primFontSz" fact="0.3"/>
-          <dgm:constr type="rMarg" refType="primFontSz" fact="0.3"/>
+          <dgm:constr type="secFontSz" refType="primFontSz"/>
         </dgm:constrLst>
         <dgm:ruleLst>
           <dgm:rule type="h" val="INF" fact="NaN" max="NaN"/>
         </dgm:ruleLst>
       </dgm:layoutNode>
-      <dgm:choose name="Name1">
-        <dgm:if name="Name2" axis="ch" ptType="node" func="cnt" op="gte" val="1">
-          <dgm:layoutNode name="childText" styleLbl="revTx">
-            <dgm:varLst>
-              <dgm:bulletEnabled val="1"/>
-            </dgm:varLst>
-            <dgm:alg type="tx">
-              <dgm:param type="stBulletLvl" val="1"/>
-              <dgm:param type="lnSpAfChP" val="20"/>
-            </dgm:alg>
-            <dgm:shape xmlns:r="http://schemas.openxmlformats.org/officeDocument/2006/relationships" type="rect" r:blip="">
-              <dgm:adjLst/>
-            </dgm:shape>
-            <dgm:presOf axis="des" ptType="node"/>
-            <dgm:constrLst>
-              <dgm:constr type="tMarg" refType="primFontSz" fact="0.1"/>
-              <dgm:constr type="bMarg" refType="primFontSz" fact="0.1"/>
-              <dgm:constr type="lMarg" refType="w" fact="0.09"/>
-            </dgm:constrLst>
-            <dgm:ruleLst>
-              <dgm:rule type="h" val="INF" fact="NaN" max="NaN"/>
-            </dgm:ruleLst>
-          </dgm:layoutNode>
-        </dgm:if>
-        <dgm:else name="Name3">
-          <dgm:choose name="Name4">
-            <dgm:if name="Name5" axis="par ch" ptType="doc node" func="cnt" op="gte" val="2">
-              <dgm:forEach name="Name6" axis="followSib" ptType="sibTrans" cnt="1">
-                <dgm:layoutNode name="spacer">
-                  <dgm:alg type="sp"/>
-                  <dgm:shape xmlns:r="http://schemas.openxmlformats.org/officeDocument/2006/relationships" r:blip="">
-                    <dgm:adjLst/>
-                  </dgm:shape>
-                  <dgm:presOf/>
-                  <dgm:constrLst/>
-                  <dgm:ruleLst/>
-                </dgm:layoutNode>
-              </dgm:forEach>
-            </dgm:if>
-            <dgm:else name="Name7"/>
-          </dgm:choose>
-        </dgm:else>
-      </dgm:choose>
+      <dgm:forEach name="Name10" axis="followSib" ptType="sibTrans" cnt="1">
+        <dgm:layoutNode name="spaceBetweenRectangles">
+          <dgm:alg type="sp"/>
+          <dgm:shape xmlns:r="http://schemas.openxmlformats.org/officeDocument/2006/relationships" r:blip="">
+            <dgm:adjLst/>
+          </dgm:shape>
+          <dgm:presOf/>
+          <dgm:constrLst/>
+          <dgm:ruleLst/>
+        </dgm:layoutNode>
+      </dgm:forEach>
     </dgm:forEach>
   </dgm:layoutNode>
 </dgm:layoutDef>
@@ -5306,6 +7040,173 @@
 </dgm:layoutDef>
 </file>
 
+<file path=ppt/diagrams/layout4.xml><?xml version="1.0" encoding="utf-8"?>
+<dgm:layoutDef xmlns:dgm="http://schemas.openxmlformats.org/drawingml/2006/diagram" xmlns:a="http://schemas.openxmlformats.org/drawingml/2006/main" uniqueId="urn:microsoft.com/office/officeart/2005/8/layout/vList2">
+  <dgm:title val=""/>
+  <dgm:desc val=""/>
+  <dgm:catLst>
+    <dgm:cat type="list" pri="3000"/>
+    <dgm:cat type="convert" pri="1000"/>
+  </dgm:catLst>
+  <dgm:sampData>
+    <dgm:dataModel>
+      <dgm:ptLst>
+        <dgm:pt modelId="0" type="doc"/>
+        <dgm:pt modelId="1">
+          <dgm:prSet phldr="1"/>
+        </dgm:pt>
+        <dgm:pt modelId="11">
+          <dgm:prSet phldr="1"/>
+        </dgm:pt>
+        <dgm:pt modelId="2">
+          <dgm:prSet phldr="1"/>
+        </dgm:pt>
+        <dgm:pt modelId="21">
+          <dgm:prSet phldr="1"/>
+        </dgm:pt>
+      </dgm:ptLst>
+      <dgm:cxnLst>
+        <dgm:cxn modelId="4" srcId="0" destId="1" srcOrd="0" destOrd="0"/>
+        <dgm:cxn modelId="5" srcId="0" destId="2" srcOrd="1" destOrd="0"/>
+        <dgm:cxn modelId="12" srcId="1" destId="11" srcOrd="0" destOrd="0"/>
+        <dgm:cxn modelId="23" srcId="2" destId="21" srcOrd="0" destOrd="0"/>
+      </dgm:cxnLst>
+      <dgm:bg/>
+      <dgm:whole/>
+    </dgm:dataModel>
+  </dgm:sampData>
+  <dgm:styleData>
+    <dgm:dataModel>
+      <dgm:ptLst>
+        <dgm:pt modelId="0" type="doc"/>
+        <dgm:pt modelId="1"/>
+        <dgm:pt modelId="2"/>
+      </dgm:ptLst>
+      <dgm:cxnLst>
+        <dgm:cxn modelId="3" srcId="0" destId="1" srcOrd="0" destOrd="0"/>
+        <dgm:cxn modelId="4" srcId="0" destId="2" srcOrd="1" destOrd="0"/>
+      </dgm:cxnLst>
+      <dgm:bg/>
+      <dgm:whole/>
+    </dgm:dataModel>
+  </dgm:styleData>
+  <dgm:clrData>
+    <dgm:dataModel>
+      <dgm:ptLst>
+        <dgm:pt modelId="0" type="doc"/>
+        <dgm:pt modelId="1"/>
+        <dgm:pt modelId="2"/>
+        <dgm:pt modelId="3"/>
+        <dgm:pt modelId="4"/>
+      </dgm:ptLst>
+      <dgm:cxnLst>
+        <dgm:cxn modelId="5" srcId="0" destId="1" srcOrd="0" destOrd="0"/>
+        <dgm:cxn modelId="6" srcId="0" destId="2" srcOrd="1" destOrd="0"/>
+        <dgm:cxn modelId="7" srcId="0" destId="3" srcOrd="2" destOrd="0"/>
+        <dgm:cxn modelId="8" srcId="0" destId="4" srcOrd="3" destOrd="0"/>
+      </dgm:cxnLst>
+      <dgm:bg/>
+      <dgm:whole/>
+    </dgm:dataModel>
+  </dgm:clrData>
+  <dgm:layoutNode name="linear">
+    <dgm:varLst>
+      <dgm:animLvl val="lvl"/>
+      <dgm:resizeHandles val="exact"/>
+    </dgm:varLst>
+    <dgm:alg type="lin">
+      <dgm:param type="linDir" val="fromT"/>
+      <dgm:param type="vertAlign" val="mid"/>
+    </dgm:alg>
+    <dgm:shape xmlns:r="http://schemas.openxmlformats.org/officeDocument/2006/relationships" r:blip="">
+      <dgm:adjLst/>
+    </dgm:shape>
+    <dgm:presOf/>
+    <dgm:constrLst>
+      <dgm:constr type="w" for="ch" forName="parentText" refType="w"/>
+      <dgm:constr type="h" for="ch" forName="parentText" refType="primFontSz" refFor="ch" refForName="parentText" fact="0.52"/>
+      <dgm:constr type="w" for="ch" forName="childText" refType="w"/>
+      <dgm:constr type="h" for="ch" forName="childText" refType="primFontSz" refFor="ch" refForName="parentText" fact="0.46"/>
+      <dgm:constr type="h" for="ch" forName="parentText" op="equ"/>
+      <dgm:constr type="primFontSz" for="ch" forName="parentText" op="equ" val="65"/>
+      <dgm:constr type="primFontSz" for="ch" forName="childText" refType="primFontSz" refFor="ch" refForName="parentText" op="equ"/>
+      <dgm:constr type="h" for="ch" forName="spacer" refType="primFontSz" refFor="ch" refForName="parentText" fact="0.08"/>
+    </dgm:constrLst>
+    <dgm:ruleLst>
+      <dgm:rule type="primFontSz" for="ch" forName="parentText" val="5" fact="NaN" max="NaN"/>
+    </dgm:ruleLst>
+    <dgm:forEach name="Name0" axis="ch" ptType="node">
+      <dgm:layoutNode name="parentText" styleLbl="node1">
+        <dgm:varLst>
+          <dgm:chMax val="0"/>
+          <dgm:bulletEnabled val="1"/>
+        </dgm:varLst>
+        <dgm:alg type="tx">
+          <dgm:param type="parTxLTRAlign" val="l"/>
+          <dgm:param type="parTxRTLAlign" val="r"/>
+        </dgm:alg>
+        <dgm:shape xmlns:r="http://schemas.openxmlformats.org/officeDocument/2006/relationships" type="roundRect" r:blip="">
+          <dgm:adjLst/>
+        </dgm:shape>
+        <dgm:presOf axis="self"/>
+        <dgm:constrLst>
+          <dgm:constr type="tMarg" refType="primFontSz" fact="0.3"/>
+          <dgm:constr type="bMarg" refType="primFontSz" fact="0.3"/>
+          <dgm:constr type="lMarg" refType="primFontSz" fact="0.3"/>
+          <dgm:constr type="rMarg" refType="primFontSz" fact="0.3"/>
+        </dgm:constrLst>
+        <dgm:ruleLst>
+          <dgm:rule type="h" val="INF" fact="NaN" max="NaN"/>
+        </dgm:ruleLst>
+      </dgm:layoutNode>
+      <dgm:choose name="Name1">
+        <dgm:if name="Name2" axis="ch" ptType="node" func="cnt" op="gte" val="1">
+          <dgm:layoutNode name="childText" styleLbl="revTx">
+            <dgm:varLst>
+              <dgm:bulletEnabled val="1"/>
+            </dgm:varLst>
+            <dgm:alg type="tx">
+              <dgm:param type="stBulletLvl" val="1"/>
+              <dgm:param type="lnSpAfChP" val="20"/>
+            </dgm:alg>
+            <dgm:shape xmlns:r="http://schemas.openxmlformats.org/officeDocument/2006/relationships" type="rect" r:blip="">
+              <dgm:adjLst/>
+            </dgm:shape>
+            <dgm:presOf axis="des" ptType="node"/>
+            <dgm:constrLst>
+              <dgm:constr type="tMarg" refType="primFontSz" fact="0.1"/>
+              <dgm:constr type="bMarg" refType="primFontSz" fact="0.1"/>
+              <dgm:constr type="lMarg" refType="w" fact="0.09"/>
+            </dgm:constrLst>
+            <dgm:ruleLst>
+              <dgm:rule type="h" val="INF" fact="NaN" max="NaN"/>
+            </dgm:ruleLst>
+          </dgm:layoutNode>
+        </dgm:if>
+        <dgm:else name="Name3">
+          <dgm:choose name="Name4">
+            <dgm:if name="Name5" axis="par ch" ptType="doc node" func="cnt" op="gte" val="2">
+              <dgm:forEach name="Name6" axis="followSib" ptType="sibTrans" cnt="1">
+                <dgm:layoutNode name="spacer">
+                  <dgm:alg type="sp"/>
+                  <dgm:shape xmlns:r="http://schemas.openxmlformats.org/officeDocument/2006/relationships" r:blip="">
+                    <dgm:adjLst/>
+                  </dgm:shape>
+                  <dgm:presOf/>
+                  <dgm:constrLst/>
+                  <dgm:ruleLst/>
+                </dgm:layoutNode>
+              </dgm:forEach>
+            </dgm:if>
+            <dgm:else name="Name7"/>
+          </dgm:choose>
+        </dgm:else>
+      </dgm:choose>
+    </dgm:forEach>
+  </dgm:layoutNode>
+</dgm:layoutDef>
+</file>
+
 <file path=ppt/diagrams/quickStyle1.xml><?xml version="1.0" encoding="utf-8"?>
 <dgm:styleDef xmlns:dgm="http://schemas.openxmlformats.org/drawingml/2006/diagram" xmlns:a="http://schemas.openxmlformats.org/drawingml/2006/main" uniqueId="urn:microsoft.com/office/officeart/2005/8/quickstyle/simple1">
   <dgm:title val=""/>
@@ -7375,6 +9276,1040 @@
 </file>
 
 <file path=ppt/diagrams/quickStyle3.xml><?xml version="1.0" encoding="utf-8"?>
+<dgm:styleDef xmlns:dgm="http://schemas.openxmlformats.org/drawingml/2006/diagram" xmlns:a="http://schemas.openxmlformats.org/drawingml/2006/main" uniqueId="urn:microsoft.com/office/officeart/2005/8/quickstyle/simple1">
+  <dgm:title val=""/>
+  <dgm:desc val=""/>
+  <dgm:catLst>
+    <dgm:cat type="simple" pri="10100"/>
+  </dgm:catLst>
+  <dgm:scene3d>
+    <a:camera prst="orthographicFront"/>
+    <a:lightRig rig="threePt" dir="t"/>
+  </dgm:scene3d>
+  <dgm:styleLbl name="node0">
+    <dgm:scene3d>
+      <a:camera prst="orthographicFront"/>
+      <a:lightRig rig="threePt" dir="t"/>
+    </dgm:scene3d>
+    <dgm:sp3d/>
+    <dgm:txPr/>
+    <dgm:style>
+      <a:lnRef idx="2">
+        <a:scrgbClr r="0" g="0" b="0"/>
+      </a:lnRef>
+      <a:fillRef idx="1">
+        <a:scrgbClr r="0" g="0" b="0"/>
+      </a:fillRef>
+      <a:effectRef idx="0">
+        <a:scrgbClr r="0" g="0" b="0"/>
+      </a:effectRef>
+      <a:fontRef idx="minor">
+        <a:schemeClr val="lt1"/>
+      </a:fontRef>
+    </dgm:style>
+  </dgm:styleLbl>
+  <dgm:styleLbl name="lnNode1">
+    <dgm:scene3d>
+      <a:camera prst="orthographicFront"/>
+      <a:lightRig rig="threePt" dir="t"/>
+    </dgm:scene3d>
+    <dgm:sp3d/>
+    <dgm:txPr/>
+    <dgm:style>
+      <a:lnRef idx="2">
+        <a:scrgbClr r="0" g="0" b="0"/>
+      </a:lnRef>
+      <a:fillRef idx="1">
+        <a:scrgbClr r="0" g="0" b="0"/>
+      </a:fillRef>
+      <a:effectRef idx="0">
+        <a:scrgbClr r="0" g="0" b="0"/>
+      </a:effectRef>
+      <a:fontRef idx="minor">
+        <a:schemeClr val="lt1"/>
+      </a:fontRef>
+    </dgm:style>
+  </dgm:styleLbl>
+  <dgm:styleLbl name="vennNode1">
+    <dgm:scene3d>
+      <a:camera prst="orthographicFront"/>
+      <a:lightRig rig="threePt" dir="t"/>
+    </dgm:scene3d>
+    <dgm:sp3d/>
+    <dgm:txPr/>
+    <dgm:style>
+      <a:lnRef idx="2">
+        <a:scrgbClr r="0" g="0" b="0"/>
+      </a:lnRef>
+      <a:fillRef idx="1">
+        <a:scrgbClr r="0" g="0" b="0"/>
+      </a:fillRef>
+      <a:effectRef idx="0">
+        <a:scrgbClr r="0" g="0" b="0"/>
+      </a:effectRef>
+      <a:fontRef idx="minor">
+        <a:schemeClr val="tx1"/>
+      </a:fontRef>
+    </dgm:style>
+  </dgm:styleLbl>
+  <dgm:styleLbl name="alignNode1">
+    <dgm:scene3d>
+      <a:camera prst="orthographicFront"/>
+      <a:lightRig rig="threePt" dir="t"/>
+    </dgm:scene3d>
+    <dgm:sp3d/>
+    <dgm:txPr/>
+    <dgm:style>
+      <a:lnRef idx="2">
+        <a:scrgbClr r="0" g="0" b="0"/>
+      </a:lnRef>
+      <a:fillRef idx="1">
+        <a:scrgbClr r="0" g="0" b="0"/>
+      </a:fillRef>
+      <a:effectRef idx="0">
+        <a:scrgbClr r="0" g="0" b="0"/>
+      </a:effectRef>
+      <a:fontRef idx="minor">
+        <a:schemeClr val="lt1"/>
+      </a:fontRef>
+    </dgm:style>
+  </dgm:styleLbl>
+  <dgm:styleLbl name="node1">
+    <dgm:scene3d>
+      <a:camera prst="orthographicFront"/>
+      <a:lightRig rig="threePt" dir="t"/>
+    </dgm:scene3d>
+    <dgm:sp3d/>
+    <dgm:txPr/>
+    <dgm:style>
+      <a:lnRef idx="2">
+        <a:scrgbClr r="0" g="0" b="0"/>
+      </a:lnRef>
+      <a:fillRef idx="1">
+        <a:scrgbClr r="0" g="0" b="0"/>
+      </a:fillRef>
+      <a:effectRef idx="0">
+        <a:scrgbClr r="0" g="0" b="0"/>
+      </a:effectRef>
+      <a:fontRef idx="minor">
+        <a:schemeClr val="lt1"/>
+      </a:fontRef>
+    </dgm:style>
+  </dgm:styleLbl>
+  <dgm:styleLbl name="node2">
+    <dgm:scene3d>
+      <a:camera prst="orthographicFront"/>
+      <a:lightRig rig="threePt" dir="t"/>
+    </dgm:scene3d>
+    <dgm:sp3d/>
+    <dgm:txPr/>
+    <dgm:style>
+      <a:lnRef idx="2">
+        <a:scrgbClr r="0" g="0" b="0"/>
+      </a:lnRef>
+      <a:fillRef idx="1">
+        <a:scrgbClr r="0" g="0" b="0"/>
+      </a:fillRef>
+      <a:effectRef idx="0">
+        <a:scrgbClr r="0" g="0" b="0"/>
+      </a:effectRef>
+      <a:fontRef idx="minor">
+        <a:schemeClr val="lt1"/>
+      </a:fontRef>
+    </dgm:style>
+  </dgm:styleLbl>
+  <dgm:styleLbl name="node3">
+    <dgm:scene3d>
+      <a:camera prst="orthographicFront"/>
+      <a:lightRig rig="threePt" dir="t"/>
+    </dgm:scene3d>
+    <dgm:sp3d/>
+    <dgm:txPr/>
+    <dgm:style>
+      <a:lnRef idx="2">
+        <a:scrgbClr r="0" g="0" b="0"/>
+      </a:lnRef>
+      <a:fillRef idx="1">
+        <a:scrgbClr r="0" g="0" b="0"/>
+      </a:fillRef>
+      <a:effectRef idx="0">
+        <a:scrgbClr r="0" g="0" b="0"/>
+      </a:effectRef>
+      <a:fontRef idx="minor">
+        <a:schemeClr val="lt1"/>
+      </a:fontRef>
+    </dgm:style>
+  </dgm:styleLbl>
+  <dgm:styleLbl name="node4">
+    <dgm:scene3d>
+      <a:camera prst="orthographicFront"/>
+      <a:lightRig rig="threePt" dir="t"/>
+    </dgm:scene3d>
+    <dgm:sp3d/>
+    <dgm:txPr/>
+    <dgm:style>
+      <a:lnRef idx="2">
+        <a:scrgbClr r="0" g="0" b="0"/>
+      </a:lnRef>
+      <a:fillRef idx="1">
+        <a:scrgbClr r="0" g="0" b="0"/>
+      </a:fillRef>
+      <a:effectRef idx="0">
+        <a:scrgbClr r="0" g="0" b="0"/>
+      </a:effectRef>
+      <a:fontRef idx="minor">
+        <a:schemeClr val="lt1"/>
+      </a:fontRef>
+    </dgm:style>
+  </dgm:styleLbl>
+  <dgm:styleLbl name="fgImgPlace1">
+    <dgm:scene3d>
+      <a:camera prst="orthographicFront"/>
+      <a:lightRig rig="threePt" dir="t"/>
+    </dgm:scene3d>
+    <dgm:sp3d/>
+    <dgm:txPr/>
+    <dgm:style>
+      <a:lnRef idx="2">
+        <a:scrgbClr r="0" g="0" b="0"/>
+      </a:lnRef>
+      <a:fillRef idx="1">
+        <a:scrgbClr r="0" g="0" b="0"/>
+      </a:fillRef>
+      <a:effectRef idx="0">
+        <a:scrgbClr r="0" g="0" b="0"/>
+      </a:effectRef>
+      <a:fontRef idx="minor"/>
+    </dgm:style>
+  </dgm:styleLbl>
+  <dgm:styleLbl name="alignImgPlace1">
+    <dgm:scene3d>
+      <a:camera prst="orthographicFront"/>
+      <a:lightRig rig="threePt" dir="t"/>
+    </dgm:scene3d>
+    <dgm:sp3d/>
+    <dgm:txPr/>
+    <dgm:style>
+      <a:lnRef idx="2">
+        <a:scrgbClr r="0" g="0" b="0"/>
+      </a:lnRef>
+      <a:fillRef idx="1">
+        <a:scrgbClr r="0" g="0" b="0"/>
+      </a:fillRef>
+      <a:effectRef idx="0">
+        <a:scrgbClr r="0" g="0" b="0"/>
+      </a:effectRef>
+      <a:fontRef idx="minor"/>
+    </dgm:style>
+  </dgm:styleLbl>
+  <dgm:styleLbl name="bgImgPlace1">
+    <dgm:scene3d>
+      <a:camera prst="orthographicFront"/>
+      <a:lightRig rig="threePt" dir="t"/>
+    </dgm:scene3d>
+    <dgm:sp3d/>
+    <dgm:txPr/>
+    <dgm:style>
+      <a:lnRef idx="2">
+        <a:scrgbClr r="0" g="0" b="0"/>
+      </a:lnRef>
+      <a:fillRef idx="1">
+        <a:scrgbClr r="0" g="0" b="0"/>
+      </a:fillRef>
+      <a:effectRef idx="0">
+        <a:scrgbClr r="0" g="0" b="0"/>
+      </a:effectRef>
+      <a:fontRef idx="minor"/>
+    </dgm:style>
+  </dgm:styleLbl>
+  <dgm:styleLbl name="sibTrans2D1">
+    <dgm:scene3d>
+      <a:camera prst="orthographicFront"/>
+      <a:lightRig rig="threePt" dir="t"/>
+    </dgm:scene3d>
+    <dgm:sp3d/>
+    <dgm:txPr/>
+    <dgm:style>
+      <a:lnRef idx="0">
+        <a:scrgbClr r="0" g="0" b="0"/>
+      </a:lnRef>
+      <a:fillRef idx="1">
+        <a:scrgbClr r="0" g="0" b="0"/>
+      </a:fillRef>
+      <a:effectRef idx="0">
+        <a:scrgbClr r="0" g="0" b="0"/>
+      </a:effectRef>
+      <a:fontRef idx="minor">
+        <a:schemeClr val="lt1"/>
+      </a:fontRef>
+    </dgm:style>
+  </dgm:styleLbl>
+  <dgm:styleLbl name="fgSibTrans2D1">
+    <dgm:scene3d>
+      <a:camera prst="orthographicFront"/>
+      <a:lightRig rig="threePt" dir="t"/>
+    </dgm:scene3d>
+    <dgm:sp3d/>
+    <dgm:txPr/>
+    <dgm:style>
+      <a:lnRef idx="0">
+        <a:scrgbClr r="0" g="0" b="0"/>
+      </a:lnRef>
+      <a:fillRef idx="1">
+        <a:scrgbClr r="0" g="0" b="0"/>
+      </a:fillRef>
+      <a:effectRef idx="0">
+        <a:scrgbClr r="0" g="0" b="0"/>
+      </a:effectRef>
+      <a:fontRef idx="minor">
+        <a:schemeClr val="lt1"/>
+      </a:fontRef>
+    </dgm:style>
+  </dgm:styleLbl>
+  <dgm:styleLbl name="bgSibTrans2D1">
+    <dgm:scene3d>
+      <a:camera prst="orthographicFront"/>
+      <a:lightRig rig="threePt" dir="t"/>
+    </dgm:scene3d>
+    <dgm:sp3d/>
+    <dgm:txPr/>
+    <dgm:style>
+      <a:lnRef idx="0">
+        <a:scrgbClr r="0" g="0" b="0"/>
+      </a:lnRef>
+      <a:fillRef idx="1">
+        <a:scrgbClr r="0" g="0" b="0"/>
+      </a:fillRef>
+      <a:effectRef idx="0">
+        <a:scrgbClr r="0" g="0" b="0"/>
+      </a:effectRef>
+      <a:fontRef idx="minor">
+        <a:schemeClr val="lt1"/>
+      </a:fontRef>
+    </dgm:style>
+  </dgm:styleLbl>
+  <dgm:styleLbl name="sibTrans1D1">
+    <dgm:scene3d>
+      <a:camera prst="orthographicFront"/>
+      <a:lightRig rig="threePt" dir="t"/>
+    </dgm:scene3d>
+    <dgm:sp3d/>
+    <dgm:txPr/>
+    <dgm:style>
+      <a:lnRef idx="1">
+        <a:scrgbClr r="0" g="0" b="0"/>
+      </a:lnRef>
+      <a:fillRef idx="0">
+        <a:scrgbClr r="0" g="0" b="0"/>
+      </a:fillRef>
+      <a:effectRef idx="0">
+        <a:scrgbClr r="0" g="0" b="0"/>
+      </a:effectRef>
+      <a:fontRef idx="minor"/>
+    </dgm:style>
+  </dgm:styleLbl>
+  <dgm:styleLbl name="callout">
+    <dgm:scene3d>
+      <a:camera prst="orthographicFront"/>
+      <a:lightRig rig="threePt" dir="t"/>
+    </dgm:scene3d>
+    <dgm:sp3d/>
+    <dgm:txPr/>
+    <dgm:style>
+      <a:lnRef idx="2">
+        <a:scrgbClr r="0" g="0" b="0"/>
+      </a:lnRef>
+      <a:fillRef idx="1">
+        <a:scrgbClr r="0" g="0" b="0"/>
+      </a:fillRef>
+      <a:effectRef idx="0">
+        <a:scrgbClr r="0" g="0" b="0"/>
+      </a:effectRef>
+      <a:fontRef idx="minor"/>
+    </dgm:style>
+  </dgm:styleLbl>
+  <dgm:styleLbl name="asst0">
+    <dgm:scene3d>
+      <a:camera prst="orthographicFront"/>
+      <a:lightRig rig="threePt" dir="t"/>
+    </dgm:scene3d>
+    <dgm:sp3d/>
+    <dgm:txPr/>
+    <dgm:style>
+      <a:lnRef idx="2">
+        <a:scrgbClr r="0" g="0" b="0"/>
+      </a:lnRef>
+      <a:fillRef idx="1">
+        <a:scrgbClr r="0" g="0" b="0"/>
+      </a:fillRef>
+      <a:effectRef idx="0">
+        <a:scrgbClr r="0" g="0" b="0"/>
+      </a:effectRef>
+      <a:fontRef idx="minor">
+        <a:schemeClr val="lt1"/>
+      </a:fontRef>
+    </dgm:style>
+  </dgm:styleLbl>
+  <dgm:styleLbl name="asst1">
+    <dgm:scene3d>
+      <a:camera prst="orthographicFront"/>
+      <a:lightRig rig="threePt" dir="t"/>
+    </dgm:scene3d>
+    <dgm:sp3d/>
+    <dgm:txPr/>
+    <dgm:style>
+      <a:lnRef idx="2">
+        <a:scrgbClr r="0" g="0" b="0"/>
+      </a:lnRef>
+      <a:fillRef idx="1">
+        <a:scrgbClr r="0" g="0" b="0"/>
+      </a:fillRef>
+      <a:effectRef idx="0">
+        <a:scrgbClr r="0" g="0" b="0"/>
+      </a:effectRef>
+      <a:fontRef idx="minor">
+        <a:schemeClr val="lt1"/>
+      </a:fontRef>
+    </dgm:style>
+  </dgm:styleLbl>
+  <dgm:styleLbl name="asst2">
+    <dgm:scene3d>
+      <a:camera prst="orthographicFront"/>
+      <a:lightRig rig="threePt" dir="t"/>
+    </dgm:scene3d>
+    <dgm:sp3d/>
+    <dgm:txPr/>
+    <dgm:style>
+      <a:lnRef idx="2">
+        <a:scrgbClr r="0" g="0" b="0"/>
+      </a:lnRef>
+      <a:fillRef idx="1">
+        <a:scrgbClr r="0" g="0" b="0"/>
+      </a:fillRef>
+      <a:effectRef idx="0">
+        <a:scrgbClr r="0" g="0" b="0"/>
+      </a:effectRef>
+      <a:fontRef idx="minor">
+        <a:schemeClr val="lt1"/>
+      </a:fontRef>
+    </dgm:style>
+  </dgm:styleLbl>
+  <dgm:styleLbl name="asst3">
+    <dgm:scene3d>
+      <a:camera prst="orthographicFront"/>
+      <a:lightRig rig="threePt" dir="t"/>
+    </dgm:scene3d>
+    <dgm:sp3d/>
+    <dgm:txPr/>
+    <dgm:style>
+      <a:lnRef idx="2">
+        <a:scrgbClr r="0" g="0" b="0"/>
+      </a:lnRef>
+      <a:fillRef idx="1">
+        <a:scrgbClr r="0" g="0" b="0"/>
+      </a:fillRef>
+      <a:effectRef idx="0">
+        <a:scrgbClr r="0" g="0" b="0"/>
+      </a:effectRef>
+      <a:fontRef idx="minor">
+        <a:schemeClr val="lt1"/>
+      </a:fontRef>
+    </dgm:style>
+  </dgm:styleLbl>
+  <dgm:styleLbl name="asst4">
+    <dgm:scene3d>
+      <a:camera prst="orthographicFront"/>
+      <a:lightRig rig="threePt" dir="t"/>
+    </dgm:scene3d>
+    <dgm:sp3d/>
+    <dgm:txPr/>
+    <dgm:style>
+      <a:lnRef idx="2">
+        <a:scrgbClr r="0" g="0" b="0"/>
+      </a:lnRef>
+      <a:fillRef idx="1">
+        <a:scrgbClr r="0" g="0" b="0"/>
+      </a:fillRef>
+      <a:effectRef idx="0">
+        <a:scrgbClr r="0" g="0" b="0"/>
+      </a:effectRef>
+      <a:fontRef idx="minor">
+        <a:schemeClr val="lt1"/>
+      </a:fontRef>
+    </dgm:style>
+  </dgm:styleLbl>
+  <dgm:styleLbl name="parChTrans2D1">
+    <dgm:scene3d>
+      <a:camera prst="orthographicFront"/>
+      <a:lightRig rig="threePt" dir="t"/>
+    </dgm:scene3d>
+    <dgm:sp3d/>
+    <dgm:txPr/>
+    <dgm:style>
+      <a:lnRef idx="2">
+        <a:scrgbClr r="0" g="0" b="0"/>
+      </a:lnRef>
+      <a:fillRef idx="1">
+        <a:scrgbClr r="0" g="0" b="0"/>
+      </a:fillRef>
+      <a:effectRef idx="0">
+        <a:scrgbClr r="0" g="0" b="0"/>
+      </a:effectRef>
+      <a:fontRef idx="minor">
+        <a:schemeClr val="lt1"/>
+      </a:fontRef>
+    </dgm:style>
+  </dgm:styleLbl>
+  <dgm:styleLbl name="parChTrans2D2">
+    <dgm:scene3d>
+      <a:camera prst="orthographicFront"/>
+      <a:lightRig rig="threePt" dir="t"/>
+    </dgm:scene3d>
+    <dgm:sp3d/>
+    <dgm:txPr/>
+    <dgm:style>
+      <a:lnRef idx="2">
+        <a:scrgbClr r="0" g="0" b="0"/>
+      </a:lnRef>
+      <a:fillRef idx="1">
+        <a:scrgbClr r="0" g="0" b="0"/>
+      </a:fillRef>
+      <a:effectRef idx="0">
+        <a:scrgbClr r="0" g="0" b="0"/>
+      </a:effectRef>
+      <a:fontRef idx="minor">
+        <a:schemeClr val="lt1"/>
+      </a:fontRef>
+    </dgm:style>
+  </dgm:styleLbl>
+  <dgm:styleLbl name="parChTrans2D3">
+    <dgm:scene3d>
+      <a:camera prst="orthographicFront"/>
+      <a:lightRig rig="threePt" dir="t"/>
+    </dgm:scene3d>
+    <dgm:sp3d/>
+    <dgm:txPr/>
+    <dgm:style>
+      <a:lnRef idx="2">
+        <a:scrgbClr r="0" g="0" b="0"/>
+      </a:lnRef>
+      <a:fillRef idx="1">
+        <a:scrgbClr r="0" g="0" b="0"/>
+      </a:fillRef>
+      <a:effectRef idx="0">
+        <a:scrgbClr r="0" g="0" b="0"/>
+      </a:effectRef>
+      <a:fontRef idx="minor">
+        <a:schemeClr val="lt1"/>
+      </a:fontRef>
+    </dgm:style>
+  </dgm:styleLbl>
+  <dgm:styleLbl name="parChTrans2D4">
+    <dgm:scene3d>
+      <a:camera prst="orthographicFront"/>
+      <a:lightRig rig="threePt" dir="t"/>
+    </dgm:scene3d>
+    <dgm:sp3d/>
+    <dgm:txPr/>
+    <dgm:style>
+      <a:lnRef idx="2">
+        <a:scrgbClr r="0" g="0" b="0"/>
+      </a:lnRef>
+      <a:fillRef idx="1">
+        <a:scrgbClr r="0" g="0" b="0"/>
+      </a:fillRef>
+      <a:effectRef idx="0">
+        <a:scrgbClr r="0" g="0" b="0"/>
+      </a:effectRef>
+      <a:fontRef idx="minor">
+        <a:schemeClr val="lt1"/>
+      </a:fontRef>
+    </dgm:style>
+  </dgm:styleLbl>
+  <dgm:styleLbl name="parChTrans1D1">
+    <dgm:scene3d>
+      <a:camera prst="orthographicFront"/>
+      <a:lightRig rig="threePt" dir="t"/>
+    </dgm:scene3d>
+    <dgm:sp3d/>
+    <dgm:txPr/>
+    <dgm:style>
+      <a:lnRef idx="2">
+        <a:scrgbClr r="0" g="0" b="0"/>
+      </a:lnRef>
+      <a:fillRef idx="0">
+        <a:scrgbClr r="0" g="0" b="0"/>
+      </a:fillRef>
+      <a:effectRef idx="0">
+        <a:scrgbClr r="0" g="0" b="0"/>
+      </a:effectRef>
+      <a:fontRef idx="minor"/>
+    </dgm:style>
+  </dgm:styleLbl>
+  <dgm:styleLbl name="parChTrans1D2">
+    <dgm:scene3d>
+      <a:camera prst="orthographicFront"/>
+      <a:lightRig rig="threePt" dir="t"/>
+    </dgm:scene3d>
+    <dgm:sp3d/>
+    <dgm:txPr/>
+    <dgm:style>
+      <a:lnRef idx="2">
+        <a:scrgbClr r="0" g="0" b="0"/>
+      </a:lnRef>
+      <a:fillRef idx="0">
+        <a:scrgbClr r="0" g="0" b="0"/>
+      </a:fillRef>
+      <a:effectRef idx="0">
+        <a:scrgbClr r="0" g="0" b="0"/>
+      </a:effectRef>
+      <a:fontRef idx="minor"/>
+    </dgm:style>
+  </dgm:styleLbl>
+  <dgm:styleLbl name="parChTrans1D3">
+    <dgm:scene3d>
+      <a:camera prst="orthographicFront"/>
+      <a:lightRig rig="threePt" dir="t"/>
+    </dgm:scene3d>
+    <dgm:sp3d/>
+    <dgm:txPr/>
+    <dgm:style>
+      <a:lnRef idx="2">
+        <a:scrgbClr r="0" g="0" b="0"/>
+      </a:lnRef>
+      <a:fillRef idx="0">
+        <a:scrgbClr r="0" g="0" b="0"/>
+      </a:fillRef>
+      <a:effectRef idx="0">
+        <a:scrgbClr r="0" g="0" b="0"/>
+      </a:effectRef>
+      <a:fontRef idx="minor"/>
+    </dgm:style>
+  </dgm:styleLbl>
+  <dgm:styleLbl name="parChTrans1D4">
+    <dgm:scene3d>
+      <a:camera prst="orthographicFront"/>
+      <a:lightRig rig="threePt" dir="t"/>
+    </dgm:scene3d>
+    <dgm:sp3d/>
+    <dgm:txPr/>
+    <dgm:style>
+      <a:lnRef idx="2">
+        <a:scrgbClr r="0" g="0" b="0"/>
+      </a:lnRef>
+      <a:fillRef idx="0">
+        <a:scrgbClr r="0" g="0" b="0"/>
+      </a:fillRef>
+      <a:effectRef idx="0">
+        <a:scrgbClr r="0" g="0" b="0"/>
+      </a:effectRef>
+      <a:fontRef idx="minor"/>
+    </dgm:style>
+  </dgm:styleLbl>
+  <dgm:styleLbl name="fgAcc1">
+    <dgm:scene3d>
+      <a:camera prst="orthographicFront"/>
+      <a:lightRig rig="threePt" dir="t"/>
+    </dgm:scene3d>
+    <dgm:sp3d/>
+    <dgm:txPr/>
+    <dgm:style>
+      <a:lnRef idx="2">
+        <a:scrgbClr r="0" g="0" b="0"/>
+      </a:lnRef>
+      <a:fillRef idx="1">
+        <a:scrgbClr r="0" g="0" b="0"/>
+      </a:fillRef>
+      <a:effectRef idx="0">
+        <a:scrgbClr r="0" g="0" b="0"/>
+      </a:effectRef>
+      <a:fontRef idx="minor"/>
+    </dgm:style>
+  </dgm:styleLbl>
+  <dgm:styleLbl name="conFgAcc1">
+    <dgm:scene3d>
+      <a:camera prst="orthographicFront"/>
+      <a:lightRig rig="threePt" dir="t"/>
+    </dgm:scene3d>
+    <dgm:sp3d/>
+    <dgm:txPr/>
+    <dgm:style>
+      <a:lnRef idx="2">
+        <a:scrgbClr r="0" g="0" b="0"/>
+      </a:lnRef>
+      <a:fillRef idx="1">
+        <a:scrgbClr r="0" g="0" b="0"/>
+      </a:fillRef>
+      <a:effectRef idx="0">
+        <a:scrgbClr r="0" g="0" b="0"/>
+      </a:effectRef>
+      <a:fontRef idx="minor"/>
+    </dgm:style>
+  </dgm:styleLbl>
+  <dgm:styleLbl name="alignAcc1">
+    <dgm:scene3d>
+      <a:camera prst="orthographicFront"/>
+      <a:lightRig rig="threePt" dir="t"/>
+    </dgm:scene3d>
+    <dgm:sp3d/>
+    <dgm:txPr/>
+    <dgm:style>
+      <a:lnRef idx="2">
+        <a:scrgbClr r="0" g="0" b="0"/>
+      </a:lnRef>
+      <a:fillRef idx="1">
+        <a:scrgbClr r="0" g="0" b="0"/>
+      </a:fillRef>
+      <a:effectRef idx="0">
+        <a:scrgbClr r="0" g="0" b="0"/>
+      </a:effectRef>
+      <a:fontRef idx="minor"/>
+    </dgm:style>
+  </dgm:styleLbl>
+  <dgm:styleLbl name="trAlignAcc1">
+    <dgm:scene3d>
+      <a:camera prst="orthographicFront"/>
+      <a:lightRig rig="threePt" dir="t"/>
+    </dgm:scene3d>
+    <dgm:sp3d/>
+    <dgm:txPr/>
+    <dgm:style>
+      <a:lnRef idx="1">
+        <a:scrgbClr r="0" g="0" b="0"/>
+      </a:lnRef>
+      <a:fillRef idx="1">
+        <a:scrgbClr r="0" g="0" b="0"/>
+      </a:fillRef>
+      <a:effectRef idx="0">
+        <a:scrgbClr r="0" g="0" b="0"/>
+      </a:effectRef>
+      <a:fontRef idx="minor"/>
+    </dgm:style>
+  </dgm:styleLbl>
+  <dgm:styleLbl name="bgAcc1">
+    <dgm:scene3d>
+      <a:camera prst="orthographicFront"/>
+      <a:lightRig rig="threePt" dir="t"/>
+    </dgm:scene3d>
+    <dgm:sp3d/>
+    <dgm:txPr/>
+    <dgm:style>
+      <a:lnRef idx="2">
+        <a:scrgbClr r="0" g="0" b="0"/>
+      </a:lnRef>
+      <a:fillRef idx="1">
+        <a:scrgbClr r="0" g="0" b="0"/>
+      </a:fillRef>
+      <a:effectRef idx="0">
+        <a:scrgbClr r="0" g="0" b="0"/>
+      </a:effectRef>
+      <a:fontRef idx="minor"/>
+    </dgm:style>
+  </dgm:styleLbl>
+  <dgm:styleLbl name="solidFgAcc1">
+    <dgm:scene3d>
+      <a:camera prst="orthographicFront"/>
+      <a:lightRig rig="threePt" dir="t"/>
+    </dgm:scene3d>
+    <dgm:sp3d/>
+    <dgm:txPr/>
+    <dgm:style>
+      <a:lnRef idx="2">
+        <a:scrgbClr r="0" g="0" b="0"/>
+      </a:lnRef>
+      <a:fillRef idx="1">
+        <a:scrgbClr r="0" g="0" b="0"/>
+      </a:fillRef>
+      <a:effectRef idx="0">
+        <a:scrgbClr r="0" g="0" b="0"/>
+      </a:effectRef>
+      <a:fontRef idx="minor"/>
+    </dgm:style>
+  </dgm:styleLbl>
+  <dgm:styleLbl name="solidAlignAcc1">
+    <dgm:scene3d>
+      <a:camera prst="orthographicFront"/>
+      <a:lightRig rig="threePt" dir="t"/>
+    </dgm:scene3d>
+    <dgm:sp3d/>
+    <dgm:txPr/>
+    <dgm:style>
+      <a:lnRef idx="2">
+        <a:scrgbClr r="0" g="0" b="0"/>
+      </a:lnRef>
+      <a:fillRef idx="1">
+        <a:scrgbClr r="0" g="0" b="0"/>
+      </a:fillRef>
+      <a:effectRef idx="0">
+        <a:scrgbClr r="0" g="0" b="0"/>
+      </a:effectRef>
+      <a:fontRef idx="minor"/>
+    </dgm:style>
+  </dgm:styleLbl>
+  <dgm:styleLbl name="solidBgAcc1">
+    <dgm:scene3d>
+      <a:camera prst="orthographicFront"/>
+      <a:lightRig rig="threePt" dir="t"/>
+    </dgm:scene3d>
+    <dgm:sp3d/>
+    <dgm:txPr/>
+    <dgm:style>
+      <a:lnRef idx="2">
+        <a:scrgbClr r="0" g="0" b="0"/>
+      </a:lnRef>
+      <a:fillRef idx="1">
+        <a:scrgbClr r="0" g="0" b="0"/>
+      </a:fillRef>
+      <a:effectRef idx="0">
+        <a:scrgbClr r="0" g="0" b="0"/>
+      </a:effectRef>
+      <a:fontRef idx="minor"/>
+    </dgm:style>
+  </dgm:styleLbl>
+  <dgm:styleLbl name="fgAccFollowNode1">
+    <dgm:scene3d>
+      <a:camera prst="orthographicFront"/>
+      <a:lightRig rig="threePt" dir="t"/>
+    </dgm:scene3d>
+    <dgm:sp3d/>
+    <dgm:txPr/>
+    <dgm:style>
+      <a:lnRef idx="2">
+        <a:scrgbClr r="0" g="0" b="0"/>
+      </a:lnRef>
+      <a:fillRef idx="1">
+        <a:scrgbClr r="0" g="0" b="0"/>
+      </a:fillRef>
+      <a:effectRef idx="0">
+        <a:scrgbClr r="0" g="0" b="0"/>
+      </a:effectRef>
+      <a:fontRef idx="minor"/>
+    </dgm:style>
+  </dgm:styleLbl>
+  <dgm:styleLbl name="alignAccFollowNode1">
+    <dgm:scene3d>
+      <a:camera prst="orthographicFront"/>
+      <a:lightRig rig="threePt" dir="t"/>
+    </dgm:scene3d>
+    <dgm:sp3d/>
+    <dgm:txPr/>
+    <dgm:style>
+      <a:lnRef idx="2">
+        <a:scrgbClr r="0" g="0" b="0"/>
+      </a:lnRef>
+      <a:fillRef idx="1">
+        <a:scrgbClr r="0" g="0" b="0"/>
+      </a:fillRef>
+      <a:effectRef idx="0">
+        <a:scrgbClr r="0" g="0" b="0"/>
+      </a:effectRef>
+      <a:fontRef idx="minor"/>
+    </dgm:style>
+  </dgm:styleLbl>
+  <dgm:styleLbl name="bgAccFollowNode1">
+    <dgm:scene3d>
+      <a:camera prst="orthographicFront"/>
+      <a:lightRig rig="threePt" dir="t"/>
+    </dgm:scene3d>
+    <dgm:sp3d/>
+    <dgm:txPr/>
+    <dgm:style>
+      <a:lnRef idx="2">
+        <a:scrgbClr r="0" g="0" b="0"/>
+      </a:lnRef>
+      <a:fillRef idx="1">
+        <a:scrgbClr r="0" g="0" b="0"/>
+      </a:fillRef>
+      <a:effectRef idx="0">
+        <a:scrgbClr r="0" g="0" b="0"/>
+      </a:effectRef>
+      <a:fontRef idx="minor"/>
+    </dgm:style>
+  </dgm:styleLbl>
+  <dgm:styleLbl name="fgAcc0">
+    <dgm:scene3d>
+      <a:camera prst="orthographicFront"/>
+      <a:lightRig rig="threePt" dir="t"/>
+    </dgm:scene3d>
+    <dgm:sp3d/>
+    <dgm:txPr/>
+    <dgm:style>
+      <a:lnRef idx="2">
+        <a:scrgbClr r="0" g="0" b="0"/>
+      </a:lnRef>
+      <a:fillRef idx="1">
+        <a:scrgbClr r="0" g="0" b="0"/>
+      </a:fillRef>
+      <a:effectRef idx="0">
+        <a:scrgbClr r="0" g="0" b="0"/>
+      </a:effectRef>
+      <a:fontRef idx="minor"/>
+    </dgm:style>
+  </dgm:styleLbl>
+  <dgm:styleLbl name="fgAcc2">
+    <dgm:scene3d>
+      <a:camera prst="orthographicFront"/>
+      <a:lightRig rig="threePt" dir="t"/>
+    </dgm:scene3d>
+    <dgm:sp3d/>
+    <dgm:txPr/>
+    <dgm:style>
+      <a:lnRef idx="2">
+        <a:scrgbClr r="0" g="0" b="0"/>
+      </a:lnRef>
+      <a:fillRef idx="1">
+        <a:scrgbClr r="0" g="0" b="0"/>
+      </a:fillRef>
+      <a:effectRef idx="0">
+        <a:scrgbClr r="0" g="0" b="0"/>
+      </a:effectRef>
+      <a:fontRef idx="minor"/>
+    </dgm:style>
+  </dgm:styleLbl>
+  <dgm:styleLbl name="fgAcc3">
+    <dgm:scene3d>
+      <a:camera prst="orthographicFront"/>
+      <a:lightRig rig="threePt" dir="t"/>
+    </dgm:scene3d>
+    <dgm:sp3d/>
+    <dgm:txPr/>
+    <dgm:style>
+      <a:lnRef idx="2">
+        <a:scrgbClr r="0" g="0" b="0"/>
+      </a:lnRef>
+      <a:fillRef idx="1">
+        <a:scrgbClr r="0" g="0" b="0"/>
+      </a:fillRef>
+      <a:effectRef idx="0">
+        <a:scrgbClr r="0" g="0" b="0"/>
+      </a:effectRef>
+      <a:fontRef idx="minor"/>
+    </dgm:style>
+  </dgm:styleLbl>
+  <dgm:styleLbl name="fgAcc4">
+    <dgm:scene3d>
+      <a:camera prst="orthographicFront"/>
+      <a:lightRig rig="threePt" dir="t"/>
+    </dgm:scene3d>
+    <dgm:sp3d/>
+    <dgm:txPr/>
+    <dgm:style>
+      <a:lnRef idx="2">
+        <a:scrgbClr r="0" g="0" b="0"/>
+      </a:lnRef>
+      <a:fillRef idx="1">
+        <a:scrgbClr r="0" g="0" b="0"/>
+      </a:fillRef>
+      <a:effectRef idx="0">
+        <a:scrgbClr r="0" g="0" b="0"/>
+      </a:effectRef>
+      <a:fontRef idx="minor"/>
+    </dgm:style>
+  </dgm:styleLbl>
+  <dgm:styleLbl name="bgShp">
+    <dgm:scene3d>
+      <a:camera prst="orthographicFront"/>
+      <a:lightRig rig="threePt" dir="t"/>
+    </dgm:scene3d>
+    <dgm:sp3d/>
+    <dgm:txPr/>
+    <dgm:style>
+      <a:lnRef idx="0">
+        <a:scrgbClr r="0" g="0" b="0"/>
+      </a:lnRef>
+      <a:fillRef idx="1">
+        <a:scrgbClr r="0" g="0" b="0"/>
+      </a:fillRef>
+      <a:effectRef idx="0">
+        <a:scrgbClr r="0" g="0" b="0"/>
+      </a:effectRef>
+      <a:fontRef idx="minor"/>
+    </dgm:style>
+  </dgm:styleLbl>
+  <dgm:styleLbl name="dkBgShp">
+    <dgm:scene3d>
+      <a:camera prst="orthographicFront"/>
+      <a:lightRig rig="threePt" dir="t"/>
+    </dgm:scene3d>
+    <dgm:sp3d/>
+    <dgm:txPr/>
+    <dgm:style>
+      <a:lnRef idx="0">
+        <a:scrgbClr r="0" g="0" b="0"/>
+      </a:lnRef>
+      <a:fillRef idx="1">
+        <a:scrgbClr r="0" g="0" b="0"/>
+      </a:fillRef>
+      <a:effectRef idx="0">
+        <a:scrgbClr r="0" g="0" b="0"/>
+      </a:effectRef>
+      <a:fontRef idx="minor"/>
+    </dgm:style>
+  </dgm:styleLbl>
+  <dgm:styleLbl name="trBgShp">
+    <dgm:scene3d>
+      <a:camera prst="orthographicFront"/>
+      <a:lightRig rig="threePt" dir="t"/>
+    </dgm:scene3d>
+    <dgm:sp3d/>
+    <dgm:txPr/>
+    <dgm:style>
+      <a:lnRef idx="0">
+        <a:scrgbClr r="0" g="0" b="0"/>
+      </a:lnRef>
+      <a:fillRef idx="1">
+        <a:scrgbClr r="0" g="0" b="0"/>
+      </a:fillRef>
+      <a:effectRef idx="0">
+        <a:scrgbClr r="0" g="0" b="0"/>
+      </a:effectRef>
+      <a:fontRef idx="minor"/>
+    </dgm:style>
+  </dgm:styleLbl>
+  <dgm:styleLbl name="fgShp">
+    <dgm:scene3d>
+      <a:camera prst="orthographicFront"/>
+      <a:lightRig rig="threePt" dir="t"/>
+    </dgm:scene3d>
+    <dgm:sp3d/>
+    <dgm:txPr/>
+    <dgm:style>
+      <a:lnRef idx="2">
+        <a:scrgbClr r="0" g="0" b="0"/>
+      </a:lnRef>
+      <a:fillRef idx="1">
+        <a:scrgbClr r="0" g="0" b="0"/>
+      </a:fillRef>
+      <a:effectRef idx="0">
+        <a:scrgbClr r="0" g="0" b="0"/>
+      </a:effectRef>
+      <a:fontRef idx="minor"/>
+    </dgm:style>
+  </dgm:styleLbl>
+  <dgm:styleLbl name="revTx">
+    <dgm:scene3d>
+      <a:camera prst="orthographicFront"/>
+      <a:lightRig rig="threePt" dir="t"/>
+    </dgm:scene3d>
+    <dgm:sp3d/>
+    <dgm:txPr/>
+    <dgm:style>
+      <a:lnRef idx="0">
+        <a:scrgbClr r="0" g="0" b="0"/>
+      </a:lnRef>
+      <a:fillRef idx="0">
+        <a:scrgbClr r="0" g="0" b="0"/>
+      </a:fillRef>
+      <a:effectRef idx="0">
+        <a:scrgbClr r="0" g="0" b="0"/>
+      </a:effectRef>
+      <a:fontRef idx="minor"/>
+    </dgm:style>
+  </dgm:styleLbl>
+</dgm:styleDef>
+</file>
+
+<file path=ppt/diagrams/quickStyle4.xml><?xml version="1.0" encoding="utf-8"?>
 <dgm:styleDef xmlns:dgm="http://schemas.openxmlformats.org/drawingml/2006/diagram" xmlns:a="http://schemas.openxmlformats.org/drawingml/2006/main" uniqueId="urn:microsoft.com/office/officeart/2005/8/quickstyle/simple1">
   <dgm:title val=""/>
   <dgm:desc val=""/>
@@ -12314,7 +15249,7 @@
       </p:grpSpPr>
       <p:sp>
         <p:nvSpPr>
-          <p:cNvPr id="10" name="Freeform: Shape 9">
+          <p:cNvPr id="12" name="Freeform: Shape 9">
             <a:extLst>
               <a:ext uri="{FF2B5EF4-FFF2-40B4-BE49-F238E27FC236}">
                 <a16:creationId xmlns:a16="http://schemas.microsoft.com/office/drawing/2014/main" id="{46C2E80F-49A6-4372-B103-219D417A55ED}"/>
@@ -12798,7 +15733,7 @@
           <p:cNvPr id="2" name="Titel 1">
             <a:extLst>
               <a:ext uri="{FF2B5EF4-FFF2-40B4-BE49-F238E27FC236}">
-                <a16:creationId xmlns:a16="http://schemas.microsoft.com/office/drawing/2014/main" id="{621F1022-EC9C-427D-B1FE-61B60D622935}"/>
+                <a16:creationId xmlns:a16="http://schemas.microsoft.com/office/drawing/2014/main" id="{CC027F37-0770-4AF2-AC0A-A5ECB1DFFEF7}"/>
               </a:ext>
             </a:extLst>
           </p:cNvPr>
@@ -12827,17 +15762,17 @@
                   <a:srgbClr val="FFFFFF"/>
                 </a:solidFill>
               </a:rPr>
-              <a:t>Ablauf des Projekts</a:t>
+              <a:t>Staffing</a:t>
             </a:r>
           </a:p>
         </p:txBody>
       </p:sp>
       <p:graphicFrame>
         <p:nvGraphicFramePr>
-          <p:cNvPr id="5" name="Inhaltsplatzhalter 2">
+          <p:cNvPr id="13" name="Inhaltsplatzhalter 2">
             <a:extLst>
               <a:ext uri="{FF2B5EF4-FFF2-40B4-BE49-F238E27FC236}">
-                <a16:creationId xmlns:a16="http://schemas.microsoft.com/office/drawing/2014/main" id="{216D0A53-6164-4A9A-950C-8D9B81AECEAE}"/>
+                <a16:creationId xmlns:a16="http://schemas.microsoft.com/office/drawing/2014/main" id="{898C4133-EF2F-4BC9-9627-81A3A3937997}"/>
               </a:ext>
             </a:extLst>
           </p:cNvPr>
@@ -12848,7 +15783,7 @@
             <p:ph idx="1"/>
             <p:extLst>
               <p:ext uri="{D42A27DB-BD31-4B8C-83A1-F6EECF244321}">
-                <p14:modId xmlns:p14="http://schemas.microsoft.com/office/powerpoint/2010/main" val="2933756560"/>
+                <p14:modId xmlns:p14="http://schemas.microsoft.com/office/powerpoint/2010/main" val="2222504790"/>
               </p:ext>
             </p:extLst>
           </p:nvPr>
@@ -12866,7 +15801,7 @@
     </p:spTree>
     <p:extLst>
       <p:ext uri="{BB962C8B-B14F-4D97-AF65-F5344CB8AC3E}">
-        <p14:creationId xmlns:p14="http://schemas.microsoft.com/office/powerpoint/2010/main" val="1187345201"/>
+        <p14:creationId xmlns:p14="http://schemas.microsoft.com/office/powerpoint/2010/main" val="1816965530"/>
       </p:ext>
     </p:extLst>
   </p:cSld>
@@ -13387,6 +16322,595 @@
           <p:cNvPr id="2" name="Titel 1">
             <a:extLst>
               <a:ext uri="{FF2B5EF4-FFF2-40B4-BE49-F238E27FC236}">
+                <a16:creationId xmlns:a16="http://schemas.microsoft.com/office/drawing/2014/main" id="{621F1022-EC9C-427D-B1FE-61B60D622935}"/>
+              </a:ext>
+            </a:extLst>
+          </p:cNvPr>
+          <p:cNvSpPr>
+            <a:spLocks noGrp="1"/>
+          </p:cNvSpPr>
+          <p:nvPr>
+            <p:ph type="title"/>
+          </p:nvPr>
+        </p:nvSpPr>
+        <p:spPr>
+          <a:xfrm>
+            <a:off x="863029" y="1012004"/>
+            <a:ext cx="3416158" cy="4795408"/>
+          </a:xfrm>
+        </p:spPr>
+        <p:txBody>
+          <a:bodyPr>
+            <a:normAutofit/>
+          </a:bodyPr>
+          <a:lstStyle/>
+          <a:p>
+            <a:r>
+              <a:rPr lang="de-DE">
+                <a:solidFill>
+                  <a:srgbClr val="FFFFFF"/>
+                </a:solidFill>
+              </a:rPr>
+              <a:t>Ablauf des Projekts</a:t>
+            </a:r>
+          </a:p>
+        </p:txBody>
+      </p:sp>
+      <p:graphicFrame>
+        <p:nvGraphicFramePr>
+          <p:cNvPr id="5" name="Inhaltsplatzhalter 2">
+            <a:extLst>
+              <a:ext uri="{FF2B5EF4-FFF2-40B4-BE49-F238E27FC236}">
+                <a16:creationId xmlns:a16="http://schemas.microsoft.com/office/drawing/2014/main" id="{216D0A53-6164-4A9A-950C-8D9B81AECEAE}"/>
+              </a:ext>
+            </a:extLst>
+          </p:cNvPr>
+          <p:cNvGraphicFramePr>
+            <a:graphicFrameLocks noGrp="1"/>
+          </p:cNvGraphicFramePr>
+          <p:nvPr>
+            <p:ph idx="1"/>
+            <p:extLst>
+              <p:ext uri="{D42A27DB-BD31-4B8C-83A1-F6EECF244321}">
+                <p14:modId xmlns:p14="http://schemas.microsoft.com/office/powerpoint/2010/main" val="2933756560"/>
+              </p:ext>
+            </p:extLst>
+          </p:nvPr>
+        </p:nvGraphicFramePr>
+        <p:xfrm>
+          <a:off x="5194300" y="470924"/>
+          <a:ext cx="6513604" cy="5885426"/>
+        </p:xfrm>
+        <a:graphic>
+          <a:graphicData uri="http://schemas.openxmlformats.org/drawingml/2006/diagram">
+            <dgm:relIds xmlns:dgm="http://schemas.openxmlformats.org/drawingml/2006/diagram" xmlns:r="http://schemas.openxmlformats.org/officeDocument/2006/relationships" r:dm="rId2" r:lo="rId3" r:qs="rId4" r:cs="rId5"/>
+          </a:graphicData>
+        </a:graphic>
+      </p:graphicFrame>
+    </p:spTree>
+    <p:extLst>
+      <p:ext uri="{BB962C8B-B14F-4D97-AF65-F5344CB8AC3E}">
+        <p14:creationId xmlns:p14="http://schemas.microsoft.com/office/powerpoint/2010/main" val="1187345201"/>
+      </p:ext>
+    </p:extLst>
+  </p:cSld>
+  <p:clrMapOvr>
+    <a:masterClrMapping/>
+  </p:clrMapOvr>
+</p:sld>
+</file>
+
+<file path=ppt/slides/slide4.xml><?xml version="1.0" encoding="utf-8"?>
+<p:sld xmlns:a="http://schemas.openxmlformats.org/drawingml/2006/main" xmlns:r="http://schemas.openxmlformats.org/officeDocument/2006/relationships" xmlns:p="http://schemas.openxmlformats.org/presentationml/2006/main">
+  <p:cSld>
+    <p:bg>
+      <p:bgPr>
+        <a:solidFill>
+          <a:schemeClr val="bg1"/>
+        </a:solidFill>
+        <a:effectLst/>
+      </p:bgPr>
+    </p:bg>
+    <p:spTree>
+      <p:nvGrpSpPr>
+        <p:cNvPr id="1" name=""/>
+        <p:cNvGrpSpPr/>
+        <p:nvPr/>
+      </p:nvGrpSpPr>
+      <p:grpSpPr>
+        <a:xfrm>
+          <a:off x="0" y="0"/>
+          <a:ext cx="0" cy="0"/>
+          <a:chOff x="0" y="0"/>
+          <a:chExt cx="0" cy="0"/>
+        </a:xfrm>
+      </p:grpSpPr>
+      <p:sp>
+        <p:nvSpPr>
+          <p:cNvPr id="10" name="Freeform: Shape 9">
+            <a:extLst>
+              <a:ext uri="{FF2B5EF4-FFF2-40B4-BE49-F238E27FC236}">
+                <a16:creationId xmlns:a16="http://schemas.microsoft.com/office/drawing/2014/main" id="{46C2E80F-49A6-4372-B103-219D417A55ED}"/>
+              </a:ext>
+              <a:ext uri="{C183D7F6-B498-43B3-948B-1728B52AA6E4}">
+                <adec:decorative xmlns:adec="http://schemas.microsoft.com/office/drawing/2017/decorative" val="1"/>
+              </a:ext>
+            </a:extLst>
+          </p:cNvPr>
+          <p:cNvSpPr>
+            <a:spLocks noGrp="1" noRot="1" noChangeAspect="1" noMove="1" noResize="1" noEditPoints="1" noAdjustHandles="1" noChangeArrowheads="1" noChangeShapeType="1" noTextEdit="1"/>
+          </p:cNvSpPr>
+          <p:nvPr>
+            <p:extLst>
+              <p:ext uri="{386F3935-93C4-4BCD-93E2-E3B085C9AB24}">
+                <p16:designElem xmlns:p16="http://schemas.microsoft.com/office/powerpoint/2015/main" val="1"/>
+              </p:ext>
+            </p:extLst>
+          </p:nvPr>
+        </p:nvSpPr>
+        <p:spPr>
+          <a:xfrm>
+            <a:off x="484096" y="470925"/>
+            <a:ext cx="4381009" cy="5892104"/>
+          </a:xfrm>
+          <a:custGeom>
+            <a:avLst/>
+            <a:gdLst>
+              <a:gd name="connsiteX0" fmla="*/ 0 w 4381009"/>
+              <a:gd name="connsiteY0" fmla="*/ 0 h 5892104"/>
+              <a:gd name="connsiteX1" fmla="*/ 4157628 w 4381009"/>
+              <a:gd name="connsiteY1" fmla="*/ 0 h 5892104"/>
+              <a:gd name="connsiteX2" fmla="*/ 4169302 w 4381009"/>
+              <a:gd name="connsiteY2" fmla="*/ 68659 h 5892104"/>
+              <a:gd name="connsiteX3" fmla="*/ 4191571 w 4381009"/>
+              <a:gd name="connsiteY3" fmla="*/ 205472 h 5892104"/>
+              <a:gd name="connsiteX4" fmla="*/ 4213368 w 4381009"/>
+              <a:gd name="connsiteY4" fmla="*/ 342890 h 5892104"/>
+              <a:gd name="connsiteX5" fmla="*/ 4232030 w 4381009"/>
+              <a:gd name="connsiteY5" fmla="*/ 480913 h 5892104"/>
+              <a:gd name="connsiteX6" fmla="*/ 4250848 w 4381009"/>
+              <a:gd name="connsiteY6" fmla="*/ 618332 h 5892104"/>
+              <a:gd name="connsiteX7" fmla="*/ 4268412 w 4381009"/>
+              <a:gd name="connsiteY7" fmla="*/ 756355 h 5892104"/>
+              <a:gd name="connsiteX8" fmla="*/ 4283467 w 4381009"/>
+              <a:gd name="connsiteY8" fmla="*/ 892563 h 5892104"/>
+              <a:gd name="connsiteX9" fmla="*/ 4297737 w 4381009"/>
+              <a:gd name="connsiteY9" fmla="*/ 1030587 h 5892104"/>
+              <a:gd name="connsiteX10" fmla="*/ 4310754 w 4381009"/>
+              <a:gd name="connsiteY10" fmla="*/ 1168005 h 5892104"/>
+              <a:gd name="connsiteX11" fmla="*/ 4322045 w 4381009"/>
+              <a:gd name="connsiteY11" fmla="*/ 1303002 h 5892104"/>
+              <a:gd name="connsiteX12" fmla="*/ 4333336 w 4381009"/>
+              <a:gd name="connsiteY12" fmla="*/ 1439815 h 5892104"/>
+              <a:gd name="connsiteX13" fmla="*/ 4342745 w 4381009"/>
+              <a:gd name="connsiteY13" fmla="*/ 1574812 h 5892104"/>
+              <a:gd name="connsiteX14" fmla="*/ 4350115 w 4381009"/>
+              <a:gd name="connsiteY14" fmla="*/ 1709808 h 5892104"/>
+              <a:gd name="connsiteX15" fmla="*/ 4357799 w 4381009"/>
+              <a:gd name="connsiteY15" fmla="*/ 1844200 h 5892104"/>
+              <a:gd name="connsiteX16" fmla="*/ 4364229 w 4381009"/>
+              <a:gd name="connsiteY16" fmla="*/ 1977381 h 5892104"/>
+              <a:gd name="connsiteX17" fmla="*/ 4368777 w 4381009"/>
+              <a:gd name="connsiteY17" fmla="*/ 2109351 h 5892104"/>
+              <a:gd name="connsiteX18" fmla="*/ 4372697 w 4381009"/>
+              <a:gd name="connsiteY18" fmla="*/ 2241321 h 5892104"/>
+              <a:gd name="connsiteX19" fmla="*/ 4376461 w 4381009"/>
+              <a:gd name="connsiteY19" fmla="*/ 2372080 h 5892104"/>
+              <a:gd name="connsiteX20" fmla="*/ 4378186 w 4381009"/>
+              <a:gd name="connsiteY20" fmla="*/ 2501023 h 5892104"/>
+              <a:gd name="connsiteX21" fmla="*/ 4380068 w 4381009"/>
+              <a:gd name="connsiteY21" fmla="*/ 2629966 h 5892104"/>
+              <a:gd name="connsiteX22" fmla="*/ 4381009 w 4381009"/>
+              <a:gd name="connsiteY22" fmla="*/ 2757093 h 5892104"/>
+              <a:gd name="connsiteX23" fmla="*/ 4380068 w 4381009"/>
+              <a:gd name="connsiteY23" fmla="*/ 2883010 h 5892104"/>
+              <a:gd name="connsiteX24" fmla="*/ 4380068 w 4381009"/>
+              <a:gd name="connsiteY24" fmla="*/ 3007715 h 5892104"/>
+              <a:gd name="connsiteX25" fmla="*/ 4378186 w 4381009"/>
+              <a:gd name="connsiteY25" fmla="*/ 3131210 h 5892104"/>
+              <a:gd name="connsiteX26" fmla="*/ 4375363 w 4381009"/>
+              <a:gd name="connsiteY26" fmla="*/ 3252283 h 5892104"/>
+              <a:gd name="connsiteX27" fmla="*/ 4372697 w 4381009"/>
+              <a:gd name="connsiteY27" fmla="*/ 3372146 h 5892104"/>
+              <a:gd name="connsiteX28" fmla="*/ 4369718 w 4381009"/>
+              <a:gd name="connsiteY28" fmla="*/ 3489587 h 5892104"/>
+              <a:gd name="connsiteX29" fmla="*/ 4365170 w 4381009"/>
+              <a:gd name="connsiteY29" fmla="*/ 3606423 h 5892104"/>
+              <a:gd name="connsiteX30" fmla="*/ 4360309 w 4381009"/>
+              <a:gd name="connsiteY30" fmla="*/ 3721443 h 5892104"/>
+              <a:gd name="connsiteX31" fmla="*/ 4355918 w 4381009"/>
+              <a:gd name="connsiteY31" fmla="*/ 3834041 h 5892104"/>
+              <a:gd name="connsiteX32" fmla="*/ 4343529 w 4381009"/>
+              <a:gd name="connsiteY32" fmla="*/ 4053789 h 5892104"/>
+              <a:gd name="connsiteX33" fmla="*/ 4330356 w 4381009"/>
+              <a:gd name="connsiteY33" fmla="*/ 4264457 h 5892104"/>
+              <a:gd name="connsiteX34" fmla="*/ 4316556 w 4381009"/>
+              <a:gd name="connsiteY34" fmla="*/ 4466650 h 5892104"/>
+              <a:gd name="connsiteX35" fmla="*/ 4301344 w 4381009"/>
+              <a:gd name="connsiteY35" fmla="*/ 4657946 h 5892104"/>
+              <a:gd name="connsiteX36" fmla="*/ 4285506 w 4381009"/>
+              <a:gd name="connsiteY36" fmla="*/ 4840767 h 5892104"/>
+              <a:gd name="connsiteX37" fmla="*/ 4268412 w 4381009"/>
+              <a:gd name="connsiteY37" fmla="*/ 5010269 h 5892104"/>
+              <a:gd name="connsiteX38" fmla="*/ 4251633 w 4381009"/>
+              <a:gd name="connsiteY38" fmla="*/ 5169481 h 5892104"/>
+              <a:gd name="connsiteX39" fmla="*/ 4234853 w 4381009"/>
+              <a:gd name="connsiteY39" fmla="*/ 5315980 h 5892104"/>
+              <a:gd name="connsiteX40" fmla="*/ 4219014 w 4381009"/>
+              <a:gd name="connsiteY40" fmla="*/ 5450371 h 5892104"/>
+              <a:gd name="connsiteX41" fmla="*/ 4203959 w 4381009"/>
+              <a:gd name="connsiteY41" fmla="*/ 5569628 h 5892104"/>
+              <a:gd name="connsiteX42" fmla="*/ 4189689 w 4381009"/>
+              <a:gd name="connsiteY42" fmla="*/ 5677384 h 5892104"/>
+              <a:gd name="connsiteX43" fmla="*/ 4177770 w 4381009"/>
+              <a:gd name="connsiteY43" fmla="*/ 5768189 h 5892104"/>
+              <a:gd name="connsiteX44" fmla="*/ 4166479 w 4381009"/>
+              <a:gd name="connsiteY44" fmla="*/ 5844465 h 5892104"/>
+              <a:gd name="connsiteX45" fmla="*/ 4159132 w 4381009"/>
+              <a:gd name="connsiteY45" fmla="*/ 5892104 h 5892104"/>
+              <a:gd name="connsiteX46" fmla="*/ 0 w 4381009"/>
+              <a:gd name="connsiteY46" fmla="*/ 5892104 h 5892104"/>
+            </a:gdLst>
+            <a:ahLst/>
+            <a:cxnLst>
+              <a:cxn ang="0">
+                <a:pos x="connsiteX0" y="connsiteY0"/>
+              </a:cxn>
+              <a:cxn ang="0">
+                <a:pos x="connsiteX1" y="connsiteY1"/>
+              </a:cxn>
+              <a:cxn ang="0">
+                <a:pos x="connsiteX2" y="connsiteY2"/>
+              </a:cxn>
+              <a:cxn ang="0">
+                <a:pos x="connsiteX3" y="connsiteY3"/>
+              </a:cxn>
+              <a:cxn ang="0">
+                <a:pos x="connsiteX4" y="connsiteY4"/>
+              </a:cxn>
+              <a:cxn ang="0">
+                <a:pos x="connsiteX5" y="connsiteY5"/>
+              </a:cxn>
+              <a:cxn ang="0">
+                <a:pos x="connsiteX6" y="connsiteY6"/>
+              </a:cxn>
+              <a:cxn ang="0">
+                <a:pos x="connsiteX7" y="connsiteY7"/>
+              </a:cxn>
+              <a:cxn ang="0">
+                <a:pos x="connsiteX8" y="connsiteY8"/>
+              </a:cxn>
+              <a:cxn ang="0">
+                <a:pos x="connsiteX9" y="connsiteY9"/>
+              </a:cxn>
+              <a:cxn ang="0">
+                <a:pos x="connsiteX10" y="connsiteY10"/>
+              </a:cxn>
+              <a:cxn ang="0">
+                <a:pos x="connsiteX11" y="connsiteY11"/>
+              </a:cxn>
+              <a:cxn ang="0">
+                <a:pos x="connsiteX12" y="connsiteY12"/>
+              </a:cxn>
+              <a:cxn ang="0">
+                <a:pos x="connsiteX13" y="connsiteY13"/>
+              </a:cxn>
+              <a:cxn ang="0">
+                <a:pos x="connsiteX14" y="connsiteY14"/>
+              </a:cxn>
+              <a:cxn ang="0">
+                <a:pos x="connsiteX15" y="connsiteY15"/>
+              </a:cxn>
+              <a:cxn ang="0">
+                <a:pos x="connsiteX16" y="connsiteY16"/>
+              </a:cxn>
+              <a:cxn ang="0">
+                <a:pos x="connsiteX17" y="connsiteY17"/>
+              </a:cxn>
+              <a:cxn ang="0">
+                <a:pos x="connsiteX18" y="connsiteY18"/>
+              </a:cxn>
+              <a:cxn ang="0">
+                <a:pos x="connsiteX19" y="connsiteY19"/>
+              </a:cxn>
+              <a:cxn ang="0">
+                <a:pos x="connsiteX20" y="connsiteY20"/>
+              </a:cxn>
+              <a:cxn ang="0">
+                <a:pos x="connsiteX21" y="connsiteY21"/>
+              </a:cxn>
+              <a:cxn ang="0">
+                <a:pos x="connsiteX22" y="connsiteY22"/>
+              </a:cxn>
+              <a:cxn ang="0">
+                <a:pos x="connsiteX23" y="connsiteY23"/>
+              </a:cxn>
+              <a:cxn ang="0">
+                <a:pos x="connsiteX24" y="connsiteY24"/>
+              </a:cxn>
+              <a:cxn ang="0">
+                <a:pos x="connsiteX25" y="connsiteY25"/>
+              </a:cxn>
+              <a:cxn ang="0">
+                <a:pos x="connsiteX26" y="connsiteY26"/>
+              </a:cxn>
+              <a:cxn ang="0">
+                <a:pos x="connsiteX27" y="connsiteY27"/>
+              </a:cxn>
+              <a:cxn ang="0">
+                <a:pos x="connsiteX28" y="connsiteY28"/>
+              </a:cxn>
+              <a:cxn ang="0">
+                <a:pos x="connsiteX29" y="connsiteY29"/>
+              </a:cxn>
+              <a:cxn ang="0">
+                <a:pos x="connsiteX30" y="connsiteY30"/>
+              </a:cxn>
+              <a:cxn ang="0">
+                <a:pos x="connsiteX31" y="connsiteY31"/>
+              </a:cxn>
+              <a:cxn ang="0">
+                <a:pos x="connsiteX32" y="connsiteY32"/>
+              </a:cxn>
+              <a:cxn ang="0">
+                <a:pos x="connsiteX33" y="connsiteY33"/>
+              </a:cxn>
+              <a:cxn ang="0">
+                <a:pos x="connsiteX34" y="connsiteY34"/>
+              </a:cxn>
+              <a:cxn ang="0">
+                <a:pos x="connsiteX35" y="connsiteY35"/>
+              </a:cxn>
+              <a:cxn ang="0">
+                <a:pos x="connsiteX36" y="connsiteY36"/>
+              </a:cxn>
+              <a:cxn ang="0">
+                <a:pos x="connsiteX37" y="connsiteY37"/>
+              </a:cxn>
+              <a:cxn ang="0">
+                <a:pos x="connsiteX38" y="connsiteY38"/>
+              </a:cxn>
+              <a:cxn ang="0">
+                <a:pos x="connsiteX39" y="connsiteY39"/>
+              </a:cxn>
+              <a:cxn ang="0">
+                <a:pos x="connsiteX40" y="connsiteY40"/>
+              </a:cxn>
+              <a:cxn ang="0">
+                <a:pos x="connsiteX41" y="connsiteY41"/>
+              </a:cxn>
+              <a:cxn ang="0">
+                <a:pos x="connsiteX42" y="connsiteY42"/>
+              </a:cxn>
+              <a:cxn ang="0">
+                <a:pos x="connsiteX43" y="connsiteY43"/>
+              </a:cxn>
+              <a:cxn ang="0">
+                <a:pos x="connsiteX44" y="connsiteY44"/>
+              </a:cxn>
+              <a:cxn ang="0">
+                <a:pos x="connsiteX45" y="connsiteY45"/>
+              </a:cxn>
+              <a:cxn ang="0">
+                <a:pos x="connsiteX46" y="connsiteY46"/>
+              </a:cxn>
+            </a:cxnLst>
+            <a:rect l="l" t="t" r="r" b="b"/>
+            <a:pathLst>
+              <a:path w="4381009" h="5892104">
+                <a:moveTo>
+                  <a:pt x="0" y="0"/>
+                </a:moveTo>
+                <a:lnTo>
+                  <a:pt x="4157628" y="0"/>
+                </a:lnTo>
+                <a:lnTo>
+                  <a:pt x="4169302" y="68659"/>
+                </a:lnTo>
+                <a:lnTo>
+                  <a:pt x="4191571" y="205472"/>
+                </a:lnTo>
+                <a:lnTo>
+                  <a:pt x="4213368" y="342890"/>
+                </a:lnTo>
+                <a:lnTo>
+                  <a:pt x="4232030" y="480913"/>
+                </a:lnTo>
+                <a:lnTo>
+                  <a:pt x="4250848" y="618332"/>
+                </a:lnTo>
+                <a:lnTo>
+                  <a:pt x="4268412" y="756355"/>
+                </a:lnTo>
+                <a:lnTo>
+                  <a:pt x="4283467" y="892563"/>
+                </a:lnTo>
+                <a:lnTo>
+                  <a:pt x="4297737" y="1030587"/>
+                </a:lnTo>
+                <a:lnTo>
+                  <a:pt x="4310754" y="1168005"/>
+                </a:lnTo>
+                <a:lnTo>
+                  <a:pt x="4322045" y="1303002"/>
+                </a:lnTo>
+                <a:lnTo>
+                  <a:pt x="4333336" y="1439815"/>
+                </a:lnTo>
+                <a:lnTo>
+                  <a:pt x="4342745" y="1574812"/>
+                </a:lnTo>
+                <a:lnTo>
+                  <a:pt x="4350115" y="1709808"/>
+                </a:lnTo>
+                <a:lnTo>
+                  <a:pt x="4357799" y="1844200"/>
+                </a:lnTo>
+                <a:lnTo>
+                  <a:pt x="4364229" y="1977381"/>
+                </a:lnTo>
+                <a:lnTo>
+                  <a:pt x="4368777" y="2109351"/>
+                </a:lnTo>
+                <a:lnTo>
+                  <a:pt x="4372697" y="2241321"/>
+                </a:lnTo>
+                <a:lnTo>
+                  <a:pt x="4376461" y="2372080"/>
+                </a:lnTo>
+                <a:lnTo>
+                  <a:pt x="4378186" y="2501023"/>
+                </a:lnTo>
+                <a:lnTo>
+                  <a:pt x="4380068" y="2629966"/>
+                </a:lnTo>
+                <a:lnTo>
+                  <a:pt x="4381009" y="2757093"/>
+                </a:lnTo>
+                <a:lnTo>
+                  <a:pt x="4380068" y="2883010"/>
+                </a:lnTo>
+                <a:lnTo>
+                  <a:pt x="4380068" y="3007715"/>
+                </a:lnTo>
+                <a:lnTo>
+                  <a:pt x="4378186" y="3131210"/>
+                </a:lnTo>
+                <a:lnTo>
+                  <a:pt x="4375363" y="3252283"/>
+                </a:lnTo>
+                <a:lnTo>
+                  <a:pt x="4372697" y="3372146"/>
+                </a:lnTo>
+                <a:lnTo>
+                  <a:pt x="4369718" y="3489587"/>
+                </a:lnTo>
+                <a:lnTo>
+                  <a:pt x="4365170" y="3606423"/>
+                </a:lnTo>
+                <a:lnTo>
+                  <a:pt x="4360309" y="3721443"/>
+                </a:lnTo>
+                <a:lnTo>
+                  <a:pt x="4355918" y="3834041"/>
+                </a:lnTo>
+                <a:lnTo>
+                  <a:pt x="4343529" y="4053789"/>
+                </a:lnTo>
+                <a:lnTo>
+                  <a:pt x="4330356" y="4264457"/>
+                </a:lnTo>
+                <a:lnTo>
+                  <a:pt x="4316556" y="4466650"/>
+                </a:lnTo>
+                <a:lnTo>
+                  <a:pt x="4301344" y="4657946"/>
+                </a:lnTo>
+                <a:lnTo>
+                  <a:pt x="4285506" y="4840767"/>
+                </a:lnTo>
+                <a:lnTo>
+                  <a:pt x="4268412" y="5010269"/>
+                </a:lnTo>
+                <a:lnTo>
+                  <a:pt x="4251633" y="5169481"/>
+                </a:lnTo>
+                <a:lnTo>
+                  <a:pt x="4234853" y="5315980"/>
+                </a:lnTo>
+                <a:lnTo>
+                  <a:pt x="4219014" y="5450371"/>
+                </a:lnTo>
+                <a:lnTo>
+                  <a:pt x="4203959" y="5569628"/>
+                </a:lnTo>
+                <a:lnTo>
+                  <a:pt x="4189689" y="5677384"/>
+                </a:lnTo>
+                <a:lnTo>
+                  <a:pt x="4177770" y="5768189"/>
+                </a:lnTo>
+                <a:lnTo>
+                  <a:pt x="4166479" y="5844465"/>
+                </a:lnTo>
+                <a:lnTo>
+                  <a:pt x="4159132" y="5892104"/>
+                </a:lnTo>
+                <a:lnTo>
+                  <a:pt x="0" y="5892104"/>
+                </a:lnTo>
+                <a:close/>
+              </a:path>
+            </a:pathLst>
+          </a:custGeom>
+          <a:solidFill>
+            <a:srgbClr val="404040"/>
+          </a:solidFill>
+          <a:ln>
+            <a:noFill/>
+          </a:ln>
+        </p:spPr>
+        <p:style>
+          <a:lnRef idx="2">
+            <a:schemeClr val="accent1">
+              <a:shade val="50000"/>
+            </a:schemeClr>
+          </a:lnRef>
+          <a:fillRef idx="1">
+            <a:schemeClr val="accent1"/>
+          </a:fillRef>
+          <a:effectRef idx="0">
+            <a:schemeClr val="accent1"/>
+          </a:effectRef>
+          <a:fontRef idx="minor">
+            <a:schemeClr val="lt1"/>
+          </a:fontRef>
+        </p:style>
+        <p:txBody>
+          <a:bodyPr wrap="square" rtlCol="0" anchor="ctr">
+            <a:noAutofit/>
+          </a:bodyPr>
+          <a:lstStyle/>
+          <a:p>
+            <a:pPr marL="0" marR="0" lvl="0" indent="0" algn="ctr" defTabSz="457200" rtl="0" eaLnBrk="1" fontAlgn="auto" latinLnBrk="0" hangingPunct="1">
+              <a:lnSpc>
+                <a:spcPct val="100000"/>
+              </a:lnSpc>
+              <a:spcBef>
+                <a:spcPts val="0"/>
+              </a:spcBef>
+              <a:spcAft>
+                <a:spcPts val="0"/>
+              </a:spcAft>
+              <a:buClrTx/>
+              <a:buSzTx/>
+              <a:buFontTx/>
+              <a:buNone/>
+              <a:tabLst/>
+              <a:defRPr/>
+            </a:pPr>
+            <a:endParaRPr kumimoji="0" lang="en-US" sz="1800" b="0" i="0" u="none" strike="noStrike" kern="1200" cap="none" spc="0" normalizeH="0" baseline="0" noProof="0">
+              <a:ln>
+                <a:noFill/>
+              </a:ln>
+              <a:solidFill>
+                <a:prstClr val="white"/>
+              </a:solidFill>
+              <a:effectLst/>
+              <a:uLnTx/>
+              <a:uFillTx/>
+              <a:latin typeface="Calibri" panose="020F0502020204030204"/>
+              <a:ea typeface="+mn-ea"/>
+              <a:cs typeface="+mn-cs"/>
+            </a:endParaRPr>
+          </a:p>
+        </p:txBody>
+      </p:sp>
+      <p:sp>
+        <p:nvSpPr>
+          <p:cNvPr id="2" name="Titel 1">
+            <a:extLst>
+              <a:ext uri="{FF2B5EF4-FFF2-40B4-BE49-F238E27FC236}">
                 <a16:creationId xmlns:a16="http://schemas.microsoft.com/office/drawing/2014/main" id="{A464659F-021D-4D9B-AA3E-5B04F9581BC5}"/>
               </a:ext>
             </a:extLst>
@@ -13465,7 +16989,7 @@
 </p:sld>
 </file>
 
-<file path=ppt/slides/slide4.xml><?xml version="1.0" encoding="utf-8"?>
+<file path=ppt/slides/slide5.xml><?xml version="1.0" encoding="utf-8"?>
 <p:sld xmlns:a="http://schemas.openxmlformats.org/drawingml/2006/main" xmlns:r="http://schemas.openxmlformats.org/officeDocument/2006/relationships" xmlns:p="http://schemas.openxmlformats.org/presentationml/2006/main">
   <p:cSld>
     <p:bg>
@@ -13724,7 +17248,7 @@
 </p:sld>
 </file>
 
-<file path=ppt/slides/slide5.xml><?xml version="1.0" encoding="utf-8"?>
+<file path=ppt/slides/slide6.xml><?xml version="1.0" encoding="utf-8"?>
 <p:sld xmlns:a="http://schemas.openxmlformats.org/drawingml/2006/main" xmlns:r="http://schemas.openxmlformats.org/officeDocument/2006/relationships" xmlns:p="http://schemas.openxmlformats.org/presentationml/2006/main">
   <p:cSld>
     <p:bg>
@@ -14313,7 +17837,7 @@
 </p:sld>
 </file>
 
-<file path=ppt/slides/slide6.xml><?xml version="1.0" encoding="utf-8"?>
+<file path=ppt/slides/slide7.xml><?xml version="1.0" encoding="utf-8"?>
 <p:sld xmlns:a="http://schemas.openxmlformats.org/drawingml/2006/main" xmlns:r="http://schemas.openxmlformats.org/officeDocument/2006/relationships" xmlns:p="http://schemas.openxmlformats.org/presentationml/2006/main">
   <p:cSld>
     <p:bg>

--- a/Team 4/PM_Abschlusspräsentation_Team4.pptx
+++ b/Team 4/PM_Abschlusspräsentation_Team4.pptx
@@ -8,10 +8,11 @@
     <p:sldId id="256" r:id="rId2"/>
     <p:sldId id="264" r:id="rId3"/>
     <p:sldId id="263" r:id="rId4"/>
-    <p:sldId id="261" r:id="rId5"/>
-    <p:sldId id="258" r:id="rId6"/>
-    <p:sldId id="259" r:id="rId7"/>
-    <p:sldId id="262" r:id="rId8"/>
+    <p:sldId id="265" r:id="rId5"/>
+    <p:sldId id="261" r:id="rId6"/>
+    <p:sldId id="258" r:id="rId7"/>
+    <p:sldId id="259" r:id="rId8"/>
+    <p:sldId id="262" r:id="rId9"/>
   </p:sldIdLst>
   <p:sldSz cx="12192000" cy="6858000"/>
   <p:notesSz cx="6858000" cy="9144000"/>
@@ -16427,6 +16428,246 @@
       </p:grpSpPr>
       <p:sp>
         <p:nvSpPr>
+          <p:cNvPr id="10" name="Rectangle 9">
+            <a:extLst>
+              <a:ext uri="{FF2B5EF4-FFF2-40B4-BE49-F238E27FC236}">
+                <a16:creationId xmlns:a16="http://schemas.microsoft.com/office/drawing/2014/main" id="{AB45A142-4255-493C-8284-5D566C121B10}"/>
+              </a:ext>
+              <a:ext uri="{C183D7F6-B498-43B3-948B-1728B52AA6E4}">
+                <adec:decorative xmlns:adec="http://schemas.microsoft.com/office/drawing/2017/decorative" val="1"/>
+              </a:ext>
+            </a:extLst>
+          </p:cNvPr>
+          <p:cNvSpPr>
+            <a:spLocks noGrp="1" noRot="1" noChangeAspect="1" noMove="1" noResize="1" noEditPoints="1" noAdjustHandles="1" noChangeArrowheads="1" noChangeShapeType="1" noTextEdit="1"/>
+          </p:cNvSpPr>
+          <p:nvPr>
+            <p:extLst>
+              <p:ext uri="{386F3935-93C4-4BCD-93E2-E3B085C9AB24}">
+                <p16:designElem xmlns:p16="http://schemas.microsoft.com/office/powerpoint/2015/main" val="1"/>
+              </p:ext>
+            </p:extLst>
+          </p:nvPr>
+        </p:nvSpPr>
+        <p:spPr bwMode="ltGray">
+          <a:xfrm>
+            <a:off x="336884" y="321177"/>
+            <a:ext cx="4332307" cy="6179552"/>
+          </a:xfrm>
+          <a:prstGeom prst="rect">
+            <a:avLst/>
+          </a:prstGeom>
+          <a:solidFill>
+            <a:srgbClr val="404040">
+              <a:alpha val="89804"/>
+            </a:srgbClr>
+          </a:solidFill>
+          <a:ln w="127000" cap="sq" cmpd="thinThick">
+            <a:solidFill>
+              <a:srgbClr val="595959">
+                <a:alpha val="80000"/>
+              </a:srgbClr>
+            </a:solidFill>
+          </a:ln>
+        </p:spPr>
+        <p:style>
+          <a:lnRef idx="2">
+            <a:schemeClr val="accent1">
+              <a:shade val="50000"/>
+            </a:schemeClr>
+          </a:lnRef>
+          <a:fillRef idx="1">
+            <a:schemeClr val="accent1"/>
+          </a:fillRef>
+          <a:effectRef idx="0">
+            <a:schemeClr val="accent1"/>
+          </a:effectRef>
+          <a:fontRef idx="minor">
+            <a:schemeClr val="lt1"/>
+          </a:fontRef>
+        </p:style>
+        <p:txBody>
+          <a:bodyPr rtlCol="0" anchor="ctr"/>
+          <a:lstStyle/>
+          <a:p>
+            <a:pPr algn="ctr"/>
+            <a:endParaRPr lang="en-US"/>
+          </a:p>
+        </p:txBody>
+      </p:sp>
+      <p:sp>
+        <p:nvSpPr>
+          <p:cNvPr id="2" name="Titel 1">
+            <a:extLst>
+              <a:ext uri="{FF2B5EF4-FFF2-40B4-BE49-F238E27FC236}">
+                <a16:creationId xmlns:a16="http://schemas.microsoft.com/office/drawing/2014/main" id="{C404AC6D-2C82-4BA8-B681-778ECB7633DC}"/>
+              </a:ext>
+            </a:extLst>
+          </p:cNvPr>
+          <p:cNvSpPr>
+            <a:spLocks noGrp="1"/>
+          </p:cNvSpPr>
+          <p:nvPr>
+            <p:ph type="title"/>
+          </p:nvPr>
+        </p:nvSpPr>
+        <p:spPr>
+          <a:xfrm>
+            <a:off x="674237" y="914400"/>
+            <a:ext cx="3657600" cy="2887579"/>
+          </a:xfrm>
+        </p:spPr>
+        <p:txBody>
+          <a:bodyPr vert="horz" lIns="91440" tIns="45720" rIns="91440" bIns="45720" rtlCol="0" anchor="b">
+            <a:normAutofit/>
+          </a:bodyPr>
+          <a:lstStyle/>
+          <a:p>
+            <a:pPr algn="ctr"/>
+            <a:r>
+              <a:rPr lang="en-US" sz="4800" kern="1200">
+                <a:solidFill>
+                  <a:srgbClr val="FFFFFF"/>
+                </a:solidFill>
+                <a:latin typeface="+mj-lt"/>
+                <a:ea typeface="+mj-ea"/>
+                <a:cs typeface="+mj-cs"/>
+              </a:rPr>
+              <a:t>Backend-Struktur</a:t>
+            </a:r>
+          </a:p>
+        </p:txBody>
+      </p:sp>
+      <p:cxnSp>
+        <p:nvCxnSpPr>
+          <p:cNvPr id="12" name="Straight Connector 11">
+            <a:extLst>
+              <a:ext uri="{FF2B5EF4-FFF2-40B4-BE49-F238E27FC236}">
+                <a16:creationId xmlns:a16="http://schemas.microsoft.com/office/drawing/2014/main" id="{38FB9660-F42F-4313-BBC4-47C007FE484C}"/>
+              </a:ext>
+              <a:ext uri="{C183D7F6-B498-43B3-948B-1728B52AA6E4}">
+                <adec:decorative xmlns:adec="http://schemas.microsoft.com/office/drawing/2017/decorative" val="1"/>
+              </a:ext>
+            </a:extLst>
+          </p:cNvPr>
+          <p:cNvCxnSpPr>
+            <a:cxnSpLocks noGrp="1" noRot="1" noChangeAspect="1" noMove="1" noResize="1" noEditPoints="1" noAdjustHandles="1" noChangeArrowheads="1" noChangeShapeType="1"/>
+          </p:cNvCxnSpPr>
+          <p:nvPr>
+            <p:extLst>
+              <p:ext uri="{386F3935-93C4-4BCD-93E2-E3B085C9AB24}">
+                <p16:designElem xmlns:p16="http://schemas.microsoft.com/office/powerpoint/2015/main" val="1"/>
+              </p:ext>
+            </p:extLst>
+          </p:nvPr>
+        </p:nvCxnSpPr>
+        <p:spPr>
+          <a:xfrm>
+            <a:off x="1191126" y="3910267"/>
+            <a:ext cx="2586790" cy="0"/>
+          </a:xfrm>
+          <a:prstGeom prst="line">
+            <a:avLst/>
+          </a:prstGeom>
+          <a:ln w="22225">
+            <a:solidFill>
+              <a:srgbClr val="D9D9D9"/>
+            </a:solidFill>
+          </a:ln>
+        </p:spPr>
+        <p:style>
+          <a:lnRef idx="1">
+            <a:schemeClr val="accent1"/>
+          </a:lnRef>
+          <a:fillRef idx="0">
+            <a:schemeClr val="accent1"/>
+          </a:fillRef>
+          <a:effectRef idx="0">
+            <a:schemeClr val="accent1"/>
+          </a:effectRef>
+          <a:fontRef idx="minor">
+            <a:schemeClr val="tx1"/>
+          </a:fontRef>
+        </p:style>
+      </p:cxnSp>
+      <p:pic>
+        <p:nvPicPr>
+          <p:cNvPr id="5" name="Inhaltsplatzhalter 4">
+            <a:extLst>
+              <a:ext uri="{FF2B5EF4-FFF2-40B4-BE49-F238E27FC236}">
+                <a16:creationId xmlns:a16="http://schemas.microsoft.com/office/drawing/2014/main" id="{C40D8242-2498-467E-9111-4227F23CEE1B}"/>
+              </a:ext>
+            </a:extLst>
+          </p:cNvPr>
+          <p:cNvPicPr>
+            <a:picLocks noGrp="1" noChangeAspect="1"/>
+          </p:cNvPicPr>
+          <p:nvPr>
+            <p:ph idx="1"/>
+          </p:nvPr>
+        </p:nvPicPr>
+        <p:blipFill>
+          <a:blip r:embed="rId2">
+            <a:extLst>
+              <a:ext uri="{28A0092B-C50C-407E-A947-70E740481C1C}">
+                <a14:useLocalDpi xmlns:a14="http://schemas.microsoft.com/office/drawing/2010/main" val="0"/>
+              </a:ext>
+            </a:extLst>
+          </a:blip>
+          <a:stretch>
+            <a:fillRect/>
+          </a:stretch>
+        </p:blipFill>
+        <p:spPr>
+          <a:xfrm>
+            <a:off x="5600461" y="492573"/>
+            <a:ext cx="5660266" cy="5880796"/>
+          </a:xfrm>
+          <a:prstGeom prst="rect">
+            <a:avLst/>
+          </a:prstGeom>
+        </p:spPr>
+      </p:pic>
+    </p:spTree>
+    <p:extLst>
+      <p:ext uri="{BB962C8B-B14F-4D97-AF65-F5344CB8AC3E}">
+        <p14:creationId xmlns:p14="http://schemas.microsoft.com/office/powerpoint/2010/main" val="1312954955"/>
+      </p:ext>
+    </p:extLst>
+  </p:cSld>
+  <p:clrMapOvr>
+    <a:masterClrMapping/>
+  </p:clrMapOvr>
+</p:sld>
+</file>
+
+<file path=ppt/slides/slide5.xml><?xml version="1.0" encoding="utf-8"?>
+<p:sld xmlns:a="http://schemas.openxmlformats.org/drawingml/2006/main" xmlns:r="http://schemas.openxmlformats.org/officeDocument/2006/relationships" xmlns:p="http://schemas.openxmlformats.org/presentationml/2006/main">
+  <p:cSld>
+    <p:bg>
+      <p:bgPr>
+        <a:solidFill>
+          <a:schemeClr val="bg1"/>
+        </a:solidFill>
+        <a:effectLst/>
+      </p:bgPr>
+    </p:bg>
+    <p:spTree>
+      <p:nvGrpSpPr>
+        <p:cNvPr id="1" name=""/>
+        <p:cNvGrpSpPr/>
+        <p:nvPr/>
+      </p:nvGrpSpPr>
+      <p:grpSpPr>
+        <a:xfrm>
+          <a:off x="0" y="0"/>
+          <a:ext cx="0" cy="0"/>
+          <a:chOff x="0" y="0"/>
+          <a:chExt cx="0" cy="0"/>
+        </a:xfrm>
+      </p:grpSpPr>
+      <p:sp>
+        <p:nvSpPr>
           <p:cNvPr id="10" name="Freeform: Shape 9">
             <a:extLst>
               <a:ext uri="{FF2B5EF4-FFF2-40B4-BE49-F238E27FC236}">
@@ -16989,7 +17230,7 @@
 </p:sld>
 </file>
 
-<file path=ppt/slides/slide5.xml><?xml version="1.0" encoding="utf-8"?>
+<file path=ppt/slides/slide6.xml><?xml version="1.0" encoding="utf-8"?>
 <p:sld xmlns:a="http://schemas.openxmlformats.org/drawingml/2006/main" xmlns:r="http://schemas.openxmlformats.org/officeDocument/2006/relationships" xmlns:p="http://schemas.openxmlformats.org/presentationml/2006/main">
   <p:cSld>
     <p:bg>
@@ -17248,7 +17489,7 @@
 </p:sld>
 </file>
 
-<file path=ppt/slides/slide6.xml><?xml version="1.0" encoding="utf-8"?>
+<file path=ppt/slides/slide7.xml><?xml version="1.0" encoding="utf-8"?>
 <p:sld xmlns:a="http://schemas.openxmlformats.org/drawingml/2006/main" xmlns:r="http://schemas.openxmlformats.org/officeDocument/2006/relationships" xmlns:p="http://schemas.openxmlformats.org/presentationml/2006/main">
   <p:cSld>
     <p:bg>
@@ -17837,7 +18078,7 @@
 </p:sld>
 </file>
 
-<file path=ppt/slides/slide7.xml><?xml version="1.0" encoding="utf-8"?>
+<file path=ppt/slides/slide8.xml><?xml version="1.0" encoding="utf-8"?>
 <p:sld xmlns:a="http://schemas.openxmlformats.org/drawingml/2006/main" xmlns:r="http://schemas.openxmlformats.org/officeDocument/2006/relationships" xmlns:p="http://schemas.openxmlformats.org/presentationml/2006/main">
   <p:cSld>
     <p:bg>

--- a/Team 4/PM_Abschlusspräsentation_Team4.pptx
+++ b/Team 4/PM_Abschlusspräsentation_Team4.pptx
@@ -8,11 +8,14 @@
     <p:sldId id="256" r:id="rId2"/>
     <p:sldId id="264" r:id="rId3"/>
     <p:sldId id="263" r:id="rId4"/>
-    <p:sldId id="265" r:id="rId5"/>
-    <p:sldId id="261" r:id="rId6"/>
-    <p:sldId id="258" r:id="rId7"/>
-    <p:sldId id="259" r:id="rId8"/>
-    <p:sldId id="262" r:id="rId9"/>
+    <p:sldId id="267" r:id="rId5"/>
+    <p:sldId id="265" r:id="rId6"/>
+    <p:sldId id="269" r:id="rId7"/>
+    <p:sldId id="271" r:id="rId8"/>
+    <p:sldId id="261" r:id="rId9"/>
+    <p:sldId id="258" r:id="rId10"/>
+    <p:sldId id="259" r:id="rId11"/>
+    <p:sldId id="262" r:id="rId12"/>
   </p:sldIdLst>
   <p:sldSz cx="12192000" cy="6858000"/>
   <p:notesSz cx="6858000" cy="9144000"/>
@@ -15223,6 +15226,983 @@
 </p:sld>
 </file>
 
+<file path=ppt/slides/slide10.xml><?xml version="1.0" encoding="utf-8"?>
+<p:sld xmlns:a="http://schemas.openxmlformats.org/drawingml/2006/main" xmlns:r="http://schemas.openxmlformats.org/officeDocument/2006/relationships" xmlns:p="http://schemas.openxmlformats.org/presentationml/2006/main">
+  <p:cSld>
+    <p:bg>
+      <p:bgPr>
+        <a:solidFill>
+          <a:schemeClr val="bg1"/>
+        </a:solidFill>
+        <a:effectLst/>
+      </p:bgPr>
+    </p:bg>
+    <p:spTree>
+      <p:nvGrpSpPr>
+        <p:cNvPr id="1" name=""/>
+        <p:cNvGrpSpPr/>
+        <p:nvPr/>
+      </p:nvGrpSpPr>
+      <p:grpSpPr>
+        <a:xfrm>
+          <a:off x="0" y="0"/>
+          <a:ext cx="0" cy="0"/>
+          <a:chOff x="0" y="0"/>
+          <a:chExt cx="0" cy="0"/>
+        </a:xfrm>
+      </p:grpSpPr>
+      <p:sp>
+        <p:nvSpPr>
+          <p:cNvPr id="14" name="Freeform: Shape 9">
+            <a:extLst>
+              <a:ext uri="{FF2B5EF4-FFF2-40B4-BE49-F238E27FC236}">
+                <a16:creationId xmlns:a16="http://schemas.microsoft.com/office/drawing/2014/main" id="{46C2E80F-49A6-4372-B103-219D417A55ED}"/>
+              </a:ext>
+              <a:ext uri="{C183D7F6-B498-43B3-948B-1728B52AA6E4}">
+                <adec:decorative xmlns:adec="http://schemas.microsoft.com/office/drawing/2017/decorative" val="1"/>
+              </a:ext>
+            </a:extLst>
+          </p:cNvPr>
+          <p:cNvSpPr>
+            <a:spLocks noGrp="1" noRot="1" noChangeAspect="1" noMove="1" noResize="1" noEditPoints="1" noAdjustHandles="1" noChangeArrowheads="1" noChangeShapeType="1" noTextEdit="1"/>
+          </p:cNvSpPr>
+          <p:nvPr>
+            <p:extLst>
+              <p:ext uri="{386F3935-93C4-4BCD-93E2-E3B085C9AB24}">
+                <p16:designElem xmlns:p16="http://schemas.microsoft.com/office/powerpoint/2015/main" val="1"/>
+              </p:ext>
+            </p:extLst>
+          </p:nvPr>
+        </p:nvSpPr>
+        <p:spPr>
+          <a:xfrm>
+            <a:off x="484096" y="470925"/>
+            <a:ext cx="4381009" cy="5892104"/>
+          </a:xfrm>
+          <a:custGeom>
+            <a:avLst/>
+            <a:gdLst>
+              <a:gd name="connsiteX0" fmla="*/ 0 w 4381009"/>
+              <a:gd name="connsiteY0" fmla="*/ 0 h 5892104"/>
+              <a:gd name="connsiteX1" fmla="*/ 4157628 w 4381009"/>
+              <a:gd name="connsiteY1" fmla="*/ 0 h 5892104"/>
+              <a:gd name="connsiteX2" fmla="*/ 4169302 w 4381009"/>
+              <a:gd name="connsiteY2" fmla="*/ 68659 h 5892104"/>
+              <a:gd name="connsiteX3" fmla="*/ 4191571 w 4381009"/>
+              <a:gd name="connsiteY3" fmla="*/ 205472 h 5892104"/>
+              <a:gd name="connsiteX4" fmla="*/ 4213368 w 4381009"/>
+              <a:gd name="connsiteY4" fmla="*/ 342890 h 5892104"/>
+              <a:gd name="connsiteX5" fmla="*/ 4232030 w 4381009"/>
+              <a:gd name="connsiteY5" fmla="*/ 480913 h 5892104"/>
+              <a:gd name="connsiteX6" fmla="*/ 4250848 w 4381009"/>
+              <a:gd name="connsiteY6" fmla="*/ 618332 h 5892104"/>
+              <a:gd name="connsiteX7" fmla="*/ 4268412 w 4381009"/>
+              <a:gd name="connsiteY7" fmla="*/ 756355 h 5892104"/>
+              <a:gd name="connsiteX8" fmla="*/ 4283467 w 4381009"/>
+              <a:gd name="connsiteY8" fmla="*/ 892563 h 5892104"/>
+              <a:gd name="connsiteX9" fmla="*/ 4297737 w 4381009"/>
+              <a:gd name="connsiteY9" fmla="*/ 1030587 h 5892104"/>
+              <a:gd name="connsiteX10" fmla="*/ 4310754 w 4381009"/>
+              <a:gd name="connsiteY10" fmla="*/ 1168005 h 5892104"/>
+              <a:gd name="connsiteX11" fmla="*/ 4322045 w 4381009"/>
+              <a:gd name="connsiteY11" fmla="*/ 1303002 h 5892104"/>
+              <a:gd name="connsiteX12" fmla="*/ 4333336 w 4381009"/>
+              <a:gd name="connsiteY12" fmla="*/ 1439815 h 5892104"/>
+              <a:gd name="connsiteX13" fmla="*/ 4342745 w 4381009"/>
+              <a:gd name="connsiteY13" fmla="*/ 1574812 h 5892104"/>
+              <a:gd name="connsiteX14" fmla="*/ 4350115 w 4381009"/>
+              <a:gd name="connsiteY14" fmla="*/ 1709808 h 5892104"/>
+              <a:gd name="connsiteX15" fmla="*/ 4357799 w 4381009"/>
+              <a:gd name="connsiteY15" fmla="*/ 1844200 h 5892104"/>
+              <a:gd name="connsiteX16" fmla="*/ 4364229 w 4381009"/>
+              <a:gd name="connsiteY16" fmla="*/ 1977381 h 5892104"/>
+              <a:gd name="connsiteX17" fmla="*/ 4368777 w 4381009"/>
+              <a:gd name="connsiteY17" fmla="*/ 2109351 h 5892104"/>
+              <a:gd name="connsiteX18" fmla="*/ 4372697 w 4381009"/>
+              <a:gd name="connsiteY18" fmla="*/ 2241321 h 5892104"/>
+              <a:gd name="connsiteX19" fmla="*/ 4376461 w 4381009"/>
+              <a:gd name="connsiteY19" fmla="*/ 2372080 h 5892104"/>
+              <a:gd name="connsiteX20" fmla="*/ 4378186 w 4381009"/>
+              <a:gd name="connsiteY20" fmla="*/ 2501023 h 5892104"/>
+              <a:gd name="connsiteX21" fmla="*/ 4380068 w 4381009"/>
+              <a:gd name="connsiteY21" fmla="*/ 2629966 h 5892104"/>
+              <a:gd name="connsiteX22" fmla="*/ 4381009 w 4381009"/>
+              <a:gd name="connsiteY22" fmla="*/ 2757093 h 5892104"/>
+              <a:gd name="connsiteX23" fmla="*/ 4380068 w 4381009"/>
+              <a:gd name="connsiteY23" fmla="*/ 2883010 h 5892104"/>
+              <a:gd name="connsiteX24" fmla="*/ 4380068 w 4381009"/>
+              <a:gd name="connsiteY24" fmla="*/ 3007715 h 5892104"/>
+              <a:gd name="connsiteX25" fmla="*/ 4378186 w 4381009"/>
+              <a:gd name="connsiteY25" fmla="*/ 3131210 h 5892104"/>
+              <a:gd name="connsiteX26" fmla="*/ 4375363 w 4381009"/>
+              <a:gd name="connsiteY26" fmla="*/ 3252283 h 5892104"/>
+              <a:gd name="connsiteX27" fmla="*/ 4372697 w 4381009"/>
+              <a:gd name="connsiteY27" fmla="*/ 3372146 h 5892104"/>
+              <a:gd name="connsiteX28" fmla="*/ 4369718 w 4381009"/>
+              <a:gd name="connsiteY28" fmla="*/ 3489587 h 5892104"/>
+              <a:gd name="connsiteX29" fmla="*/ 4365170 w 4381009"/>
+              <a:gd name="connsiteY29" fmla="*/ 3606423 h 5892104"/>
+              <a:gd name="connsiteX30" fmla="*/ 4360309 w 4381009"/>
+              <a:gd name="connsiteY30" fmla="*/ 3721443 h 5892104"/>
+              <a:gd name="connsiteX31" fmla="*/ 4355918 w 4381009"/>
+              <a:gd name="connsiteY31" fmla="*/ 3834041 h 5892104"/>
+              <a:gd name="connsiteX32" fmla="*/ 4343529 w 4381009"/>
+              <a:gd name="connsiteY32" fmla="*/ 4053789 h 5892104"/>
+              <a:gd name="connsiteX33" fmla="*/ 4330356 w 4381009"/>
+              <a:gd name="connsiteY33" fmla="*/ 4264457 h 5892104"/>
+              <a:gd name="connsiteX34" fmla="*/ 4316556 w 4381009"/>
+              <a:gd name="connsiteY34" fmla="*/ 4466650 h 5892104"/>
+              <a:gd name="connsiteX35" fmla="*/ 4301344 w 4381009"/>
+              <a:gd name="connsiteY35" fmla="*/ 4657946 h 5892104"/>
+              <a:gd name="connsiteX36" fmla="*/ 4285506 w 4381009"/>
+              <a:gd name="connsiteY36" fmla="*/ 4840767 h 5892104"/>
+              <a:gd name="connsiteX37" fmla="*/ 4268412 w 4381009"/>
+              <a:gd name="connsiteY37" fmla="*/ 5010269 h 5892104"/>
+              <a:gd name="connsiteX38" fmla="*/ 4251633 w 4381009"/>
+              <a:gd name="connsiteY38" fmla="*/ 5169481 h 5892104"/>
+              <a:gd name="connsiteX39" fmla="*/ 4234853 w 4381009"/>
+              <a:gd name="connsiteY39" fmla="*/ 5315980 h 5892104"/>
+              <a:gd name="connsiteX40" fmla="*/ 4219014 w 4381009"/>
+              <a:gd name="connsiteY40" fmla="*/ 5450371 h 5892104"/>
+              <a:gd name="connsiteX41" fmla="*/ 4203959 w 4381009"/>
+              <a:gd name="connsiteY41" fmla="*/ 5569628 h 5892104"/>
+              <a:gd name="connsiteX42" fmla="*/ 4189689 w 4381009"/>
+              <a:gd name="connsiteY42" fmla="*/ 5677384 h 5892104"/>
+              <a:gd name="connsiteX43" fmla="*/ 4177770 w 4381009"/>
+              <a:gd name="connsiteY43" fmla="*/ 5768189 h 5892104"/>
+              <a:gd name="connsiteX44" fmla="*/ 4166479 w 4381009"/>
+              <a:gd name="connsiteY44" fmla="*/ 5844465 h 5892104"/>
+              <a:gd name="connsiteX45" fmla="*/ 4159132 w 4381009"/>
+              <a:gd name="connsiteY45" fmla="*/ 5892104 h 5892104"/>
+              <a:gd name="connsiteX46" fmla="*/ 0 w 4381009"/>
+              <a:gd name="connsiteY46" fmla="*/ 5892104 h 5892104"/>
+            </a:gdLst>
+            <a:ahLst/>
+            <a:cxnLst>
+              <a:cxn ang="0">
+                <a:pos x="connsiteX0" y="connsiteY0"/>
+              </a:cxn>
+              <a:cxn ang="0">
+                <a:pos x="connsiteX1" y="connsiteY1"/>
+              </a:cxn>
+              <a:cxn ang="0">
+                <a:pos x="connsiteX2" y="connsiteY2"/>
+              </a:cxn>
+              <a:cxn ang="0">
+                <a:pos x="connsiteX3" y="connsiteY3"/>
+              </a:cxn>
+              <a:cxn ang="0">
+                <a:pos x="connsiteX4" y="connsiteY4"/>
+              </a:cxn>
+              <a:cxn ang="0">
+                <a:pos x="connsiteX5" y="connsiteY5"/>
+              </a:cxn>
+              <a:cxn ang="0">
+                <a:pos x="connsiteX6" y="connsiteY6"/>
+              </a:cxn>
+              <a:cxn ang="0">
+                <a:pos x="connsiteX7" y="connsiteY7"/>
+              </a:cxn>
+              <a:cxn ang="0">
+                <a:pos x="connsiteX8" y="connsiteY8"/>
+              </a:cxn>
+              <a:cxn ang="0">
+                <a:pos x="connsiteX9" y="connsiteY9"/>
+              </a:cxn>
+              <a:cxn ang="0">
+                <a:pos x="connsiteX10" y="connsiteY10"/>
+              </a:cxn>
+              <a:cxn ang="0">
+                <a:pos x="connsiteX11" y="connsiteY11"/>
+              </a:cxn>
+              <a:cxn ang="0">
+                <a:pos x="connsiteX12" y="connsiteY12"/>
+              </a:cxn>
+              <a:cxn ang="0">
+                <a:pos x="connsiteX13" y="connsiteY13"/>
+              </a:cxn>
+              <a:cxn ang="0">
+                <a:pos x="connsiteX14" y="connsiteY14"/>
+              </a:cxn>
+              <a:cxn ang="0">
+                <a:pos x="connsiteX15" y="connsiteY15"/>
+              </a:cxn>
+              <a:cxn ang="0">
+                <a:pos x="connsiteX16" y="connsiteY16"/>
+              </a:cxn>
+              <a:cxn ang="0">
+                <a:pos x="connsiteX17" y="connsiteY17"/>
+              </a:cxn>
+              <a:cxn ang="0">
+                <a:pos x="connsiteX18" y="connsiteY18"/>
+              </a:cxn>
+              <a:cxn ang="0">
+                <a:pos x="connsiteX19" y="connsiteY19"/>
+              </a:cxn>
+              <a:cxn ang="0">
+                <a:pos x="connsiteX20" y="connsiteY20"/>
+              </a:cxn>
+              <a:cxn ang="0">
+                <a:pos x="connsiteX21" y="connsiteY21"/>
+              </a:cxn>
+              <a:cxn ang="0">
+                <a:pos x="connsiteX22" y="connsiteY22"/>
+              </a:cxn>
+              <a:cxn ang="0">
+                <a:pos x="connsiteX23" y="connsiteY23"/>
+              </a:cxn>
+              <a:cxn ang="0">
+                <a:pos x="connsiteX24" y="connsiteY24"/>
+              </a:cxn>
+              <a:cxn ang="0">
+                <a:pos x="connsiteX25" y="connsiteY25"/>
+              </a:cxn>
+              <a:cxn ang="0">
+                <a:pos x="connsiteX26" y="connsiteY26"/>
+              </a:cxn>
+              <a:cxn ang="0">
+                <a:pos x="connsiteX27" y="connsiteY27"/>
+              </a:cxn>
+              <a:cxn ang="0">
+                <a:pos x="connsiteX28" y="connsiteY28"/>
+              </a:cxn>
+              <a:cxn ang="0">
+                <a:pos x="connsiteX29" y="connsiteY29"/>
+              </a:cxn>
+              <a:cxn ang="0">
+                <a:pos x="connsiteX30" y="connsiteY30"/>
+              </a:cxn>
+              <a:cxn ang="0">
+                <a:pos x="connsiteX31" y="connsiteY31"/>
+              </a:cxn>
+              <a:cxn ang="0">
+                <a:pos x="connsiteX32" y="connsiteY32"/>
+              </a:cxn>
+              <a:cxn ang="0">
+                <a:pos x="connsiteX33" y="connsiteY33"/>
+              </a:cxn>
+              <a:cxn ang="0">
+                <a:pos x="connsiteX34" y="connsiteY34"/>
+              </a:cxn>
+              <a:cxn ang="0">
+                <a:pos x="connsiteX35" y="connsiteY35"/>
+              </a:cxn>
+              <a:cxn ang="0">
+                <a:pos x="connsiteX36" y="connsiteY36"/>
+              </a:cxn>
+              <a:cxn ang="0">
+                <a:pos x="connsiteX37" y="connsiteY37"/>
+              </a:cxn>
+              <a:cxn ang="0">
+                <a:pos x="connsiteX38" y="connsiteY38"/>
+              </a:cxn>
+              <a:cxn ang="0">
+                <a:pos x="connsiteX39" y="connsiteY39"/>
+              </a:cxn>
+              <a:cxn ang="0">
+                <a:pos x="connsiteX40" y="connsiteY40"/>
+              </a:cxn>
+              <a:cxn ang="0">
+                <a:pos x="connsiteX41" y="connsiteY41"/>
+              </a:cxn>
+              <a:cxn ang="0">
+                <a:pos x="connsiteX42" y="connsiteY42"/>
+              </a:cxn>
+              <a:cxn ang="0">
+                <a:pos x="connsiteX43" y="connsiteY43"/>
+              </a:cxn>
+              <a:cxn ang="0">
+                <a:pos x="connsiteX44" y="connsiteY44"/>
+              </a:cxn>
+              <a:cxn ang="0">
+                <a:pos x="connsiteX45" y="connsiteY45"/>
+              </a:cxn>
+              <a:cxn ang="0">
+                <a:pos x="connsiteX46" y="connsiteY46"/>
+              </a:cxn>
+            </a:cxnLst>
+            <a:rect l="l" t="t" r="r" b="b"/>
+            <a:pathLst>
+              <a:path w="4381009" h="5892104">
+                <a:moveTo>
+                  <a:pt x="0" y="0"/>
+                </a:moveTo>
+                <a:lnTo>
+                  <a:pt x="4157628" y="0"/>
+                </a:lnTo>
+                <a:lnTo>
+                  <a:pt x="4169302" y="68659"/>
+                </a:lnTo>
+                <a:lnTo>
+                  <a:pt x="4191571" y="205472"/>
+                </a:lnTo>
+                <a:lnTo>
+                  <a:pt x="4213368" y="342890"/>
+                </a:lnTo>
+                <a:lnTo>
+                  <a:pt x="4232030" y="480913"/>
+                </a:lnTo>
+                <a:lnTo>
+                  <a:pt x="4250848" y="618332"/>
+                </a:lnTo>
+                <a:lnTo>
+                  <a:pt x="4268412" y="756355"/>
+                </a:lnTo>
+                <a:lnTo>
+                  <a:pt x="4283467" y="892563"/>
+                </a:lnTo>
+                <a:lnTo>
+                  <a:pt x="4297737" y="1030587"/>
+                </a:lnTo>
+                <a:lnTo>
+                  <a:pt x="4310754" y="1168005"/>
+                </a:lnTo>
+                <a:lnTo>
+                  <a:pt x="4322045" y="1303002"/>
+                </a:lnTo>
+                <a:lnTo>
+                  <a:pt x="4333336" y="1439815"/>
+                </a:lnTo>
+                <a:lnTo>
+                  <a:pt x="4342745" y="1574812"/>
+                </a:lnTo>
+                <a:lnTo>
+                  <a:pt x="4350115" y="1709808"/>
+                </a:lnTo>
+                <a:lnTo>
+                  <a:pt x="4357799" y="1844200"/>
+                </a:lnTo>
+                <a:lnTo>
+                  <a:pt x="4364229" y="1977381"/>
+                </a:lnTo>
+                <a:lnTo>
+                  <a:pt x="4368777" y="2109351"/>
+                </a:lnTo>
+                <a:lnTo>
+                  <a:pt x="4372697" y="2241321"/>
+                </a:lnTo>
+                <a:lnTo>
+                  <a:pt x="4376461" y="2372080"/>
+                </a:lnTo>
+                <a:lnTo>
+                  <a:pt x="4378186" y="2501023"/>
+                </a:lnTo>
+                <a:lnTo>
+                  <a:pt x="4380068" y="2629966"/>
+                </a:lnTo>
+                <a:lnTo>
+                  <a:pt x="4381009" y="2757093"/>
+                </a:lnTo>
+                <a:lnTo>
+                  <a:pt x="4380068" y="2883010"/>
+                </a:lnTo>
+                <a:lnTo>
+                  <a:pt x="4380068" y="3007715"/>
+                </a:lnTo>
+                <a:lnTo>
+                  <a:pt x="4378186" y="3131210"/>
+                </a:lnTo>
+                <a:lnTo>
+                  <a:pt x="4375363" y="3252283"/>
+                </a:lnTo>
+                <a:lnTo>
+                  <a:pt x="4372697" y="3372146"/>
+                </a:lnTo>
+                <a:lnTo>
+                  <a:pt x="4369718" y="3489587"/>
+                </a:lnTo>
+                <a:lnTo>
+                  <a:pt x="4365170" y="3606423"/>
+                </a:lnTo>
+                <a:lnTo>
+                  <a:pt x="4360309" y="3721443"/>
+                </a:lnTo>
+                <a:lnTo>
+                  <a:pt x="4355918" y="3834041"/>
+                </a:lnTo>
+                <a:lnTo>
+                  <a:pt x="4343529" y="4053789"/>
+                </a:lnTo>
+                <a:lnTo>
+                  <a:pt x="4330356" y="4264457"/>
+                </a:lnTo>
+                <a:lnTo>
+                  <a:pt x="4316556" y="4466650"/>
+                </a:lnTo>
+                <a:lnTo>
+                  <a:pt x="4301344" y="4657946"/>
+                </a:lnTo>
+                <a:lnTo>
+                  <a:pt x="4285506" y="4840767"/>
+                </a:lnTo>
+                <a:lnTo>
+                  <a:pt x="4268412" y="5010269"/>
+                </a:lnTo>
+                <a:lnTo>
+                  <a:pt x="4251633" y="5169481"/>
+                </a:lnTo>
+                <a:lnTo>
+                  <a:pt x="4234853" y="5315980"/>
+                </a:lnTo>
+                <a:lnTo>
+                  <a:pt x="4219014" y="5450371"/>
+                </a:lnTo>
+                <a:lnTo>
+                  <a:pt x="4203959" y="5569628"/>
+                </a:lnTo>
+                <a:lnTo>
+                  <a:pt x="4189689" y="5677384"/>
+                </a:lnTo>
+                <a:lnTo>
+                  <a:pt x="4177770" y="5768189"/>
+                </a:lnTo>
+                <a:lnTo>
+                  <a:pt x="4166479" y="5844465"/>
+                </a:lnTo>
+                <a:lnTo>
+                  <a:pt x="4159132" y="5892104"/>
+                </a:lnTo>
+                <a:lnTo>
+                  <a:pt x="0" y="5892104"/>
+                </a:lnTo>
+                <a:close/>
+              </a:path>
+            </a:pathLst>
+          </a:custGeom>
+          <a:solidFill>
+            <a:srgbClr val="404040"/>
+          </a:solidFill>
+          <a:ln>
+            <a:noFill/>
+          </a:ln>
+        </p:spPr>
+        <p:style>
+          <a:lnRef idx="2">
+            <a:schemeClr val="accent1">
+              <a:shade val="50000"/>
+            </a:schemeClr>
+          </a:lnRef>
+          <a:fillRef idx="1">
+            <a:schemeClr val="accent1"/>
+          </a:fillRef>
+          <a:effectRef idx="0">
+            <a:schemeClr val="accent1"/>
+          </a:effectRef>
+          <a:fontRef idx="minor">
+            <a:schemeClr val="lt1"/>
+          </a:fontRef>
+        </p:style>
+        <p:txBody>
+          <a:bodyPr wrap="square" rtlCol="0" anchor="ctr">
+            <a:noAutofit/>
+          </a:bodyPr>
+          <a:lstStyle/>
+          <a:p>
+            <a:pPr marL="0" marR="0" lvl="0" indent="0" algn="ctr" defTabSz="457200" rtl="0" eaLnBrk="1" fontAlgn="auto" latinLnBrk="0" hangingPunct="1">
+              <a:lnSpc>
+                <a:spcPct val="100000"/>
+              </a:lnSpc>
+              <a:spcBef>
+                <a:spcPts val="0"/>
+              </a:spcBef>
+              <a:spcAft>
+                <a:spcPts val="0"/>
+              </a:spcAft>
+              <a:buClrTx/>
+              <a:buSzTx/>
+              <a:buFontTx/>
+              <a:buNone/>
+              <a:tabLst/>
+              <a:defRPr/>
+            </a:pPr>
+            <a:endParaRPr kumimoji="0" lang="en-US" sz="1800" b="0" i="0" u="none" strike="noStrike" kern="1200" cap="none" spc="0" normalizeH="0" baseline="0" noProof="0">
+              <a:ln>
+                <a:noFill/>
+              </a:ln>
+              <a:solidFill>
+                <a:prstClr val="white"/>
+              </a:solidFill>
+              <a:effectLst/>
+              <a:uLnTx/>
+              <a:uFillTx/>
+              <a:latin typeface="Calibri" panose="020F0502020204030204"/>
+              <a:ea typeface="+mn-ea"/>
+              <a:cs typeface="+mn-cs"/>
+            </a:endParaRPr>
+          </a:p>
+        </p:txBody>
+      </p:sp>
+      <p:sp>
+        <p:nvSpPr>
+          <p:cNvPr id="2" name="Titel 1">
+            <a:extLst>
+              <a:ext uri="{FF2B5EF4-FFF2-40B4-BE49-F238E27FC236}">
+                <a16:creationId xmlns:a16="http://schemas.microsoft.com/office/drawing/2014/main" id="{80747543-2235-43C6-9481-9128DD1CA507}"/>
+              </a:ext>
+            </a:extLst>
+          </p:cNvPr>
+          <p:cNvSpPr>
+            <a:spLocks noGrp="1"/>
+          </p:cNvSpPr>
+          <p:nvPr>
+            <p:ph type="title"/>
+          </p:nvPr>
+        </p:nvSpPr>
+        <p:spPr>
+          <a:xfrm>
+            <a:off x="863029" y="1012004"/>
+            <a:ext cx="3416158" cy="4795408"/>
+          </a:xfrm>
+        </p:spPr>
+        <p:txBody>
+          <a:bodyPr>
+            <a:normAutofit/>
+          </a:bodyPr>
+          <a:lstStyle/>
+          <a:p>
+            <a:r>
+              <a:rPr lang="de-DE">
+                <a:solidFill>
+                  <a:srgbClr val="FFFFFF"/>
+                </a:solidFill>
+              </a:rPr>
+              <a:t>Reflexion</a:t>
+            </a:r>
+          </a:p>
+        </p:txBody>
+      </p:sp>
+      <p:graphicFrame>
+        <p:nvGraphicFramePr>
+          <p:cNvPr id="5" name="Inhaltsplatzhalter 2">
+            <a:extLst>
+              <a:ext uri="{FF2B5EF4-FFF2-40B4-BE49-F238E27FC236}">
+                <a16:creationId xmlns:a16="http://schemas.microsoft.com/office/drawing/2014/main" id="{C5826FEA-AF69-4E04-8470-9CD18D791994}"/>
+              </a:ext>
+            </a:extLst>
+          </p:cNvPr>
+          <p:cNvGraphicFramePr>
+            <a:graphicFrameLocks noGrp="1"/>
+          </p:cNvGraphicFramePr>
+          <p:nvPr>
+            <p:ph idx="1"/>
+            <p:extLst>
+              <p:ext uri="{D42A27DB-BD31-4B8C-83A1-F6EECF244321}">
+                <p14:modId xmlns:p14="http://schemas.microsoft.com/office/powerpoint/2010/main" val="2924052128"/>
+              </p:ext>
+            </p:extLst>
+          </p:nvPr>
+        </p:nvGraphicFramePr>
+        <p:xfrm>
+          <a:off x="5194300" y="470924"/>
+          <a:ext cx="6513604" cy="5885426"/>
+        </p:xfrm>
+        <a:graphic>
+          <a:graphicData uri="http://schemas.openxmlformats.org/drawingml/2006/diagram">
+            <dgm:relIds xmlns:dgm="http://schemas.openxmlformats.org/drawingml/2006/diagram" xmlns:r="http://schemas.openxmlformats.org/officeDocument/2006/relationships" r:dm="rId2" r:lo="rId3" r:qs="rId4" r:cs="rId5"/>
+          </a:graphicData>
+        </a:graphic>
+      </p:graphicFrame>
+    </p:spTree>
+    <p:extLst>
+      <p:ext uri="{BB962C8B-B14F-4D97-AF65-F5344CB8AC3E}">
+        <p14:creationId xmlns:p14="http://schemas.microsoft.com/office/powerpoint/2010/main" val="511304633"/>
+      </p:ext>
+    </p:extLst>
+  </p:cSld>
+  <p:clrMapOvr>
+    <a:masterClrMapping/>
+  </p:clrMapOvr>
+</p:sld>
+</file>
+
+<file path=ppt/slides/slide11.xml><?xml version="1.0" encoding="utf-8"?>
+<p:sld xmlns:a="http://schemas.openxmlformats.org/drawingml/2006/main" xmlns:r="http://schemas.openxmlformats.org/officeDocument/2006/relationships" xmlns:p="http://schemas.openxmlformats.org/presentationml/2006/main">
+  <p:cSld>
+    <p:bg>
+      <p:bgPr>
+        <a:solidFill>
+          <a:schemeClr val="bg1"/>
+        </a:solidFill>
+        <a:effectLst/>
+      </p:bgPr>
+    </p:bg>
+    <p:spTree>
+      <p:nvGrpSpPr>
+        <p:cNvPr id="1" name=""/>
+        <p:cNvGrpSpPr/>
+        <p:nvPr/>
+      </p:nvGrpSpPr>
+      <p:grpSpPr>
+        <a:xfrm>
+          <a:off x="0" y="0"/>
+          <a:ext cx="0" cy="0"/>
+          <a:chOff x="0" y="0"/>
+          <a:chExt cx="0" cy="0"/>
+        </a:xfrm>
+      </p:grpSpPr>
+      <p:sp>
+        <p:nvSpPr>
+          <p:cNvPr id="10" name="Rectangle 9">
+            <a:extLst>
+              <a:ext uri="{FF2B5EF4-FFF2-40B4-BE49-F238E27FC236}">
+                <a16:creationId xmlns:a16="http://schemas.microsoft.com/office/drawing/2014/main" id="{823AC064-BC96-4F32-8AE1-B2FD38754823}"/>
+              </a:ext>
+              <a:ext uri="{C183D7F6-B498-43B3-948B-1728B52AA6E4}">
+                <adec:decorative xmlns:adec="http://schemas.microsoft.com/office/drawing/2017/decorative" val="1"/>
+              </a:ext>
+            </a:extLst>
+          </p:cNvPr>
+          <p:cNvSpPr>
+            <a:spLocks noGrp="1" noRot="1" noChangeAspect="1" noMove="1" noResize="1" noEditPoints="1" noAdjustHandles="1" noChangeArrowheads="1" noChangeShapeType="1" noTextEdit="1"/>
+          </p:cNvSpPr>
+          <p:nvPr>
+            <p:extLst>
+              <p:ext uri="{386F3935-93C4-4BCD-93E2-E3B085C9AB24}">
+                <p16:designElem xmlns:p16="http://schemas.microsoft.com/office/powerpoint/2015/main" val="1"/>
+              </p:ext>
+            </p:extLst>
+          </p:nvPr>
+        </p:nvSpPr>
+        <p:spPr bwMode="ltGray">
+          <a:xfrm>
+            <a:off x="378068" y="343486"/>
+            <a:ext cx="11438793" cy="1844256"/>
+          </a:xfrm>
+          <a:prstGeom prst="rect">
+            <a:avLst/>
+          </a:prstGeom>
+          <a:solidFill>
+            <a:srgbClr val="404040"/>
+          </a:solidFill>
+          <a:ln w="127000" cap="sq" cmpd="thinThick">
+            <a:solidFill>
+              <a:srgbClr val="404040"/>
+            </a:solidFill>
+          </a:ln>
+        </p:spPr>
+        <p:style>
+          <a:lnRef idx="2">
+            <a:schemeClr val="accent1">
+              <a:shade val="50000"/>
+            </a:schemeClr>
+          </a:lnRef>
+          <a:fillRef idx="1">
+            <a:schemeClr val="accent1"/>
+          </a:fillRef>
+          <a:effectRef idx="0">
+            <a:schemeClr val="accent1"/>
+          </a:effectRef>
+          <a:fontRef idx="minor">
+            <a:schemeClr val="lt1"/>
+          </a:fontRef>
+        </p:style>
+        <p:txBody>
+          <a:bodyPr rtlCol="0" anchor="ctr"/>
+          <a:lstStyle/>
+          <a:p>
+            <a:pPr marL="0" marR="0" lvl="0" indent="0" algn="ctr" defTabSz="914400" rtl="0" eaLnBrk="1" fontAlgn="auto" latinLnBrk="0" hangingPunct="1">
+              <a:lnSpc>
+                <a:spcPct val="100000"/>
+              </a:lnSpc>
+              <a:spcBef>
+                <a:spcPts val="0"/>
+              </a:spcBef>
+              <a:spcAft>
+                <a:spcPts val="0"/>
+              </a:spcAft>
+              <a:buClrTx/>
+              <a:buSzTx/>
+              <a:buFontTx/>
+              <a:buNone/>
+              <a:tabLst/>
+              <a:defRPr/>
+            </a:pPr>
+            <a:endParaRPr kumimoji="0" lang="en-US" sz="1800" b="0" i="0" u="none" strike="noStrike" kern="1200" cap="none" spc="0" normalizeH="0" baseline="0" noProof="0">
+              <a:ln>
+                <a:noFill/>
+              </a:ln>
+              <a:solidFill>
+                <a:prstClr val="white"/>
+              </a:solidFill>
+              <a:effectLst/>
+              <a:uLnTx/>
+              <a:uFillTx/>
+              <a:latin typeface="Calibri" panose="020F0502020204030204"/>
+              <a:ea typeface="+mn-ea"/>
+              <a:cs typeface="+mn-cs"/>
+            </a:endParaRPr>
+          </a:p>
+        </p:txBody>
+      </p:sp>
+      <p:sp>
+        <p:nvSpPr>
+          <p:cNvPr id="2" name="Titel 1">
+            <a:extLst>
+              <a:ext uri="{FF2B5EF4-FFF2-40B4-BE49-F238E27FC236}">
+                <a16:creationId xmlns:a16="http://schemas.microsoft.com/office/drawing/2014/main" id="{8B091153-A6EC-4181-8FEF-0EBC2035DE73}"/>
+              </a:ext>
+            </a:extLst>
+          </p:cNvPr>
+          <p:cNvSpPr>
+            <a:spLocks noGrp="1"/>
+          </p:cNvSpPr>
+          <p:nvPr>
+            <p:ph type="title"/>
+          </p:nvPr>
+        </p:nvSpPr>
+        <p:spPr>
+          <a:xfrm>
+            <a:off x="526073" y="466578"/>
+            <a:ext cx="11139854" cy="930447"/>
+          </a:xfrm>
+        </p:spPr>
+        <p:txBody>
+          <a:bodyPr vert="horz" lIns="91440" tIns="45720" rIns="91440" bIns="45720" rtlCol="0" anchor="b">
+            <a:normAutofit/>
+          </a:bodyPr>
+          <a:lstStyle/>
+          <a:p>
+            <a:pPr algn="ctr"/>
+            <a:r>
+              <a:rPr lang="en-US" sz="5400" kern="1200">
+                <a:solidFill>
+                  <a:srgbClr val="FFFFFF"/>
+                </a:solidFill>
+                <a:latin typeface="+mj-lt"/>
+                <a:ea typeface="+mj-ea"/>
+                <a:cs typeface="+mj-cs"/>
+              </a:rPr>
+              <a:t>Fragen?</a:t>
+            </a:r>
+          </a:p>
+        </p:txBody>
+      </p:sp>
+      <p:sp>
+        <p:nvSpPr>
+          <p:cNvPr id="3" name="Inhaltsplatzhalter 2">
+            <a:extLst>
+              <a:ext uri="{FF2B5EF4-FFF2-40B4-BE49-F238E27FC236}">
+                <a16:creationId xmlns:a16="http://schemas.microsoft.com/office/drawing/2014/main" id="{0EC1D7BD-9C2B-4612-942D-FBC9EA4A05A9}"/>
+              </a:ext>
+            </a:extLst>
+          </p:cNvPr>
+          <p:cNvSpPr>
+            <a:spLocks noGrp="1"/>
+          </p:cNvSpPr>
+          <p:nvPr>
+            <p:ph idx="1"/>
+          </p:nvPr>
+        </p:nvSpPr>
+        <p:spPr>
+          <a:xfrm>
+            <a:off x="1524000" y="1525638"/>
+            <a:ext cx="9144000" cy="420001"/>
+          </a:xfrm>
+        </p:spPr>
+        <p:txBody>
+          <a:bodyPr vert="horz" lIns="91440" tIns="45720" rIns="91440" bIns="45720" rtlCol="0">
+            <a:normAutofit/>
+          </a:bodyPr>
+          <a:lstStyle/>
+          <a:p>
+            <a:pPr marL="0" indent="0" algn="ctr">
+              <a:buNone/>
+            </a:pPr>
+            <a:r>
+              <a:rPr lang="en-US" sz="2000" kern="1200" dirty="0" err="1">
+                <a:solidFill>
+                  <a:srgbClr val="E7E6E6"/>
+                </a:solidFill>
+                <a:latin typeface="+mn-lt"/>
+                <a:ea typeface="+mn-ea"/>
+                <a:cs typeface="+mn-cs"/>
+              </a:rPr>
+              <a:t>Vielen</a:t>
+            </a:r>
+            <a:r>
+              <a:rPr lang="en-US" sz="2000" kern="1200" dirty="0">
+                <a:solidFill>
+                  <a:srgbClr val="E7E6E6"/>
+                </a:solidFill>
+                <a:latin typeface="+mn-lt"/>
+                <a:ea typeface="+mn-ea"/>
+                <a:cs typeface="+mn-cs"/>
+              </a:rPr>
+              <a:t> Dank </a:t>
+            </a:r>
+            <a:r>
+              <a:rPr lang="en-US" sz="2000" kern="1200" dirty="0" err="1">
+                <a:solidFill>
+                  <a:srgbClr val="E7E6E6"/>
+                </a:solidFill>
+                <a:latin typeface="+mn-lt"/>
+                <a:ea typeface="+mn-ea"/>
+                <a:cs typeface="+mn-cs"/>
+              </a:rPr>
+              <a:t>für</a:t>
+            </a:r>
+            <a:r>
+              <a:rPr lang="en-US" sz="2000" kern="1200" dirty="0">
+                <a:solidFill>
+                  <a:srgbClr val="E7E6E6"/>
+                </a:solidFill>
+                <a:latin typeface="+mn-lt"/>
+                <a:ea typeface="+mn-ea"/>
+                <a:cs typeface="+mn-cs"/>
+              </a:rPr>
+              <a:t> </a:t>
+            </a:r>
+            <a:r>
+              <a:rPr lang="en-US" sz="2000" kern="1200" dirty="0" err="1">
+                <a:solidFill>
+                  <a:srgbClr val="E7E6E6"/>
+                </a:solidFill>
+                <a:latin typeface="+mn-lt"/>
+                <a:ea typeface="+mn-ea"/>
+                <a:cs typeface="+mn-cs"/>
+              </a:rPr>
+              <a:t>Eure</a:t>
+            </a:r>
+            <a:r>
+              <a:rPr lang="en-US" sz="2000" kern="1200" dirty="0">
+                <a:solidFill>
+                  <a:srgbClr val="E7E6E6"/>
+                </a:solidFill>
+                <a:latin typeface="+mn-lt"/>
+                <a:ea typeface="+mn-ea"/>
+                <a:cs typeface="+mn-cs"/>
+              </a:rPr>
+              <a:t> </a:t>
+            </a:r>
+            <a:r>
+              <a:rPr lang="en-US" sz="2000" kern="1200" dirty="0" err="1">
+                <a:solidFill>
+                  <a:srgbClr val="E7E6E6"/>
+                </a:solidFill>
+                <a:latin typeface="+mn-lt"/>
+                <a:ea typeface="+mn-ea"/>
+                <a:cs typeface="+mn-cs"/>
+              </a:rPr>
+              <a:t>Aufmerksamkeit</a:t>
+            </a:r>
+            <a:r>
+              <a:rPr lang="en-US" sz="2000" kern="1200" dirty="0">
+                <a:solidFill>
+                  <a:srgbClr val="E7E6E6"/>
+                </a:solidFill>
+                <a:latin typeface="+mn-lt"/>
+                <a:ea typeface="+mn-ea"/>
+                <a:cs typeface="+mn-cs"/>
+              </a:rPr>
+              <a:t>!</a:t>
+            </a:r>
+          </a:p>
+        </p:txBody>
+      </p:sp>
+      <p:cxnSp>
+        <p:nvCxnSpPr>
+          <p:cNvPr id="12" name="Straight Connector 11">
+            <a:extLst>
+              <a:ext uri="{FF2B5EF4-FFF2-40B4-BE49-F238E27FC236}">
+                <a16:creationId xmlns:a16="http://schemas.microsoft.com/office/drawing/2014/main" id="{7E7C77BC-7138-40B1-A15B-20F57A494629}"/>
+              </a:ext>
+              <a:ext uri="{C183D7F6-B498-43B3-948B-1728B52AA6E4}">
+                <adec:decorative xmlns:adec="http://schemas.microsoft.com/office/drawing/2017/decorative" val="1"/>
+              </a:ext>
+            </a:extLst>
+          </p:cNvPr>
+          <p:cNvCxnSpPr>
+            <a:cxnSpLocks noGrp="1" noRot="1" noChangeAspect="1" noMove="1" noResize="1" noEditPoints="1" noAdjustHandles="1" noChangeArrowheads="1" noChangeShapeType="1"/>
+          </p:cNvCxnSpPr>
+          <p:nvPr>
+            <p:extLst>
+              <p:ext uri="{386F3935-93C4-4BCD-93E2-E3B085C9AB24}">
+                <p16:designElem xmlns:p16="http://schemas.microsoft.com/office/powerpoint/2015/main" val="1"/>
+              </p:ext>
+            </p:extLst>
+          </p:nvPr>
+        </p:nvCxnSpPr>
+        <p:spPr>
+          <a:xfrm>
+            <a:off x="2209800" y="1448631"/>
+            <a:ext cx="7772400" cy="0"/>
+          </a:xfrm>
+          <a:prstGeom prst="line">
+            <a:avLst/>
+          </a:prstGeom>
+          <a:ln w="22225">
+            <a:solidFill>
+              <a:srgbClr val="D9D9D9"/>
+            </a:solidFill>
+          </a:ln>
+        </p:spPr>
+        <p:style>
+          <a:lnRef idx="1">
+            <a:schemeClr val="accent1"/>
+          </a:lnRef>
+          <a:fillRef idx="0">
+            <a:schemeClr val="accent1"/>
+          </a:fillRef>
+          <a:effectRef idx="0">
+            <a:schemeClr val="accent1"/>
+          </a:effectRef>
+          <a:fontRef idx="minor">
+            <a:schemeClr val="tx1"/>
+          </a:fontRef>
+        </p:style>
+      </p:cxnSp>
+      <p:pic>
+        <p:nvPicPr>
+          <p:cNvPr id="7" name="Graphic 6">
+            <a:extLst>
+              <a:ext uri="{FF2B5EF4-FFF2-40B4-BE49-F238E27FC236}">
+                <a16:creationId xmlns:a16="http://schemas.microsoft.com/office/drawing/2014/main" id="{62CE27A7-0387-444E-82AD-9992707B5343}"/>
+              </a:ext>
+            </a:extLst>
+          </p:cNvPr>
+          <p:cNvPicPr>
+            <a:picLocks noChangeAspect="1"/>
+          </p:cNvPicPr>
+          <p:nvPr/>
+        </p:nvPicPr>
+        <p:blipFill>
+          <a:blip r:embed="rId2">
+            <a:extLst>
+              <a:ext uri="{28A0092B-C50C-407E-A947-70E740481C1C}">
+                <a14:useLocalDpi xmlns:a14="http://schemas.microsoft.com/office/drawing/2010/main" val="0"/>
+              </a:ext>
+              <a:ext uri="{96DAC541-7B7A-43D3-8B79-37D633B846F1}">
+                <asvg:svgBlip xmlns:asvg="http://schemas.microsoft.com/office/drawing/2016/SVG/main" r:embed="rId3"/>
+              </a:ext>
+            </a:extLst>
+          </a:blip>
+          <a:stretch>
+            <a:fillRect/>
+          </a:stretch>
+        </p:blipFill>
+        <p:spPr>
+          <a:xfrm>
+            <a:off x="4069632" y="2509911"/>
+            <a:ext cx="3997637" cy="3997637"/>
+          </a:xfrm>
+          <a:prstGeom prst="rect">
+            <a:avLst/>
+          </a:prstGeom>
+        </p:spPr>
+      </p:pic>
+    </p:spTree>
+    <p:extLst>
+      <p:ext uri="{BB962C8B-B14F-4D97-AF65-F5344CB8AC3E}">
+        <p14:creationId xmlns:p14="http://schemas.microsoft.com/office/powerpoint/2010/main" val="3850624701"/>
+      </p:ext>
+    </p:extLst>
+  </p:cSld>
+  <p:clrMapOvr>
+    <a:masterClrMapping/>
+  </p:clrMapOvr>
+</p:sld>
+</file>
+
 <file path=ppt/slides/slide2.xml><?xml version="1.0" encoding="utf-8"?>
 <p:sld xmlns:a="http://schemas.openxmlformats.org/drawingml/2006/main" xmlns:r="http://schemas.openxmlformats.org/officeDocument/2006/relationships" xmlns:p="http://schemas.openxmlformats.org/presentationml/2006/main">
   <p:cSld>
@@ -16525,6 +17505,246 @@
           <a:p>
             <a:pPr algn="ctr"/>
             <a:r>
+              <a:rPr lang="en-US" sz="4800" dirty="0">
+                <a:solidFill>
+                  <a:srgbClr val="FFFFFF"/>
+                </a:solidFill>
+              </a:rPr>
+              <a:t>Frontend</a:t>
+            </a:r>
+            <a:r>
+              <a:rPr lang="en-US" sz="4800" kern="1200" dirty="0">
+                <a:solidFill>
+                  <a:srgbClr val="FFFFFF"/>
+                </a:solidFill>
+                <a:latin typeface="+mj-lt"/>
+                <a:ea typeface="+mj-ea"/>
+                <a:cs typeface="+mj-cs"/>
+              </a:rPr>
+              <a:t>-Mock</a:t>
+            </a:r>
+          </a:p>
+        </p:txBody>
+      </p:sp>
+      <p:cxnSp>
+        <p:nvCxnSpPr>
+          <p:cNvPr id="12" name="Straight Connector 11">
+            <a:extLst>
+              <a:ext uri="{FF2B5EF4-FFF2-40B4-BE49-F238E27FC236}">
+                <a16:creationId xmlns:a16="http://schemas.microsoft.com/office/drawing/2014/main" id="{38FB9660-F42F-4313-BBC4-47C007FE484C}"/>
+              </a:ext>
+              <a:ext uri="{C183D7F6-B498-43B3-948B-1728B52AA6E4}">
+                <adec:decorative xmlns:adec="http://schemas.microsoft.com/office/drawing/2017/decorative" val="1"/>
+              </a:ext>
+            </a:extLst>
+          </p:cNvPr>
+          <p:cNvCxnSpPr>
+            <a:cxnSpLocks noGrp="1" noRot="1" noChangeAspect="1" noMove="1" noResize="1" noEditPoints="1" noAdjustHandles="1" noChangeArrowheads="1" noChangeShapeType="1"/>
+          </p:cNvCxnSpPr>
+          <p:nvPr>
+            <p:extLst>
+              <p:ext uri="{386F3935-93C4-4BCD-93E2-E3B085C9AB24}">
+                <p16:designElem xmlns:p16="http://schemas.microsoft.com/office/powerpoint/2015/main" val="1"/>
+              </p:ext>
+            </p:extLst>
+          </p:nvPr>
+        </p:nvCxnSpPr>
+        <p:spPr>
+          <a:xfrm>
+            <a:off x="1191126" y="3910267"/>
+            <a:ext cx="2586790" cy="0"/>
+          </a:xfrm>
+          <a:prstGeom prst="line">
+            <a:avLst/>
+          </a:prstGeom>
+          <a:ln w="22225">
+            <a:solidFill>
+              <a:srgbClr val="D9D9D9"/>
+            </a:solidFill>
+          </a:ln>
+        </p:spPr>
+        <p:style>
+          <a:lnRef idx="1">
+            <a:schemeClr val="accent1"/>
+          </a:lnRef>
+          <a:fillRef idx="0">
+            <a:schemeClr val="accent1"/>
+          </a:fillRef>
+          <a:effectRef idx="0">
+            <a:schemeClr val="accent1"/>
+          </a:effectRef>
+          <a:fontRef idx="minor">
+            <a:schemeClr val="tx1"/>
+          </a:fontRef>
+        </p:style>
+      </p:cxnSp>
+      <p:pic>
+        <p:nvPicPr>
+          <p:cNvPr id="6" name="Grafik 5"/>
+          <p:cNvPicPr>
+            <a:picLocks noChangeAspect="1"/>
+          </p:cNvPicPr>
+          <p:nvPr/>
+        </p:nvPicPr>
+        <p:blipFill>
+          <a:blip r:embed="rId2">
+            <a:extLst>
+              <a:ext uri="{28A0092B-C50C-407E-A947-70E740481C1C}">
+                <a14:useLocalDpi xmlns:a14="http://schemas.microsoft.com/office/drawing/2010/main" val="0"/>
+              </a:ext>
+            </a:extLst>
+          </a:blip>
+          <a:stretch>
+            <a:fillRect/>
+          </a:stretch>
+        </p:blipFill>
+        <p:spPr>
+          <a:xfrm>
+            <a:off x="5523433" y="505828"/>
+            <a:ext cx="5943600" cy="5810250"/>
+          </a:xfrm>
+          <a:prstGeom prst="rect">
+            <a:avLst/>
+          </a:prstGeom>
+        </p:spPr>
+      </p:pic>
+    </p:spTree>
+    <p:extLst>
+      <p:ext uri="{BB962C8B-B14F-4D97-AF65-F5344CB8AC3E}">
+        <p14:creationId xmlns:p14="http://schemas.microsoft.com/office/powerpoint/2010/main" val="2570257630"/>
+      </p:ext>
+    </p:extLst>
+  </p:cSld>
+  <p:clrMapOvr>
+    <a:masterClrMapping/>
+  </p:clrMapOvr>
+</p:sld>
+</file>
+
+<file path=ppt/slides/slide5.xml><?xml version="1.0" encoding="utf-8"?>
+<p:sld xmlns:a="http://schemas.openxmlformats.org/drawingml/2006/main" xmlns:r="http://schemas.openxmlformats.org/officeDocument/2006/relationships" xmlns:p="http://schemas.openxmlformats.org/presentationml/2006/main">
+  <p:cSld>
+    <p:bg>
+      <p:bgPr>
+        <a:solidFill>
+          <a:schemeClr val="bg1"/>
+        </a:solidFill>
+        <a:effectLst/>
+      </p:bgPr>
+    </p:bg>
+    <p:spTree>
+      <p:nvGrpSpPr>
+        <p:cNvPr id="1" name=""/>
+        <p:cNvGrpSpPr/>
+        <p:nvPr/>
+      </p:nvGrpSpPr>
+      <p:grpSpPr>
+        <a:xfrm>
+          <a:off x="0" y="0"/>
+          <a:ext cx="0" cy="0"/>
+          <a:chOff x="0" y="0"/>
+          <a:chExt cx="0" cy="0"/>
+        </a:xfrm>
+      </p:grpSpPr>
+      <p:sp>
+        <p:nvSpPr>
+          <p:cNvPr id="10" name="Rectangle 9">
+            <a:extLst>
+              <a:ext uri="{FF2B5EF4-FFF2-40B4-BE49-F238E27FC236}">
+                <a16:creationId xmlns:a16="http://schemas.microsoft.com/office/drawing/2014/main" id="{AB45A142-4255-493C-8284-5D566C121B10}"/>
+              </a:ext>
+              <a:ext uri="{C183D7F6-B498-43B3-948B-1728B52AA6E4}">
+                <adec:decorative xmlns:adec="http://schemas.microsoft.com/office/drawing/2017/decorative" val="1"/>
+              </a:ext>
+            </a:extLst>
+          </p:cNvPr>
+          <p:cNvSpPr>
+            <a:spLocks noGrp="1" noRot="1" noChangeAspect="1" noMove="1" noResize="1" noEditPoints="1" noAdjustHandles="1" noChangeArrowheads="1" noChangeShapeType="1" noTextEdit="1"/>
+          </p:cNvSpPr>
+          <p:nvPr>
+            <p:extLst>
+              <p:ext uri="{386F3935-93C4-4BCD-93E2-E3B085C9AB24}">
+                <p16:designElem xmlns:p16="http://schemas.microsoft.com/office/powerpoint/2015/main" val="1"/>
+              </p:ext>
+            </p:extLst>
+          </p:nvPr>
+        </p:nvSpPr>
+        <p:spPr bwMode="ltGray">
+          <a:xfrm>
+            <a:off x="336884" y="321177"/>
+            <a:ext cx="4332307" cy="6179552"/>
+          </a:xfrm>
+          <a:prstGeom prst="rect">
+            <a:avLst/>
+          </a:prstGeom>
+          <a:solidFill>
+            <a:srgbClr val="404040">
+              <a:alpha val="89804"/>
+            </a:srgbClr>
+          </a:solidFill>
+          <a:ln w="127000" cap="sq" cmpd="thinThick">
+            <a:solidFill>
+              <a:srgbClr val="595959">
+                <a:alpha val="80000"/>
+              </a:srgbClr>
+            </a:solidFill>
+          </a:ln>
+        </p:spPr>
+        <p:style>
+          <a:lnRef idx="2">
+            <a:schemeClr val="accent1">
+              <a:shade val="50000"/>
+            </a:schemeClr>
+          </a:lnRef>
+          <a:fillRef idx="1">
+            <a:schemeClr val="accent1"/>
+          </a:fillRef>
+          <a:effectRef idx="0">
+            <a:schemeClr val="accent1"/>
+          </a:effectRef>
+          <a:fontRef idx="minor">
+            <a:schemeClr val="lt1"/>
+          </a:fontRef>
+        </p:style>
+        <p:txBody>
+          <a:bodyPr rtlCol="0" anchor="ctr"/>
+          <a:lstStyle/>
+          <a:p>
+            <a:pPr algn="ctr"/>
+            <a:endParaRPr lang="en-US"/>
+          </a:p>
+        </p:txBody>
+      </p:sp>
+      <p:sp>
+        <p:nvSpPr>
+          <p:cNvPr id="2" name="Titel 1">
+            <a:extLst>
+              <a:ext uri="{FF2B5EF4-FFF2-40B4-BE49-F238E27FC236}">
+                <a16:creationId xmlns:a16="http://schemas.microsoft.com/office/drawing/2014/main" id="{C404AC6D-2C82-4BA8-B681-778ECB7633DC}"/>
+              </a:ext>
+            </a:extLst>
+          </p:cNvPr>
+          <p:cNvSpPr>
+            <a:spLocks noGrp="1"/>
+          </p:cNvSpPr>
+          <p:nvPr>
+            <p:ph type="title"/>
+          </p:nvPr>
+        </p:nvSpPr>
+        <p:spPr>
+          <a:xfrm>
+            <a:off x="674237" y="914400"/>
+            <a:ext cx="3657600" cy="2887579"/>
+          </a:xfrm>
+        </p:spPr>
+        <p:txBody>
+          <a:bodyPr vert="horz" lIns="91440" tIns="45720" rIns="91440" bIns="45720" rtlCol="0" anchor="b">
+            <a:normAutofit/>
+          </a:bodyPr>
+          <a:lstStyle/>
+          <a:p>
+            <a:pPr algn="ctr"/>
+            <a:r>
               <a:rPr lang="en-US" sz="4800" kern="1200">
                 <a:solidFill>
                   <a:srgbClr val="FFFFFF"/>
@@ -16641,7 +17861,561 @@
 </p:sld>
 </file>
 
-<file path=ppt/slides/slide5.xml><?xml version="1.0" encoding="utf-8"?>
+<file path=ppt/slides/slide6.xml><?xml version="1.0" encoding="utf-8"?>
+<p:sld xmlns:a="http://schemas.openxmlformats.org/drawingml/2006/main" xmlns:r="http://schemas.openxmlformats.org/officeDocument/2006/relationships" xmlns:p="http://schemas.openxmlformats.org/presentationml/2006/main">
+  <p:cSld>
+    <p:bg>
+      <p:bgPr>
+        <a:solidFill>
+          <a:schemeClr val="bg1"/>
+        </a:solidFill>
+        <a:effectLst/>
+      </p:bgPr>
+    </p:bg>
+    <p:spTree>
+      <p:nvGrpSpPr>
+        <p:cNvPr id="1" name=""/>
+        <p:cNvGrpSpPr/>
+        <p:nvPr/>
+      </p:nvGrpSpPr>
+      <p:grpSpPr>
+        <a:xfrm>
+          <a:off x="0" y="0"/>
+          <a:ext cx="0" cy="0"/>
+          <a:chOff x="0" y="0"/>
+          <a:chExt cx="0" cy="0"/>
+        </a:xfrm>
+      </p:grpSpPr>
+      <p:sp>
+        <p:nvSpPr>
+          <p:cNvPr id="10" name="Rectangle 9">
+            <a:extLst>
+              <a:ext uri="{FF2B5EF4-FFF2-40B4-BE49-F238E27FC236}">
+                <a16:creationId xmlns:a16="http://schemas.microsoft.com/office/drawing/2014/main" id="{AB45A142-4255-493C-8284-5D566C121B10}"/>
+              </a:ext>
+              <a:ext uri="{C183D7F6-B498-43B3-948B-1728B52AA6E4}">
+                <adec:decorative xmlns:adec="http://schemas.microsoft.com/office/drawing/2017/decorative" val="1"/>
+              </a:ext>
+            </a:extLst>
+          </p:cNvPr>
+          <p:cNvSpPr>
+            <a:spLocks noGrp="1" noRot="1" noChangeAspect="1" noMove="1" noResize="1" noEditPoints="1" noAdjustHandles="1" noChangeArrowheads="1" noChangeShapeType="1" noTextEdit="1"/>
+          </p:cNvSpPr>
+          <p:nvPr>
+            <p:extLst>
+              <p:ext uri="{386F3935-93C4-4BCD-93E2-E3B085C9AB24}">
+                <p16:designElem xmlns:p16="http://schemas.microsoft.com/office/powerpoint/2015/main" val="1"/>
+              </p:ext>
+            </p:extLst>
+          </p:nvPr>
+        </p:nvSpPr>
+        <p:spPr bwMode="ltGray">
+          <a:xfrm>
+            <a:off x="336884" y="321177"/>
+            <a:ext cx="4332307" cy="6179552"/>
+          </a:xfrm>
+          <a:prstGeom prst="rect">
+            <a:avLst/>
+          </a:prstGeom>
+          <a:solidFill>
+            <a:srgbClr val="404040">
+              <a:alpha val="89804"/>
+            </a:srgbClr>
+          </a:solidFill>
+          <a:ln w="127000" cap="sq" cmpd="thinThick">
+            <a:solidFill>
+              <a:srgbClr val="595959">
+                <a:alpha val="80000"/>
+              </a:srgbClr>
+            </a:solidFill>
+          </a:ln>
+        </p:spPr>
+        <p:style>
+          <a:lnRef idx="2">
+            <a:schemeClr val="accent1">
+              <a:shade val="50000"/>
+            </a:schemeClr>
+          </a:lnRef>
+          <a:fillRef idx="1">
+            <a:schemeClr val="accent1"/>
+          </a:fillRef>
+          <a:effectRef idx="0">
+            <a:schemeClr val="accent1"/>
+          </a:effectRef>
+          <a:fontRef idx="minor">
+            <a:schemeClr val="lt1"/>
+          </a:fontRef>
+        </p:style>
+        <p:txBody>
+          <a:bodyPr rtlCol="0" anchor="ctr"/>
+          <a:lstStyle/>
+          <a:p>
+            <a:pPr algn="ctr"/>
+            <a:endParaRPr lang="en-US"/>
+          </a:p>
+        </p:txBody>
+      </p:sp>
+      <p:sp>
+        <p:nvSpPr>
+          <p:cNvPr id="2" name="Titel 1">
+            <a:extLst>
+              <a:ext uri="{FF2B5EF4-FFF2-40B4-BE49-F238E27FC236}">
+                <a16:creationId xmlns:a16="http://schemas.microsoft.com/office/drawing/2014/main" id="{C404AC6D-2C82-4BA8-B681-778ECB7633DC}"/>
+              </a:ext>
+            </a:extLst>
+          </p:cNvPr>
+          <p:cNvSpPr>
+            <a:spLocks noGrp="1"/>
+          </p:cNvSpPr>
+          <p:nvPr>
+            <p:ph type="title"/>
+          </p:nvPr>
+        </p:nvSpPr>
+        <p:spPr>
+          <a:xfrm>
+            <a:off x="674237" y="914400"/>
+            <a:ext cx="3657600" cy="2887579"/>
+          </a:xfrm>
+        </p:spPr>
+        <p:txBody>
+          <a:bodyPr vert="horz" lIns="91440" tIns="45720" rIns="91440" bIns="45720" rtlCol="0" anchor="b">
+            <a:normAutofit/>
+          </a:bodyPr>
+          <a:lstStyle/>
+          <a:p>
+            <a:pPr algn="ctr"/>
+            <a:r>
+              <a:rPr lang="en-US" sz="4800" kern="1200" dirty="0">
+                <a:solidFill>
+                  <a:srgbClr val="FFFFFF"/>
+                </a:solidFill>
+                <a:latin typeface="+mj-lt"/>
+                <a:ea typeface="+mj-ea"/>
+                <a:cs typeface="+mj-cs"/>
+              </a:rPr>
+              <a:t>Backend-</a:t>
+            </a:r>
+            <a:r>
+              <a:rPr lang="en-US" sz="4800" kern="1200" dirty="0" err="1">
+                <a:solidFill>
+                  <a:srgbClr val="FFFFFF"/>
+                </a:solidFill>
+                <a:latin typeface="+mj-lt"/>
+                <a:ea typeface="+mj-ea"/>
+                <a:cs typeface="+mj-cs"/>
+              </a:rPr>
+              <a:t>Ablauf</a:t>
+            </a:r>
+            <a:endParaRPr lang="en-US" sz="4800" kern="1200" dirty="0">
+              <a:solidFill>
+                <a:srgbClr val="FFFFFF"/>
+              </a:solidFill>
+              <a:latin typeface="+mj-lt"/>
+              <a:ea typeface="+mj-ea"/>
+              <a:cs typeface="+mj-cs"/>
+            </a:endParaRPr>
+          </a:p>
+        </p:txBody>
+      </p:sp>
+      <p:cxnSp>
+        <p:nvCxnSpPr>
+          <p:cNvPr id="12" name="Straight Connector 11">
+            <a:extLst>
+              <a:ext uri="{FF2B5EF4-FFF2-40B4-BE49-F238E27FC236}">
+                <a16:creationId xmlns:a16="http://schemas.microsoft.com/office/drawing/2014/main" id="{38FB9660-F42F-4313-BBC4-47C007FE484C}"/>
+              </a:ext>
+              <a:ext uri="{C183D7F6-B498-43B3-948B-1728B52AA6E4}">
+                <adec:decorative xmlns:adec="http://schemas.microsoft.com/office/drawing/2017/decorative" val="1"/>
+              </a:ext>
+            </a:extLst>
+          </p:cNvPr>
+          <p:cNvCxnSpPr>
+            <a:cxnSpLocks noGrp="1" noRot="1" noChangeAspect="1" noMove="1" noResize="1" noEditPoints="1" noAdjustHandles="1" noChangeArrowheads="1" noChangeShapeType="1"/>
+          </p:cNvCxnSpPr>
+          <p:nvPr>
+            <p:extLst>
+              <p:ext uri="{386F3935-93C4-4BCD-93E2-E3B085C9AB24}">
+                <p16:designElem xmlns:p16="http://schemas.microsoft.com/office/powerpoint/2015/main" val="1"/>
+              </p:ext>
+            </p:extLst>
+          </p:nvPr>
+        </p:nvCxnSpPr>
+        <p:spPr>
+          <a:xfrm>
+            <a:off x="1191126" y="3910267"/>
+            <a:ext cx="2586790" cy="0"/>
+          </a:xfrm>
+          <a:prstGeom prst="line">
+            <a:avLst/>
+          </a:prstGeom>
+          <a:ln w="22225">
+            <a:solidFill>
+              <a:srgbClr val="D9D9D9"/>
+            </a:solidFill>
+          </a:ln>
+        </p:spPr>
+        <p:style>
+          <a:lnRef idx="1">
+            <a:schemeClr val="accent1"/>
+          </a:lnRef>
+          <a:fillRef idx="0">
+            <a:schemeClr val="accent1"/>
+          </a:fillRef>
+          <a:effectRef idx="0">
+            <a:schemeClr val="accent1"/>
+          </a:effectRef>
+          <a:fontRef idx="minor">
+            <a:schemeClr val="tx1"/>
+          </a:fontRef>
+        </p:style>
+      </p:cxnSp>
+      <p:pic>
+        <p:nvPicPr>
+          <p:cNvPr id="4" name="Grafik 3">
+            <a:extLst>
+              <a:ext uri="{FF2B5EF4-FFF2-40B4-BE49-F238E27FC236}">
+                <a16:creationId xmlns:a16="http://schemas.microsoft.com/office/drawing/2014/main" id="{F830E2FC-8027-4357-B104-D6B8C0255A58}"/>
+              </a:ext>
+            </a:extLst>
+          </p:cNvPr>
+          <p:cNvPicPr>
+            <a:picLocks noChangeAspect="1"/>
+          </p:cNvPicPr>
+          <p:nvPr/>
+        </p:nvPicPr>
+        <p:blipFill>
+          <a:blip r:embed="rId2">
+            <a:extLst>
+              <a:ext uri="{28A0092B-C50C-407E-A947-70E740481C1C}">
+                <a14:useLocalDpi xmlns:a14="http://schemas.microsoft.com/office/drawing/2010/main" val="0"/>
+              </a:ext>
+            </a:extLst>
+          </a:blip>
+          <a:stretch>
+            <a:fillRect/>
+          </a:stretch>
+        </p:blipFill>
+        <p:spPr>
+          <a:xfrm>
+            <a:off x="4820319" y="1334887"/>
+            <a:ext cx="7268927" cy="4188226"/>
+          </a:xfrm>
+          <a:prstGeom prst="rect">
+            <a:avLst/>
+          </a:prstGeom>
+        </p:spPr>
+      </p:pic>
+    </p:spTree>
+    <p:extLst>
+      <p:ext uri="{BB962C8B-B14F-4D97-AF65-F5344CB8AC3E}">
+        <p14:creationId xmlns:p14="http://schemas.microsoft.com/office/powerpoint/2010/main" val="4039199801"/>
+      </p:ext>
+    </p:extLst>
+  </p:cSld>
+  <p:clrMapOvr>
+    <a:masterClrMapping/>
+  </p:clrMapOvr>
+</p:sld>
+</file>
+
+<file path=ppt/slides/slide7.xml><?xml version="1.0" encoding="utf-8"?>
+<p:sld xmlns:a="http://schemas.openxmlformats.org/drawingml/2006/main" xmlns:r="http://schemas.openxmlformats.org/officeDocument/2006/relationships" xmlns:p="http://schemas.openxmlformats.org/presentationml/2006/main">
+  <p:cSld>
+    <p:bg>
+      <p:bgPr>
+        <a:solidFill>
+          <a:schemeClr val="bg1"/>
+        </a:solidFill>
+        <a:effectLst/>
+      </p:bgPr>
+    </p:bg>
+    <p:spTree>
+      <p:nvGrpSpPr>
+        <p:cNvPr id="1" name=""/>
+        <p:cNvGrpSpPr/>
+        <p:nvPr/>
+      </p:nvGrpSpPr>
+      <p:grpSpPr>
+        <a:xfrm>
+          <a:off x="0" y="0"/>
+          <a:ext cx="0" cy="0"/>
+          <a:chOff x="0" y="0"/>
+          <a:chExt cx="0" cy="0"/>
+        </a:xfrm>
+      </p:grpSpPr>
+      <p:sp>
+        <p:nvSpPr>
+          <p:cNvPr id="10" name="Rectangle 9">
+            <a:extLst>
+              <a:ext uri="{FF2B5EF4-FFF2-40B4-BE49-F238E27FC236}">
+                <a16:creationId xmlns:a16="http://schemas.microsoft.com/office/drawing/2014/main" id="{AB45A142-4255-493C-8284-5D566C121B10}"/>
+              </a:ext>
+              <a:ext uri="{C183D7F6-B498-43B3-948B-1728B52AA6E4}">
+                <adec:decorative xmlns:adec="http://schemas.microsoft.com/office/drawing/2017/decorative" val="1"/>
+              </a:ext>
+            </a:extLst>
+          </p:cNvPr>
+          <p:cNvSpPr>
+            <a:spLocks noGrp="1" noRot="1" noChangeAspect="1" noMove="1" noResize="1" noEditPoints="1" noAdjustHandles="1" noChangeArrowheads="1" noChangeShapeType="1" noTextEdit="1"/>
+          </p:cNvSpPr>
+          <p:nvPr>
+            <p:extLst>
+              <p:ext uri="{386F3935-93C4-4BCD-93E2-E3B085C9AB24}">
+                <p16:designElem xmlns:p16="http://schemas.microsoft.com/office/powerpoint/2015/main" val="1"/>
+              </p:ext>
+            </p:extLst>
+          </p:nvPr>
+        </p:nvSpPr>
+        <p:spPr bwMode="ltGray">
+          <a:xfrm>
+            <a:off x="336884" y="321177"/>
+            <a:ext cx="4332307" cy="6179552"/>
+          </a:xfrm>
+          <a:prstGeom prst="rect">
+            <a:avLst/>
+          </a:prstGeom>
+          <a:solidFill>
+            <a:srgbClr val="404040">
+              <a:alpha val="89804"/>
+            </a:srgbClr>
+          </a:solidFill>
+          <a:ln w="127000" cap="sq" cmpd="thinThick">
+            <a:solidFill>
+              <a:srgbClr val="595959">
+                <a:alpha val="80000"/>
+              </a:srgbClr>
+            </a:solidFill>
+          </a:ln>
+        </p:spPr>
+        <p:style>
+          <a:lnRef idx="2">
+            <a:schemeClr val="accent1">
+              <a:shade val="50000"/>
+            </a:schemeClr>
+          </a:lnRef>
+          <a:fillRef idx="1">
+            <a:schemeClr val="accent1"/>
+          </a:fillRef>
+          <a:effectRef idx="0">
+            <a:schemeClr val="accent1"/>
+          </a:effectRef>
+          <a:fontRef idx="minor">
+            <a:schemeClr val="lt1"/>
+          </a:fontRef>
+        </p:style>
+        <p:txBody>
+          <a:bodyPr rtlCol="0" anchor="ctr"/>
+          <a:lstStyle/>
+          <a:p>
+            <a:pPr algn="ctr"/>
+            <a:endParaRPr lang="en-US"/>
+          </a:p>
+        </p:txBody>
+      </p:sp>
+      <p:sp>
+        <p:nvSpPr>
+          <p:cNvPr id="2" name="Titel 1">
+            <a:extLst>
+              <a:ext uri="{FF2B5EF4-FFF2-40B4-BE49-F238E27FC236}">
+                <a16:creationId xmlns:a16="http://schemas.microsoft.com/office/drawing/2014/main" id="{C404AC6D-2C82-4BA8-B681-778ECB7633DC}"/>
+              </a:ext>
+            </a:extLst>
+          </p:cNvPr>
+          <p:cNvSpPr>
+            <a:spLocks noGrp="1"/>
+          </p:cNvSpPr>
+          <p:nvPr>
+            <p:ph type="title"/>
+          </p:nvPr>
+        </p:nvSpPr>
+        <p:spPr>
+          <a:xfrm>
+            <a:off x="674237" y="914400"/>
+            <a:ext cx="3657600" cy="2887579"/>
+          </a:xfrm>
+        </p:spPr>
+        <p:txBody>
+          <a:bodyPr vert="horz" lIns="91440" tIns="45720" rIns="91440" bIns="45720" rtlCol="0" anchor="b">
+            <a:normAutofit/>
+          </a:bodyPr>
+          <a:lstStyle/>
+          <a:p>
+            <a:pPr algn="ctr"/>
+            <a:r>
+              <a:rPr lang="en-US" sz="4800" kern="1200" dirty="0">
+                <a:solidFill>
+                  <a:srgbClr val="FFFFFF"/>
+                </a:solidFill>
+                <a:latin typeface="+mj-lt"/>
+                <a:ea typeface="+mj-ea"/>
+                <a:cs typeface="+mj-cs"/>
+              </a:rPr>
+              <a:t>Backend-</a:t>
+            </a:r>
+            <a:r>
+              <a:rPr lang="en-US" sz="4800" kern="1200" dirty="0" err="1">
+                <a:solidFill>
+                  <a:srgbClr val="FFFFFF"/>
+                </a:solidFill>
+                <a:latin typeface="+mj-lt"/>
+                <a:ea typeface="+mj-ea"/>
+                <a:cs typeface="+mj-cs"/>
+              </a:rPr>
+              <a:t>Umsetzung</a:t>
+            </a:r>
+            <a:endParaRPr lang="en-US" sz="4800" kern="1200" dirty="0">
+              <a:solidFill>
+                <a:srgbClr val="FFFFFF"/>
+              </a:solidFill>
+              <a:latin typeface="+mj-lt"/>
+              <a:ea typeface="+mj-ea"/>
+              <a:cs typeface="+mj-cs"/>
+            </a:endParaRPr>
+          </a:p>
+        </p:txBody>
+      </p:sp>
+      <p:cxnSp>
+        <p:nvCxnSpPr>
+          <p:cNvPr id="12" name="Straight Connector 11">
+            <a:extLst>
+              <a:ext uri="{FF2B5EF4-FFF2-40B4-BE49-F238E27FC236}">
+                <a16:creationId xmlns:a16="http://schemas.microsoft.com/office/drawing/2014/main" id="{38FB9660-F42F-4313-BBC4-47C007FE484C}"/>
+              </a:ext>
+              <a:ext uri="{C183D7F6-B498-43B3-948B-1728B52AA6E4}">
+                <adec:decorative xmlns:adec="http://schemas.microsoft.com/office/drawing/2017/decorative" val="1"/>
+              </a:ext>
+            </a:extLst>
+          </p:cNvPr>
+          <p:cNvCxnSpPr>
+            <a:cxnSpLocks noGrp="1" noRot="1" noChangeAspect="1" noMove="1" noResize="1" noEditPoints="1" noAdjustHandles="1" noChangeArrowheads="1" noChangeShapeType="1"/>
+          </p:cNvCxnSpPr>
+          <p:nvPr>
+            <p:extLst>
+              <p:ext uri="{386F3935-93C4-4BCD-93E2-E3B085C9AB24}">
+                <p16:designElem xmlns:p16="http://schemas.microsoft.com/office/powerpoint/2015/main" val="1"/>
+              </p:ext>
+            </p:extLst>
+          </p:nvPr>
+        </p:nvCxnSpPr>
+        <p:spPr>
+          <a:xfrm>
+            <a:off x="1191126" y="3910267"/>
+            <a:ext cx="2586790" cy="0"/>
+          </a:xfrm>
+          <a:prstGeom prst="line">
+            <a:avLst/>
+          </a:prstGeom>
+          <a:ln w="22225">
+            <a:solidFill>
+              <a:srgbClr val="D9D9D9"/>
+            </a:solidFill>
+          </a:ln>
+        </p:spPr>
+        <p:style>
+          <a:lnRef idx="1">
+            <a:schemeClr val="accent1"/>
+          </a:lnRef>
+          <a:fillRef idx="0">
+            <a:schemeClr val="accent1"/>
+          </a:fillRef>
+          <a:effectRef idx="0">
+            <a:schemeClr val="accent1"/>
+          </a:effectRef>
+          <a:fontRef idx="minor">
+            <a:schemeClr val="tx1"/>
+          </a:fontRef>
+        </p:style>
+      </p:cxnSp>
+      <p:pic>
+        <p:nvPicPr>
+          <p:cNvPr id="5" name="Grafik 4">
+            <a:extLst>
+              <a:ext uri="{FF2B5EF4-FFF2-40B4-BE49-F238E27FC236}">
+                <a16:creationId xmlns:a16="http://schemas.microsoft.com/office/drawing/2014/main" id="{F3B52AC7-289A-49DA-ABE3-120A4302222B}"/>
+              </a:ext>
+            </a:extLst>
+          </p:cNvPr>
+          <p:cNvPicPr>
+            <a:picLocks noChangeAspect="1"/>
+          </p:cNvPicPr>
+          <p:nvPr/>
+        </p:nvPicPr>
+        <p:blipFill>
+          <a:blip r:embed="rId2">
+            <a:extLst>
+              <a:ext uri="{28A0092B-C50C-407E-A947-70E740481C1C}">
+                <a14:useLocalDpi xmlns:a14="http://schemas.microsoft.com/office/drawing/2010/main" val="0"/>
+              </a:ext>
+            </a:extLst>
+          </a:blip>
+          <a:stretch>
+            <a:fillRect/>
+          </a:stretch>
+        </p:blipFill>
+        <p:spPr>
+          <a:xfrm>
+            <a:off x="6096000" y="2187143"/>
+            <a:ext cx="4666667" cy="2447619"/>
+          </a:xfrm>
+          <a:prstGeom prst="rect">
+            <a:avLst/>
+          </a:prstGeom>
+        </p:spPr>
+      </p:pic>
+      <p:sp>
+        <p:nvSpPr>
+          <p:cNvPr id="6" name="Rechteck 5">
+            <a:extLst>
+              <a:ext uri="{FF2B5EF4-FFF2-40B4-BE49-F238E27FC236}">
+                <a16:creationId xmlns:a16="http://schemas.microsoft.com/office/drawing/2014/main" id="{FD6792BD-C36A-4520-A528-F0296EE9C464}"/>
+              </a:ext>
+            </a:extLst>
+          </p:cNvPr>
+          <p:cNvSpPr/>
+          <p:nvPr/>
+        </p:nvSpPr>
+        <p:spPr>
+          <a:xfrm>
+            <a:off x="8361440" y="6627168"/>
+            <a:ext cx="6096000" cy="230832"/>
+          </a:xfrm>
+          <a:prstGeom prst="rect">
+            <a:avLst/>
+          </a:prstGeom>
+        </p:spPr>
+        <p:txBody>
+          <a:bodyPr>
+            <a:spAutoFit/>
+          </a:bodyPr>
+          <a:lstStyle/>
+          <a:p>
+            <a:r>
+              <a:rPr lang="de-DE" sz="900" dirty="0">
+                <a:hlinkClick r:id="rId3"/>
+              </a:rPr>
+              <a:t>https://sdtimes.com/wp-content/uploads/2018/03/spring-boot-490x257.png</a:t>
+            </a:r>
+            <a:r>
+              <a:rPr lang="de-DE" sz="900" dirty="0"/>
+              <a:t> </a:t>
+            </a:r>
+          </a:p>
+        </p:txBody>
+      </p:sp>
+    </p:spTree>
+    <p:extLst>
+      <p:ext uri="{BB962C8B-B14F-4D97-AF65-F5344CB8AC3E}">
+        <p14:creationId xmlns:p14="http://schemas.microsoft.com/office/powerpoint/2010/main" val="52943835"/>
+      </p:ext>
+    </p:extLst>
+  </p:cSld>
+  <p:clrMapOvr>
+    <a:masterClrMapping/>
+  </p:clrMapOvr>
+</p:sld>
+</file>
+
+<file path=ppt/slides/slide8.xml><?xml version="1.0" encoding="utf-8"?>
 <p:sld xmlns:a="http://schemas.openxmlformats.org/drawingml/2006/main" xmlns:r="http://schemas.openxmlformats.org/officeDocument/2006/relationships" xmlns:p="http://schemas.openxmlformats.org/presentationml/2006/main">
   <p:cSld>
     <p:bg>
@@ -17230,7 +19004,7 @@
 </p:sld>
 </file>
 
-<file path=ppt/slides/slide6.xml><?xml version="1.0" encoding="utf-8"?>
+<file path=ppt/slides/slide9.xml><?xml version="1.0" encoding="utf-8"?>
 <p:sld xmlns:a="http://schemas.openxmlformats.org/drawingml/2006/main" xmlns:r="http://schemas.openxmlformats.org/officeDocument/2006/relationships" xmlns:p="http://schemas.openxmlformats.org/presentationml/2006/main">
   <p:cSld>
     <p:bg>
@@ -17480,983 +19254,6 @@
     <p:extLst>
       <p:ext uri="{BB962C8B-B14F-4D97-AF65-F5344CB8AC3E}">
         <p14:creationId xmlns:p14="http://schemas.microsoft.com/office/powerpoint/2010/main" val="3756606963"/>
-      </p:ext>
-    </p:extLst>
-  </p:cSld>
-  <p:clrMapOvr>
-    <a:masterClrMapping/>
-  </p:clrMapOvr>
-</p:sld>
-</file>
-
-<file path=ppt/slides/slide7.xml><?xml version="1.0" encoding="utf-8"?>
-<p:sld xmlns:a="http://schemas.openxmlformats.org/drawingml/2006/main" xmlns:r="http://schemas.openxmlformats.org/officeDocument/2006/relationships" xmlns:p="http://schemas.openxmlformats.org/presentationml/2006/main">
-  <p:cSld>
-    <p:bg>
-      <p:bgPr>
-        <a:solidFill>
-          <a:schemeClr val="bg1"/>
-        </a:solidFill>
-        <a:effectLst/>
-      </p:bgPr>
-    </p:bg>
-    <p:spTree>
-      <p:nvGrpSpPr>
-        <p:cNvPr id="1" name=""/>
-        <p:cNvGrpSpPr/>
-        <p:nvPr/>
-      </p:nvGrpSpPr>
-      <p:grpSpPr>
-        <a:xfrm>
-          <a:off x="0" y="0"/>
-          <a:ext cx="0" cy="0"/>
-          <a:chOff x="0" y="0"/>
-          <a:chExt cx="0" cy="0"/>
-        </a:xfrm>
-      </p:grpSpPr>
-      <p:sp>
-        <p:nvSpPr>
-          <p:cNvPr id="14" name="Freeform: Shape 9">
-            <a:extLst>
-              <a:ext uri="{FF2B5EF4-FFF2-40B4-BE49-F238E27FC236}">
-                <a16:creationId xmlns:a16="http://schemas.microsoft.com/office/drawing/2014/main" id="{46C2E80F-49A6-4372-B103-219D417A55ED}"/>
-              </a:ext>
-              <a:ext uri="{C183D7F6-B498-43B3-948B-1728B52AA6E4}">
-                <adec:decorative xmlns:adec="http://schemas.microsoft.com/office/drawing/2017/decorative" val="1"/>
-              </a:ext>
-            </a:extLst>
-          </p:cNvPr>
-          <p:cNvSpPr>
-            <a:spLocks noGrp="1" noRot="1" noChangeAspect="1" noMove="1" noResize="1" noEditPoints="1" noAdjustHandles="1" noChangeArrowheads="1" noChangeShapeType="1" noTextEdit="1"/>
-          </p:cNvSpPr>
-          <p:nvPr>
-            <p:extLst>
-              <p:ext uri="{386F3935-93C4-4BCD-93E2-E3B085C9AB24}">
-                <p16:designElem xmlns:p16="http://schemas.microsoft.com/office/powerpoint/2015/main" val="1"/>
-              </p:ext>
-            </p:extLst>
-          </p:nvPr>
-        </p:nvSpPr>
-        <p:spPr>
-          <a:xfrm>
-            <a:off x="484096" y="470925"/>
-            <a:ext cx="4381009" cy="5892104"/>
-          </a:xfrm>
-          <a:custGeom>
-            <a:avLst/>
-            <a:gdLst>
-              <a:gd name="connsiteX0" fmla="*/ 0 w 4381009"/>
-              <a:gd name="connsiteY0" fmla="*/ 0 h 5892104"/>
-              <a:gd name="connsiteX1" fmla="*/ 4157628 w 4381009"/>
-              <a:gd name="connsiteY1" fmla="*/ 0 h 5892104"/>
-              <a:gd name="connsiteX2" fmla="*/ 4169302 w 4381009"/>
-              <a:gd name="connsiteY2" fmla="*/ 68659 h 5892104"/>
-              <a:gd name="connsiteX3" fmla="*/ 4191571 w 4381009"/>
-              <a:gd name="connsiteY3" fmla="*/ 205472 h 5892104"/>
-              <a:gd name="connsiteX4" fmla="*/ 4213368 w 4381009"/>
-              <a:gd name="connsiteY4" fmla="*/ 342890 h 5892104"/>
-              <a:gd name="connsiteX5" fmla="*/ 4232030 w 4381009"/>
-              <a:gd name="connsiteY5" fmla="*/ 480913 h 5892104"/>
-              <a:gd name="connsiteX6" fmla="*/ 4250848 w 4381009"/>
-              <a:gd name="connsiteY6" fmla="*/ 618332 h 5892104"/>
-              <a:gd name="connsiteX7" fmla="*/ 4268412 w 4381009"/>
-              <a:gd name="connsiteY7" fmla="*/ 756355 h 5892104"/>
-              <a:gd name="connsiteX8" fmla="*/ 4283467 w 4381009"/>
-              <a:gd name="connsiteY8" fmla="*/ 892563 h 5892104"/>
-              <a:gd name="connsiteX9" fmla="*/ 4297737 w 4381009"/>
-              <a:gd name="connsiteY9" fmla="*/ 1030587 h 5892104"/>
-              <a:gd name="connsiteX10" fmla="*/ 4310754 w 4381009"/>
-              <a:gd name="connsiteY10" fmla="*/ 1168005 h 5892104"/>
-              <a:gd name="connsiteX11" fmla="*/ 4322045 w 4381009"/>
-              <a:gd name="connsiteY11" fmla="*/ 1303002 h 5892104"/>
-              <a:gd name="connsiteX12" fmla="*/ 4333336 w 4381009"/>
-              <a:gd name="connsiteY12" fmla="*/ 1439815 h 5892104"/>
-              <a:gd name="connsiteX13" fmla="*/ 4342745 w 4381009"/>
-              <a:gd name="connsiteY13" fmla="*/ 1574812 h 5892104"/>
-              <a:gd name="connsiteX14" fmla="*/ 4350115 w 4381009"/>
-              <a:gd name="connsiteY14" fmla="*/ 1709808 h 5892104"/>
-              <a:gd name="connsiteX15" fmla="*/ 4357799 w 4381009"/>
-              <a:gd name="connsiteY15" fmla="*/ 1844200 h 5892104"/>
-              <a:gd name="connsiteX16" fmla="*/ 4364229 w 4381009"/>
-              <a:gd name="connsiteY16" fmla="*/ 1977381 h 5892104"/>
-              <a:gd name="connsiteX17" fmla="*/ 4368777 w 4381009"/>
-              <a:gd name="connsiteY17" fmla="*/ 2109351 h 5892104"/>
-              <a:gd name="connsiteX18" fmla="*/ 4372697 w 4381009"/>
-              <a:gd name="connsiteY18" fmla="*/ 2241321 h 5892104"/>
-              <a:gd name="connsiteX19" fmla="*/ 4376461 w 4381009"/>
-              <a:gd name="connsiteY19" fmla="*/ 2372080 h 5892104"/>
-              <a:gd name="connsiteX20" fmla="*/ 4378186 w 4381009"/>
-              <a:gd name="connsiteY20" fmla="*/ 2501023 h 5892104"/>
-              <a:gd name="connsiteX21" fmla="*/ 4380068 w 4381009"/>
-              <a:gd name="connsiteY21" fmla="*/ 2629966 h 5892104"/>
-              <a:gd name="connsiteX22" fmla="*/ 4381009 w 4381009"/>
-              <a:gd name="connsiteY22" fmla="*/ 2757093 h 5892104"/>
-              <a:gd name="connsiteX23" fmla="*/ 4380068 w 4381009"/>
-              <a:gd name="connsiteY23" fmla="*/ 2883010 h 5892104"/>
-              <a:gd name="connsiteX24" fmla="*/ 4380068 w 4381009"/>
-              <a:gd name="connsiteY24" fmla="*/ 3007715 h 5892104"/>
-              <a:gd name="connsiteX25" fmla="*/ 4378186 w 4381009"/>
-              <a:gd name="connsiteY25" fmla="*/ 3131210 h 5892104"/>
-              <a:gd name="connsiteX26" fmla="*/ 4375363 w 4381009"/>
-              <a:gd name="connsiteY26" fmla="*/ 3252283 h 5892104"/>
-              <a:gd name="connsiteX27" fmla="*/ 4372697 w 4381009"/>
-              <a:gd name="connsiteY27" fmla="*/ 3372146 h 5892104"/>
-              <a:gd name="connsiteX28" fmla="*/ 4369718 w 4381009"/>
-              <a:gd name="connsiteY28" fmla="*/ 3489587 h 5892104"/>
-              <a:gd name="connsiteX29" fmla="*/ 4365170 w 4381009"/>
-              <a:gd name="connsiteY29" fmla="*/ 3606423 h 5892104"/>
-              <a:gd name="connsiteX30" fmla="*/ 4360309 w 4381009"/>
-              <a:gd name="connsiteY30" fmla="*/ 3721443 h 5892104"/>
-              <a:gd name="connsiteX31" fmla="*/ 4355918 w 4381009"/>
-              <a:gd name="connsiteY31" fmla="*/ 3834041 h 5892104"/>
-              <a:gd name="connsiteX32" fmla="*/ 4343529 w 4381009"/>
-              <a:gd name="connsiteY32" fmla="*/ 4053789 h 5892104"/>
-              <a:gd name="connsiteX33" fmla="*/ 4330356 w 4381009"/>
-              <a:gd name="connsiteY33" fmla="*/ 4264457 h 5892104"/>
-              <a:gd name="connsiteX34" fmla="*/ 4316556 w 4381009"/>
-              <a:gd name="connsiteY34" fmla="*/ 4466650 h 5892104"/>
-              <a:gd name="connsiteX35" fmla="*/ 4301344 w 4381009"/>
-              <a:gd name="connsiteY35" fmla="*/ 4657946 h 5892104"/>
-              <a:gd name="connsiteX36" fmla="*/ 4285506 w 4381009"/>
-              <a:gd name="connsiteY36" fmla="*/ 4840767 h 5892104"/>
-              <a:gd name="connsiteX37" fmla="*/ 4268412 w 4381009"/>
-              <a:gd name="connsiteY37" fmla="*/ 5010269 h 5892104"/>
-              <a:gd name="connsiteX38" fmla="*/ 4251633 w 4381009"/>
-              <a:gd name="connsiteY38" fmla="*/ 5169481 h 5892104"/>
-              <a:gd name="connsiteX39" fmla="*/ 4234853 w 4381009"/>
-              <a:gd name="connsiteY39" fmla="*/ 5315980 h 5892104"/>
-              <a:gd name="connsiteX40" fmla="*/ 4219014 w 4381009"/>
-              <a:gd name="connsiteY40" fmla="*/ 5450371 h 5892104"/>
-              <a:gd name="connsiteX41" fmla="*/ 4203959 w 4381009"/>
-              <a:gd name="connsiteY41" fmla="*/ 5569628 h 5892104"/>
-              <a:gd name="connsiteX42" fmla="*/ 4189689 w 4381009"/>
-              <a:gd name="connsiteY42" fmla="*/ 5677384 h 5892104"/>
-              <a:gd name="connsiteX43" fmla="*/ 4177770 w 4381009"/>
-              <a:gd name="connsiteY43" fmla="*/ 5768189 h 5892104"/>
-              <a:gd name="connsiteX44" fmla="*/ 4166479 w 4381009"/>
-              <a:gd name="connsiteY44" fmla="*/ 5844465 h 5892104"/>
-              <a:gd name="connsiteX45" fmla="*/ 4159132 w 4381009"/>
-              <a:gd name="connsiteY45" fmla="*/ 5892104 h 5892104"/>
-              <a:gd name="connsiteX46" fmla="*/ 0 w 4381009"/>
-              <a:gd name="connsiteY46" fmla="*/ 5892104 h 5892104"/>
-            </a:gdLst>
-            <a:ahLst/>
-            <a:cxnLst>
-              <a:cxn ang="0">
-                <a:pos x="connsiteX0" y="connsiteY0"/>
-              </a:cxn>
-              <a:cxn ang="0">
-                <a:pos x="connsiteX1" y="connsiteY1"/>
-              </a:cxn>
-              <a:cxn ang="0">
-                <a:pos x="connsiteX2" y="connsiteY2"/>
-              </a:cxn>
-              <a:cxn ang="0">
-                <a:pos x="connsiteX3" y="connsiteY3"/>
-              </a:cxn>
-              <a:cxn ang="0">
-                <a:pos x="connsiteX4" y="connsiteY4"/>
-              </a:cxn>
-              <a:cxn ang="0">
-                <a:pos x="connsiteX5" y="connsiteY5"/>
-              </a:cxn>
-              <a:cxn ang="0">
-                <a:pos x="connsiteX6" y="connsiteY6"/>
-              </a:cxn>
-              <a:cxn ang="0">
-                <a:pos x="connsiteX7" y="connsiteY7"/>
-              </a:cxn>
-              <a:cxn ang="0">
-                <a:pos x="connsiteX8" y="connsiteY8"/>
-              </a:cxn>
-              <a:cxn ang="0">
-                <a:pos x="connsiteX9" y="connsiteY9"/>
-              </a:cxn>
-              <a:cxn ang="0">
-                <a:pos x="connsiteX10" y="connsiteY10"/>
-              </a:cxn>
-              <a:cxn ang="0">
-                <a:pos x="connsiteX11" y="connsiteY11"/>
-              </a:cxn>
-              <a:cxn ang="0">
-                <a:pos x="connsiteX12" y="connsiteY12"/>
-              </a:cxn>
-              <a:cxn ang="0">
-                <a:pos x="connsiteX13" y="connsiteY13"/>
-              </a:cxn>
-              <a:cxn ang="0">
-                <a:pos x="connsiteX14" y="connsiteY14"/>
-              </a:cxn>
-              <a:cxn ang="0">
-                <a:pos x="connsiteX15" y="connsiteY15"/>
-              </a:cxn>
-              <a:cxn ang="0">
-                <a:pos x="connsiteX16" y="connsiteY16"/>
-              </a:cxn>
-              <a:cxn ang="0">
-                <a:pos x="connsiteX17" y="connsiteY17"/>
-              </a:cxn>
-              <a:cxn ang="0">
-                <a:pos x="connsiteX18" y="connsiteY18"/>
-              </a:cxn>
-              <a:cxn ang="0">
-                <a:pos x="connsiteX19" y="connsiteY19"/>
-              </a:cxn>
-              <a:cxn ang="0">
-                <a:pos x="connsiteX20" y="connsiteY20"/>
-              </a:cxn>
-              <a:cxn ang="0">
-                <a:pos x="connsiteX21" y="connsiteY21"/>
-              </a:cxn>
-              <a:cxn ang="0">
-                <a:pos x="connsiteX22" y="connsiteY22"/>
-              </a:cxn>
-              <a:cxn ang="0">
-                <a:pos x="connsiteX23" y="connsiteY23"/>
-              </a:cxn>
-              <a:cxn ang="0">
-                <a:pos x="connsiteX24" y="connsiteY24"/>
-              </a:cxn>
-              <a:cxn ang="0">
-                <a:pos x="connsiteX25" y="connsiteY25"/>
-              </a:cxn>
-              <a:cxn ang="0">
-                <a:pos x="connsiteX26" y="connsiteY26"/>
-              </a:cxn>
-              <a:cxn ang="0">
-                <a:pos x="connsiteX27" y="connsiteY27"/>
-              </a:cxn>
-              <a:cxn ang="0">
-                <a:pos x="connsiteX28" y="connsiteY28"/>
-              </a:cxn>
-              <a:cxn ang="0">
-                <a:pos x="connsiteX29" y="connsiteY29"/>
-              </a:cxn>
-              <a:cxn ang="0">
-                <a:pos x="connsiteX30" y="connsiteY30"/>
-              </a:cxn>
-              <a:cxn ang="0">
-                <a:pos x="connsiteX31" y="connsiteY31"/>
-              </a:cxn>
-              <a:cxn ang="0">
-                <a:pos x="connsiteX32" y="connsiteY32"/>
-              </a:cxn>
-              <a:cxn ang="0">
-                <a:pos x="connsiteX33" y="connsiteY33"/>
-              </a:cxn>
-              <a:cxn ang="0">
-                <a:pos x="connsiteX34" y="connsiteY34"/>
-              </a:cxn>
-              <a:cxn ang="0">
-                <a:pos x="connsiteX35" y="connsiteY35"/>
-              </a:cxn>
-              <a:cxn ang="0">
-                <a:pos x="connsiteX36" y="connsiteY36"/>
-              </a:cxn>
-              <a:cxn ang="0">
-                <a:pos x="connsiteX37" y="connsiteY37"/>
-              </a:cxn>
-              <a:cxn ang="0">
-                <a:pos x="connsiteX38" y="connsiteY38"/>
-              </a:cxn>
-              <a:cxn ang="0">
-                <a:pos x="connsiteX39" y="connsiteY39"/>
-              </a:cxn>
-              <a:cxn ang="0">
-                <a:pos x="connsiteX40" y="connsiteY40"/>
-              </a:cxn>
-              <a:cxn ang="0">
-                <a:pos x="connsiteX41" y="connsiteY41"/>
-              </a:cxn>
-              <a:cxn ang="0">
-                <a:pos x="connsiteX42" y="connsiteY42"/>
-              </a:cxn>
-              <a:cxn ang="0">
-                <a:pos x="connsiteX43" y="connsiteY43"/>
-              </a:cxn>
-              <a:cxn ang="0">
-                <a:pos x="connsiteX44" y="connsiteY44"/>
-              </a:cxn>
-              <a:cxn ang="0">
-                <a:pos x="connsiteX45" y="connsiteY45"/>
-              </a:cxn>
-              <a:cxn ang="0">
-                <a:pos x="connsiteX46" y="connsiteY46"/>
-              </a:cxn>
-            </a:cxnLst>
-            <a:rect l="l" t="t" r="r" b="b"/>
-            <a:pathLst>
-              <a:path w="4381009" h="5892104">
-                <a:moveTo>
-                  <a:pt x="0" y="0"/>
-                </a:moveTo>
-                <a:lnTo>
-                  <a:pt x="4157628" y="0"/>
-                </a:lnTo>
-                <a:lnTo>
-                  <a:pt x="4169302" y="68659"/>
-                </a:lnTo>
-                <a:lnTo>
-                  <a:pt x="4191571" y="205472"/>
-                </a:lnTo>
-                <a:lnTo>
-                  <a:pt x="4213368" y="342890"/>
-                </a:lnTo>
-                <a:lnTo>
-                  <a:pt x="4232030" y="480913"/>
-                </a:lnTo>
-                <a:lnTo>
-                  <a:pt x="4250848" y="618332"/>
-                </a:lnTo>
-                <a:lnTo>
-                  <a:pt x="4268412" y="756355"/>
-                </a:lnTo>
-                <a:lnTo>
-                  <a:pt x="4283467" y="892563"/>
-                </a:lnTo>
-                <a:lnTo>
-                  <a:pt x="4297737" y="1030587"/>
-                </a:lnTo>
-                <a:lnTo>
-                  <a:pt x="4310754" y="1168005"/>
-                </a:lnTo>
-                <a:lnTo>
-                  <a:pt x="4322045" y="1303002"/>
-                </a:lnTo>
-                <a:lnTo>
-                  <a:pt x="4333336" y="1439815"/>
-                </a:lnTo>
-                <a:lnTo>
-                  <a:pt x="4342745" y="1574812"/>
-                </a:lnTo>
-                <a:lnTo>
-                  <a:pt x="4350115" y="1709808"/>
-                </a:lnTo>
-                <a:lnTo>
-                  <a:pt x="4357799" y="1844200"/>
-                </a:lnTo>
-                <a:lnTo>
-                  <a:pt x="4364229" y="1977381"/>
-                </a:lnTo>
-                <a:lnTo>
-                  <a:pt x="4368777" y="2109351"/>
-                </a:lnTo>
-                <a:lnTo>
-                  <a:pt x="4372697" y="2241321"/>
-                </a:lnTo>
-                <a:lnTo>
-                  <a:pt x="4376461" y="2372080"/>
-                </a:lnTo>
-                <a:lnTo>
-                  <a:pt x="4378186" y="2501023"/>
-                </a:lnTo>
-                <a:lnTo>
-                  <a:pt x="4380068" y="2629966"/>
-                </a:lnTo>
-                <a:lnTo>
-                  <a:pt x="4381009" y="2757093"/>
-                </a:lnTo>
-                <a:lnTo>
-                  <a:pt x="4380068" y="2883010"/>
-                </a:lnTo>
-                <a:lnTo>
-                  <a:pt x="4380068" y="3007715"/>
-                </a:lnTo>
-                <a:lnTo>
-                  <a:pt x="4378186" y="3131210"/>
-                </a:lnTo>
-                <a:lnTo>
-                  <a:pt x="4375363" y="3252283"/>
-                </a:lnTo>
-                <a:lnTo>
-                  <a:pt x="4372697" y="3372146"/>
-                </a:lnTo>
-                <a:lnTo>
-                  <a:pt x="4369718" y="3489587"/>
-                </a:lnTo>
-                <a:lnTo>
-                  <a:pt x="4365170" y="3606423"/>
-                </a:lnTo>
-                <a:lnTo>
-                  <a:pt x="4360309" y="3721443"/>
-                </a:lnTo>
-                <a:lnTo>
-                  <a:pt x="4355918" y="3834041"/>
-                </a:lnTo>
-                <a:lnTo>
-                  <a:pt x="4343529" y="4053789"/>
-                </a:lnTo>
-                <a:lnTo>
-                  <a:pt x="4330356" y="4264457"/>
-                </a:lnTo>
-                <a:lnTo>
-                  <a:pt x="4316556" y="4466650"/>
-                </a:lnTo>
-                <a:lnTo>
-                  <a:pt x="4301344" y="4657946"/>
-                </a:lnTo>
-                <a:lnTo>
-                  <a:pt x="4285506" y="4840767"/>
-                </a:lnTo>
-                <a:lnTo>
-                  <a:pt x="4268412" y="5010269"/>
-                </a:lnTo>
-                <a:lnTo>
-                  <a:pt x="4251633" y="5169481"/>
-                </a:lnTo>
-                <a:lnTo>
-                  <a:pt x="4234853" y="5315980"/>
-                </a:lnTo>
-                <a:lnTo>
-                  <a:pt x="4219014" y="5450371"/>
-                </a:lnTo>
-                <a:lnTo>
-                  <a:pt x="4203959" y="5569628"/>
-                </a:lnTo>
-                <a:lnTo>
-                  <a:pt x="4189689" y="5677384"/>
-                </a:lnTo>
-                <a:lnTo>
-                  <a:pt x="4177770" y="5768189"/>
-                </a:lnTo>
-                <a:lnTo>
-                  <a:pt x="4166479" y="5844465"/>
-                </a:lnTo>
-                <a:lnTo>
-                  <a:pt x="4159132" y="5892104"/>
-                </a:lnTo>
-                <a:lnTo>
-                  <a:pt x="0" y="5892104"/>
-                </a:lnTo>
-                <a:close/>
-              </a:path>
-            </a:pathLst>
-          </a:custGeom>
-          <a:solidFill>
-            <a:srgbClr val="404040"/>
-          </a:solidFill>
-          <a:ln>
-            <a:noFill/>
-          </a:ln>
-        </p:spPr>
-        <p:style>
-          <a:lnRef idx="2">
-            <a:schemeClr val="accent1">
-              <a:shade val="50000"/>
-            </a:schemeClr>
-          </a:lnRef>
-          <a:fillRef idx="1">
-            <a:schemeClr val="accent1"/>
-          </a:fillRef>
-          <a:effectRef idx="0">
-            <a:schemeClr val="accent1"/>
-          </a:effectRef>
-          <a:fontRef idx="minor">
-            <a:schemeClr val="lt1"/>
-          </a:fontRef>
-        </p:style>
-        <p:txBody>
-          <a:bodyPr wrap="square" rtlCol="0" anchor="ctr">
-            <a:noAutofit/>
-          </a:bodyPr>
-          <a:lstStyle/>
-          <a:p>
-            <a:pPr marL="0" marR="0" lvl="0" indent="0" algn="ctr" defTabSz="457200" rtl="0" eaLnBrk="1" fontAlgn="auto" latinLnBrk="0" hangingPunct="1">
-              <a:lnSpc>
-                <a:spcPct val="100000"/>
-              </a:lnSpc>
-              <a:spcBef>
-                <a:spcPts val="0"/>
-              </a:spcBef>
-              <a:spcAft>
-                <a:spcPts val="0"/>
-              </a:spcAft>
-              <a:buClrTx/>
-              <a:buSzTx/>
-              <a:buFontTx/>
-              <a:buNone/>
-              <a:tabLst/>
-              <a:defRPr/>
-            </a:pPr>
-            <a:endParaRPr kumimoji="0" lang="en-US" sz="1800" b="0" i="0" u="none" strike="noStrike" kern="1200" cap="none" spc="0" normalizeH="0" baseline="0" noProof="0">
-              <a:ln>
-                <a:noFill/>
-              </a:ln>
-              <a:solidFill>
-                <a:prstClr val="white"/>
-              </a:solidFill>
-              <a:effectLst/>
-              <a:uLnTx/>
-              <a:uFillTx/>
-              <a:latin typeface="Calibri" panose="020F0502020204030204"/>
-              <a:ea typeface="+mn-ea"/>
-              <a:cs typeface="+mn-cs"/>
-            </a:endParaRPr>
-          </a:p>
-        </p:txBody>
-      </p:sp>
-      <p:sp>
-        <p:nvSpPr>
-          <p:cNvPr id="2" name="Titel 1">
-            <a:extLst>
-              <a:ext uri="{FF2B5EF4-FFF2-40B4-BE49-F238E27FC236}">
-                <a16:creationId xmlns:a16="http://schemas.microsoft.com/office/drawing/2014/main" id="{80747543-2235-43C6-9481-9128DD1CA507}"/>
-              </a:ext>
-            </a:extLst>
-          </p:cNvPr>
-          <p:cNvSpPr>
-            <a:spLocks noGrp="1"/>
-          </p:cNvSpPr>
-          <p:nvPr>
-            <p:ph type="title"/>
-          </p:nvPr>
-        </p:nvSpPr>
-        <p:spPr>
-          <a:xfrm>
-            <a:off x="863029" y="1012004"/>
-            <a:ext cx="3416158" cy="4795408"/>
-          </a:xfrm>
-        </p:spPr>
-        <p:txBody>
-          <a:bodyPr>
-            <a:normAutofit/>
-          </a:bodyPr>
-          <a:lstStyle/>
-          <a:p>
-            <a:r>
-              <a:rPr lang="de-DE">
-                <a:solidFill>
-                  <a:srgbClr val="FFFFFF"/>
-                </a:solidFill>
-              </a:rPr>
-              <a:t>Reflexion</a:t>
-            </a:r>
-          </a:p>
-        </p:txBody>
-      </p:sp>
-      <p:graphicFrame>
-        <p:nvGraphicFramePr>
-          <p:cNvPr id="5" name="Inhaltsplatzhalter 2">
-            <a:extLst>
-              <a:ext uri="{FF2B5EF4-FFF2-40B4-BE49-F238E27FC236}">
-                <a16:creationId xmlns:a16="http://schemas.microsoft.com/office/drawing/2014/main" id="{C5826FEA-AF69-4E04-8470-9CD18D791994}"/>
-              </a:ext>
-            </a:extLst>
-          </p:cNvPr>
-          <p:cNvGraphicFramePr>
-            <a:graphicFrameLocks noGrp="1"/>
-          </p:cNvGraphicFramePr>
-          <p:nvPr>
-            <p:ph idx="1"/>
-            <p:extLst>
-              <p:ext uri="{D42A27DB-BD31-4B8C-83A1-F6EECF244321}">
-                <p14:modId xmlns:p14="http://schemas.microsoft.com/office/powerpoint/2010/main" val="2924052128"/>
-              </p:ext>
-            </p:extLst>
-          </p:nvPr>
-        </p:nvGraphicFramePr>
-        <p:xfrm>
-          <a:off x="5194300" y="470924"/>
-          <a:ext cx="6513604" cy="5885426"/>
-        </p:xfrm>
-        <a:graphic>
-          <a:graphicData uri="http://schemas.openxmlformats.org/drawingml/2006/diagram">
-            <dgm:relIds xmlns:dgm="http://schemas.openxmlformats.org/drawingml/2006/diagram" xmlns:r="http://schemas.openxmlformats.org/officeDocument/2006/relationships" r:dm="rId2" r:lo="rId3" r:qs="rId4" r:cs="rId5"/>
-          </a:graphicData>
-        </a:graphic>
-      </p:graphicFrame>
-    </p:spTree>
-    <p:extLst>
-      <p:ext uri="{BB962C8B-B14F-4D97-AF65-F5344CB8AC3E}">
-        <p14:creationId xmlns:p14="http://schemas.microsoft.com/office/powerpoint/2010/main" val="511304633"/>
-      </p:ext>
-    </p:extLst>
-  </p:cSld>
-  <p:clrMapOvr>
-    <a:masterClrMapping/>
-  </p:clrMapOvr>
-</p:sld>
-</file>
-
-<file path=ppt/slides/slide8.xml><?xml version="1.0" encoding="utf-8"?>
-<p:sld xmlns:a="http://schemas.openxmlformats.org/drawingml/2006/main" xmlns:r="http://schemas.openxmlformats.org/officeDocument/2006/relationships" xmlns:p="http://schemas.openxmlformats.org/presentationml/2006/main">
-  <p:cSld>
-    <p:bg>
-      <p:bgPr>
-        <a:solidFill>
-          <a:schemeClr val="bg1"/>
-        </a:solidFill>
-        <a:effectLst/>
-      </p:bgPr>
-    </p:bg>
-    <p:spTree>
-      <p:nvGrpSpPr>
-        <p:cNvPr id="1" name=""/>
-        <p:cNvGrpSpPr/>
-        <p:nvPr/>
-      </p:nvGrpSpPr>
-      <p:grpSpPr>
-        <a:xfrm>
-          <a:off x="0" y="0"/>
-          <a:ext cx="0" cy="0"/>
-          <a:chOff x="0" y="0"/>
-          <a:chExt cx="0" cy="0"/>
-        </a:xfrm>
-      </p:grpSpPr>
-      <p:sp>
-        <p:nvSpPr>
-          <p:cNvPr id="10" name="Rectangle 9">
-            <a:extLst>
-              <a:ext uri="{FF2B5EF4-FFF2-40B4-BE49-F238E27FC236}">
-                <a16:creationId xmlns:a16="http://schemas.microsoft.com/office/drawing/2014/main" id="{823AC064-BC96-4F32-8AE1-B2FD38754823}"/>
-              </a:ext>
-              <a:ext uri="{C183D7F6-B498-43B3-948B-1728B52AA6E4}">
-                <adec:decorative xmlns:adec="http://schemas.microsoft.com/office/drawing/2017/decorative" val="1"/>
-              </a:ext>
-            </a:extLst>
-          </p:cNvPr>
-          <p:cNvSpPr>
-            <a:spLocks noGrp="1" noRot="1" noChangeAspect="1" noMove="1" noResize="1" noEditPoints="1" noAdjustHandles="1" noChangeArrowheads="1" noChangeShapeType="1" noTextEdit="1"/>
-          </p:cNvSpPr>
-          <p:nvPr>
-            <p:extLst>
-              <p:ext uri="{386F3935-93C4-4BCD-93E2-E3B085C9AB24}">
-                <p16:designElem xmlns:p16="http://schemas.microsoft.com/office/powerpoint/2015/main" val="1"/>
-              </p:ext>
-            </p:extLst>
-          </p:nvPr>
-        </p:nvSpPr>
-        <p:spPr bwMode="ltGray">
-          <a:xfrm>
-            <a:off x="378068" y="343486"/>
-            <a:ext cx="11438793" cy="1844256"/>
-          </a:xfrm>
-          <a:prstGeom prst="rect">
-            <a:avLst/>
-          </a:prstGeom>
-          <a:solidFill>
-            <a:srgbClr val="404040"/>
-          </a:solidFill>
-          <a:ln w="127000" cap="sq" cmpd="thinThick">
-            <a:solidFill>
-              <a:srgbClr val="404040"/>
-            </a:solidFill>
-          </a:ln>
-        </p:spPr>
-        <p:style>
-          <a:lnRef idx="2">
-            <a:schemeClr val="accent1">
-              <a:shade val="50000"/>
-            </a:schemeClr>
-          </a:lnRef>
-          <a:fillRef idx="1">
-            <a:schemeClr val="accent1"/>
-          </a:fillRef>
-          <a:effectRef idx="0">
-            <a:schemeClr val="accent1"/>
-          </a:effectRef>
-          <a:fontRef idx="minor">
-            <a:schemeClr val="lt1"/>
-          </a:fontRef>
-        </p:style>
-        <p:txBody>
-          <a:bodyPr rtlCol="0" anchor="ctr"/>
-          <a:lstStyle/>
-          <a:p>
-            <a:pPr marL="0" marR="0" lvl="0" indent="0" algn="ctr" defTabSz="914400" rtl="0" eaLnBrk="1" fontAlgn="auto" latinLnBrk="0" hangingPunct="1">
-              <a:lnSpc>
-                <a:spcPct val="100000"/>
-              </a:lnSpc>
-              <a:spcBef>
-                <a:spcPts val="0"/>
-              </a:spcBef>
-              <a:spcAft>
-                <a:spcPts val="0"/>
-              </a:spcAft>
-              <a:buClrTx/>
-              <a:buSzTx/>
-              <a:buFontTx/>
-              <a:buNone/>
-              <a:tabLst/>
-              <a:defRPr/>
-            </a:pPr>
-            <a:endParaRPr kumimoji="0" lang="en-US" sz="1800" b="0" i="0" u="none" strike="noStrike" kern="1200" cap="none" spc="0" normalizeH="0" baseline="0" noProof="0">
-              <a:ln>
-                <a:noFill/>
-              </a:ln>
-              <a:solidFill>
-                <a:prstClr val="white"/>
-              </a:solidFill>
-              <a:effectLst/>
-              <a:uLnTx/>
-              <a:uFillTx/>
-              <a:latin typeface="Calibri" panose="020F0502020204030204"/>
-              <a:ea typeface="+mn-ea"/>
-              <a:cs typeface="+mn-cs"/>
-            </a:endParaRPr>
-          </a:p>
-        </p:txBody>
-      </p:sp>
-      <p:sp>
-        <p:nvSpPr>
-          <p:cNvPr id="2" name="Titel 1">
-            <a:extLst>
-              <a:ext uri="{FF2B5EF4-FFF2-40B4-BE49-F238E27FC236}">
-                <a16:creationId xmlns:a16="http://schemas.microsoft.com/office/drawing/2014/main" id="{8B091153-A6EC-4181-8FEF-0EBC2035DE73}"/>
-              </a:ext>
-            </a:extLst>
-          </p:cNvPr>
-          <p:cNvSpPr>
-            <a:spLocks noGrp="1"/>
-          </p:cNvSpPr>
-          <p:nvPr>
-            <p:ph type="title"/>
-          </p:nvPr>
-        </p:nvSpPr>
-        <p:spPr>
-          <a:xfrm>
-            <a:off x="526073" y="466578"/>
-            <a:ext cx="11139854" cy="930447"/>
-          </a:xfrm>
-        </p:spPr>
-        <p:txBody>
-          <a:bodyPr vert="horz" lIns="91440" tIns="45720" rIns="91440" bIns="45720" rtlCol="0" anchor="b">
-            <a:normAutofit/>
-          </a:bodyPr>
-          <a:lstStyle/>
-          <a:p>
-            <a:pPr algn="ctr"/>
-            <a:r>
-              <a:rPr lang="en-US" sz="5400" kern="1200">
-                <a:solidFill>
-                  <a:srgbClr val="FFFFFF"/>
-                </a:solidFill>
-                <a:latin typeface="+mj-lt"/>
-                <a:ea typeface="+mj-ea"/>
-                <a:cs typeface="+mj-cs"/>
-              </a:rPr>
-              <a:t>Fragen?</a:t>
-            </a:r>
-          </a:p>
-        </p:txBody>
-      </p:sp>
-      <p:sp>
-        <p:nvSpPr>
-          <p:cNvPr id="3" name="Inhaltsplatzhalter 2">
-            <a:extLst>
-              <a:ext uri="{FF2B5EF4-FFF2-40B4-BE49-F238E27FC236}">
-                <a16:creationId xmlns:a16="http://schemas.microsoft.com/office/drawing/2014/main" id="{0EC1D7BD-9C2B-4612-942D-FBC9EA4A05A9}"/>
-              </a:ext>
-            </a:extLst>
-          </p:cNvPr>
-          <p:cNvSpPr>
-            <a:spLocks noGrp="1"/>
-          </p:cNvSpPr>
-          <p:nvPr>
-            <p:ph idx="1"/>
-          </p:nvPr>
-        </p:nvSpPr>
-        <p:spPr>
-          <a:xfrm>
-            <a:off x="1524000" y="1525638"/>
-            <a:ext cx="9144000" cy="420001"/>
-          </a:xfrm>
-        </p:spPr>
-        <p:txBody>
-          <a:bodyPr vert="horz" lIns="91440" tIns="45720" rIns="91440" bIns="45720" rtlCol="0">
-            <a:normAutofit/>
-          </a:bodyPr>
-          <a:lstStyle/>
-          <a:p>
-            <a:pPr marL="0" indent="0" algn="ctr">
-              <a:buNone/>
-            </a:pPr>
-            <a:r>
-              <a:rPr lang="en-US" sz="2000" kern="1200" dirty="0" err="1">
-                <a:solidFill>
-                  <a:srgbClr val="E7E6E6"/>
-                </a:solidFill>
-                <a:latin typeface="+mn-lt"/>
-                <a:ea typeface="+mn-ea"/>
-                <a:cs typeface="+mn-cs"/>
-              </a:rPr>
-              <a:t>Vielen</a:t>
-            </a:r>
-            <a:r>
-              <a:rPr lang="en-US" sz="2000" kern="1200" dirty="0">
-                <a:solidFill>
-                  <a:srgbClr val="E7E6E6"/>
-                </a:solidFill>
-                <a:latin typeface="+mn-lt"/>
-                <a:ea typeface="+mn-ea"/>
-                <a:cs typeface="+mn-cs"/>
-              </a:rPr>
-              <a:t> Dank </a:t>
-            </a:r>
-            <a:r>
-              <a:rPr lang="en-US" sz="2000" kern="1200" dirty="0" err="1">
-                <a:solidFill>
-                  <a:srgbClr val="E7E6E6"/>
-                </a:solidFill>
-                <a:latin typeface="+mn-lt"/>
-                <a:ea typeface="+mn-ea"/>
-                <a:cs typeface="+mn-cs"/>
-              </a:rPr>
-              <a:t>für</a:t>
-            </a:r>
-            <a:r>
-              <a:rPr lang="en-US" sz="2000" kern="1200" dirty="0">
-                <a:solidFill>
-                  <a:srgbClr val="E7E6E6"/>
-                </a:solidFill>
-                <a:latin typeface="+mn-lt"/>
-                <a:ea typeface="+mn-ea"/>
-                <a:cs typeface="+mn-cs"/>
-              </a:rPr>
-              <a:t> </a:t>
-            </a:r>
-            <a:r>
-              <a:rPr lang="en-US" sz="2000" kern="1200" dirty="0" err="1">
-                <a:solidFill>
-                  <a:srgbClr val="E7E6E6"/>
-                </a:solidFill>
-                <a:latin typeface="+mn-lt"/>
-                <a:ea typeface="+mn-ea"/>
-                <a:cs typeface="+mn-cs"/>
-              </a:rPr>
-              <a:t>Eure</a:t>
-            </a:r>
-            <a:r>
-              <a:rPr lang="en-US" sz="2000" kern="1200" dirty="0">
-                <a:solidFill>
-                  <a:srgbClr val="E7E6E6"/>
-                </a:solidFill>
-                <a:latin typeface="+mn-lt"/>
-                <a:ea typeface="+mn-ea"/>
-                <a:cs typeface="+mn-cs"/>
-              </a:rPr>
-              <a:t> </a:t>
-            </a:r>
-            <a:r>
-              <a:rPr lang="en-US" sz="2000" kern="1200" dirty="0" err="1">
-                <a:solidFill>
-                  <a:srgbClr val="E7E6E6"/>
-                </a:solidFill>
-                <a:latin typeface="+mn-lt"/>
-                <a:ea typeface="+mn-ea"/>
-                <a:cs typeface="+mn-cs"/>
-              </a:rPr>
-              <a:t>Aufmerksamkeit</a:t>
-            </a:r>
-            <a:r>
-              <a:rPr lang="en-US" sz="2000" kern="1200" dirty="0">
-                <a:solidFill>
-                  <a:srgbClr val="E7E6E6"/>
-                </a:solidFill>
-                <a:latin typeface="+mn-lt"/>
-                <a:ea typeface="+mn-ea"/>
-                <a:cs typeface="+mn-cs"/>
-              </a:rPr>
-              <a:t>!</a:t>
-            </a:r>
-          </a:p>
-        </p:txBody>
-      </p:sp>
-      <p:cxnSp>
-        <p:nvCxnSpPr>
-          <p:cNvPr id="12" name="Straight Connector 11">
-            <a:extLst>
-              <a:ext uri="{FF2B5EF4-FFF2-40B4-BE49-F238E27FC236}">
-                <a16:creationId xmlns:a16="http://schemas.microsoft.com/office/drawing/2014/main" id="{7E7C77BC-7138-40B1-A15B-20F57A494629}"/>
-              </a:ext>
-              <a:ext uri="{C183D7F6-B498-43B3-948B-1728B52AA6E4}">
-                <adec:decorative xmlns:adec="http://schemas.microsoft.com/office/drawing/2017/decorative" val="1"/>
-              </a:ext>
-            </a:extLst>
-          </p:cNvPr>
-          <p:cNvCxnSpPr>
-            <a:cxnSpLocks noGrp="1" noRot="1" noChangeAspect="1" noMove="1" noResize="1" noEditPoints="1" noAdjustHandles="1" noChangeArrowheads="1" noChangeShapeType="1"/>
-          </p:cNvCxnSpPr>
-          <p:nvPr>
-            <p:extLst>
-              <p:ext uri="{386F3935-93C4-4BCD-93E2-E3B085C9AB24}">
-                <p16:designElem xmlns:p16="http://schemas.microsoft.com/office/powerpoint/2015/main" val="1"/>
-              </p:ext>
-            </p:extLst>
-          </p:nvPr>
-        </p:nvCxnSpPr>
-        <p:spPr>
-          <a:xfrm>
-            <a:off x="2209800" y="1448631"/>
-            <a:ext cx="7772400" cy="0"/>
-          </a:xfrm>
-          <a:prstGeom prst="line">
-            <a:avLst/>
-          </a:prstGeom>
-          <a:ln w="22225">
-            <a:solidFill>
-              <a:srgbClr val="D9D9D9"/>
-            </a:solidFill>
-          </a:ln>
-        </p:spPr>
-        <p:style>
-          <a:lnRef idx="1">
-            <a:schemeClr val="accent1"/>
-          </a:lnRef>
-          <a:fillRef idx="0">
-            <a:schemeClr val="accent1"/>
-          </a:fillRef>
-          <a:effectRef idx="0">
-            <a:schemeClr val="accent1"/>
-          </a:effectRef>
-          <a:fontRef idx="minor">
-            <a:schemeClr val="tx1"/>
-          </a:fontRef>
-        </p:style>
-      </p:cxnSp>
-      <p:pic>
-        <p:nvPicPr>
-          <p:cNvPr id="7" name="Graphic 6">
-            <a:extLst>
-              <a:ext uri="{FF2B5EF4-FFF2-40B4-BE49-F238E27FC236}">
-                <a16:creationId xmlns:a16="http://schemas.microsoft.com/office/drawing/2014/main" id="{62CE27A7-0387-444E-82AD-9992707B5343}"/>
-              </a:ext>
-            </a:extLst>
-          </p:cNvPr>
-          <p:cNvPicPr>
-            <a:picLocks noChangeAspect="1"/>
-          </p:cNvPicPr>
-          <p:nvPr/>
-        </p:nvPicPr>
-        <p:blipFill>
-          <a:blip r:embed="rId2">
-            <a:extLst>
-              <a:ext uri="{28A0092B-C50C-407E-A947-70E740481C1C}">
-                <a14:useLocalDpi xmlns:a14="http://schemas.microsoft.com/office/drawing/2010/main" val="0"/>
-              </a:ext>
-              <a:ext uri="{96DAC541-7B7A-43D3-8B79-37D633B846F1}">
-                <asvg:svgBlip xmlns:asvg="http://schemas.microsoft.com/office/drawing/2016/SVG/main" r:embed="rId3"/>
-              </a:ext>
-            </a:extLst>
-          </a:blip>
-          <a:stretch>
-            <a:fillRect/>
-          </a:stretch>
-        </p:blipFill>
-        <p:spPr>
-          <a:xfrm>
-            <a:off x="4069632" y="2509911"/>
-            <a:ext cx="3997637" cy="3997637"/>
-          </a:xfrm>
-          <a:prstGeom prst="rect">
-            <a:avLst/>
-          </a:prstGeom>
-        </p:spPr>
-      </p:pic>
-    </p:spTree>
-    <p:extLst>
-      <p:ext uri="{BB962C8B-B14F-4D97-AF65-F5344CB8AC3E}">
-        <p14:creationId xmlns:p14="http://schemas.microsoft.com/office/powerpoint/2010/main" val="3850624701"/>
       </p:ext>
     </p:extLst>
   </p:cSld>
